--- a/InfoSec/PPTs/L6-CH05-Database Security.pptx
+++ b/InfoSec/PPTs/L6-CH05-Database Security.pptx
@@ -5,10 +5,10 @@
     <p:sldMasterId id="2147483878" r:id="rId1"/>
   </p:sldMasterIdLst>
   <p:notesMasterIdLst>
-    <p:notesMasterId r:id="rId36"/>
+    <p:notesMasterId r:id="rId39"/>
   </p:notesMasterIdLst>
   <p:handoutMasterIdLst>
-    <p:handoutMasterId r:id="rId37"/>
+    <p:handoutMasterId r:id="rId40"/>
   </p:handoutMasterIdLst>
   <p:sldIdLst>
     <p:sldId id="384" r:id="rId2"/>
@@ -21,30 +21,33 @@
     <p:sldId id="507" r:id="rId9"/>
     <p:sldId id="523" r:id="rId10"/>
     <p:sldId id="511" r:id="rId11"/>
-    <p:sldId id="430" r:id="rId12"/>
-    <p:sldId id="504" r:id="rId13"/>
-    <p:sldId id="415" r:id="rId14"/>
-    <p:sldId id="525" r:id="rId15"/>
-    <p:sldId id="512" r:id="rId16"/>
-    <p:sldId id="369" r:id="rId17"/>
-    <p:sldId id="520" r:id="rId18"/>
-    <p:sldId id="519" r:id="rId19"/>
-    <p:sldId id="435" r:id="rId20"/>
-    <p:sldId id="521" r:id="rId21"/>
-    <p:sldId id="513" r:id="rId22"/>
-    <p:sldId id="524" r:id="rId23"/>
-    <p:sldId id="372" r:id="rId24"/>
-    <p:sldId id="434" r:id="rId25"/>
-    <p:sldId id="373" r:id="rId26"/>
-    <p:sldId id="424" r:id="rId27"/>
-    <p:sldId id="505" r:id="rId28"/>
-    <p:sldId id="514" r:id="rId29"/>
-    <p:sldId id="526" r:id="rId30"/>
-    <p:sldId id="515" r:id="rId31"/>
-    <p:sldId id="383" r:id="rId32"/>
-    <p:sldId id="516" r:id="rId33"/>
-    <p:sldId id="517" r:id="rId34"/>
-    <p:sldId id="518" r:id="rId35"/>
+    <p:sldId id="528" r:id="rId12"/>
+    <p:sldId id="530" r:id="rId13"/>
+    <p:sldId id="532" r:id="rId14"/>
+    <p:sldId id="533" r:id="rId15"/>
+    <p:sldId id="504" r:id="rId16"/>
+    <p:sldId id="415" r:id="rId17"/>
+    <p:sldId id="525" r:id="rId18"/>
+    <p:sldId id="512" r:id="rId19"/>
+    <p:sldId id="369" r:id="rId20"/>
+    <p:sldId id="520" r:id="rId21"/>
+    <p:sldId id="519" r:id="rId22"/>
+    <p:sldId id="435" r:id="rId23"/>
+    <p:sldId id="521" r:id="rId24"/>
+    <p:sldId id="513" r:id="rId25"/>
+    <p:sldId id="524" r:id="rId26"/>
+    <p:sldId id="372" r:id="rId27"/>
+    <p:sldId id="434" r:id="rId28"/>
+    <p:sldId id="373" r:id="rId29"/>
+    <p:sldId id="424" r:id="rId30"/>
+    <p:sldId id="505" r:id="rId31"/>
+    <p:sldId id="514" r:id="rId32"/>
+    <p:sldId id="526" r:id="rId33"/>
+    <p:sldId id="515" r:id="rId34"/>
+    <p:sldId id="383" r:id="rId35"/>
+    <p:sldId id="516" r:id="rId36"/>
+    <p:sldId id="517" r:id="rId37"/>
+    <p:sldId id="518" r:id="rId38"/>
   </p:sldIdLst>
   <p:sldSz cx="9144000" cy="6858000" type="screen4x3"/>
   <p:notesSz cx="6858000" cy="9144000"/>
@@ -188,7 +191,10 @@
             <p14:sldId id="507"/>
             <p14:sldId id="523"/>
             <p14:sldId id="511"/>
-            <p14:sldId id="430"/>
+            <p14:sldId id="528"/>
+            <p14:sldId id="530"/>
+            <p14:sldId id="532"/>
+            <p14:sldId id="533"/>
             <p14:sldId id="504"/>
             <p14:sldId id="415"/>
             <p14:sldId id="525"/>
@@ -343,7 +349,7 @@
             <a:fld id="{999DDEF9-8F79-3F4A-8C1A-CB2E900DCD92}" type="datetimeFigureOut">
               <a:rPr lang="en-US" smtClean="0"/>
               <a:pPr/>
-              <a:t>4/22/2020</a:t>
+              <a:t>4/26/2020</a:t>
             </a:fld>
             <a:endParaRPr lang="en-US"/>
           </a:p>
@@ -2035,7 +2041,7 @@
               <a:pPr>
                 <a:defRPr/>
               </a:pPr>
-              <a:t>13</a:t>
+              <a:t>16</a:t>
             </a:fld>
             <a:endParaRPr lang="en-AU"/>
           </a:p>
@@ -2222,7 +2228,7 @@
             <a:fld id="{F8560DBF-F109-8946-ADF0-EE66B221E988}" type="slidenum">
               <a:rPr lang="en-AU" smtClean="0"/>
               <a:pPr/>
-              <a:t>14</a:t>
+              <a:t>17</a:t>
             </a:fld>
             <a:endParaRPr lang="en-AU" dirty="0"/>
           </a:p>
@@ -2620,7 +2626,7 @@
             <a:fld id="{F8560DBF-F109-8946-ADF0-EE66B221E988}" type="slidenum">
               <a:rPr lang="en-AU" smtClean="0"/>
               <a:pPr/>
-              <a:t>15</a:t>
+              <a:t>18</a:t>
             </a:fld>
             <a:endParaRPr lang="en-AU" dirty="0"/>
           </a:p>
@@ -2678,7 +2684,7 @@
                 <a:latin typeface="Arial" pitchFamily="-109" charset="0"/>
               </a:rPr>
               <a:pPr/>
-              <a:t>16</a:t>
+              <a:t>19</a:t>
             </a:fld>
             <a:endParaRPr lang="en-AU">
               <a:latin typeface="Arial" pitchFamily="-109" charset="0"/>
@@ -3738,7 +3744,7 @@
             <a:fld id="{F8560DBF-F109-8946-ADF0-EE66B221E988}" type="slidenum">
               <a:rPr lang="en-AU" smtClean="0"/>
               <a:pPr/>
-              <a:t>18</a:t>
+              <a:t>21</a:t>
             </a:fld>
             <a:endParaRPr lang="en-AU" dirty="0"/>
           </a:p>
@@ -4365,7 +4371,7 @@
             <a:fld id="{F8560DBF-F109-8946-ADF0-EE66B221E988}" type="slidenum">
               <a:rPr lang="en-AU" smtClean="0"/>
               <a:pPr/>
-              <a:t>20</a:t>
+              <a:t>23</a:t>
             </a:fld>
             <a:endParaRPr lang="en-AU" dirty="0"/>
           </a:p>
@@ -4552,7 +4558,7 @@
             <a:fld id="{F8560DBF-F109-8946-ADF0-EE66B221E988}" type="slidenum">
               <a:rPr lang="en-AU" smtClean="0"/>
               <a:pPr/>
-              <a:t>22</a:t>
+              <a:t>25</a:t>
             </a:fld>
             <a:endParaRPr lang="en-AU" dirty="0"/>
           </a:p>
@@ -4610,7 +4616,7 @@
                 <a:latin typeface="Arial" pitchFamily="-109" charset="0"/>
               </a:rPr>
               <a:pPr/>
-              <a:t>23</a:t>
+              <a:t>26</a:t>
             </a:fld>
             <a:endParaRPr lang="en-AU">
               <a:latin typeface="Arial" pitchFamily="-109" charset="0"/>
@@ -4832,7 +4838,7 @@
                 <a:latin typeface="Arial" pitchFamily="-109" charset="0"/>
               </a:rPr>
               <a:pPr/>
-              <a:t>25</a:t>
+              <a:t>28</a:t>
             </a:fld>
             <a:endParaRPr lang="en-AU">
               <a:latin typeface="Arial" pitchFamily="-109" charset="0"/>
@@ -5580,7 +5586,7 @@
               <a:pPr>
                 <a:defRPr/>
               </a:pPr>
-              <a:t>26</a:t>
+              <a:t>29</a:t>
             </a:fld>
             <a:endParaRPr lang="en-AU"/>
           </a:p>
@@ -6155,7 +6161,7 @@
             <a:fld id="{F8560DBF-F109-8946-ADF0-EE66B221E988}" type="slidenum">
               <a:rPr lang="en-AU" smtClean="0"/>
               <a:pPr/>
-              <a:t>28</a:t>
+              <a:t>31</a:t>
             </a:fld>
             <a:endParaRPr lang="en-AU" dirty="0"/>
           </a:p>
@@ -6342,7 +6348,7 @@
             <a:fld id="{F8560DBF-F109-8946-ADF0-EE66B221E988}" type="slidenum">
               <a:rPr lang="en-AU" smtClean="0"/>
               <a:pPr/>
-              <a:t>29</a:t>
+              <a:t>32</a:t>
             </a:fld>
             <a:endParaRPr lang="en-AU" dirty="0"/>
           </a:p>
@@ -6830,7 +6836,7 @@
             <a:fld id="{F8560DBF-F109-8946-ADF0-EE66B221E988}" type="slidenum">
               <a:rPr lang="en-AU" smtClean="0"/>
               <a:pPr/>
-              <a:t>30</a:t>
+              <a:t>33</a:t>
             </a:fld>
             <a:endParaRPr lang="en-AU" dirty="0"/>
           </a:p>
@@ -6888,7 +6894,7 @@
                 <a:latin typeface="Arial" pitchFamily="-109" charset="0"/>
               </a:rPr>
               <a:pPr/>
-              <a:t>31</a:t>
+              <a:t>34</a:t>
             </a:fld>
             <a:endParaRPr lang="en-AU">
               <a:latin typeface="Arial" pitchFamily="-109" charset="0"/>
@@ -8243,7 +8249,7 @@
             <a:fld id="{F8560DBF-F109-8946-ADF0-EE66B221E988}" type="slidenum">
               <a:rPr lang="en-AU" smtClean="0"/>
               <a:pPr/>
-              <a:t>32</a:t>
+              <a:t>35</a:t>
             </a:fld>
             <a:endParaRPr lang="en-AU" dirty="0"/>
           </a:p>
@@ -8925,7 +8931,7 @@
             <a:fld id="{F8560DBF-F109-8946-ADF0-EE66B221E988}" type="slidenum">
               <a:rPr lang="en-AU" smtClean="0"/>
               <a:pPr/>
-              <a:t>33</a:t>
+              <a:t>36</a:t>
             </a:fld>
             <a:endParaRPr lang="en-AU" dirty="0"/>
           </a:p>
@@ -9100,7 +9106,7 @@
             <a:fld id="{F8560DBF-F109-8946-ADF0-EE66B221E988}" type="slidenum">
               <a:rPr lang="en-AU" smtClean="0"/>
               <a:pPr/>
-              <a:t>34</a:t>
+              <a:t>37</a:t>
             </a:fld>
             <a:endParaRPr lang="en-AU" dirty="0"/>
           </a:p>
@@ -11400,49 +11406,21 @@
       </p:grpSpPr>
       <p:sp>
         <p:nvSpPr>
-          <p:cNvPr id="7" name="Rectangle 7"/>
+          <p:cNvPr id="2" name="Slide Image Placeholder 1"/>
           <p:cNvSpPr>
-            <a:spLocks noGrp="1" noChangeArrowheads="1"/>
-          </p:cNvSpPr>
-          <p:nvPr>
-            <p:ph type="sldNum" sz="quarter" idx="5"/>
-          </p:nvPr>
-        </p:nvSpPr>
-        <p:spPr>
-          <a:ln/>
-        </p:spPr>
-        <p:txBody>
-          <a:bodyPr/>
-          <a:lstStyle/>
-          <a:p>
-            <a:fld id="{8D184B84-23F2-2A4C-964E-7C5BEF8C3A53}" type="slidenum">
-              <a:rPr lang="en-AU"/>
-              <a:pPr/>
-              <a:t>11</a:t>
-            </a:fld>
-            <a:endParaRPr lang="en-AU"/>
-          </a:p>
-        </p:txBody>
-      </p:sp>
-      <p:sp>
-        <p:nvSpPr>
-          <p:cNvPr id="230402" name="Rectangle 2"/>
-          <p:cNvSpPr>
-            <a:spLocks noGrp="1" noRot="1" noChangeAspect="1" noChangeArrowheads="1" noTextEdit="1"/>
+            <a:spLocks noGrp="1" noRot="1" noChangeAspect="1"/>
           </p:cNvSpPr>
           <p:nvPr>
             <p:ph type="sldImg"/>
           </p:nvPr>
         </p:nvSpPr>
-        <p:spPr>
-          <a:ln/>
-        </p:spPr>
+        <p:spPr/>
       </p:sp>
       <p:sp>
         <p:nvSpPr>
-          <p:cNvPr id="230403" name="Rectangle 3"/>
+          <p:cNvPr id="3" name="Notes Placeholder 2"/>
           <p:cNvSpPr>
-            <a:spLocks noGrp="1" noChangeArrowheads="1"/>
+            <a:spLocks noGrp="1"/>
           </p:cNvSpPr>
           <p:nvPr>
             <p:ph type="body" idx="1"/>
@@ -11453,299 +11431,83 @@
           <a:bodyPr/>
           <a:lstStyle/>
           <a:p>
-            <a:r>
-              <a:rPr lang="en-US" sz="1200" b="0" kern="1200" baseline="0" dirty="0">
-                <a:solidFill>
-                  <a:schemeClr val="tx1"/>
-                </a:solidFill>
-                <a:latin typeface="Arial" pitchFamily="-110" charset="0"/>
-                <a:ea typeface="+mn-ea"/>
-                <a:cs typeface="+mn-cs"/>
-              </a:rPr>
-              <a:t>Another widely exploited variant of this attack is SQL injection . In this attack,</a:t>
-            </a:r>
-          </a:p>
-          <a:p>
-            <a:r>
-              <a:rPr lang="en-US" sz="1200" b="0" kern="1200" baseline="0" dirty="0">
-                <a:solidFill>
-                  <a:schemeClr val="tx1"/>
-                </a:solidFill>
-                <a:latin typeface="Arial" pitchFamily="-110" charset="0"/>
-                <a:ea typeface="+mn-ea"/>
-                <a:cs typeface="+mn-cs"/>
-              </a:rPr>
-              <a:t>the user-supplied input is used to construct a SQL request to retrieve information</a:t>
-            </a:r>
-          </a:p>
-          <a:p>
-            <a:r>
-              <a:rPr lang="en-US" sz="1200" b="0" kern="1200" baseline="0" dirty="0">
-                <a:solidFill>
-                  <a:schemeClr val="tx1"/>
-                </a:solidFill>
-                <a:latin typeface="Arial" pitchFamily="-110" charset="0"/>
-                <a:ea typeface="+mn-ea"/>
-                <a:cs typeface="+mn-cs"/>
-              </a:rPr>
-              <a:t>from a database. Consider </a:t>
-            </a:r>
-            <a:r>
-              <a:rPr lang="en-US" sz="1200" kern="1200" baseline="0" dirty="0">
-                <a:solidFill>
-                  <a:schemeClr val="tx1"/>
-                </a:solidFill>
-                <a:latin typeface="Arial" pitchFamily="-110" charset="0"/>
-                <a:ea typeface="+mn-ea"/>
-                <a:cs typeface="+mn-cs"/>
-              </a:rPr>
-              <a:t>the excerpt of PHP code from a CGI script shown in</a:t>
-            </a:r>
-          </a:p>
-          <a:p>
-            <a:r>
-              <a:rPr lang="en-US" sz="1200" kern="1200" baseline="0" dirty="0">
-                <a:solidFill>
-                  <a:schemeClr val="tx1"/>
-                </a:solidFill>
-                <a:latin typeface="Arial" pitchFamily="-110" charset="0"/>
-                <a:ea typeface="+mn-ea"/>
-                <a:cs typeface="+mn-cs"/>
-              </a:rPr>
-              <a:t>Figure 11.3a . It takes a name provided as input to the script, typically from a form</a:t>
-            </a:r>
-          </a:p>
-          <a:p>
-            <a:r>
-              <a:rPr lang="en-US" sz="1200" kern="1200" baseline="0" dirty="0">
-                <a:solidFill>
-                  <a:schemeClr val="tx1"/>
-                </a:solidFill>
-                <a:latin typeface="Arial" pitchFamily="-110" charset="0"/>
-                <a:ea typeface="+mn-ea"/>
-                <a:cs typeface="+mn-cs"/>
-              </a:rPr>
-              <a:t>field similar to that shown in Figure 11.2b . It uses this value to construct a request</a:t>
-            </a:r>
-          </a:p>
-          <a:p>
-            <a:r>
-              <a:rPr lang="en-US" sz="1200" kern="1200" baseline="0" dirty="0">
-                <a:solidFill>
-                  <a:schemeClr val="tx1"/>
-                </a:solidFill>
-                <a:latin typeface="Arial" pitchFamily="-110" charset="0"/>
-                <a:ea typeface="+mn-ea"/>
-                <a:cs typeface="+mn-cs"/>
-              </a:rPr>
-              <a:t>to retrieve the records relating to that name from the database. The vulnerability in</a:t>
-            </a:r>
-          </a:p>
-          <a:p>
-            <a:r>
-              <a:rPr lang="en-US" sz="1200" kern="1200" baseline="0" dirty="0">
-                <a:solidFill>
-                  <a:schemeClr val="tx1"/>
-                </a:solidFill>
-                <a:latin typeface="Arial" pitchFamily="-110" charset="0"/>
-                <a:ea typeface="+mn-ea"/>
-                <a:cs typeface="+mn-cs"/>
-              </a:rPr>
-              <a:t>this code is very similar to that in the command injection example. The difference</a:t>
-            </a:r>
-          </a:p>
-          <a:p>
-            <a:r>
-              <a:rPr lang="en-US" sz="1200" kern="1200" baseline="0" dirty="0">
-                <a:solidFill>
-                  <a:schemeClr val="tx1"/>
-                </a:solidFill>
-                <a:latin typeface="Arial" pitchFamily="-110" charset="0"/>
-                <a:ea typeface="+mn-ea"/>
-                <a:cs typeface="+mn-cs"/>
-              </a:rPr>
-              <a:t>is that SQL metacharacters are used, rather than shell metacharacters. If a suitable</a:t>
-            </a:r>
-          </a:p>
-          <a:p>
-            <a:r>
-              <a:rPr lang="en-US" sz="1200" kern="1200" baseline="0" dirty="0">
-                <a:solidFill>
-                  <a:schemeClr val="tx1"/>
-                </a:solidFill>
-                <a:latin typeface="Arial" pitchFamily="-110" charset="0"/>
-                <a:ea typeface="+mn-ea"/>
-                <a:cs typeface="+mn-cs"/>
-              </a:rPr>
-              <a:t>name is provided, for example, Bob, then the code works as intended, retrieving</a:t>
-            </a:r>
-          </a:p>
-          <a:p>
-            <a:r>
-              <a:rPr lang="en-US" sz="1200" kern="1200" baseline="0" dirty="0">
-                <a:solidFill>
-                  <a:schemeClr val="tx1"/>
-                </a:solidFill>
-                <a:latin typeface="Arial" pitchFamily="-110" charset="0"/>
-                <a:ea typeface="+mn-ea"/>
-                <a:cs typeface="+mn-cs"/>
-              </a:rPr>
-              <a:t>the desired record. However, an input such as Bob'; drop table suppliers</a:t>
-            </a:r>
-          </a:p>
-          <a:p>
-            <a:r>
-              <a:rPr lang="en-US" sz="1200" kern="1200" baseline="0" dirty="0">
-                <a:solidFill>
-                  <a:schemeClr val="tx1"/>
-                </a:solidFill>
-                <a:latin typeface="Arial" pitchFamily="-110" charset="0"/>
-                <a:ea typeface="+mn-ea"/>
-                <a:cs typeface="+mn-cs"/>
-              </a:rPr>
-              <a:t>results in the specified record being retrieved, followed by deletion of the entire</a:t>
-            </a:r>
-          </a:p>
-          <a:p>
-            <a:r>
-              <a:rPr lang="en-US" sz="1200" kern="1200" baseline="0" dirty="0">
-                <a:solidFill>
-                  <a:schemeClr val="tx1"/>
-                </a:solidFill>
-                <a:latin typeface="Arial" pitchFamily="-110" charset="0"/>
-                <a:ea typeface="+mn-ea"/>
-                <a:cs typeface="+mn-cs"/>
-              </a:rPr>
-              <a:t>table! This would have rather unfortunate consequences for subsequent users. To</a:t>
-            </a:r>
-          </a:p>
-          <a:p>
-            <a:r>
-              <a:rPr lang="en-US" sz="1200" kern="1200" baseline="0" dirty="0">
-                <a:solidFill>
-                  <a:schemeClr val="tx1"/>
-                </a:solidFill>
-                <a:latin typeface="Arial" pitchFamily="-110" charset="0"/>
-                <a:ea typeface="+mn-ea"/>
-                <a:cs typeface="+mn-cs"/>
-              </a:rPr>
-              <a:t>prevent this type of attack, the input must be validated before use. Any metacharacters</a:t>
-            </a:r>
-          </a:p>
-          <a:p>
-            <a:r>
-              <a:rPr lang="en-US" sz="1200" kern="1200" baseline="0" dirty="0">
-                <a:solidFill>
-                  <a:schemeClr val="tx1"/>
-                </a:solidFill>
-                <a:latin typeface="Arial" pitchFamily="-110" charset="0"/>
-                <a:ea typeface="+mn-ea"/>
-                <a:cs typeface="+mn-cs"/>
-              </a:rPr>
-              <a:t>must either be escaped, canceling their effect, or the input rejected entirely.</a:t>
-            </a:r>
-          </a:p>
-          <a:p>
-            <a:r>
-              <a:rPr lang="en-US" sz="1200" kern="1200" baseline="0" dirty="0">
-                <a:solidFill>
-                  <a:schemeClr val="tx1"/>
-                </a:solidFill>
-                <a:latin typeface="Arial" pitchFamily="-110" charset="0"/>
-                <a:ea typeface="+mn-ea"/>
-                <a:cs typeface="+mn-cs"/>
-              </a:rPr>
-              <a:t>Given the widespread recognition of SQL injection attacks, many languages used</a:t>
-            </a:r>
-          </a:p>
-          <a:p>
-            <a:r>
-              <a:rPr lang="en-US" sz="1200" kern="1200" baseline="0" dirty="0">
-                <a:solidFill>
-                  <a:schemeClr val="tx1"/>
-                </a:solidFill>
-                <a:latin typeface="Arial" pitchFamily="-110" charset="0"/>
-                <a:ea typeface="+mn-ea"/>
-                <a:cs typeface="+mn-cs"/>
-              </a:rPr>
-              <a:t>by CGI scripts contain functions that can sanitize any input that is subsequently</a:t>
-            </a:r>
-          </a:p>
-          <a:p>
-            <a:r>
-              <a:rPr lang="en-US" sz="1200" kern="1200" baseline="0" dirty="0">
-                <a:solidFill>
-                  <a:schemeClr val="tx1"/>
-                </a:solidFill>
-                <a:latin typeface="Arial" pitchFamily="-110" charset="0"/>
-                <a:ea typeface="+mn-ea"/>
-                <a:cs typeface="+mn-cs"/>
-              </a:rPr>
-              <a:t>included in a SQL request. The code shown in Figure 11.3b illustrates the use of a</a:t>
-            </a:r>
-          </a:p>
-          <a:p>
-            <a:r>
-              <a:rPr lang="en-US" sz="1200" kern="1200" baseline="0" dirty="0">
-                <a:solidFill>
-                  <a:schemeClr val="tx1"/>
-                </a:solidFill>
-                <a:latin typeface="Arial" pitchFamily="-110" charset="0"/>
-                <a:ea typeface="+mn-ea"/>
-                <a:cs typeface="+mn-cs"/>
-              </a:rPr>
-              <a:t>suitable PHP function to correct this vulnerability. </a:t>
-            </a:r>
-            <a:r>
-              <a:rPr lang="en-US" sz="1200" b="0" i="0" u="none" strike="noStrike" kern="1200" baseline="0" dirty="0">
-                <a:solidFill>
-                  <a:schemeClr val="tx1"/>
-                </a:solidFill>
-                <a:latin typeface="Arial" pitchFamily="-110" charset="0"/>
-                <a:ea typeface="+mn-ea"/>
-                <a:cs typeface="+mn-cs"/>
-              </a:rPr>
-              <a:t>Alternatively, rather than constructing SQL statements</a:t>
-            </a:r>
-          </a:p>
-          <a:p>
-            <a:r>
-              <a:rPr lang="en-US" sz="1200" b="0" i="0" u="none" strike="noStrike" kern="1200" baseline="0" dirty="0">
-                <a:solidFill>
-                  <a:schemeClr val="tx1"/>
-                </a:solidFill>
-                <a:latin typeface="Arial" pitchFamily="-110" charset="0"/>
-                <a:ea typeface="+mn-ea"/>
-                <a:cs typeface="+mn-cs"/>
-              </a:rPr>
-              <a:t>directly by concatenating values, recent advisories recommend the use of SQL</a:t>
-            </a:r>
-          </a:p>
-          <a:p>
-            <a:r>
-              <a:rPr lang="en-US" sz="1200" b="0" i="0" u="none" strike="noStrike" kern="1200" baseline="0" dirty="0">
-                <a:solidFill>
-                  <a:schemeClr val="tx1"/>
-                </a:solidFill>
-                <a:latin typeface="Arial" pitchFamily="-110" charset="0"/>
-                <a:ea typeface="+mn-ea"/>
-                <a:cs typeface="+mn-cs"/>
-              </a:rPr>
-              <a:t>placeholders or parameters to securely build SQL statements. Combined with the</a:t>
-            </a:r>
-          </a:p>
-          <a:p>
-            <a:r>
-              <a:rPr lang="en-US" sz="1200" b="0" i="0" u="none" strike="noStrike" kern="1200" baseline="0" dirty="0">
-                <a:solidFill>
-                  <a:schemeClr val="tx1"/>
-                </a:solidFill>
-                <a:latin typeface="Arial" pitchFamily="-110" charset="0"/>
-                <a:ea typeface="+mn-ea"/>
-                <a:cs typeface="+mn-cs"/>
-              </a:rPr>
-              <a:t>use of stored procedures, this can result in more robust and secure code.</a:t>
-            </a:r>
+            <a:pPr marL="171450" indent="-171450">
+              <a:buFont typeface="Arial" panose="020B0604020202020204" pitchFamily="34" charset="0"/>
+              <a:buChar char="•"/>
+            </a:pPr>
+            <a:r>
+              <a:rPr lang="en-US" dirty="0"/>
+              <a:t>To understand possible attacks, we consider the abstract version of the web app creates a SQL statement template and a user needs to fill in the blanks inside the rectangle area. </a:t>
+            </a:r>
+          </a:p>
+          <a:p>
+            <a:pPr marL="171450" indent="-171450">
+              <a:buFont typeface="Arial" panose="020B0604020202020204" pitchFamily="34" charset="0"/>
+              <a:buChar char="•"/>
+            </a:pPr>
+            <a:r>
+              <a:rPr lang="en-US" dirty="0"/>
+              <a:t>The attack demonstrated shows the user taking help of some special characters to change the meaning of the SQL statement.</a:t>
+            </a:r>
+          </a:p>
+          <a:p>
+            <a:pPr marL="171450" indent="-171450">
+              <a:buFont typeface="Arial" panose="020B0604020202020204" pitchFamily="34" charset="0"/>
+              <a:buChar char="•"/>
+            </a:pPr>
+            <a:endParaRPr lang="en-US" dirty="0"/>
+          </a:p>
+          <a:p>
+            <a:pPr marL="171450" marR="0" lvl="0" indent="-171450" algn="l" defTabSz="914400" rtl="0" eaLnBrk="1" fontAlgn="base" latinLnBrk="0" hangingPunct="1">
+              <a:lnSpc>
+                <a:spcPct val="100000"/>
+              </a:lnSpc>
+              <a:spcBef>
+                <a:spcPct val="30000"/>
+              </a:spcBef>
+              <a:spcAft>
+                <a:spcPct val="0"/>
+              </a:spcAft>
+              <a:buClrTx/>
+              <a:buSzTx/>
+              <a:buFont typeface="Arial" panose="020B0604020202020204" pitchFamily="34" charset="0"/>
+              <a:buChar char="•"/>
+              <a:tabLst/>
+              <a:defRPr/>
+            </a:pPr>
+            <a:r>
+              <a:rPr lang="en-US" sz="1200" dirty="0"/>
+              <a:t>Everything provided by user will become part of the SQL statement. Is it possible for a user to change the meaning of the SQL statement?</a:t>
+            </a:r>
+          </a:p>
+          <a:p>
+            <a:pPr marL="171450" indent="-171450">
+              <a:buFont typeface="Arial" panose="020B0604020202020204" pitchFamily="34" charset="0"/>
+              <a:buChar char="•"/>
+            </a:pPr>
+            <a:endParaRPr lang="en-US" dirty="0"/>
+          </a:p>
+        </p:txBody>
+      </p:sp>
+      <p:sp>
+        <p:nvSpPr>
+          <p:cNvPr id="4" name="Slide Number Placeholder 3"/>
+          <p:cNvSpPr>
+            <a:spLocks noGrp="1"/>
+          </p:cNvSpPr>
+          <p:nvPr>
+            <p:ph type="sldNum" sz="quarter" idx="10"/>
+          </p:nvPr>
+        </p:nvSpPr>
+        <p:spPr/>
+        <p:txBody>
+          <a:bodyPr/>
+          <a:lstStyle/>
+          <a:p>
+            <a:fld id="{68F4F06F-1185-4038-BF21-B45636E4FE16}" type="slidenum">
+              <a:rPr lang="en-US" smtClean="0"/>
+              <a:t>11</a:t>
+            </a:fld>
             <a:endParaRPr lang="en-US" dirty="0"/>
           </a:p>
         </p:txBody>
@@ -11753,7 +11515,7 @@
     </p:spTree>
     <p:extLst>
       <p:ext uri="{BB962C8B-B14F-4D97-AF65-F5344CB8AC3E}">
-        <p14:creationId xmlns:p14="http://schemas.microsoft.com/office/powerpoint/2010/main" val="2604942043"/>
+        <p14:creationId xmlns:p14="http://schemas.microsoft.com/office/powerpoint/2010/main" val="3015520293"/>
       </p:ext>
     </p:extLst>
   </p:cSld>
@@ -14326,7 +14088,310 @@
       </p:grpSpPr>
       <p:sp>
         <p:nvSpPr>
-          <p:cNvPr id="2" name="灯片编号占位符 1"/>
+          <p:cNvPr id="3" name="Content Placeholder 2"/>
+          <p:cNvSpPr>
+            <a:spLocks noGrp="1"/>
+          </p:cNvSpPr>
+          <p:nvPr>
+            <p:ph idx="1"/>
+          </p:nvPr>
+        </p:nvSpPr>
+        <p:spPr>
+          <a:xfrm>
+            <a:off x="345751" y="1340768"/>
+            <a:ext cx="8482530" cy="4364581"/>
+          </a:xfrm>
+        </p:spPr>
+        <p:txBody>
+          <a:bodyPr>
+            <a:normAutofit/>
+          </a:bodyPr>
+          <a:lstStyle/>
+          <a:p>
+            <a:r>
+              <a:rPr lang="en-US" sz="3200" dirty="0"/>
+              <a:t>The following web form’s intention is to let the user provide some data for the blank areas:</a:t>
+            </a:r>
+            <a:endParaRPr lang="en-US" sz="4800" dirty="0"/>
+          </a:p>
+        </p:txBody>
+      </p:sp>
+      <p:pic>
+        <p:nvPicPr>
+          <p:cNvPr id="4" name="Picture 3">
+            <a:extLst>
+              <a:ext uri="{FF2B5EF4-FFF2-40B4-BE49-F238E27FC236}">
+                <a16:creationId xmlns:a16="http://schemas.microsoft.com/office/drawing/2014/main" id="{558A1627-DC50-4D6C-86DB-F2AADA321AD4}"/>
+              </a:ext>
+            </a:extLst>
+          </p:cNvPr>
+          <p:cNvPicPr>
+            <a:picLocks noChangeAspect="1"/>
+          </p:cNvPicPr>
+          <p:nvPr/>
+        </p:nvPicPr>
+        <p:blipFill rotWithShape="1">
+          <a:blip r:embed="rId3"/>
+          <a:srcRect l="25104" t="39259" r="35834" b="54259"/>
+          <a:stretch/>
+        </p:blipFill>
+        <p:spPr>
+          <a:xfrm>
+            <a:off x="178460" y="3284984"/>
+            <a:ext cx="8676456" cy="809803"/>
+          </a:xfrm>
+          <a:prstGeom prst="rect">
+            <a:avLst/>
+          </a:prstGeom>
+        </p:spPr>
+      </p:pic>
+      <p:sp>
+        <p:nvSpPr>
+          <p:cNvPr id="7" name="Title 5">
+            <a:extLst>
+              <a:ext uri="{FF2B5EF4-FFF2-40B4-BE49-F238E27FC236}">
+                <a16:creationId xmlns:a16="http://schemas.microsoft.com/office/drawing/2014/main" id="{716C4C61-BDEA-4EBB-AF8A-691322D1F2CF}"/>
+              </a:ext>
+            </a:extLst>
+          </p:cNvPr>
+          <p:cNvSpPr txBox="1">
+            <a:spLocks/>
+          </p:cNvSpPr>
+          <p:nvPr/>
+        </p:nvSpPr>
+        <p:spPr bwMode="auto">
+          <a:xfrm>
+            <a:off x="355546" y="188640"/>
+            <a:ext cx="8568952" cy="868362"/>
+          </a:xfrm>
+          <a:prstGeom prst="rect">
+            <a:avLst/>
+          </a:prstGeom>
+          <a:noFill/>
+          <a:ln w="9525">
+            <a:noFill/>
+            <a:miter lim="800000"/>
+            <a:headEnd/>
+            <a:tailEnd/>
+          </a:ln>
+        </p:spPr>
+        <p:txBody>
+          <a:bodyPr vert="horz" wrap="square" lIns="91440" tIns="45720" rIns="91440" bIns="45720" numCol="1" anchor="ctr" anchorCtr="0" compatLnSpc="1">
+            <a:prstTxWarp prst="textNoShape">
+              <a:avLst/>
+            </a:prstTxWarp>
+          </a:bodyPr>
+          <a:lstStyle>
+            <a:lvl1pPr algn="ctr" rtl="0" eaLnBrk="1" fontAlgn="base" hangingPunct="1">
+              <a:spcBef>
+                <a:spcPct val="0"/>
+              </a:spcBef>
+              <a:spcAft>
+                <a:spcPct val="0"/>
+              </a:spcAft>
+              <a:defRPr lang="zh-CN" altLang="en-US" sz="4000" dirty="0">
+                <a:solidFill>
+                  <a:srgbClr val="9B37AA"/>
+                </a:solidFill>
+                <a:latin typeface="+mj-lt"/>
+                <a:ea typeface="+mj-ea"/>
+                <a:cs typeface="+mj-cs"/>
+              </a:defRPr>
+            </a:lvl1pPr>
+            <a:lvl2pPr algn="ctr" rtl="0" eaLnBrk="1" fontAlgn="base" hangingPunct="1">
+              <a:spcBef>
+                <a:spcPct val="0"/>
+              </a:spcBef>
+              <a:spcAft>
+                <a:spcPct val="0"/>
+              </a:spcAft>
+              <a:defRPr sz="4400">
+                <a:solidFill>
+                  <a:schemeClr val="tx2"/>
+                </a:solidFill>
+                <a:latin typeface="Arial" charset="0"/>
+              </a:defRPr>
+            </a:lvl2pPr>
+            <a:lvl3pPr algn="ctr" rtl="0" eaLnBrk="1" fontAlgn="base" hangingPunct="1">
+              <a:spcBef>
+                <a:spcPct val="0"/>
+              </a:spcBef>
+              <a:spcAft>
+                <a:spcPct val="0"/>
+              </a:spcAft>
+              <a:defRPr sz="4400">
+                <a:solidFill>
+                  <a:schemeClr val="tx2"/>
+                </a:solidFill>
+                <a:latin typeface="Arial" charset="0"/>
+              </a:defRPr>
+            </a:lvl3pPr>
+            <a:lvl4pPr algn="ctr" rtl="0" eaLnBrk="1" fontAlgn="base" hangingPunct="1">
+              <a:spcBef>
+                <a:spcPct val="0"/>
+              </a:spcBef>
+              <a:spcAft>
+                <a:spcPct val="0"/>
+              </a:spcAft>
+              <a:defRPr sz="4400">
+                <a:solidFill>
+                  <a:schemeClr val="tx2"/>
+                </a:solidFill>
+                <a:latin typeface="Arial" charset="0"/>
+              </a:defRPr>
+            </a:lvl4pPr>
+            <a:lvl5pPr algn="ctr" rtl="0" eaLnBrk="1" fontAlgn="base" hangingPunct="1">
+              <a:spcBef>
+                <a:spcPct val="0"/>
+              </a:spcBef>
+              <a:spcAft>
+                <a:spcPct val="0"/>
+              </a:spcAft>
+              <a:defRPr sz="4400">
+                <a:solidFill>
+                  <a:schemeClr val="tx2"/>
+                </a:solidFill>
+                <a:latin typeface="Arial" charset="0"/>
+              </a:defRPr>
+            </a:lvl5pPr>
+            <a:lvl6pPr marL="457200" algn="ctr" rtl="0" eaLnBrk="1" fontAlgn="base" hangingPunct="1">
+              <a:spcBef>
+                <a:spcPct val="0"/>
+              </a:spcBef>
+              <a:spcAft>
+                <a:spcPct val="0"/>
+              </a:spcAft>
+              <a:defRPr sz="4400">
+                <a:solidFill>
+                  <a:schemeClr val="tx2"/>
+                </a:solidFill>
+                <a:latin typeface="Arial" charset="0"/>
+              </a:defRPr>
+            </a:lvl6pPr>
+            <a:lvl7pPr marL="914400" algn="ctr" rtl="0" eaLnBrk="1" fontAlgn="base" hangingPunct="1">
+              <a:spcBef>
+                <a:spcPct val="0"/>
+              </a:spcBef>
+              <a:spcAft>
+                <a:spcPct val="0"/>
+              </a:spcAft>
+              <a:defRPr sz="4400">
+                <a:solidFill>
+                  <a:schemeClr val="tx2"/>
+                </a:solidFill>
+                <a:latin typeface="Arial" charset="0"/>
+              </a:defRPr>
+            </a:lvl7pPr>
+            <a:lvl8pPr marL="1371600" algn="ctr" rtl="0" eaLnBrk="1" fontAlgn="base" hangingPunct="1">
+              <a:spcBef>
+                <a:spcPct val="0"/>
+              </a:spcBef>
+              <a:spcAft>
+                <a:spcPct val="0"/>
+              </a:spcAft>
+              <a:defRPr sz="4400">
+                <a:solidFill>
+                  <a:schemeClr val="tx2"/>
+                </a:solidFill>
+                <a:latin typeface="Arial" charset="0"/>
+              </a:defRPr>
+            </a:lvl8pPr>
+            <a:lvl9pPr marL="1828800" algn="ctr" rtl="0" eaLnBrk="1" fontAlgn="base" hangingPunct="1">
+              <a:spcBef>
+                <a:spcPct val="0"/>
+              </a:spcBef>
+              <a:spcAft>
+                <a:spcPct val="0"/>
+              </a:spcAft>
+              <a:defRPr sz="4400">
+                <a:solidFill>
+                  <a:schemeClr val="tx2"/>
+                </a:solidFill>
+                <a:latin typeface="Arial" charset="0"/>
+              </a:defRPr>
+            </a:lvl9pPr>
+          </a:lstStyle>
+          <a:p>
+            <a:r>
+              <a:rPr lang="en-US" kern="0" dirty="0" err="1"/>
+              <a:t>SQLi</a:t>
+            </a:r>
+            <a:r>
+              <a:rPr lang="en-US" kern="0" dirty="0"/>
+              <a:t> Example</a:t>
+            </a:r>
+            <a:endParaRPr lang="en-SE" kern="0" dirty="0"/>
+          </a:p>
+        </p:txBody>
+      </p:sp>
+    </p:spTree>
+    <p:extLst>
+      <p:ext uri="{BB962C8B-B14F-4D97-AF65-F5344CB8AC3E}">
+        <p14:creationId xmlns:p14="http://schemas.microsoft.com/office/powerpoint/2010/main" val="2497015064"/>
+      </p:ext>
+    </p:extLst>
+  </p:cSld>
+  <p:clrMapOvr>
+    <a:masterClrMapping/>
+  </p:clrMapOvr>
+</p:sld>
+</file>
+
+<file path=ppt/slides/slide12.xml><?xml version="1.0" encoding="utf-8"?>
+<p:sld xmlns:a="http://schemas.openxmlformats.org/drawingml/2006/main" xmlns:r="http://schemas.openxmlformats.org/officeDocument/2006/relationships" xmlns:p="http://schemas.openxmlformats.org/presentationml/2006/main">
+  <p:cSld>
+    <p:spTree>
+      <p:nvGrpSpPr>
+        <p:cNvPr id="1" name=""/>
+        <p:cNvGrpSpPr/>
+        <p:nvPr/>
+      </p:nvGrpSpPr>
+      <p:grpSpPr>
+        <a:xfrm>
+          <a:off x="0" y="0"/>
+          <a:ext cx="0" cy="0"/>
+          <a:chOff x="0" y="0"/>
+          <a:chExt cx="0" cy="0"/>
+        </a:xfrm>
+      </p:grpSpPr>
+      <p:sp>
+        <p:nvSpPr>
+          <p:cNvPr id="2" name="Title 1">
+            <a:extLst>
+              <a:ext uri="{FF2B5EF4-FFF2-40B4-BE49-F238E27FC236}">
+                <a16:creationId xmlns:a16="http://schemas.microsoft.com/office/drawing/2014/main" id="{E4D21255-07E6-4DC7-A1E9-4C2822875189}"/>
+              </a:ext>
+            </a:extLst>
+          </p:cNvPr>
+          <p:cNvSpPr>
+            <a:spLocks noGrp="1"/>
+          </p:cNvSpPr>
+          <p:nvPr>
+            <p:ph type="title"/>
+          </p:nvPr>
+        </p:nvSpPr>
+        <p:spPr/>
+        <p:txBody>
+          <a:bodyPr/>
+          <a:lstStyle/>
+          <a:p>
+            <a:r>
+              <a:rPr lang="en-US" dirty="0"/>
+              <a:t>One Attack</a:t>
+            </a:r>
+            <a:endParaRPr lang="en-SE" dirty="0"/>
+          </a:p>
+        </p:txBody>
+      </p:sp>
+      <p:sp>
+        <p:nvSpPr>
+          <p:cNvPr id="4" name="Slide Number Placeholder 3">
+            <a:extLst>
+              <a:ext uri="{FF2B5EF4-FFF2-40B4-BE49-F238E27FC236}">
+                <a16:creationId xmlns:a16="http://schemas.microsoft.com/office/drawing/2014/main" id="{6A6069A1-33F1-4F15-953B-02F22FA4278A}"/>
+              </a:ext>
+            </a:extLst>
+          </p:cNvPr>
           <p:cNvSpPr>
             <a:spLocks noGrp="1"/>
           </p:cNvSpPr>
@@ -14339,32 +14404,181 @@
           <a:bodyPr/>
           <a:lstStyle/>
           <a:p>
-            <a:fld id="{FFC3DB47-CF9E-3940-A66D-FFE81C46DA24}" type="slidenum">
-              <a:rPr lang="en-US" smtClean="0">
-                <a:solidFill>
-                  <a:prstClr val="white">
-                    <a:lumMod val="65000"/>
-                    <a:lumOff val="35000"/>
-                  </a:prstClr>
-                </a:solidFill>
-              </a:rPr>
-              <a:pPr/>
-              <a:t>11</a:t>
+            <a:pPr>
+              <a:defRPr/>
+            </a:pPr>
+            <a:fld id="{F57F456A-00AF-44E6-8D70-638C0D0130FF}" type="slidenum">
+              <a:rPr lang="en-US" altLang="zh-CN" smtClean="0"/>
+              <a:pPr>
+                <a:defRPr/>
+              </a:pPr>
+              <a:t>12</a:t>
             </a:fld>
-            <a:endParaRPr lang="en-US" dirty="0">
-              <a:solidFill>
-                <a:prstClr val="white">
-                  <a:lumMod val="65000"/>
-                  <a:lumOff val="35000"/>
-                </a:prstClr>
-              </a:solidFill>
-            </a:endParaRPr>
+            <a:endParaRPr lang="en-US" altLang="zh-CN" dirty="0"/>
           </a:p>
         </p:txBody>
       </p:sp>
       <p:sp>
         <p:nvSpPr>
-          <p:cNvPr id="6" name="内容占位符 2"/>
+          <p:cNvPr id="5" name="TextBox 4">
+            <a:extLst>
+              <a:ext uri="{FF2B5EF4-FFF2-40B4-BE49-F238E27FC236}">
+                <a16:creationId xmlns:a16="http://schemas.microsoft.com/office/drawing/2014/main" id="{01BCA65F-211A-43BB-984D-AA11DE90ABB3}"/>
+              </a:ext>
+            </a:extLst>
+          </p:cNvPr>
+          <p:cNvSpPr txBox="1"/>
+          <p:nvPr/>
+        </p:nvSpPr>
+        <p:spPr>
+          <a:xfrm>
+            <a:off x="289987" y="5622340"/>
+            <a:ext cx="4337754" cy="830997"/>
+          </a:xfrm>
+          <a:prstGeom prst="rect">
+            <a:avLst/>
+          </a:prstGeom>
+          <a:ln>
+            <a:noFill/>
+          </a:ln>
+        </p:spPr>
+        <p:style>
+          <a:lnRef idx="1">
+            <a:schemeClr val="dk1"/>
+          </a:lnRef>
+          <a:fillRef idx="2">
+            <a:schemeClr val="dk1"/>
+          </a:fillRef>
+          <a:effectRef idx="1">
+            <a:schemeClr val="dk1"/>
+          </a:effectRef>
+          <a:fontRef idx="minor">
+            <a:schemeClr val="dk1"/>
+          </a:fontRef>
+        </p:style>
+        <p:txBody>
+          <a:bodyPr wrap="square" rtlCol="0">
+            <a:spAutoFit/>
+          </a:bodyPr>
+          <a:lstStyle/>
+          <a:p>
+            <a:r>
+              <a:rPr lang="en-US" sz="1600" dirty="0"/>
+              <a:t>SELECT Name, Salary, SSN</a:t>
+            </a:r>
+          </a:p>
+          <a:p>
+            <a:r>
+              <a:rPr lang="en-US" sz="1600" dirty="0"/>
+              <a:t>FROM employee</a:t>
+            </a:r>
+          </a:p>
+          <a:p>
+            <a:r>
+              <a:rPr lang="en-US" sz="1600" dirty="0"/>
+              <a:t>WHERE </a:t>
+            </a:r>
+            <a:r>
+              <a:rPr lang="en-US" sz="1600" dirty="0" err="1"/>
+              <a:t>eid</a:t>
+            </a:r>
+            <a:r>
+              <a:rPr lang="en-US" sz="1600" dirty="0"/>
+              <a:t>=‘EID5002’ #’ and password=‘</a:t>
+            </a:r>
+            <a:r>
+              <a:rPr lang="en-US" sz="1600" dirty="0" err="1"/>
+              <a:t>xyz</a:t>
+            </a:r>
+            <a:r>
+              <a:rPr lang="en-US" sz="1600" dirty="0"/>
+              <a:t>’</a:t>
+            </a:r>
+            <a:endParaRPr lang="en-SE" sz="1600" dirty="0"/>
+          </a:p>
+        </p:txBody>
+      </p:sp>
+      <p:sp>
+        <p:nvSpPr>
+          <p:cNvPr id="6" name="TextBox 5">
+            <a:extLst>
+              <a:ext uri="{FF2B5EF4-FFF2-40B4-BE49-F238E27FC236}">
+                <a16:creationId xmlns:a16="http://schemas.microsoft.com/office/drawing/2014/main" id="{3773AD1F-1679-4331-B91D-F7B561CAD178}"/>
+              </a:ext>
+            </a:extLst>
+          </p:cNvPr>
+          <p:cNvSpPr txBox="1"/>
+          <p:nvPr/>
+        </p:nvSpPr>
+        <p:spPr>
+          <a:xfrm>
+            <a:off x="5536091" y="5622340"/>
+            <a:ext cx="2796215" cy="830997"/>
+          </a:xfrm>
+          <a:prstGeom prst="rect">
+            <a:avLst/>
+          </a:prstGeom>
+          <a:ln>
+            <a:noFill/>
+          </a:ln>
+        </p:spPr>
+        <p:style>
+          <a:lnRef idx="1">
+            <a:schemeClr val="dk1"/>
+          </a:lnRef>
+          <a:fillRef idx="2">
+            <a:schemeClr val="dk1"/>
+          </a:fillRef>
+          <a:effectRef idx="1">
+            <a:schemeClr val="dk1"/>
+          </a:effectRef>
+          <a:fontRef idx="minor">
+            <a:schemeClr val="dk1"/>
+          </a:fontRef>
+        </p:style>
+        <p:txBody>
+          <a:bodyPr wrap="none" rtlCol="0">
+            <a:spAutoFit/>
+          </a:bodyPr>
+          <a:lstStyle/>
+          <a:p>
+            <a:r>
+              <a:rPr lang="en-US" sz="1600" dirty="0"/>
+              <a:t>SELECT Name, Salary, SSN</a:t>
+            </a:r>
+          </a:p>
+          <a:p>
+            <a:r>
+              <a:rPr lang="en-US" sz="1600" dirty="0"/>
+              <a:t>FROM employee</a:t>
+            </a:r>
+          </a:p>
+          <a:p>
+            <a:r>
+              <a:rPr lang="en-US" sz="1600" dirty="0"/>
+              <a:t>WHERE </a:t>
+            </a:r>
+            <a:r>
+              <a:rPr lang="en-US" sz="1600" dirty="0" err="1"/>
+              <a:t>eid</a:t>
+            </a:r>
+            <a:r>
+              <a:rPr lang="en-US" sz="1600" dirty="0"/>
+              <a:t>=‘EID5002’</a:t>
+            </a:r>
+            <a:endParaRPr lang="en-SE" sz="1600" dirty="0"/>
+          </a:p>
+        </p:txBody>
+      </p:sp>
+      <p:sp>
+        <p:nvSpPr>
+          <p:cNvPr id="11" name="Content Placeholder 2">
+            <a:extLst>
+              <a:ext uri="{FF2B5EF4-FFF2-40B4-BE49-F238E27FC236}">
+                <a16:creationId xmlns:a16="http://schemas.microsoft.com/office/drawing/2014/main" id="{1476BE38-786D-42CE-819D-D534E1B25812}"/>
+              </a:ext>
+            </a:extLst>
+          </p:cNvPr>
           <p:cNvSpPr>
             <a:spLocks noGrp="1"/>
           </p:cNvSpPr>
@@ -14374,220 +14588,630 @@
         </p:nvSpPr>
         <p:spPr>
           <a:xfrm>
-            <a:off x="65161" y="3576520"/>
-            <a:ext cx="9187359" cy="3288971"/>
+            <a:off x="323527" y="1196753"/>
+            <a:ext cx="8568951" cy="4335478"/>
           </a:xfrm>
         </p:spPr>
         <p:txBody>
           <a:bodyPr>
-            <a:normAutofit fontScale="92500" lnSpcReduction="20000"/>
+            <a:normAutofit/>
           </a:bodyPr>
           <a:lstStyle/>
           <a:p>
             <a:r>
-              <a:rPr lang="en-US" altLang="zh-CN" sz="2400" dirty="0">
-                <a:solidFill>
-                  <a:schemeClr val="tx1"/>
-                </a:solidFill>
-                <a:latin typeface="Arial" pitchFamily="-110" charset="0"/>
-                <a:ea typeface="ＭＳ Ｐゴシック" pitchFamily="-110" charset="-128"/>
-                <a:cs typeface="ＭＳ Ｐゴシック" pitchFamily="-110" charset="-128"/>
-              </a:rPr>
-              <a:t>This query works fine if the input $name = Bob</a:t>
-            </a:r>
-            <a:r>
-              <a:rPr lang="zh-CN" altLang="en-US" sz="2400" dirty="0">
-                <a:solidFill>
-                  <a:schemeClr val="tx1"/>
-                </a:solidFill>
-                <a:latin typeface="Arial" pitchFamily="-110" charset="0"/>
-                <a:ea typeface="ＭＳ Ｐゴシック" pitchFamily="-110" charset="-128"/>
-                <a:cs typeface="ＭＳ Ｐゴシック" pitchFamily="-110" charset="-128"/>
-              </a:rPr>
-              <a:t>； </a:t>
-            </a:r>
-            <a:r>
-              <a:rPr lang="en-US" altLang="zh-CN" sz="2400" dirty="0">
-                <a:solidFill>
-                  <a:schemeClr val="tx1"/>
-                </a:solidFill>
-                <a:latin typeface="Arial" pitchFamily="-110" charset="0"/>
-                <a:ea typeface="ＭＳ Ｐゴシック" pitchFamily="-110" charset="-128"/>
-                <a:cs typeface="ＭＳ Ｐゴシック" pitchFamily="-110" charset="-128"/>
-              </a:rPr>
-              <a:t>but if the input is $name = Bob'; drop table suppliers, then the query becomes </a:t>
-            </a:r>
-          </a:p>
-          <a:p>
-            <a:pPr lvl="1"/>
-            <a:r>
-              <a:rPr lang="en-US" altLang="zh-CN" sz="1600" dirty="0">
-                <a:solidFill>
-                  <a:schemeClr val="tx1"/>
-                </a:solidFill>
-                <a:latin typeface="Arial" pitchFamily="-110" charset="0"/>
-                <a:ea typeface="ＭＳ Ｐゴシック" pitchFamily="-110" charset="-128"/>
-                <a:cs typeface="ＭＳ Ｐゴシック" pitchFamily="-110" charset="-128"/>
-              </a:rPr>
-              <a:t>SELECT * FROM suppliers WHERE name = ‘Bob‘; drop table suppliers;</a:t>
-            </a:r>
-          </a:p>
-          <a:p>
-            <a:pPr lvl="1"/>
-            <a:r>
-              <a:rPr lang="en-US" altLang="zh-CN" sz="1600" dirty="0">
-                <a:solidFill>
-                  <a:schemeClr val="tx1"/>
-                </a:solidFill>
-                <a:latin typeface="Arial" pitchFamily="-110" charset="0"/>
-                <a:ea typeface="ＭＳ Ｐゴシック" pitchFamily="-110" charset="-128"/>
-                <a:cs typeface="ＭＳ Ｐゴシック" pitchFamily="-110" charset="-128"/>
-              </a:rPr>
-              <a:t>The database views this line as 2 separate SQL statements: first select all entries with name Bob, then delete the entire supplier table.</a:t>
-            </a:r>
-          </a:p>
-          <a:p>
-            <a:r>
-              <a:rPr lang="en-US" altLang="zh-CN" sz="2400" dirty="0" err="1">
-                <a:solidFill>
-                  <a:schemeClr val="tx1"/>
-                </a:solidFill>
-                <a:latin typeface="Arial" pitchFamily="-110" charset="0"/>
-                <a:ea typeface="ＭＳ Ｐゴシック" pitchFamily="-110" charset="-128"/>
-                <a:cs typeface="ＭＳ Ｐゴシック" pitchFamily="-110" charset="-128"/>
-              </a:rPr>
-              <a:t>mysql_real_escape_string</a:t>
-            </a:r>
-            <a:r>
-              <a:rPr lang="en-US" altLang="zh-CN" sz="2400" dirty="0">
-                <a:solidFill>
-                  <a:schemeClr val="tx1"/>
-                </a:solidFill>
-                <a:latin typeface="Arial" pitchFamily="-110" charset="0"/>
-                <a:ea typeface="ＭＳ Ｐゴシック" pitchFamily="-110" charset="-128"/>
-                <a:cs typeface="ＭＳ Ｐゴシック" pitchFamily="-110" charset="-128"/>
-              </a:rPr>
-              <a:t>() prepends backslashes to the some special characters, including \n, \r, \, ', " </a:t>
-            </a:r>
-          </a:p>
-          <a:p>
-            <a:pPr lvl="1"/>
-            <a:r>
-              <a:rPr lang="en-US" altLang="zh-CN" sz="1600" dirty="0">
-                <a:solidFill>
-                  <a:schemeClr val="tx1"/>
-                </a:solidFill>
-                <a:latin typeface="Arial" pitchFamily="-110" charset="0"/>
-                <a:ea typeface="ＭＳ Ｐゴシック" pitchFamily="-110" charset="-128"/>
-                <a:cs typeface="ＭＳ Ｐゴシック" pitchFamily="-110" charset="-128"/>
-              </a:rPr>
-              <a:t>Query becomes SELECT * FROM suppliers WHERE name = ‘Bob\‘\; drop table suppliers’</a:t>
-            </a:r>
-          </a:p>
-          <a:p>
-            <a:pPr lvl="1"/>
-            <a:r>
-              <a:rPr lang="en-US" altLang="zh-CN" sz="1600" dirty="0">
-                <a:solidFill>
-                  <a:schemeClr val="tx1"/>
-                </a:solidFill>
-                <a:latin typeface="Arial" pitchFamily="-110" charset="0"/>
-                <a:ea typeface="ＭＳ Ｐゴシック" pitchFamily="-110" charset="-128"/>
-                <a:cs typeface="ＭＳ Ｐゴシック" pitchFamily="-110" charset="-128"/>
-              </a:rPr>
-              <a:t>It looks for a database entry with name matching “Bob’; drop table suppliers”, and returns null.</a:t>
-            </a:r>
-          </a:p>
-          <a:p>
-            <a:r>
-              <a:rPr lang="en-US" altLang="zh-CN" sz="2400" dirty="0">
-                <a:solidFill>
-                  <a:schemeClr val="tx1"/>
-                </a:solidFill>
-                <a:latin typeface="Arial" pitchFamily="-110" charset="0"/>
-                <a:ea typeface="ＭＳ Ｐゴシック" pitchFamily="-110" charset="-128"/>
-                <a:cs typeface="ＭＳ Ｐゴシック" pitchFamily="-110" charset="-128"/>
-              </a:rPr>
-              <a:t>Or, perform input validation:</a:t>
-            </a:r>
-          </a:p>
-          <a:p>
-            <a:pPr lvl="1"/>
-            <a:r>
-              <a:rPr lang="en-US" altLang="zh-CN" sz="1600" dirty="0">
-                <a:solidFill>
-                  <a:schemeClr val="tx1"/>
-                </a:solidFill>
-                <a:latin typeface="Arial" pitchFamily="-110" charset="0"/>
-                <a:ea typeface="ＭＳ Ｐゴシック" pitchFamily="-110" charset="-128"/>
-                <a:cs typeface="ＭＳ Ｐゴシック" pitchFamily="-110" charset="-128"/>
-              </a:rPr>
-              <a:t>die "The specified name contains illegal characters!“ unless ($name =~ /^\w+$/)</a:t>
-            </a:r>
-          </a:p>
-          <a:p>
-            <a:pPr lvl="1"/>
-            <a:r>
-              <a:rPr lang="en-US" altLang="zh-CN" sz="1600" dirty="0">
-                <a:solidFill>
-                  <a:schemeClr val="tx1"/>
-                </a:solidFill>
-                <a:latin typeface="Arial" pitchFamily="-110" charset="0"/>
-                <a:ea typeface="ＭＳ Ｐゴシック" pitchFamily="-110" charset="-128"/>
-                <a:cs typeface="ＭＳ Ｐゴシック" pitchFamily="-110" charset="-128"/>
-              </a:rPr>
-              <a:t>But this does not handle the name O’Connor</a:t>
-            </a:r>
+              <a:rPr lang="en-US" dirty="0"/>
+              <a:t>User inputs a random string in the password entry and types “EID5002’#” in the </a:t>
+            </a:r>
+            <a:r>
+              <a:rPr lang="en-US" dirty="0" err="1"/>
+              <a:t>eid</a:t>
+            </a:r>
+            <a:r>
+              <a:rPr lang="en-US" dirty="0"/>
+              <a:t> entry. Since everything from the # sign to the end of line is considered as comment, the SQL statement will be equivalent to the right statement, with no password checking </a:t>
+            </a:r>
+          </a:p>
+          <a:p>
+            <a:endParaRPr lang="en-SE" dirty="0"/>
           </a:p>
         </p:txBody>
       </p:sp>
-      <p:pic>
-        <p:nvPicPr>
-          <p:cNvPr id="3" name="图片 2">
+      <p:sp>
+        <p:nvSpPr>
+          <p:cNvPr id="12" name="Arrow: Right 11">
             <a:extLst>
               <a:ext uri="{FF2B5EF4-FFF2-40B4-BE49-F238E27FC236}">
-                <a16:creationId xmlns:a16="http://schemas.microsoft.com/office/drawing/2014/main" id="{8326C0EE-C45D-4E2B-82FF-747B59968173}"/>
+                <a16:creationId xmlns:a16="http://schemas.microsoft.com/office/drawing/2014/main" id="{A0E0F509-1199-450B-9775-83FD4F6FFD93}"/>
               </a:ext>
             </a:extLst>
           </p:cNvPr>
-          <p:cNvPicPr>
-            <a:picLocks noChangeAspect="1"/>
-          </p:cNvPicPr>
+          <p:cNvSpPr/>
           <p:nvPr/>
-        </p:nvPicPr>
-        <p:blipFill>
-          <a:blip r:embed="rId3"/>
-          <a:stretch>
-            <a:fillRect/>
-          </a:stretch>
-        </p:blipFill>
-        <p:spPr>
+        </p:nvSpPr>
+        <p:spPr bwMode="auto">
           <a:xfrm>
-            <a:off x="827584" y="120137"/>
-            <a:ext cx="7796439" cy="3456384"/>
+            <a:off x="4750170" y="5789361"/>
+            <a:ext cx="685926" cy="484632"/>
           </a:xfrm>
-          <a:prstGeom prst="rect">
+          <a:prstGeom prst="rightArrow">
             <a:avLst/>
           </a:prstGeom>
+          <a:noFill/>
+          <a:ln w="12700" cap="flat" cmpd="sng" algn="ctr">
+            <a:solidFill>
+              <a:schemeClr val="tx1"/>
+            </a:solidFill>
+            <a:prstDash val="solid"/>
+            <a:round/>
+            <a:headEnd type="none" w="med" len="med"/>
+            <a:tailEnd type="none" w="med" len="med"/>
+          </a:ln>
+          <a:effectLst/>
         </p:spPr>
-      </p:pic>
+        <p:txBody>
+          <a:bodyPr rot="0" spcFirstLastPara="0" vertOverflow="overflow" horzOverflow="overflow" vert="horz" wrap="square" lIns="91440" tIns="45720" rIns="91440" bIns="45720" numCol="1" spcCol="0" rtlCol="0" fromWordArt="0" anchor="t" anchorCtr="0" forceAA="0" compatLnSpc="1">
+            <a:prstTxWarp prst="textNoShape">
+              <a:avLst/>
+            </a:prstTxWarp>
+            <a:noAutofit/>
+          </a:bodyPr>
+          <a:lstStyle/>
+          <a:p>
+            <a:endParaRPr lang="en-SE">
+              <a:latin typeface="Arial" charset="0"/>
+            </a:endParaRPr>
+          </a:p>
+        </p:txBody>
+      </p:sp>
     </p:spTree>
     <p:extLst>
       <p:ext uri="{BB962C8B-B14F-4D97-AF65-F5344CB8AC3E}">
-        <p14:creationId xmlns:p14="http://schemas.microsoft.com/office/powerpoint/2010/main" val="2572616495"/>
+        <p14:creationId xmlns:p14="http://schemas.microsoft.com/office/powerpoint/2010/main" val="1393559913"/>
       </p:ext>
     </p:extLst>
   </p:cSld>
   <p:clrMapOvr>
     <a:masterClrMapping/>
   </p:clrMapOvr>
-  <p:transition>
-    <p:wipe dir="r"/>
-  </p:transition>
 </p:sld>
 </file>
 
-<file path=ppt/slides/slide12.xml><?xml version="1.0" encoding="utf-8"?>
+<file path=ppt/slides/slide13.xml><?xml version="1.0" encoding="utf-8"?>
+<p:sld xmlns:a="http://schemas.openxmlformats.org/drawingml/2006/main" xmlns:r="http://schemas.openxmlformats.org/officeDocument/2006/relationships" xmlns:p="http://schemas.openxmlformats.org/presentationml/2006/main">
+  <p:cSld>
+    <p:spTree>
+      <p:nvGrpSpPr>
+        <p:cNvPr id="1" name=""/>
+        <p:cNvGrpSpPr/>
+        <p:nvPr/>
+      </p:nvGrpSpPr>
+      <p:grpSpPr>
+        <a:xfrm>
+          <a:off x="0" y="0"/>
+          <a:ext cx="0" cy="0"/>
+          <a:chOff x="0" y="0"/>
+          <a:chExt cx="0" cy="0"/>
+        </a:xfrm>
+      </p:grpSpPr>
+      <p:sp>
+        <p:nvSpPr>
+          <p:cNvPr id="2" name="Title 1">
+            <a:extLst>
+              <a:ext uri="{FF2B5EF4-FFF2-40B4-BE49-F238E27FC236}">
+                <a16:creationId xmlns:a16="http://schemas.microsoft.com/office/drawing/2014/main" id="{972AF928-89DF-472D-B79A-558AAC3EAEFF}"/>
+              </a:ext>
+            </a:extLst>
+          </p:cNvPr>
+          <p:cNvSpPr>
+            <a:spLocks noGrp="1"/>
+          </p:cNvSpPr>
+          <p:nvPr>
+            <p:ph type="title"/>
+          </p:nvPr>
+        </p:nvSpPr>
+        <p:spPr/>
+        <p:txBody>
+          <a:bodyPr/>
+          <a:lstStyle/>
+          <a:p>
+            <a:r>
+              <a:rPr lang="en-US" dirty="0"/>
+              <a:t>More Attacks</a:t>
+            </a:r>
+            <a:endParaRPr lang="en-SE" dirty="0"/>
+          </a:p>
+        </p:txBody>
+      </p:sp>
+      <p:sp>
+        <p:nvSpPr>
+          <p:cNvPr id="3" name="Content Placeholder 2">
+            <a:extLst>
+              <a:ext uri="{FF2B5EF4-FFF2-40B4-BE49-F238E27FC236}">
+                <a16:creationId xmlns:a16="http://schemas.microsoft.com/office/drawing/2014/main" id="{578AC324-448D-4389-869A-479114D66437}"/>
+              </a:ext>
+            </a:extLst>
+          </p:cNvPr>
+          <p:cNvSpPr>
+            <a:spLocks noGrp="1"/>
+          </p:cNvSpPr>
+          <p:nvPr>
+            <p:ph idx="1"/>
+          </p:nvPr>
+        </p:nvSpPr>
+        <p:spPr>
+          <a:xfrm>
+            <a:off x="323528" y="1196753"/>
+            <a:ext cx="8568952" cy="4313612"/>
+          </a:xfrm>
+        </p:spPr>
+        <p:txBody>
+          <a:bodyPr>
+            <a:normAutofit fontScale="70000" lnSpcReduction="20000"/>
+          </a:bodyPr>
+          <a:lstStyle/>
+          <a:p>
+            <a:pPr>
+              <a:spcBef>
+                <a:spcPts val="0"/>
+              </a:spcBef>
+              <a:spcAft>
+                <a:spcPts val="450"/>
+              </a:spcAft>
+            </a:pPr>
+            <a:r>
+              <a:rPr lang="en-US" dirty="0"/>
+              <a:t>Left: user creates a predicate for WHERE clause so that it is true for all records, so it returns all the records from the database, even if she does not know all the EID’s in the database.</a:t>
+            </a:r>
+          </a:p>
+          <a:p>
+            <a:pPr>
+              <a:spcBef>
+                <a:spcPts val="0"/>
+              </a:spcBef>
+              <a:spcAft>
+                <a:spcPts val="450"/>
+              </a:spcAft>
+            </a:pPr>
+            <a:r>
+              <a:rPr lang="en-US" dirty="0"/>
+              <a:t>Right: </a:t>
+            </a:r>
+            <a:r>
+              <a:rPr lang="en-US" altLang="zh-CN" dirty="0">
+                <a:latin typeface="Arial" pitchFamily="-110" charset="0"/>
+                <a:ea typeface="ＭＳ Ｐゴシック" pitchFamily="-110" charset="-128"/>
+                <a:cs typeface="ＭＳ Ｐゴシック" pitchFamily="-110" charset="-128"/>
+              </a:rPr>
+              <a:t>the database views this SQL statement as 2 separate statements: first select all entries with </a:t>
+            </a:r>
+            <a:r>
+              <a:rPr lang="en-US" altLang="zh-CN" dirty="0" err="1">
+                <a:latin typeface="Arial" pitchFamily="-110" charset="0"/>
+                <a:ea typeface="ＭＳ Ｐゴシック" pitchFamily="-110" charset="-128"/>
+                <a:cs typeface="ＭＳ Ｐゴシック" pitchFamily="-110" charset="-128"/>
+              </a:rPr>
+              <a:t>eid</a:t>
+            </a:r>
+            <a:r>
+              <a:rPr lang="en-US" altLang="zh-CN" dirty="0">
+                <a:latin typeface="Arial" pitchFamily="-110" charset="0"/>
+                <a:ea typeface="ＭＳ Ｐゴシック" pitchFamily="-110" charset="-128"/>
+                <a:cs typeface="ＭＳ Ｐゴシック" pitchFamily="-110" charset="-128"/>
+              </a:rPr>
+              <a:t>=‘a’, then delete the entire employee table.</a:t>
+            </a:r>
+          </a:p>
+          <a:p>
+            <a:pPr lvl="1"/>
+            <a:r>
+              <a:rPr lang="en-US" altLang="zh-CN" dirty="0">
+                <a:latin typeface="Arial" pitchFamily="-110" charset="0"/>
+                <a:ea typeface="ＭＳ Ｐゴシック" pitchFamily="-110" charset="-128"/>
+              </a:rPr>
+              <a:t>As countermeasure, use </a:t>
+            </a:r>
+            <a:r>
+              <a:rPr lang="en-US" altLang="zh-CN" dirty="0" err="1">
+                <a:latin typeface="Arial" pitchFamily="-110" charset="0"/>
+                <a:ea typeface="ＭＳ Ｐゴシック" pitchFamily="-110" charset="-128"/>
+              </a:rPr>
+              <a:t>mysql_real_escape_string</a:t>
+            </a:r>
+            <a:r>
+              <a:rPr lang="en-US" altLang="zh-CN" dirty="0">
+                <a:latin typeface="Arial" pitchFamily="-110" charset="0"/>
+                <a:ea typeface="ＭＳ Ｐゴシック" pitchFamily="-110" charset="-128"/>
+              </a:rPr>
+              <a:t>() to prepend backslashes to some special characters, including \n, \r, \, ‘, “. </a:t>
+            </a:r>
+          </a:p>
+          <a:p>
+            <a:pPr lvl="1"/>
+            <a:r>
+              <a:rPr lang="en-US" altLang="zh-CN" dirty="0">
+                <a:latin typeface="Arial" pitchFamily="-110" charset="0"/>
+                <a:ea typeface="ＭＳ Ｐゴシック" pitchFamily="-110" charset="-128"/>
+              </a:rPr>
+              <a:t>Now we have: WHERE name = ‘a\‘\; drop table suppliers’. The database looks for a tuple with name matching the long string </a:t>
+            </a:r>
+            <a:r>
+              <a:rPr lang="en-US" altLang="zh-CN" sz="2900" dirty="0">
+                <a:latin typeface="Courier New" panose="02070309020205020404" pitchFamily="49" charset="0"/>
+                <a:ea typeface="ＭＳ Ｐゴシック" pitchFamily="-110" charset="-128"/>
+                <a:cs typeface="Courier New" panose="02070309020205020404" pitchFamily="49" charset="0"/>
+              </a:rPr>
+              <a:t>a’; drop table employee</a:t>
+            </a:r>
+            <a:r>
+              <a:rPr lang="en-US" altLang="zh-CN" dirty="0">
+                <a:latin typeface="Arial" pitchFamily="-110" charset="0"/>
+                <a:ea typeface="ＭＳ Ｐゴシック" pitchFamily="-110" charset="-128"/>
+              </a:rPr>
+              <a:t>, and returns null.</a:t>
+            </a:r>
+          </a:p>
+          <a:p>
+            <a:pPr>
+              <a:spcBef>
+                <a:spcPts val="0"/>
+              </a:spcBef>
+              <a:spcAft>
+                <a:spcPts val="450"/>
+              </a:spcAft>
+            </a:pPr>
+            <a:endParaRPr lang="en-US" dirty="0"/>
+          </a:p>
+          <a:p>
+            <a:pPr>
+              <a:spcBef>
+                <a:spcPts val="0"/>
+              </a:spcBef>
+              <a:spcAft>
+                <a:spcPts val="450"/>
+              </a:spcAft>
+            </a:pPr>
+            <a:endParaRPr lang="en-SE" dirty="0"/>
+          </a:p>
+        </p:txBody>
+      </p:sp>
+      <p:sp>
+        <p:nvSpPr>
+          <p:cNvPr id="4" name="Slide Number Placeholder 3">
+            <a:extLst>
+              <a:ext uri="{FF2B5EF4-FFF2-40B4-BE49-F238E27FC236}">
+                <a16:creationId xmlns:a16="http://schemas.microsoft.com/office/drawing/2014/main" id="{06BDC317-55E5-4657-8FB7-60E9B456B027}"/>
+              </a:ext>
+            </a:extLst>
+          </p:cNvPr>
+          <p:cNvSpPr>
+            <a:spLocks noGrp="1"/>
+          </p:cNvSpPr>
+          <p:nvPr>
+            <p:ph type="sldNum" sz="quarter" idx="12"/>
+          </p:nvPr>
+        </p:nvSpPr>
+        <p:spPr/>
+        <p:txBody>
+          <a:bodyPr/>
+          <a:lstStyle/>
+          <a:p>
+            <a:pPr>
+              <a:defRPr/>
+            </a:pPr>
+            <a:fld id="{F57F456A-00AF-44E6-8D70-638C0D0130FF}" type="slidenum">
+              <a:rPr lang="en-US" altLang="zh-CN" smtClean="0"/>
+              <a:pPr>
+                <a:defRPr/>
+              </a:pPr>
+              <a:t>13</a:t>
+            </a:fld>
+            <a:endParaRPr lang="en-US" altLang="zh-CN" dirty="0"/>
+          </a:p>
+        </p:txBody>
+      </p:sp>
+      <p:sp>
+        <p:nvSpPr>
+          <p:cNvPr id="5" name="TextBox 4">
+            <a:extLst>
+              <a:ext uri="{FF2B5EF4-FFF2-40B4-BE49-F238E27FC236}">
+                <a16:creationId xmlns:a16="http://schemas.microsoft.com/office/drawing/2014/main" id="{F4537BA9-C6D8-44AA-BA7E-6CA6DEABF7FD}"/>
+              </a:ext>
+            </a:extLst>
+          </p:cNvPr>
+          <p:cNvSpPr txBox="1"/>
+          <p:nvPr/>
+        </p:nvSpPr>
+        <p:spPr>
+          <a:xfrm>
+            <a:off x="899592" y="5445224"/>
+            <a:ext cx="2796215" cy="830997"/>
+          </a:xfrm>
+          <a:prstGeom prst="rect">
+            <a:avLst/>
+          </a:prstGeom>
+          <a:ln>
+            <a:noFill/>
+          </a:ln>
+        </p:spPr>
+        <p:style>
+          <a:lnRef idx="1">
+            <a:schemeClr val="dk1"/>
+          </a:lnRef>
+          <a:fillRef idx="2">
+            <a:schemeClr val="dk1"/>
+          </a:fillRef>
+          <a:effectRef idx="1">
+            <a:schemeClr val="dk1"/>
+          </a:effectRef>
+          <a:fontRef idx="minor">
+            <a:schemeClr val="dk1"/>
+          </a:fontRef>
+        </p:style>
+        <p:txBody>
+          <a:bodyPr wrap="none" rtlCol="0">
+            <a:spAutoFit/>
+          </a:bodyPr>
+          <a:lstStyle/>
+          <a:p>
+            <a:r>
+              <a:rPr lang="en-US" sz="1600" dirty="0"/>
+              <a:t>SELECT Name, Salary, SSN</a:t>
+            </a:r>
+          </a:p>
+          <a:p>
+            <a:r>
+              <a:rPr lang="en-US" sz="1600" dirty="0"/>
+              <a:t>FROM employee</a:t>
+            </a:r>
+          </a:p>
+          <a:p>
+            <a:r>
+              <a:rPr lang="en-US" sz="1600" dirty="0"/>
+              <a:t>WHERE </a:t>
+            </a:r>
+            <a:r>
+              <a:rPr lang="en-US" sz="1600" dirty="0" err="1"/>
+              <a:t>eid</a:t>
+            </a:r>
+            <a:r>
+              <a:rPr lang="en-US" sz="1600" dirty="0"/>
+              <a:t>=‘a’ OR 1=1</a:t>
+            </a:r>
+            <a:endParaRPr lang="en-SE" sz="1600" dirty="0"/>
+          </a:p>
+        </p:txBody>
+      </p:sp>
+      <p:sp>
+        <p:nvSpPr>
+          <p:cNvPr id="6" name="TextBox 5">
+            <a:extLst>
+              <a:ext uri="{FF2B5EF4-FFF2-40B4-BE49-F238E27FC236}">
+                <a16:creationId xmlns:a16="http://schemas.microsoft.com/office/drawing/2014/main" id="{8D2775E0-358B-4D13-A655-A40505C1DD19}"/>
+              </a:ext>
+            </a:extLst>
+          </p:cNvPr>
+          <p:cNvSpPr txBox="1"/>
+          <p:nvPr/>
+        </p:nvSpPr>
+        <p:spPr>
+          <a:xfrm>
+            <a:off x="5058782" y="5445224"/>
+            <a:ext cx="3750835" cy="830997"/>
+          </a:xfrm>
+          <a:prstGeom prst="rect">
+            <a:avLst/>
+          </a:prstGeom>
+          <a:ln>
+            <a:noFill/>
+          </a:ln>
+        </p:spPr>
+        <p:style>
+          <a:lnRef idx="1">
+            <a:schemeClr val="dk1"/>
+          </a:lnRef>
+          <a:fillRef idx="2">
+            <a:schemeClr val="dk1"/>
+          </a:fillRef>
+          <a:effectRef idx="1">
+            <a:schemeClr val="dk1"/>
+          </a:effectRef>
+          <a:fontRef idx="minor">
+            <a:schemeClr val="dk1"/>
+          </a:fontRef>
+        </p:style>
+        <p:txBody>
+          <a:bodyPr wrap="none" rtlCol="0">
+            <a:spAutoFit/>
+          </a:bodyPr>
+          <a:lstStyle/>
+          <a:p>
+            <a:r>
+              <a:rPr lang="en-US" sz="1600" dirty="0"/>
+              <a:t>SELECT Name, Salary, SSN</a:t>
+            </a:r>
+          </a:p>
+          <a:p>
+            <a:r>
+              <a:rPr lang="en-US" sz="1600" dirty="0"/>
+              <a:t>FROM employee</a:t>
+            </a:r>
+          </a:p>
+          <a:p>
+            <a:r>
+              <a:rPr lang="en-US" sz="1600" dirty="0"/>
+              <a:t>WHERE </a:t>
+            </a:r>
+            <a:r>
+              <a:rPr lang="en-US" sz="1600" dirty="0" err="1"/>
+              <a:t>eid</a:t>
+            </a:r>
+            <a:r>
+              <a:rPr lang="en-US" sz="1600" dirty="0"/>
+              <a:t>=‘a’; DROP table employee</a:t>
+            </a:r>
+            <a:endParaRPr lang="en-SE" sz="1600" dirty="0"/>
+          </a:p>
+        </p:txBody>
+      </p:sp>
+    </p:spTree>
+    <p:extLst>
+      <p:ext uri="{BB962C8B-B14F-4D97-AF65-F5344CB8AC3E}">
+        <p14:creationId xmlns:p14="http://schemas.microsoft.com/office/powerpoint/2010/main" val="148472738"/>
+      </p:ext>
+    </p:extLst>
+  </p:cSld>
+  <p:clrMapOvr>
+    <a:masterClrMapping/>
+  </p:clrMapOvr>
+</p:sld>
+</file>
+
+<file path=ppt/slides/slide14.xml><?xml version="1.0" encoding="utf-8"?>
+<p:sld xmlns:a="http://schemas.openxmlformats.org/drawingml/2006/main" xmlns:r="http://schemas.openxmlformats.org/officeDocument/2006/relationships" xmlns:p="http://schemas.openxmlformats.org/presentationml/2006/main">
+  <p:cSld>
+    <p:spTree>
+      <p:nvGrpSpPr>
+        <p:cNvPr id="1" name=""/>
+        <p:cNvGrpSpPr/>
+        <p:nvPr/>
+      </p:nvGrpSpPr>
+      <p:grpSpPr>
+        <a:xfrm>
+          <a:off x="0" y="0"/>
+          <a:ext cx="0" cy="0"/>
+          <a:chOff x="0" y="0"/>
+          <a:chExt cx="0" cy="0"/>
+        </a:xfrm>
+      </p:grpSpPr>
+      <p:sp>
+        <p:nvSpPr>
+          <p:cNvPr id="2" name="Title 1">
+            <a:extLst>
+              <a:ext uri="{FF2B5EF4-FFF2-40B4-BE49-F238E27FC236}">
+                <a16:creationId xmlns:a16="http://schemas.microsoft.com/office/drawing/2014/main" id="{18845139-8640-4C8F-B8CF-1ACB72E209A5}"/>
+              </a:ext>
+            </a:extLst>
+          </p:cNvPr>
+          <p:cNvSpPr>
+            <a:spLocks noGrp="1"/>
+          </p:cNvSpPr>
+          <p:nvPr>
+            <p:ph type="title"/>
+          </p:nvPr>
+        </p:nvSpPr>
+        <p:spPr/>
+        <p:txBody>
+          <a:bodyPr/>
+          <a:lstStyle/>
+          <a:p>
+            <a:r>
+              <a:rPr lang="en-US" dirty="0" err="1"/>
+              <a:t>SQLi</a:t>
+            </a:r>
+            <a:r>
+              <a:rPr lang="en-US" dirty="0"/>
+              <a:t> Cartoon</a:t>
+            </a:r>
+            <a:endParaRPr lang="en-SE" dirty="0"/>
+          </a:p>
+        </p:txBody>
+      </p:sp>
+      <p:sp>
+        <p:nvSpPr>
+          <p:cNvPr id="4" name="Slide Number Placeholder 3">
+            <a:extLst>
+              <a:ext uri="{FF2B5EF4-FFF2-40B4-BE49-F238E27FC236}">
+                <a16:creationId xmlns:a16="http://schemas.microsoft.com/office/drawing/2014/main" id="{A6AA8A08-29C9-43FD-88C5-DA3CFA1E3E44}"/>
+              </a:ext>
+            </a:extLst>
+          </p:cNvPr>
+          <p:cNvSpPr>
+            <a:spLocks noGrp="1"/>
+          </p:cNvSpPr>
+          <p:nvPr>
+            <p:ph type="sldNum" sz="quarter" idx="12"/>
+          </p:nvPr>
+        </p:nvSpPr>
+        <p:spPr/>
+        <p:txBody>
+          <a:bodyPr/>
+          <a:lstStyle/>
+          <a:p>
+            <a:pPr>
+              <a:defRPr/>
+            </a:pPr>
+            <a:fld id="{F57F456A-00AF-44E6-8D70-638C0D0130FF}" type="slidenum">
+              <a:rPr lang="en-US" altLang="zh-CN" smtClean="0"/>
+              <a:pPr>
+                <a:defRPr/>
+              </a:pPr>
+              <a:t>14</a:t>
+            </a:fld>
+            <a:endParaRPr lang="en-US" altLang="zh-CN" dirty="0"/>
+          </a:p>
+        </p:txBody>
+      </p:sp>
+      <p:pic>
+        <p:nvPicPr>
+          <p:cNvPr id="1028" name="Picture 4">
+            <a:extLst>
+              <a:ext uri="{FF2B5EF4-FFF2-40B4-BE49-F238E27FC236}">
+                <a16:creationId xmlns:a16="http://schemas.microsoft.com/office/drawing/2014/main" id="{7352C3B1-A8A0-431C-B79B-C64612008ECF}"/>
+              </a:ext>
+            </a:extLst>
+          </p:cNvPr>
+          <p:cNvPicPr>
+            <a:picLocks noChangeAspect="1" noChangeArrowheads="1"/>
+          </p:cNvPicPr>
+          <p:nvPr/>
+        </p:nvPicPr>
+        <p:blipFill>
+          <a:blip r:embed="rId2">
+            <a:extLst>
+              <a:ext uri="{28A0092B-C50C-407E-A947-70E740481C1C}">
+                <a14:useLocalDpi xmlns:a14="http://schemas.microsoft.com/office/drawing/2010/main" val="0"/>
+              </a:ext>
+            </a:extLst>
+          </a:blip>
+          <a:srcRect/>
+          <a:stretch>
+            <a:fillRect/>
+          </a:stretch>
+        </p:blipFill>
+        <p:spPr bwMode="auto">
+          <a:xfrm>
+            <a:off x="82492" y="2276872"/>
+            <a:ext cx="9079270" cy="2880320"/>
+          </a:xfrm>
+          <a:prstGeom prst="rect">
+            <a:avLst/>
+          </a:prstGeom>
+          <a:noFill/>
+          <a:extLst>
+            <a:ext uri="{909E8E84-426E-40DD-AFC4-6F175D3DCCD1}">
+              <a14:hiddenFill xmlns:a14="http://schemas.microsoft.com/office/drawing/2010/main">
+                <a:solidFill>
+                  <a:srgbClr val="FFFFFF"/>
+                </a:solidFill>
+              </a14:hiddenFill>
+            </a:ext>
+          </a:extLst>
+        </p:spPr>
+      </p:pic>
+    </p:spTree>
+    <p:extLst>
+      <p:ext uri="{BB962C8B-B14F-4D97-AF65-F5344CB8AC3E}">
+        <p14:creationId xmlns:p14="http://schemas.microsoft.com/office/powerpoint/2010/main" val="3286960261"/>
+      </p:ext>
+    </p:extLst>
+  </p:cSld>
+  <p:clrMapOvr>
+    <a:masterClrMapping/>
+  </p:clrMapOvr>
+</p:sld>
+</file>
+
+<file path=ppt/slides/slide15.xml><?xml version="1.0" encoding="utf-8"?>
 <p:sld xmlns:a="http://schemas.openxmlformats.org/drawingml/2006/main" xmlns:r="http://schemas.openxmlformats.org/officeDocument/2006/relationships" xmlns:p="http://schemas.openxmlformats.org/presentationml/2006/main">
   <p:cSld>
     <p:spTree>
@@ -14679,7 +15303,7 @@
                 </a:solidFill>
               </a:rPr>
               <a:pPr/>
-              <a:t>12</a:t>
+              <a:t>15</a:t>
             </a:fld>
             <a:endParaRPr lang="en-US" dirty="0">
               <a:solidFill>
@@ -14730,7 +15354,7 @@
 </p:sld>
 </file>
 
-<file path=ppt/slides/slide13.xml><?xml version="1.0" encoding="utf-8"?>
+<file path=ppt/slides/slide16.xml><?xml version="1.0" encoding="utf-8"?>
 <p:sld xmlns:a="http://schemas.openxmlformats.org/drawingml/2006/main" xmlns:r="http://schemas.openxmlformats.org/officeDocument/2006/relationships" xmlns:p="http://schemas.openxmlformats.org/presentationml/2006/main">
   <p:cSld>
     <p:spTree>
@@ -14896,7 +15520,7 @@
                 </a:solidFill>
               </a:rPr>
               <a:pPr/>
-              <a:t>13</a:t>
+              <a:t>16</a:t>
             </a:fld>
             <a:endParaRPr lang="en-US" dirty="0">
               <a:solidFill>
@@ -14923,7 +15547,7 @@
 </p:sld>
 </file>
 
-<file path=ppt/slides/slide14.xml><?xml version="1.0" encoding="utf-8"?>
+<file path=ppt/slides/slide17.xml><?xml version="1.0" encoding="utf-8"?>
 <p:sld xmlns:a="http://schemas.openxmlformats.org/drawingml/2006/main" xmlns:r="http://schemas.openxmlformats.org/officeDocument/2006/relationships" xmlns:p="http://schemas.openxmlformats.org/presentationml/2006/main">
   <p:cSld>
     <p:spTree>
@@ -15056,7 +15680,7 @@
               <a:pPr>
                 <a:defRPr/>
               </a:pPr>
-              <a:t>14</a:t>
+              <a:t>17</a:t>
             </a:fld>
             <a:endParaRPr lang="en-US" altLang="zh-CN" dirty="0"/>
           </a:p>
@@ -15075,7 +15699,7 @@
 </p:sld>
 </file>
 
-<file path=ppt/slides/slide15.xml><?xml version="1.0" encoding="utf-8"?>
+<file path=ppt/slides/slide18.xml><?xml version="1.0" encoding="utf-8"?>
 <p:sld xmlns:a="http://schemas.openxmlformats.org/drawingml/2006/main" xmlns:r="http://schemas.openxmlformats.org/officeDocument/2006/relationships" xmlns:p="http://schemas.openxmlformats.org/presentationml/2006/main">
   <p:cSld>
     <p:spTree>
@@ -15247,7 +15871,7 @@
                 </a:solidFill>
               </a:rPr>
               <a:pPr/>
-              <a:t>15</a:t>
+              <a:t>18</a:t>
             </a:fld>
             <a:endParaRPr lang="en-US" dirty="0">
               <a:solidFill>
@@ -15273,7 +15897,7 @@
 </p:sld>
 </file>
 
-<file path=ppt/slides/slide16.xml><?xml version="1.0" encoding="utf-8"?>
+<file path=ppt/slides/slide19.xml><?xml version="1.0" encoding="utf-8"?>
 <p:sld xmlns:a="http://schemas.openxmlformats.org/drawingml/2006/main" xmlns:r="http://schemas.openxmlformats.org/officeDocument/2006/relationships" xmlns:p="http://schemas.openxmlformats.org/presentationml/2006/main">
   <p:cSld>
     <p:spTree>
@@ -15541,7 +16165,7 @@
                 </a:solidFill>
               </a:rPr>
               <a:pPr/>
-              <a:t>16</a:t>
+              <a:t>19</a:t>
             </a:fld>
             <a:endParaRPr lang="en-US" dirty="0">
               <a:solidFill>
@@ -15711,7 +16335,159 @@
 </p:sld>
 </file>
 
-<file path=ppt/slides/slide17.xml><?xml version="1.0" encoding="utf-8"?>
+<file path=ppt/slides/slide2.xml><?xml version="1.0" encoding="utf-8"?>
+<p:sld xmlns:a="http://schemas.openxmlformats.org/drawingml/2006/main" xmlns:r="http://schemas.openxmlformats.org/officeDocument/2006/relationships" xmlns:p="http://schemas.openxmlformats.org/presentationml/2006/main">
+  <p:cSld>
+    <p:spTree>
+      <p:nvGrpSpPr>
+        <p:cNvPr id="1" name=""/>
+        <p:cNvGrpSpPr/>
+        <p:nvPr/>
+      </p:nvGrpSpPr>
+      <p:grpSpPr>
+        <a:xfrm>
+          <a:off x="0" y="0"/>
+          <a:ext cx="0" cy="0"/>
+          <a:chOff x="0" y="0"/>
+          <a:chExt cx="0" cy="0"/>
+        </a:xfrm>
+      </p:grpSpPr>
+      <p:sp>
+        <p:nvSpPr>
+          <p:cNvPr id="2" name="Title 1">
+            <a:extLst>
+              <a:ext uri="{FF2B5EF4-FFF2-40B4-BE49-F238E27FC236}">
+                <a16:creationId xmlns:a16="http://schemas.microsoft.com/office/drawing/2014/main" id="{0AF3D401-2829-4714-9682-E7C02E8C1042}"/>
+              </a:ext>
+            </a:extLst>
+          </p:cNvPr>
+          <p:cNvSpPr>
+            <a:spLocks noGrp="1"/>
+          </p:cNvSpPr>
+          <p:nvPr>
+            <p:ph type="title"/>
+          </p:nvPr>
+        </p:nvSpPr>
+        <p:spPr/>
+        <p:txBody>
+          <a:bodyPr/>
+          <a:lstStyle/>
+          <a:p>
+            <a:r>
+              <a:rPr lang="en-US" dirty="0"/>
+              <a:t>Outline</a:t>
+            </a:r>
+            <a:endParaRPr lang="en-SE" dirty="0"/>
+          </a:p>
+        </p:txBody>
+      </p:sp>
+      <p:sp>
+        <p:nvSpPr>
+          <p:cNvPr id="3" name="Content Placeholder 2">
+            <a:extLst>
+              <a:ext uri="{FF2B5EF4-FFF2-40B4-BE49-F238E27FC236}">
+                <a16:creationId xmlns:a16="http://schemas.microsoft.com/office/drawing/2014/main" id="{A2CF6DFF-2EDD-4028-8A0F-535689298DD9}"/>
+              </a:ext>
+            </a:extLst>
+          </p:cNvPr>
+          <p:cNvSpPr>
+            <a:spLocks noGrp="1"/>
+          </p:cNvSpPr>
+          <p:nvPr>
+            <p:ph idx="1"/>
+          </p:nvPr>
+        </p:nvSpPr>
+        <p:spPr/>
+        <p:txBody>
+          <a:bodyPr>
+            <a:normAutofit/>
+          </a:bodyPr>
+          <a:lstStyle/>
+          <a:p>
+            <a:r>
+              <a:rPr lang="en-US" dirty="0">
+                <a:solidFill>
+                  <a:srgbClr val="C00000"/>
+                </a:solidFill>
+              </a:rPr>
+              <a:t>Relational databases</a:t>
+            </a:r>
+          </a:p>
+          <a:p>
+            <a:r>
+              <a:rPr lang="en-US" dirty="0"/>
+              <a:t>SQL injection attacks</a:t>
+            </a:r>
+          </a:p>
+          <a:p>
+            <a:r>
+              <a:rPr lang="en-US" dirty="0"/>
+              <a:t>Access control</a:t>
+            </a:r>
+          </a:p>
+          <a:p>
+            <a:r>
+              <a:rPr lang="en-US" dirty="0"/>
+              <a:t>Inference </a:t>
+            </a:r>
+          </a:p>
+          <a:p>
+            <a:r>
+              <a:rPr lang="en-US" dirty="0"/>
+              <a:t>Database encryption</a:t>
+            </a:r>
+          </a:p>
+        </p:txBody>
+      </p:sp>
+      <p:sp>
+        <p:nvSpPr>
+          <p:cNvPr id="4" name="Slide Number Placeholder 3">
+            <a:extLst>
+              <a:ext uri="{FF2B5EF4-FFF2-40B4-BE49-F238E27FC236}">
+                <a16:creationId xmlns:a16="http://schemas.microsoft.com/office/drawing/2014/main" id="{EC37C905-4DBB-46D1-A925-3D15CB0A3700}"/>
+              </a:ext>
+            </a:extLst>
+          </p:cNvPr>
+          <p:cNvSpPr>
+            <a:spLocks noGrp="1"/>
+          </p:cNvSpPr>
+          <p:nvPr>
+            <p:ph type="sldNum" sz="quarter" idx="12"/>
+          </p:nvPr>
+        </p:nvSpPr>
+        <p:spPr/>
+        <p:txBody>
+          <a:bodyPr/>
+          <a:lstStyle/>
+          <a:p>
+            <a:pPr>
+              <a:defRPr/>
+            </a:pPr>
+            <a:fld id="{F57F456A-00AF-44E6-8D70-638C0D0130FF}" type="slidenum">
+              <a:rPr lang="en-US" altLang="zh-CN" smtClean="0"/>
+              <a:pPr>
+                <a:defRPr/>
+              </a:pPr>
+              <a:t>2</a:t>
+            </a:fld>
+            <a:endParaRPr lang="en-US" altLang="zh-CN" dirty="0"/>
+          </a:p>
+        </p:txBody>
+      </p:sp>
+    </p:spTree>
+    <p:extLst>
+      <p:ext uri="{BB962C8B-B14F-4D97-AF65-F5344CB8AC3E}">
+        <p14:creationId xmlns:p14="http://schemas.microsoft.com/office/powerpoint/2010/main" val="2151184292"/>
+      </p:ext>
+    </p:extLst>
+  </p:cSld>
+  <p:clrMapOvr>
+    <a:masterClrMapping/>
+  </p:clrMapOvr>
+</p:sld>
+</file>
+
+<file path=ppt/slides/slide20.xml><?xml version="1.0" encoding="utf-8"?>
 <p:sld xmlns:a="http://schemas.openxmlformats.org/drawingml/2006/main" xmlns:r="http://schemas.openxmlformats.org/officeDocument/2006/relationships" xmlns:p="http://schemas.openxmlformats.org/presentationml/2006/main">
   <p:cSld>
     <p:spTree>
@@ -15786,7 +16562,7 @@
               <a:pPr>
                 <a:defRPr/>
               </a:pPr>
-              <a:t>17</a:t>
+              <a:t>20</a:t>
             </a:fld>
             <a:endParaRPr lang="en-US" altLang="zh-CN" dirty="0"/>
           </a:p>
@@ -15835,7 +16611,7 @@
 </p:sld>
 </file>
 
-<file path=ppt/slides/slide18.xml><?xml version="1.0" encoding="utf-8"?>
+<file path=ppt/slides/slide21.xml><?xml version="1.0" encoding="utf-8"?>
 <p:sld xmlns:a="http://schemas.openxmlformats.org/drawingml/2006/main" xmlns:r="http://schemas.openxmlformats.org/officeDocument/2006/relationships" xmlns:p="http://schemas.openxmlformats.org/presentationml/2006/main">
   <p:cSld>
     <p:spTree>
@@ -16030,7 +16806,7 @@
               <a:pPr>
                 <a:defRPr/>
               </a:pPr>
-              <a:t>18</a:t>
+              <a:t>21</a:t>
             </a:fld>
             <a:endParaRPr lang="en-US" altLang="zh-CN" dirty="0"/>
           </a:p>
@@ -16049,7 +16825,7 @@
 </p:sld>
 </file>
 
-<file path=ppt/slides/slide19.xml><?xml version="1.0" encoding="utf-8"?>
+<file path=ppt/slides/slide22.xml><?xml version="1.0" encoding="utf-8"?>
 <p:sld xmlns:a="http://schemas.openxmlformats.org/drawingml/2006/main" xmlns:r="http://schemas.openxmlformats.org/officeDocument/2006/relationships" xmlns:p="http://schemas.openxmlformats.org/presentationml/2006/main">
   <p:cSld>
     <p:spTree>
@@ -16202,7 +16978,7 @@
                 </a:solidFill>
               </a:rPr>
               <a:pPr/>
-              <a:t>19</a:t>
+              <a:t>22</a:t>
             </a:fld>
             <a:endParaRPr lang="en-US" dirty="0">
               <a:solidFill>
@@ -16586,159 +17362,7 @@
 </p:sld>
 </file>
 
-<file path=ppt/slides/slide2.xml><?xml version="1.0" encoding="utf-8"?>
-<p:sld xmlns:a="http://schemas.openxmlformats.org/drawingml/2006/main" xmlns:r="http://schemas.openxmlformats.org/officeDocument/2006/relationships" xmlns:p="http://schemas.openxmlformats.org/presentationml/2006/main">
-  <p:cSld>
-    <p:spTree>
-      <p:nvGrpSpPr>
-        <p:cNvPr id="1" name=""/>
-        <p:cNvGrpSpPr/>
-        <p:nvPr/>
-      </p:nvGrpSpPr>
-      <p:grpSpPr>
-        <a:xfrm>
-          <a:off x="0" y="0"/>
-          <a:ext cx="0" cy="0"/>
-          <a:chOff x="0" y="0"/>
-          <a:chExt cx="0" cy="0"/>
-        </a:xfrm>
-      </p:grpSpPr>
-      <p:sp>
-        <p:nvSpPr>
-          <p:cNvPr id="2" name="Title 1">
-            <a:extLst>
-              <a:ext uri="{FF2B5EF4-FFF2-40B4-BE49-F238E27FC236}">
-                <a16:creationId xmlns:a16="http://schemas.microsoft.com/office/drawing/2014/main" id="{0AF3D401-2829-4714-9682-E7C02E8C1042}"/>
-              </a:ext>
-            </a:extLst>
-          </p:cNvPr>
-          <p:cNvSpPr>
-            <a:spLocks noGrp="1"/>
-          </p:cNvSpPr>
-          <p:nvPr>
-            <p:ph type="title"/>
-          </p:nvPr>
-        </p:nvSpPr>
-        <p:spPr/>
-        <p:txBody>
-          <a:bodyPr/>
-          <a:lstStyle/>
-          <a:p>
-            <a:r>
-              <a:rPr lang="en-US" dirty="0"/>
-              <a:t>Outline</a:t>
-            </a:r>
-            <a:endParaRPr lang="en-SE" dirty="0"/>
-          </a:p>
-        </p:txBody>
-      </p:sp>
-      <p:sp>
-        <p:nvSpPr>
-          <p:cNvPr id="3" name="Content Placeholder 2">
-            <a:extLst>
-              <a:ext uri="{FF2B5EF4-FFF2-40B4-BE49-F238E27FC236}">
-                <a16:creationId xmlns:a16="http://schemas.microsoft.com/office/drawing/2014/main" id="{A2CF6DFF-2EDD-4028-8A0F-535689298DD9}"/>
-              </a:ext>
-            </a:extLst>
-          </p:cNvPr>
-          <p:cNvSpPr>
-            <a:spLocks noGrp="1"/>
-          </p:cNvSpPr>
-          <p:nvPr>
-            <p:ph idx="1"/>
-          </p:nvPr>
-        </p:nvSpPr>
-        <p:spPr/>
-        <p:txBody>
-          <a:bodyPr>
-            <a:normAutofit/>
-          </a:bodyPr>
-          <a:lstStyle/>
-          <a:p>
-            <a:r>
-              <a:rPr lang="en-US" dirty="0">
-                <a:solidFill>
-                  <a:srgbClr val="C00000"/>
-                </a:solidFill>
-              </a:rPr>
-              <a:t>Relational databases</a:t>
-            </a:r>
-          </a:p>
-          <a:p>
-            <a:r>
-              <a:rPr lang="en-US" dirty="0"/>
-              <a:t>SQL injection attacks</a:t>
-            </a:r>
-          </a:p>
-          <a:p>
-            <a:r>
-              <a:rPr lang="en-US" dirty="0"/>
-              <a:t>Access control</a:t>
-            </a:r>
-          </a:p>
-          <a:p>
-            <a:r>
-              <a:rPr lang="en-US" dirty="0"/>
-              <a:t>Inference </a:t>
-            </a:r>
-          </a:p>
-          <a:p>
-            <a:r>
-              <a:rPr lang="en-US" dirty="0"/>
-              <a:t>Database encryption</a:t>
-            </a:r>
-          </a:p>
-        </p:txBody>
-      </p:sp>
-      <p:sp>
-        <p:nvSpPr>
-          <p:cNvPr id="4" name="Slide Number Placeholder 3">
-            <a:extLst>
-              <a:ext uri="{FF2B5EF4-FFF2-40B4-BE49-F238E27FC236}">
-                <a16:creationId xmlns:a16="http://schemas.microsoft.com/office/drawing/2014/main" id="{EC37C905-4DBB-46D1-A925-3D15CB0A3700}"/>
-              </a:ext>
-            </a:extLst>
-          </p:cNvPr>
-          <p:cNvSpPr>
-            <a:spLocks noGrp="1"/>
-          </p:cNvSpPr>
-          <p:nvPr>
-            <p:ph type="sldNum" sz="quarter" idx="12"/>
-          </p:nvPr>
-        </p:nvSpPr>
-        <p:spPr/>
-        <p:txBody>
-          <a:bodyPr/>
-          <a:lstStyle/>
-          <a:p>
-            <a:pPr>
-              <a:defRPr/>
-            </a:pPr>
-            <a:fld id="{F57F456A-00AF-44E6-8D70-638C0D0130FF}" type="slidenum">
-              <a:rPr lang="en-US" altLang="zh-CN" smtClean="0"/>
-              <a:pPr>
-                <a:defRPr/>
-              </a:pPr>
-              <a:t>2</a:t>
-            </a:fld>
-            <a:endParaRPr lang="en-US" altLang="zh-CN" dirty="0"/>
-          </a:p>
-        </p:txBody>
-      </p:sp>
-    </p:spTree>
-    <p:extLst>
-      <p:ext uri="{BB962C8B-B14F-4D97-AF65-F5344CB8AC3E}">
-        <p14:creationId xmlns:p14="http://schemas.microsoft.com/office/powerpoint/2010/main" val="2151184292"/>
-      </p:ext>
-    </p:extLst>
-  </p:cSld>
-  <p:clrMapOvr>
-    <a:masterClrMapping/>
-  </p:clrMapOvr>
-</p:sld>
-</file>
-
-<file path=ppt/slides/slide20.xml><?xml version="1.0" encoding="utf-8"?>
+<file path=ppt/slides/slide23.xml><?xml version="1.0" encoding="utf-8"?>
 <p:sld xmlns:a="http://schemas.openxmlformats.org/drawingml/2006/main" xmlns:r="http://schemas.openxmlformats.org/officeDocument/2006/relationships" xmlns:p="http://schemas.openxmlformats.org/presentationml/2006/main">
   <p:cSld>
     <p:spTree>
@@ -16890,7 +17514,7 @@
               <a:pPr>
                 <a:defRPr/>
               </a:pPr>
-              <a:t>20</a:t>
+              <a:t>23</a:t>
             </a:fld>
             <a:endParaRPr lang="en-US" altLang="zh-CN" dirty="0"/>
           </a:p>
@@ -16909,7 +17533,7 @@
 </p:sld>
 </file>
 
-<file path=ppt/slides/slide21.xml><?xml version="1.0" encoding="utf-8"?>
+<file path=ppt/slides/slide24.xml><?xml version="1.0" encoding="utf-8"?>
 <p:sld xmlns:a="http://schemas.openxmlformats.org/drawingml/2006/main" xmlns:r="http://schemas.openxmlformats.org/officeDocument/2006/relationships" xmlns:p="http://schemas.openxmlformats.org/presentationml/2006/main">
   <p:cSld>
     <p:spTree>
@@ -17021,7 +17645,7 @@
               <a:pPr>
                 <a:defRPr/>
               </a:pPr>
-              <a:t>21</a:t>
+              <a:t>24</a:t>
             </a:fld>
             <a:endParaRPr lang="en-US" altLang="zh-CN" dirty="0"/>
           </a:p>
@@ -17070,7 +17694,7 @@
 </p:sld>
 </file>
 
-<file path=ppt/slides/slide22.xml><?xml version="1.0" encoding="utf-8"?>
+<file path=ppt/slides/slide25.xml><?xml version="1.0" encoding="utf-8"?>
 <p:sld xmlns:a="http://schemas.openxmlformats.org/drawingml/2006/main" xmlns:r="http://schemas.openxmlformats.org/officeDocument/2006/relationships" xmlns:p="http://schemas.openxmlformats.org/presentationml/2006/main">
   <p:cSld>
     <p:spTree>
@@ -17203,7 +17827,7 @@
               <a:pPr>
                 <a:defRPr/>
               </a:pPr>
-              <a:t>22</a:t>
+              <a:t>25</a:t>
             </a:fld>
             <a:endParaRPr lang="en-US" altLang="zh-CN" dirty="0"/>
           </a:p>
@@ -17222,7 +17846,7 @@
 </p:sld>
 </file>
 
-<file path=ppt/slides/slide23.xml><?xml version="1.0" encoding="utf-8"?>
+<file path=ppt/slides/slide26.xml><?xml version="1.0" encoding="utf-8"?>
 <p:sld xmlns:a="http://schemas.openxmlformats.org/drawingml/2006/main" xmlns:r="http://schemas.openxmlformats.org/officeDocument/2006/relationships" xmlns:p="http://schemas.openxmlformats.org/presentationml/2006/main">
   <p:cSld>
     <p:spTree>
@@ -17264,7 +17888,7 @@
                 </a:solidFill>
               </a:rPr>
               <a:pPr/>
-              <a:t>23</a:t>
+              <a:t>26</a:t>
             </a:fld>
             <a:endParaRPr lang="en-US" dirty="0">
               <a:solidFill>
@@ -17387,7 +18011,7 @@
 </p:sld>
 </file>
 
-<file path=ppt/slides/slide24.xml><?xml version="1.0" encoding="utf-8"?>
+<file path=ppt/slides/slide27.xml><?xml version="1.0" encoding="utf-8"?>
 <p:sld xmlns:a="http://schemas.openxmlformats.org/drawingml/2006/main" xmlns:r="http://schemas.openxmlformats.org/officeDocument/2006/relationships" xmlns:p="http://schemas.openxmlformats.org/presentationml/2006/main">
   <p:cSld>
     <p:spTree>
@@ -17548,7 +18172,7 @@
                 </a:solidFill>
               </a:rPr>
               <a:pPr/>
-              <a:t>24</a:t>
+              <a:t>27</a:t>
             </a:fld>
             <a:endParaRPr lang="en-US" dirty="0">
               <a:solidFill>
@@ -17575,7 +18199,7 @@
 </p:sld>
 </file>
 
-<file path=ppt/slides/slide25.xml><?xml version="1.0" encoding="utf-8"?>
+<file path=ppt/slides/slide28.xml><?xml version="1.0" encoding="utf-8"?>
 <p:sld xmlns:a="http://schemas.openxmlformats.org/drawingml/2006/main" xmlns:r="http://schemas.openxmlformats.org/officeDocument/2006/relationships" xmlns:p="http://schemas.openxmlformats.org/presentationml/2006/main">
   <p:cSld>
     <p:spTree>
@@ -17617,7 +18241,7 @@
                 </a:solidFill>
               </a:rPr>
               <a:pPr/>
-              <a:t>25</a:t>
+              <a:t>28</a:t>
             </a:fld>
             <a:endParaRPr lang="en-US" dirty="0">
               <a:solidFill>
@@ -17817,7 +18441,7 @@
 </p:sld>
 </file>
 
-<file path=ppt/slides/slide26.xml><?xml version="1.0" encoding="utf-8"?>
+<file path=ppt/slides/slide29.xml><?xml version="1.0" encoding="utf-8"?>
 <p:sld xmlns:a="http://schemas.openxmlformats.org/drawingml/2006/main" xmlns:r="http://schemas.openxmlformats.org/officeDocument/2006/relationships" xmlns:p="http://schemas.openxmlformats.org/presentationml/2006/main">
   <p:cSld>
     <p:spTree>
@@ -18151,7 +18775,7 @@
                 </a:solidFill>
               </a:rPr>
               <a:pPr/>
-              <a:t>26</a:t>
+              <a:t>29</a:t>
             </a:fld>
             <a:endParaRPr lang="en-US" dirty="0">
               <a:solidFill>
@@ -18175,457 +18799,6 @@
     <a:masterClrMapping/>
   </p:clrMapOvr>
   <p:transition spd="slow"/>
-</p:sld>
-</file>
-
-<file path=ppt/slides/slide27.xml><?xml version="1.0" encoding="utf-8"?>
-<p:sld xmlns:a="http://schemas.openxmlformats.org/drawingml/2006/main" xmlns:r="http://schemas.openxmlformats.org/officeDocument/2006/relationships" xmlns:p="http://schemas.openxmlformats.org/presentationml/2006/main">
-  <p:cSld>
-    <p:spTree>
-      <p:nvGrpSpPr>
-        <p:cNvPr id="1" name=""/>
-        <p:cNvGrpSpPr/>
-        <p:nvPr/>
-      </p:nvGrpSpPr>
-      <p:grpSpPr>
-        <a:xfrm>
-          <a:off x="0" y="0"/>
-          <a:ext cx="0" cy="0"/>
-          <a:chOff x="0" y="0"/>
-          <a:chExt cx="0" cy="0"/>
-        </a:xfrm>
-      </p:grpSpPr>
-      <p:sp>
-        <p:nvSpPr>
-          <p:cNvPr id="2" name="标题 1"/>
-          <p:cNvSpPr>
-            <a:spLocks noGrp="1"/>
-          </p:cNvSpPr>
-          <p:nvPr>
-            <p:ph type="title"/>
-          </p:nvPr>
-        </p:nvSpPr>
-        <p:spPr/>
-        <p:txBody>
-          <a:bodyPr/>
-          <a:lstStyle/>
-          <a:p>
-            <a:r>
-              <a:rPr lang="en-US" altLang="zh-CN" dirty="0"/>
-              <a:t>Inference Detection</a:t>
-            </a:r>
-            <a:endParaRPr lang="zh-CN" altLang="en-US" dirty="0"/>
-          </a:p>
-        </p:txBody>
-      </p:sp>
-      <p:sp>
-        <p:nvSpPr>
-          <p:cNvPr id="3" name="内容占位符 2"/>
-          <p:cNvSpPr>
-            <a:spLocks noGrp="1"/>
-          </p:cNvSpPr>
-          <p:nvPr>
-            <p:ph idx="1"/>
-          </p:nvPr>
-        </p:nvSpPr>
-        <p:spPr/>
-        <p:txBody>
-          <a:bodyPr>
-            <a:normAutofit fontScale="77500" lnSpcReduction="20000"/>
-          </a:bodyPr>
-          <a:lstStyle/>
-          <a:p>
-            <a:r>
-              <a:rPr lang="en-US" altLang="zh-CN" dirty="0">
-                <a:latin typeface="Arial" pitchFamily="-109" charset="0"/>
-                <a:ea typeface="ＭＳ Ｐゴシック" pitchFamily="-109" charset="-128"/>
-                <a:cs typeface="ＭＳ Ｐゴシック" pitchFamily="-109" charset="-128"/>
-              </a:rPr>
-              <a:t>The first inference problem, that it was possible to infer the relationship between employee and salary, can be detected through analysis of the data structures and security constraints.</a:t>
-            </a:r>
-          </a:p>
-          <a:p>
-            <a:r>
-              <a:rPr lang="en-US" altLang="zh-CN" dirty="0">
-                <a:latin typeface="Arial" pitchFamily="-109" charset="0"/>
-                <a:ea typeface="ＭＳ Ｐゴシック" pitchFamily="-109" charset="-128"/>
-                <a:cs typeface="ＭＳ Ｐゴシック" pitchFamily="-109" charset="-128"/>
-              </a:rPr>
-              <a:t>However, the second inference problem, in which the start-date column was added to the Salaries table, cannot be detected using only the information stored in the database. In particular, the database does not indicate that the employee name can be inferred from the start date.</a:t>
-            </a:r>
-          </a:p>
-          <a:p>
-            <a:pPr lvl="1"/>
-            <a:r>
-              <a:rPr lang="en-US" altLang="zh-CN" sz="3300" dirty="0"/>
-              <a:t>Need human understanding of application semantics</a:t>
-            </a:r>
-            <a:endParaRPr lang="zh-CN" altLang="en-US" sz="4700" dirty="0"/>
-          </a:p>
-        </p:txBody>
-      </p:sp>
-      <p:sp>
-        <p:nvSpPr>
-          <p:cNvPr id="4" name="灯片编号占位符 3"/>
-          <p:cNvSpPr>
-            <a:spLocks noGrp="1"/>
-          </p:cNvSpPr>
-          <p:nvPr>
-            <p:ph type="sldNum" sz="quarter" idx="12"/>
-          </p:nvPr>
-        </p:nvSpPr>
-        <p:spPr/>
-        <p:txBody>
-          <a:bodyPr/>
-          <a:lstStyle/>
-          <a:p>
-            <a:fld id="{5F36C9FC-DA22-1F47-8722-58727A1D436E}" type="slidenum">
-              <a:rPr lang="en-US" smtClean="0">
-                <a:solidFill>
-                  <a:prstClr val="white">
-                    <a:lumMod val="65000"/>
-                    <a:lumOff val="35000"/>
-                  </a:prstClr>
-                </a:solidFill>
-              </a:rPr>
-              <a:pPr/>
-              <a:t>27</a:t>
-            </a:fld>
-            <a:endParaRPr lang="en-US" dirty="0">
-              <a:solidFill>
-                <a:prstClr val="white">
-                  <a:lumMod val="65000"/>
-                  <a:lumOff val="35000"/>
-                </a:prstClr>
-              </a:solidFill>
-            </a:endParaRPr>
-          </a:p>
-        </p:txBody>
-      </p:sp>
-    </p:spTree>
-    <p:extLst>
-      <p:ext uri="{BB962C8B-B14F-4D97-AF65-F5344CB8AC3E}">
-        <p14:creationId xmlns:p14="http://schemas.microsoft.com/office/powerpoint/2010/main" val="1551769992"/>
-      </p:ext>
-    </p:extLst>
-  </p:cSld>
-  <p:clrMapOvr>
-    <a:masterClrMapping/>
-  </p:clrMapOvr>
-  <p:transition spd="slow"/>
-</p:sld>
-</file>
-
-<file path=ppt/slides/slide28.xml><?xml version="1.0" encoding="utf-8"?>
-<p:sld xmlns:a="http://schemas.openxmlformats.org/drawingml/2006/main" xmlns:r="http://schemas.openxmlformats.org/officeDocument/2006/relationships" xmlns:p="http://schemas.openxmlformats.org/presentationml/2006/main">
-  <p:cSld>
-    <p:spTree>
-      <p:nvGrpSpPr>
-        <p:cNvPr id="1" name=""/>
-        <p:cNvGrpSpPr/>
-        <p:nvPr/>
-      </p:nvGrpSpPr>
-      <p:grpSpPr>
-        <a:xfrm>
-          <a:off x="0" y="0"/>
-          <a:ext cx="0" cy="0"/>
-          <a:chOff x="0" y="0"/>
-          <a:chExt cx="0" cy="0"/>
-        </a:xfrm>
-      </p:grpSpPr>
-      <p:sp>
-        <p:nvSpPr>
-          <p:cNvPr id="2" name="Title 1">
-            <a:extLst>
-              <a:ext uri="{FF2B5EF4-FFF2-40B4-BE49-F238E27FC236}">
-                <a16:creationId xmlns:a16="http://schemas.microsoft.com/office/drawing/2014/main" id="{75450BDC-81F9-4CEB-AB76-DA6E28F19F9E}"/>
-              </a:ext>
-            </a:extLst>
-          </p:cNvPr>
-          <p:cNvSpPr>
-            <a:spLocks noGrp="1"/>
-          </p:cNvSpPr>
-          <p:nvPr>
-            <p:ph type="title"/>
-          </p:nvPr>
-        </p:nvSpPr>
-        <p:spPr/>
-        <p:txBody>
-          <a:bodyPr/>
-          <a:lstStyle/>
-          <a:p>
-            <a:r>
-              <a:rPr lang="en-US" sz="3600" dirty="0"/>
-              <a:t>Two Approaches to Inference Detection</a:t>
-            </a:r>
-            <a:endParaRPr lang="en-SE" sz="3600" dirty="0"/>
-          </a:p>
-        </p:txBody>
-      </p:sp>
-      <p:sp>
-        <p:nvSpPr>
-          <p:cNvPr id="3" name="Content Placeholder 2">
-            <a:extLst>
-              <a:ext uri="{FF2B5EF4-FFF2-40B4-BE49-F238E27FC236}">
-                <a16:creationId xmlns:a16="http://schemas.microsoft.com/office/drawing/2014/main" id="{C0FAB34E-6CE5-4BB5-80CF-345641993834}"/>
-              </a:ext>
-            </a:extLst>
-          </p:cNvPr>
-          <p:cNvSpPr>
-            <a:spLocks noGrp="1"/>
-          </p:cNvSpPr>
-          <p:nvPr>
-            <p:ph idx="1"/>
-          </p:nvPr>
-        </p:nvSpPr>
-        <p:spPr/>
-        <p:txBody>
-          <a:bodyPr>
-            <a:normAutofit fontScale="92500" lnSpcReduction="20000"/>
-          </a:bodyPr>
-          <a:lstStyle/>
-          <a:p>
-            <a:r>
-              <a:rPr lang="en-US" dirty="0"/>
-              <a:t>During database design</a:t>
-            </a:r>
-          </a:p>
-          <a:p>
-            <a:pPr lvl="1"/>
-            <a:r>
-              <a:rPr lang="en-US" dirty="0"/>
-              <a:t>Remove an inference channel by altering the database structure or by changing the access control regime to prevent inference</a:t>
-            </a:r>
-          </a:p>
-          <a:p>
-            <a:pPr lvl="1"/>
-            <a:r>
-              <a:rPr lang="en-US" dirty="0"/>
-              <a:t>Techniques in this category often result in unnecessarily stricter access controls that reduce availability</a:t>
-            </a:r>
-          </a:p>
-          <a:p>
-            <a:r>
-              <a:rPr lang="en-US" dirty="0"/>
-              <a:t>Inference detection at query time</a:t>
-            </a:r>
-          </a:p>
-          <a:p>
-            <a:pPr lvl="1"/>
-            <a:r>
-              <a:rPr lang="en-US" dirty="0"/>
-              <a:t>Seek to eliminate an inference channel violation during a query or series of queries</a:t>
-            </a:r>
-          </a:p>
-          <a:p>
-            <a:pPr lvl="1"/>
-            <a:r>
-              <a:rPr lang="en-US" dirty="0"/>
-              <a:t>If an inference channel is detected, the query is denied or altered</a:t>
-            </a:r>
-          </a:p>
-          <a:p>
-            <a:endParaRPr lang="en-SE" dirty="0"/>
-          </a:p>
-        </p:txBody>
-      </p:sp>
-      <p:sp>
-        <p:nvSpPr>
-          <p:cNvPr id="4" name="Slide Number Placeholder 3">
-            <a:extLst>
-              <a:ext uri="{FF2B5EF4-FFF2-40B4-BE49-F238E27FC236}">
-                <a16:creationId xmlns:a16="http://schemas.microsoft.com/office/drawing/2014/main" id="{C3BE2688-044B-4965-A963-D1E909014BFE}"/>
-              </a:ext>
-            </a:extLst>
-          </p:cNvPr>
-          <p:cNvSpPr>
-            <a:spLocks noGrp="1"/>
-          </p:cNvSpPr>
-          <p:nvPr>
-            <p:ph type="sldNum" sz="quarter" idx="12"/>
-          </p:nvPr>
-        </p:nvSpPr>
-        <p:spPr/>
-        <p:txBody>
-          <a:bodyPr/>
-          <a:lstStyle/>
-          <a:p>
-            <a:pPr>
-              <a:defRPr/>
-            </a:pPr>
-            <a:fld id="{F57F456A-00AF-44E6-8D70-638C0D0130FF}" type="slidenum">
-              <a:rPr lang="en-US" altLang="zh-CN" smtClean="0"/>
-              <a:pPr>
-                <a:defRPr/>
-              </a:pPr>
-              <a:t>28</a:t>
-            </a:fld>
-            <a:endParaRPr lang="en-US" altLang="zh-CN" dirty="0"/>
-          </a:p>
-        </p:txBody>
-      </p:sp>
-    </p:spTree>
-    <p:extLst>
-      <p:ext uri="{BB962C8B-B14F-4D97-AF65-F5344CB8AC3E}">
-        <p14:creationId xmlns:p14="http://schemas.microsoft.com/office/powerpoint/2010/main" val="3003618722"/>
-      </p:ext>
-    </p:extLst>
-  </p:cSld>
-  <p:clrMapOvr>
-    <a:masterClrMapping/>
-  </p:clrMapOvr>
-</p:sld>
-</file>
-
-<file path=ppt/slides/slide29.xml><?xml version="1.0" encoding="utf-8"?>
-<p:sld xmlns:a="http://schemas.openxmlformats.org/drawingml/2006/main" xmlns:r="http://schemas.openxmlformats.org/officeDocument/2006/relationships" xmlns:p="http://schemas.openxmlformats.org/presentationml/2006/main">
-  <p:cSld>
-    <p:spTree>
-      <p:nvGrpSpPr>
-        <p:cNvPr id="1" name=""/>
-        <p:cNvGrpSpPr/>
-        <p:nvPr/>
-      </p:nvGrpSpPr>
-      <p:grpSpPr>
-        <a:xfrm>
-          <a:off x="0" y="0"/>
-          <a:ext cx="0" cy="0"/>
-          <a:chOff x="0" y="0"/>
-          <a:chExt cx="0" cy="0"/>
-        </a:xfrm>
-      </p:grpSpPr>
-      <p:sp>
-        <p:nvSpPr>
-          <p:cNvPr id="2" name="Title 1">
-            <a:extLst>
-              <a:ext uri="{FF2B5EF4-FFF2-40B4-BE49-F238E27FC236}">
-                <a16:creationId xmlns:a16="http://schemas.microsoft.com/office/drawing/2014/main" id="{0AF3D401-2829-4714-9682-E7C02E8C1042}"/>
-              </a:ext>
-            </a:extLst>
-          </p:cNvPr>
-          <p:cNvSpPr>
-            <a:spLocks noGrp="1"/>
-          </p:cNvSpPr>
-          <p:nvPr>
-            <p:ph type="title"/>
-          </p:nvPr>
-        </p:nvSpPr>
-        <p:spPr/>
-        <p:txBody>
-          <a:bodyPr/>
-          <a:lstStyle/>
-          <a:p>
-            <a:r>
-              <a:rPr lang="en-US" dirty="0"/>
-              <a:t>Outline</a:t>
-            </a:r>
-            <a:endParaRPr lang="en-SE" dirty="0"/>
-          </a:p>
-        </p:txBody>
-      </p:sp>
-      <p:sp>
-        <p:nvSpPr>
-          <p:cNvPr id="3" name="Content Placeholder 2">
-            <a:extLst>
-              <a:ext uri="{FF2B5EF4-FFF2-40B4-BE49-F238E27FC236}">
-                <a16:creationId xmlns:a16="http://schemas.microsoft.com/office/drawing/2014/main" id="{A2CF6DFF-2EDD-4028-8A0F-535689298DD9}"/>
-              </a:ext>
-            </a:extLst>
-          </p:cNvPr>
-          <p:cNvSpPr>
-            <a:spLocks noGrp="1"/>
-          </p:cNvSpPr>
-          <p:nvPr>
-            <p:ph idx="1"/>
-          </p:nvPr>
-        </p:nvSpPr>
-        <p:spPr/>
-        <p:txBody>
-          <a:bodyPr>
-            <a:normAutofit/>
-          </a:bodyPr>
-          <a:lstStyle/>
-          <a:p>
-            <a:r>
-              <a:rPr lang="en-US" dirty="0"/>
-              <a:t>Relational databases</a:t>
-            </a:r>
-          </a:p>
-          <a:p>
-            <a:r>
-              <a:rPr lang="en-US" dirty="0"/>
-              <a:t>SQL injection attacks</a:t>
-            </a:r>
-          </a:p>
-          <a:p>
-            <a:r>
-              <a:rPr lang="en-US" dirty="0"/>
-              <a:t>Access control</a:t>
-            </a:r>
-          </a:p>
-          <a:p>
-            <a:r>
-              <a:rPr lang="en-US" dirty="0"/>
-              <a:t>Inference </a:t>
-            </a:r>
-          </a:p>
-          <a:p>
-            <a:r>
-              <a:rPr lang="en-US" dirty="0">
-                <a:solidFill>
-                  <a:srgbClr val="C00000"/>
-                </a:solidFill>
-              </a:rPr>
-              <a:t>Database encryption</a:t>
-            </a:r>
-          </a:p>
-        </p:txBody>
-      </p:sp>
-      <p:sp>
-        <p:nvSpPr>
-          <p:cNvPr id="4" name="Slide Number Placeholder 3">
-            <a:extLst>
-              <a:ext uri="{FF2B5EF4-FFF2-40B4-BE49-F238E27FC236}">
-                <a16:creationId xmlns:a16="http://schemas.microsoft.com/office/drawing/2014/main" id="{EC37C905-4DBB-46D1-A925-3D15CB0A3700}"/>
-              </a:ext>
-            </a:extLst>
-          </p:cNvPr>
-          <p:cNvSpPr>
-            <a:spLocks noGrp="1"/>
-          </p:cNvSpPr>
-          <p:nvPr>
-            <p:ph type="sldNum" sz="quarter" idx="12"/>
-          </p:nvPr>
-        </p:nvSpPr>
-        <p:spPr/>
-        <p:txBody>
-          <a:bodyPr/>
-          <a:lstStyle/>
-          <a:p>
-            <a:pPr>
-              <a:defRPr/>
-            </a:pPr>
-            <a:fld id="{F57F456A-00AF-44E6-8D70-638C0D0130FF}" type="slidenum">
-              <a:rPr lang="en-US" altLang="zh-CN" smtClean="0"/>
-              <a:pPr>
-                <a:defRPr/>
-              </a:pPr>
-              <a:t>29</a:t>
-            </a:fld>
-            <a:endParaRPr lang="en-US" altLang="zh-CN" dirty="0"/>
-          </a:p>
-        </p:txBody>
-      </p:sp>
-    </p:spTree>
-    <p:extLst>
-      <p:ext uri="{BB962C8B-B14F-4D97-AF65-F5344CB8AC3E}">
-        <p14:creationId xmlns:p14="http://schemas.microsoft.com/office/powerpoint/2010/main" val="4127804591"/>
-      </p:ext>
-    </p:extLst>
-  </p:cSld>
-  <p:clrMapOvr>
-    <a:masterClrMapping/>
-  </p:clrMapOvr>
 </p:sld>
 </file>
 
@@ -18855,6 +19028,457 @@
       </p:grpSpPr>
       <p:sp>
         <p:nvSpPr>
+          <p:cNvPr id="2" name="标题 1"/>
+          <p:cNvSpPr>
+            <a:spLocks noGrp="1"/>
+          </p:cNvSpPr>
+          <p:nvPr>
+            <p:ph type="title"/>
+          </p:nvPr>
+        </p:nvSpPr>
+        <p:spPr/>
+        <p:txBody>
+          <a:bodyPr/>
+          <a:lstStyle/>
+          <a:p>
+            <a:r>
+              <a:rPr lang="en-US" altLang="zh-CN" dirty="0"/>
+              <a:t>Inference Detection</a:t>
+            </a:r>
+            <a:endParaRPr lang="zh-CN" altLang="en-US" dirty="0"/>
+          </a:p>
+        </p:txBody>
+      </p:sp>
+      <p:sp>
+        <p:nvSpPr>
+          <p:cNvPr id="3" name="内容占位符 2"/>
+          <p:cNvSpPr>
+            <a:spLocks noGrp="1"/>
+          </p:cNvSpPr>
+          <p:nvPr>
+            <p:ph idx="1"/>
+          </p:nvPr>
+        </p:nvSpPr>
+        <p:spPr/>
+        <p:txBody>
+          <a:bodyPr>
+            <a:normAutofit fontScale="77500" lnSpcReduction="20000"/>
+          </a:bodyPr>
+          <a:lstStyle/>
+          <a:p>
+            <a:r>
+              <a:rPr lang="en-US" altLang="zh-CN" dirty="0">
+                <a:latin typeface="Arial" pitchFamily="-109" charset="0"/>
+                <a:ea typeface="ＭＳ Ｐゴシック" pitchFamily="-109" charset="-128"/>
+                <a:cs typeface="ＭＳ Ｐゴシック" pitchFamily="-109" charset="-128"/>
+              </a:rPr>
+              <a:t>The first inference problem, that it was possible to infer the relationship between employee and salary, can be detected through analysis of the data structures and security constraints.</a:t>
+            </a:r>
+          </a:p>
+          <a:p>
+            <a:r>
+              <a:rPr lang="en-US" altLang="zh-CN" dirty="0">
+                <a:latin typeface="Arial" pitchFamily="-109" charset="0"/>
+                <a:ea typeface="ＭＳ Ｐゴシック" pitchFamily="-109" charset="-128"/>
+                <a:cs typeface="ＭＳ Ｐゴシック" pitchFamily="-109" charset="-128"/>
+              </a:rPr>
+              <a:t>However, the second inference problem, in which the start-date column was added to the Salaries table, cannot be detected using only the information stored in the database. In particular, the database does not indicate that the employee name can be inferred from the start date.</a:t>
+            </a:r>
+          </a:p>
+          <a:p>
+            <a:pPr lvl="1"/>
+            <a:r>
+              <a:rPr lang="en-US" altLang="zh-CN" sz="3300" dirty="0"/>
+              <a:t>Need human understanding of application semantics</a:t>
+            </a:r>
+            <a:endParaRPr lang="zh-CN" altLang="en-US" sz="4700" dirty="0"/>
+          </a:p>
+        </p:txBody>
+      </p:sp>
+      <p:sp>
+        <p:nvSpPr>
+          <p:cNvPr id="4" name="灯片编号占位符 3"/>
+          <p:cNvSpPr>
+            <a:spLocks noGrp="1"/>
+          </p:cNvSpPr>
+          <p:nvPr>
+            <p:ph type="sldNum" sz="quarter" idx="12"/>
+          </p:nvPr>
+        </p:nvSpPr>
+        <p:spPr/>
+        <p:txBody>
+          <a:bodyPr/>
+          <a:lstStyle/>
+          <a:p>
+            <a:fld id="{5F36C9FC-DA22-1F47-8722-58727A1D436E}" type="slidenum">
+              <a:rPr lang="en-US" smtClean="0">
+                <a:solidFill>
+                  <a:prstClr val="white">
+                    <a:lumMod val="65000"/>
+                    <a:lumOff val="35000"/>
+                  </a:prstClr>
+                </a:solidFill>
+              </a:rPr>
+              <a:pPr/>
+              <a:t>30</a:t>
+            </a:fld>
+            <a:endParaRPr lang="en-US" dirty="0">
+              <a:solidFill>
+                <a:prstClr val="white">
+                  <a:lumMod val="65000"/>
+                  <a:lumOff val="35000"/>
+                </a:prstClr>
+              </a:solidFill>
+            </a:endParaRPr>
+          </a:p>
+        </p:txBody>
+      </p:sp>
+    </p:spTree>
+    <p:extLst>
+      <p:ext uri="{BB962C8B-B14F-4D97-AF65-F5344CB8AC3E}">
+        <p14:creationId xmlns:p14="http://schemas.microsoft.com/office/powerpoint/2010/main" val="1551769992"/>
+      </p:ext>
+    </p:extLst>
+  </p:cSld>
+  <p:clrMapOvr>
+    <a:masterClrMapping/>
+  </p:clrMapOvr>
+  <p:transition spd="slow"/>
+</p:sld>
+</file>
+
+<file path=ppt/slides/slide31.xml><?xml version="1.0" encoding="utf-8"?>
+<p:sld xmlns:a="http://schemas.openxmlformats.org/drawingml/2006/main" xmlns:r="http://schemas.openxmlformats.org/officeDocument/2006/relationships" xmlns:p="http://schemas.openxmlformats.org/presentationml/2006/main">
+  <p:cSld>
+    <p:spTree>
+      <p:nvGrpSpPr>
+        <p:cNvPr id="1" name=""/>
+        <p:cNvGrpSpPr/>
+        <p:nvPr/>
+      </p:nvGrpSpPr>
+      <p:grpSpPr>
+        <a:xfrm>
+          <a:off x="0" y="0"/>
+          <a:ext cx="0" cy="0"/>
+          <a:chOff x="0" y="0"/>
+          <a:chExt cx="0" cy="0"/>
+        </a:xfrm>
+      </p:grpSpPr>
+      <p:sp>
+        <p:nvSpPr>
+          <p:cNvPr id="2" name="Title 1">
+            <a:extLst>
+              <a:ext uri="{FF2B5EF4-FFF2-40B4-BE49-F238E27FC236}">
+                <a16:creationId xmlns:a16="http://schemas.microsoft.com/office/drawing/2014/main" id="{75450BDC-81F9-4CEB-AB76-DA6E28F19F9E}"/>
+              </a:ext>
+            </a:extLst>
+          </p:cNvPr>
+          <p:cNvSpPr>
+            <a:spLocks noGrp="1"/>
+          </p:cNvSpPr>
+          <p:nvPr>
+            <p:ph type="title"/>
+          </p:nvPr>
+        </p:nvSpPr>
+        <p:spPr/>
+        <p:txBody>
+          <a:bodyPr/>
+          <a:lstStyle/>
+          <a:p>
+            <a:r>
+              <a:rPr lang="en-US" sz="3600" dirty="0"/>
+              <a:t>Two Approaches to Inference Detection</a:t>
+            </a:r>
+            <a:endParaRPr lang="en-SE" sz="3600" dirty="0"/>
+          </a:p>
+        </p:txBody>
+      </p:sp>
+      <p:sp>
+        <p:nvSpPr>
+          <p:cNvPr id="3" name="Content Placeholder 2">
+            <a:extLst>
+              <a:ext uri="{FF2B5EF4-FFF2-40B4-BE49-F238E27FC236}">
+                <a16:creationId xmlns:a16="http://schemas.microsoft.com/office/drawing/2014/main" id="{C0FAB34E-6CE5-4BB5-80CF-345641993834}"/>
+              </a:ext>
+            </a:extLst>
+          </p:cNvPr>
+          <p:cNvSpPr>
+            <a:spLocks noGrp="1"/>
+          </p:cNvSpPr>
+          <p:nvPr>
+            <p:ph idx="1"/>
+          </p:nvPr>
+        </p:nvSpPr>
+        <p:spPr/>
+        <p:txBody>
+          <a:bodyPr>
+            <a:normAutofit fontScale="92500" lnSpcReduction="20000"/>
+          </a:bodyPr>
+          <a:lstStyle/>
+          <a:p>
+            <a:r>
+              <a:rPr lang="en-US" dirty="0"/>
+              <a:t>During database design</a:t>
+            </a:r>
+          </a:p>
+          <a:p>
+            <a:pPr lvl="1"/>
+            <a:r>
+              <a:rPr lang="en-US" dirty="0"/>
+              <a:t>Remove an inference channel by altering the database structure or by changing the access control regime to prevent inference</a:t>
+            </a:r>
+          </a:p>
+          <a:p>
+            <a:pPr lvl="1"/>
+            <a:r>
+              <a:rPr lang="en-US" dirty="0"/>
+              <a:t>Techniques in this category often result in unnecessarily stricter access controls that reduce availability</a:t>
+            </a:r>
+          </a:p>
+          <a:p>
+            <a:r>
+              <a:rPr lang="en-US" dirty="0"/>
+              <a:t>Inference detection at query time</a:t>
+            </a:r>
+          </a:p>
+          <a:p>
+            <a:pPr lvl="1"/>
+            <a:r>
+              <a:rPr lang="en-US" dirty="0"/>
+              <a:t>Seek to eliminate an inference channel violation during a query or series of queries</a:t>
+            </a:r>
+          </a:p>
+          <a:p>
+            <a:pPr lvl="1"/>
+            <a:r>
+              <a:rPr lang="en-US" dirty="0"/>
+              <a:t>If an inference channel is detected, the query is denied or altered</a:t>
+            </a:r>
+          </a:p>
+          <a:p>
+            <a:endParaRPr lang="en-SE" dirty="0"/>
+          </a:p>
+        </p:txBody>
+      </p:sp>
+      <p:sp>
+        <p:nvSpPr>
+          <p:cNvPr id="4" name="Slide Number Placeholder 3">
+            <a:extLst>
+              <a:ext uri="{FF2B5EF4-FFF2-40B4-BE49-F238E27FC236}">
+                <a16:creationId xmlns:a16="http://schemas.microsoft.com/office/drawing/2014/main" id="{C3BE2688-044B-4965-A963-D1E909014BFE}"/>
+              </a:ext>
+            </a:extLst>
+          </p:cNvPr>
+          <p:cNvSpPr>
+            <a:spLocks noGrp="1"/>
+          </p:cNvSpPr>
+          <p:nvPr>
+            <p:ph type="sldNum" sz="quarter" idx="12"/>
+          </p:nvPr>
+        </p:nvSpPr>
+        <p:spPr/>
+        <p:txBody>
+          <a:bodyPr/>
+          <a:lstStyle/>
+          <a:p>
+            <a:pPr>
+              <a:defRPr/>
+            </a:pPr>
+            <a:fld id="{F57F456A-00AF-44E6-8D70-638C0D0130FF}" type="slidenum">
+              <a:rPr lang="en-US" altLang="zh-CN" smtClean="0"/>
+              <a:pPr>
+                <a:defRPr/>
+              </a:pPr>
+              <a:t>31</a:t>
+            </a:fld>
+            <a:endParaRPr lang="en-US" altLang="zh-CN" dirty="0"/>
+          </a:p>
+        </p:txBody>
+      </p:sp>
+    </p:spTree>
+    <p:extLst>
+      <p:ext uri="{BB962C8B-B14F-4D97-AF65-F5344CB8AC3E}">
+        <p14:creationId xmlns:p14="http://schemas.microsoft.com/office/powerpoint/2010/main" val="3003618722"/>
+      </p:ext>
+    </p:extLst>
+  </p:cSld>
+  <p:clrMapOvr>
+    <a:masterClrMapping/>
+  </p:clrMapOvr>
+</p:sld>
+</file>
+
+<file path=ppt/slides/slide32.xml><?xml version="1.0" encoding="utf-8"?>
+<p:sld xmlns:a="http://schemas.openxmlformats.org/drawingml/2006/main" xmlns:r="http://schemas.openxmlformats.org/officeDocument/2006/relationships" xmlns:p="http://schemas.openxmlformats.org/presentationml/2006/main">
+  <p:cSld>
+    <p:spTree>
+      <p:nvGrpSpPr>
+        <p:cNvPr id="1" name=""/>
+        <p:cNvGrpSpPr/>
+        <p:nvPr/>
+      </p:nvGrpSpPr>
+      <p:grpSpPr>
+        <a:xfrm>
+          <a:off x="0" y="0"/>
+          <a:ext cx="0" cy="0"/>
+          <a:chOff x="0" y="0"/>
+          <a:chExt cx="0" cy="0"/>
+        </a:xfrm>
+      </p:grpSpPr>
+      <p:sp>
+        <p:nvSpPr>
+          <p:cNvPr id="2" name="Title 1">
+            <a:extLst>
+              <a:ext uri="{FF2B5EF4-FFF2-40B4-BE49-F238E27FC236}">
+                <a16:creationId xmlns:a16="http://schemas.microsoft.com/office/drawing/2014/main" id="{0AF3D401-2829-4714-9682-E7C02E8C1042}"/>
+              </a:ext>
+            </a:extLst>
+          </p:cNvPr>
+          <p:cNvSpPr>
+            <a:spLocks noGrp="1"/>
+          </p:cNvSpPr>
+          <p:nvPr>
+            <p:ph type="title"/>
+          </p:nvPr>
+        </p:nvSpPr>
+        <p:spPr/>
+        <p:txBody>
+          <a:bodyPr/>
+          <a:lstStyle/>
+          <a:p>
+            <a:r>
+              <a:rPr lang="en-US" dirty="0"/>
+              <a:t>Outline</a:t>
+            </a:r>
+            <a:endParaRPr lang="en-SE" dirty="0"/>
+          </a:p>
+        </p:txBody>
+      </p:sp>
+      <p:sp>
+        <p:nvSpPr>
+          <p:cNvPr id="3" name="Content Placeholder 2">
+            <a:extLst>
+              <a:ext uri="{FF2B5EF4-FFF2-40B4-BE49-F238E27FC236}">
+                <a16:creationId xmlns:a16="http://schemas.microsoft.com/office/drawing/2014/main" id="{A2CF6DFF-2EDD-4028-8A0F-535689298DD9}"/>
+              </a:ext>
+            </a:extLst>
+          </p:cNvPr>
+          <p:cNvSpPr>
+            <a:spLocks noGrp="1"/>
+          </p:cNvSpPr>
+          <p:nvPr>
+            <p:ph idx="1"/>
+          </p:nvPr>
+        </p:nvSpPr>
+        <p:spPr/>
+        <p:txBody>
+          <a:bodyPr>
+            <a:normAutofit/>
+          </a:bodyPr>
+          <a:lstStyle/>
+          <a:p>
+            <a:r>
+              <a:rPr lang="en-US" dirty="0"/>
+              <a:t>Relational databases</a:t>
+            </a:r>
+          </a:p>
+          <a:p>
+            <a:r>
+              <a:rPr lang="en-US" dirty="0"/>
+              <a:t>SQL injection attacks</a:t>
+            </a:r>
+          </a:p>
+          <a:p>
+            <a:r>
+              <a:rPr lang="en-US" dirty="0"/>
+              <a:t>Access control</a:t>
+            </a:r>
+          </a:p>
+          <a:p>
+            <a:r>
+              <a:rPr lang="en-US" dirty="0"/>
+              <a:t>Inference </a:t>
+            </a:r>
+          </a:p>
+          <a:p>
+            <a:r>
+              <a:rPr lang="en-US" dirty="0">
+                <a:solidFill>
+                  <a:srgbClr val="C00000"/>
+                </a:solidFill>
+              </a:rPr>
+              <a:t>Database encryption</a:t>
+            </a:r>
+          </a:p>
+        </p:txBody>
+      </p:sp>
+      <p:sp>
+        <p:nvSpPr>
+          <p:cNvPr id="4" name="Slide Number Placeholder 3">
+            <a:extLst>
+              <a:ext uri="{FF2B5EF4-FFF2-40B4-BE49-F238E27FC236}">
+                <a16:creationId xmlns:a16="http://schemas.microsoft.com/office/drawing/2014/main" id="{EC37C905-4DBB-46D1-A925-3D15CB0A3700}"/>
+              </a:ext>
+            </a:extLst>
+          </p:cNvPr>
+          <p:cNvSpPr>
+            <a:spLocks noGrp="1"/>
+          </p:cNvSpPr>
+          <p:nvPr>
+            <p:ph type="sldNum" sz="quarter" idx="12"/>
+          </p:nvPr>
+        </p:nvSpPr>
+        <p:spPr/>
+        <p:txBody>
+          <a:bodyPr/>
+          <a:lstStyle/>
+          <a:p>
+            <a:pPr>
+              <a:defRPr/>
+            </a:pPr>
+            <a:fld id="{F57F456A-00AF-44E6-8D70-638C0D0130FF}" type="slidenum">
+              <a:rPr lang="en-US" altLang="zh-CN" smtClean="0"/>
+              <a:pPr>
+                <a:defRPr/>
+              </a:pPr>
+              <a:t>32</a:t>
+            </a:fld>
+            <a:endParaRPr lang="en-US" altLang="zh-CN" dirty="0"/>
+          </a:p>
+        </p:txBody>
+      </p:sp>
+    </p:spTree>
+    <p:extLst>
+      <p:ext uri="{BB962C8B-B14F-4D97-AF65-F5344CB8AC3E}">
+        <p14:creationId xmlns:p14="http://schemas.microsoft.com/office/powerpoint/2010/main" val="4127804591"/>
+      </p:ext>
+    </p:extLst>
+  </p:cSld>
+  <p:clrMapOvr>
+    <a:masterClrMapping/>
+  </p:clrMapOvr>
+</p:sld>
+</file>
+
+<file path=ppt/slides/slide33.xml><?xml version="1.0" encoding="utf-8"?>
+<p:sld xmlns:a="http://schemas.openxmlformats.org/drawingml/2006/main" xmlns:r="http://schemas.openxmlformats.org/officeDocument/2006/relationships" xmlns:p="http://schemas.openxmlformats.org/presentationml/2006/main">
+  <p:cSld>
+    <p:spTree>
+      <p:nvGrpSpPr>
+        <p:cNvPr id="1" name=""/>
+        <p:cNvGrpSpPr/>
+        <p:nvPr/>
+      </p:nvGrpSpPr>
+      <p:grpSpPr>
+        <a:xfrm>
+          <a:off x="0" y="0"/>
+          <a:ext cx="0" cy="0"/>
+          <a:chOff x="0" y="0"/>
+          <a:chExt cx="0" cy="0"/>
+        </a:xfrm>
+      </p:grpSpPr>
+      <p:sp>
+        <p:nvSpPr>
           <p:cNvPr id="2" name="Title 1">
             <a:extLst>
               <a:ext uri="{FF2B5EF4-FFF2-40B4-BE49-F238E27FC236}">
@@ -18992,7 +19616,7 @@
               <a:pPr>
                 <a:defRPr/>
               </a:pPr>
-              <a:t>30</a:t>
+              <a:t>33</a:t>
             </a:fld>
             <a:endParaRPr lang="en-US" altLang="zh-CN" dirty="0"/>
           </a:p>
@@ -19011,7 +19635,7 @@
 </p:sld>
 </file>
 
-<file path=ppt/slides/slide31.xml><?xml version="1.0" encoding="utf-8"?>
+<file path=ppt/slides/slide34.xml><?xml version="1.0" encoding="utf-8"?>
 <p:sld xmlns:a="http://schemas.openxmlformats.org/drawingml/2006/main" xmlns:r="http://schemas.openxmlformats.org/officeDocument/2006/relationships" xmlns:p="http://schemas.openxmlformats.org/presentationml/2006/main">
   <p:cSld>
     <p:spTree>
@@ -19154,7 +19778,7 @@
                 </a:solidFill>
               </a:rPr>
               <a:pPr/>
-              <a:t>31</a:t>
+              <a:t>34</a:t>
             </a:fld>
             <a:endParaRPr lang="en-US" dirty="0">
               <a:solidFill>
@@ -19208,7 +19832,7 @@
 </p:sld>
 </file>
 
-<file path=ppt/slides/slide32.xml><?xml version="1.0" encoding="utf-8"?>
+<file path=ppt/slides/slide35.xml><?xml version="1.0" encoding="utf-8"?>
 <p:sld xmlns:a="http://schemas.openxmlformats.org/drawingml/2006/main" xmlns:r="http://schemas.openxmlformats.org/officeDocument/2006/relationships" xmlns:p="http://schemas.openxmlformats.org/presentationml/2006/main">
   <p:cSld>
     <p:spTree>
@@ -20139,7 +20763,7 @@
               <a:pPr>
                 <a:defRPr/>
               </a:pPr>
-              <a:t>32</a:t>
+              <a:t>35</a:t>
             </a:fld>
             <a:endParaRPr lang="en-US" altLang="zh-CN" dirty="0"/>
           </a:p>
@@ -20226,7 +20850,7 @@
 </p:sld>
 </file>
 
-<file path=ppt/slides/slide33.xml><?xml version="1.0" encoding="utf-8"?>
+<file path=ppt/slides/slide36.xml><?xml version="1.0" encoding="utf-8"?>
 <p:sld xmlns:a="http://schemas.openxmlformats.org/drawingml/2006/main" xmlns:r="http://schemas.openxmlformats.org/officeDocument/2006/relationships" xmlns:p="http://schemas.openxmlformats.org/presentationml/2006/main">
   <p:cSld>
     <p:spTree>
@@ -20322,7 +20946,7 @@
               <a:pPr>
                 <a:defRPr/>
               </a:pPr>
-              <a:t>33</a:t>
+              <a:t>36</a:t>
             </a:fld>
             <a:endParaRPr lang="en-US" altLang="zh-CN" dirty="0"/>
           </a:p>
@@ -20371,7 +20995,7 @@
 </p:sld>
 </file>
 
-<file path=ppt/slides/slide34.xml><?xml version="1.0" encoding="utf-8"?>
+<file path=ppt/slides/slide37.xml><?xml version="1.0" encoding="utf-8"?>
 <p:sld xmlns:a="http://schemas.openxmlformats.org/drawingml/2006/main" xmlns:r="http://schemas.openxmlformats.org/officeDocument/2006/relationships" xmlns:p="http://schemas.openxmlformats.org/presentationml/2006/main">
   <p:cSld>
     <p:spTree>
@@ -20594,7 +21218,7 @@
               <a:pPr>
                 <a:defRPr/>
               </a:pPr>
-              <a:t>34</a:t>
+              <a:t>37</a:t>
             </a:fld>
             <a:endParaRPr lang="en-US" altLang="zh-CN" dirty="0"/>
           </a:p>

--- a/InfoSec/PPTs/L6-CH05-Database Security.pptx
+++ b/InfoSec/PPTs/L6-CH05-Database Security.pptx
@@ -17,7 +17,7 @@
     <p:sldId id="508" r:id="rId5"/>
     <p:sldId id="509" r:id="rId6"/>
     <p:sldId id="366" r:id="rId7"/>
-    <p:sldId id="367" r:id="rId8"/>
+    <p:sldId id="534" r:id="rId8"/>
     <p:sldId id="507" r:id="rId9"/>
     <p:sldId id="523" r:id="rId10"/>
     <p:sldId id="511" r:id="rId11"/>
@@ -187,7 +187,7 @@
             <p14:sldId id="508"/>
             <p14:sldId id="509"/>
             <p14:sldId id="366"/>
-            <p14:sldId id="367"/>
+            <p14:sldId id="534"/>
             <p14:sldId id="507"/>
             <p14:sldId id="523"/>
             <p14:sldId id="511"/>
@@ -349,7 +349,7 @@
             <a:fld id="{999DDEF9-8F79-3F4A-8C1A-CB2E900DCD92}" type="datetimeFigureOut">
               <a:rPr lang="en-US" smtClean="0"/>
               <a:pPr/>
-              <a:t>4/26/2020</a:t>
+              <a:t>5/7/2020</a:t>
             </a:fld>
             <a:endParaRPr lang="en-US"/>
           </a:p>
@@ -5836,307 +5836,28 @@
           <a:bodyPr/>
           <a:lstStyle/>
           <a:p>
-            <a:r>
-              <a:rPr lang="en-US" b="0" dirty="0">
-                <a:latin typeface="Arial" pitchFamily="-109" charset="0"/>
-                <a:ea typeface="ＭＳ Ｐゴシック" pitchFamily="-109" charset="-128"/>
-                <a:cs typeface="ＭＳ Ｐゴシック" pitchFamily="-109" charset="-128"/>
-              </a:rPr>
-              <a:t>In general terms, there are two approaches to dealing with the threat of</a:t>
-            </a:r>
-          </a:p>
-          <a:p>
-            <a:r>
-              <a:rPr lang="en-US" b="0" dirty="0">
-                <a:latin typeface="Arial" pitchFamily="-109" charset="0"/>
-                <a:ea typeface="ＭＳ Ｐゴシック" pitchFamily="-109" charset="-128"/>
-                <a:cs typeface="ＭＳ Ｐゴシック" pitchFamily="-109" charset="-128"/>
-              </a:rPr>
-              <a:t>disclosure by inference:</a:t>
-            </a:r>
-          </a:p>
-          <a:p>
-            <a:endParaRPr lang="en-US" b="0" dirty="0">
-              <a:latin typeface="Arial" pitchFamily="-109" charset="0"/>
-              <a:ea typeface="ＭＳ Ｐゴシック" pitchFamily="-109" charset="-128"/>
-              <a:cs typeface="ＭＳ Ｐゴシック" pitchFamily="-109" charset="-128"/>
-            </a:endParaRPr>
-          </a:p>
-          <a:p>
-            <a:r>
-              <a:rPr lang="en-US" b="0" dirty="0">
-                <a:latin typeface="Arial" pitchFamily="-109" charset="0"/>
-                <a:ea typeface="ＭＳ Ｐゴシック" pitchFamily="-109" charset="-128"/>
-                <a:cs typeface="ＭＳ Ｐゴシック" pitchFamily="-109" charset="-128"/>
-              </a:rPr>
-              <a:t>• Inference detection during database design: This approach removes an</a:t>
-            </a:r>
-          </a:p>
-          <a:p>
-            <a:r>
-              <a:rPr lang="en-US" b="0" dirty="0">
-                <a:latin typeface="Arial" pitchFamily="-109" charset="0"/>
-                <a:ea typeface="ＭＳ Ｐゴシック" pitchFamily="-109" charset="-128"/>
-                <a:cs typeface="ＭＳ Ｐゴシック" pitchFamily="-109" charset="-128"/>
-              </a:rPr>
-              <a:t>inference channel by altering the database structure or by changing the</a:t>
-            </a:r>
-          </a:p>
-          <a:p>
-            <a:r>
-              <a:rPr lang="en-US" b="0" dirty="0">
-                <a:latin typeface="Arial" pitchFamily="-109" charset="0"/>
-                <a:ea typeface="ＭＳ Ｐゴシック" pitchFamily="-109" charset="-128"/>
-                <a:cs typeface="ＭＳ Ｐゴシック" pitchFamily="-109" charset="-128"/>
-              </a:rPr>
-              <a:t>access control regime to prevent inference. Examples include removing</a:t>
-            </a:r>
-          </a:p>
-          <a:p>
-            <a:r>
-              <a:rPr lang="en-US" b="0" dirty="0">
-                <a:latin typeface="Arial" pitchFamily="-109" charset="0"/>
-                <a:ea typeface="ＭＳ Ｐゴシック" pitchFamily="-109" charset="-128"/>
-                <a:cs typeface="ＭＳ Ｐゴシック" pitchFamily="-109" charset="-128"/>
-              </a:rPr>
-              <a:t>data dependencies by splitting a table into multiple tables or using more</a:t>
-            </a:r>
-          </a:p>
-          <a:p>
-            <a:r>
-              <a:rPr lang="en-US" b="0" dirty="0">
-                <a:latin typeface="Arial" pitchFamily="-109" charset="0"/>
-                <a:ea typeface="ＭＳ Ｐゴシック" pitchFamily="-109" charset="-128"/>
-                <a:cs typeface="ＭＳ Ｐゴシック" pitchFamily="-109" charset="-128"/>
-              </a:rPr>
-              <a:t>fine-grained access control roles in an RBAC scheme. Techniques in</a:t>
-            </a:r>
-          </a:p>
-          <a:p>
-            <a:r>
-              <a:rPr lang="en-US" b="0" dirty="0">
-                <a:latin typeface="Arial" pitchFamily="-109" charset="0"/>
-                <a:ea typeface="ＭＳ Ｐゴシック" pitchFamily="-109" charset="-128"/>
-                <a:cs typeface="ＭＳ Ｐゴシック" pitchFamily="-109" charset="-128"/>
-              </a:rPr>
-              <a:t>this category often result in unnecessarily stricter access controls that</a:t>
-            </a:r>
-          </a:p>
-          <a:p>
-            <a:r>
-              <a:rPr lang="en-US" b="0" dirty="0">
-                <a:latin typeface="Arial" pitchFamily="-109" charset="0"/>
-                <a:ea typeface="ＭＳ Ｐゴシック" pitchFamily="-109" charset="-128"/>
-                <a:cs typeface="ＭＳ Ｐゴシック" pitchFamily="-109" charset="-128"/>
-              </a:rPr>
-              <a:t>reduce availability.</a:t>
-            </a:r>
-          </a:p>
-          <a:p>
-            <a:endParaRPr lang="en-US" b="0" dirty="0">
-              <a:latin typeface="Arial" pitchFamily="-109" charset="0"/>
-              <a:ea typeface="ＭＳ Ｐゴシック" pitchFamily="-109" charset="-128"/>
-              <a:cs typeface="ＭＳ Ｐゴシック" pitchFamily="-109" charset="-128"/>
-            </a:endParaRPr>
-          </a:p>
-          <a:p>
-            <a:r>
-              <a:rPr lang="en-US" b="0" dirty="0">
-                <a:latin typeface="Arial" pitchFamily="-109" charset="0"/>
-                <a:ea typeface="ＭＳ Ｐゴシック" pitchFamily="-109" charset="-128"/>
-                <a:cs typeface="ＭＳ Ｐゴシック" pitchFamily="-109" charset="-128"/>
-              </a:rPr>
-              <a:t>• Inference detection at query time: This approach seeks to eliminate an</a:t>
-            </a:r>
-          </a:p>
-          <a:p>
-            <a:r>
-              <a:rPr lang="en-US" b="0" dirty="0">
-                <a:latin typeface="Arial" pitchFamily="-109" charset="0"/>
-                <a:ea typeface="ＭＳ Ｐゴシック" pitchFamily="-109" charset="-128"/>
-                <a:cs typeface="ＭＳ Ｐゴシック" pitchFamily="-109" charset="-128"/>
-              </a:rPr>
-              <a:t>inference channel violation during a query or series of queries. If an inference</a:t>
-            </a:r>
-          </a:p>
-          <a:p>
-            <a:r>
-              <a:rPr lang="en-US" b="0" dirty="0">
-                <a:latin typeface="Arial" pitchFamily="-109" charset="0"/>
-                <a:ea typeface="ＭＳ Ｐゴシック" pitchFamily="-109" charset="-128"/>
-                <a:cs typeface="ＭＳ Ｐゴシック" pitchFamily="-109" charset="-128"/>
-              </a:rPr>
-              <a:t>channel is detected, the query is denied or altered.</a:t>
-            </a:r>
-          </a:p>
-          <a:p>
-            <a:endParaRPr lang="en-US" b="0" dirty="0">
-              <a:latin typeface="Arial" pitchFamily="-109" charset="0"/>
-              <a:ea typeface="ＭＳ Ｐゴシック" pitchFamily="-109" charset="-128"/>
-              <a:cs typeface="ＭＳ Ｐゴシック" pitchFamily="-109" charset="-128"/>
-            </a:endParaRPr>
-          </a:p>
-          <a:p>
-            <a:r>
-              <a:rPr lang="en-US" b="0" dirty="0">
-                <a:latin typeface="Arial" pitchFamily="-109" charset="0"/>
-                <a:ea typeface="ＭＳ Ｐゴシック" pitchFamily="-109" charset="-128"/>
-                <a:cs typeface="ＭＳ Ｐゴシック" pitchFamily="-109" charset="-128"/>
-              </a:rPr>
-              <a:t>For either of the preceding approaches, some inference detection</a:t>
-            </a:r>
-          </a:p>
-          <a:p>
-            <a:r>
-              <a:rPr lang="en-US" b="0" dirty="0">
-                <a:latin typeface="Arial" pitchFamily="-109" charset="0"/>
-                <a:ea typeface="ＭＳ Ｐゴシック" pitchFamily="-109" charset="-128"/>
-                <a:cs typeface="ＭＳ Ｐゴシック" pitchFamily="-109" charset="-128"/>
-              </a:rPr>
-              <a:t>algorithm is needed. This is a difficult problem and the subject of ongoing</a:t>
-            </a:r>
-          </a:p>
-          <a:p>
-            <a:r>
-              <a:rPr lang="en-US" b="0" dirty="0">
-                <a:latin typeface="Arial" pitchFamily="-109" charset="0"/>
-                <a:ea typeface="ＭＳ Ｐゴシック" pitchFamily="-109" charset="-128"/>
-                <a:cs typeface="ＭＳ Ｐゴシック" pitchFamily="-109" charset="-128"/>
-              </a:rPr>
-              <a:t>research. To give some appreciation of the difficulty, we present an example</a:t>
-            </a:r>
-          </a:p>
-          <a:p>
-            <a:r>
-              <a:rPr lang="en-US" b="0" dirty="0">
-                <a:latin typeface="Arial" pitchFamily="-109" charset="0"/>
-                <a:ea typeface="ＭＳ Ｐゴシック" pitchFamily="-109" charset="-128"/>
-                <a:cs typeface="ＭＳ Ｐゴシック" pitchFamily="-109" charset="-128"/>
-              </a:rPr>
-              <a:t>taken from [LUNT89].</a:t>
-            </a:r>
-          </a:p>
-          <a:p>
-            <a:r>
-              <a:rPr lang="en-US" b="0" dirty="0">
-                <a:latin typeface="Arial" pitchFamily="-109" charset="0"/>
-                <a:ea typeface="ＭＳ Ｐゴシック" pitchFamily="-109" charset="-128"/>
-                <a:cs typeface="ＭＳ Ｐゴシック" pitchFamily="-109" charset="-128"/>
-              </a:rPr>
-              <a:t>The first security problem indicated in this sample, that it was possible to infer</a:t>
-            </a:r>
-          </a:p>
-          <a:p>
-            <a:r>
-              <a:rPr lang="en-US" b="0" dirty="0">
-                <a:latin typeface="Arial" pitchFamily="-109" charset="0"/>
-                <a:ea typeface="ＭＳ Ｐゴシック" pitchFamily="-109" charset="-128"/>
-                <a:cs typeface="ＭＳ Ｐゴシック" pitchFamily="-109" charset="-128"/>
-              </a:rPr>
-              <a:t>the relationship between employee and salary, can be detected through analysis</a:t>
-            </a:r>
-          </a:p>
-          <a:p>
-            <a:r>
-              <a:rPr lang="en-US" b="0" dirty="0">
-                <a:latin typeface="Arial" pitchFamily="-109" charset="0"/>
-                <a:ea typeface="ＭＳ Ｐゴシック" pitchFamily="-109" charset="-128"/>
-                <a:cs typeface="ＭＳ Ｐゴシック" pitchFamily="-109" charset="-128"/>
-              </a:rPr>
-              <a:t>of the data structures and security constraints that are available to the DBMS.</a:t>
-            </a:r>
-          </a:p>
-          <a:p>
-            <a:r>
-              <a:rPr lang="en-US" b="0" dirty="0">
-                <a:latin typeface="Arial" pitchFamily="-109" charset="0"/>
-                <a:ea typeface="ＭＳ Ｐゴシック" pitchFamily="-109" charset="-128"/>
-                <a:cs typeface="ＭＳ Ｐゴシック" pitchFamily="-109" charset="-128"/>
-              </a:rPr>
-              <a:t>However, the second security problem, in which the start-date column was added</a:t>
-            </a:r>
-          </a:p>
-          <a:p>
-            <a:r>
-              <a:rPr lang="en-US" b="0" dirty="0">
-                <a:latin typeface="Arial" pitchFamily="-109" charset="0"/>
-                <a:ea typeface="ＭＳ Ｐゴシック" pitchFamily="-109" charset="-128"/>
-                <a:cs typeface="ＭＳ Ｐゴシック" pitchFamily="-109" charset="-128"/>
-              </a:rPr>
-              <a:t>to the Salaries table, cannot be detected using only the information stored in the</a:t>
-            </a:r>
-          </a:p>
-          <a:p>
-            <a:r>
-              <a:rPr lang="en-US" b="0" dirty="0">
-                <a:latin typeface="Arial" pitchFamily="-109" charset="0"/>
-                <a:ea typeface="ＭＳ Ｐゴシック" pitchFamily="-109" charset="-128"/>
-                <a:cs typeface="ＭＳ Ｐゴシック" pitchFamily="-109" charset="-128"/>
-              </a:rPr>
-              <a:t>database. In particular, the database does not indicate that the employee name can</a:t>
-            </a:r>
-          </a:p>
-          <a:p>
-            <a:r>
-              <a:rPr lang="en-US" b="0" dirty="0">
-                <a:latin typeface="Arial" pitchFamily="-109" charset="0"/>
-                <a:ea typeface="ＭＳ Ｐゴシック" pitchFamily="-109" charset="-128"/>
-                <a:cs typeface="ＭＳ Ｐゴシック" pitchFamily="-109" charset="-128"/>
-              </a:rPr>
-              <a:t>be inferred from the start date.</a:t>
-            </a:r>
-          </a:p>
-          <a:p>
-            <a:endParaRPr lang="en-US" b="0" dirty="0">
-              <a:latin typeface="Arial" pitchFamily="-109" charset="0"/>
-              <a:ea typeface="ＭＳ Ｐゴシック" pitchFamily="-109" charset="-128"/>
-              <a:cs typeface="ＭＳ Ｐゴシック" pitchFamily="-109" charset="-128"/>
-            </a:endParaRPr>
-          </a:p>
-          <a:p>
-            <a:r>
-              <a:rPr lang="en-US" b="0" dirty="0">
-                <a:latin typeface="Arial" pitchFamily="-109" charset="0"/>
-                <a:ea typeface="ＭＳ Ｐゴシック" pitchFamily="-109" charset="-128"/>
-                <a:cs typeface="ＭＳ Ｐゴシック" pitchFamily="-109" charset="-128"/>
-              </a:rPr>
-              <a:t>In the general case of a relational database, inference detection is a complex</a:t>
-            </a:r>
-          </a:p>
-          <a:p>
-            <a:r>
-              <a:rPr lang="en-US" b="0" dirty="0">
-                <a:latin typeface="Arial" pitchFamily="-109" charset="0"/>
-                <a:ea typeface="ＭＳ Ｐゴシック" pitchFamily="-109" charset="-128"/>
-                <a:cs typeface="ＭＳ Ｐゴシック" pitchFamily="-109" charset="-128"/>
-              </a:rPr>
-              <a:t>and difficult problem. For multilevel secure databases, discussed in Chapter 13 ,</a:t>
-            </a:r>
-          </a:p>
-          <a:p>
-            <a:r>
-              <a:rPr lang="en-US" b="0" dirty="0">
-                <a:latin typeface="Arial" pitchFamily="-109" charset="0"/>
-                <a:ea typeface="ＭＳ Ｐゴシック" pitchFamily="-109" charset="-128"/>
-                <a:cs typeface="ＭＳ Ｐゴシック" pitchFamily="-109" charset="-128"/>
-              </a:rPr>
-              <a:t>and statistical databases, discussed in the next section, progress has been made in</a:t>
-            </a:r>
-          </a:p>
-          <a:p>
-            <a:r>
-              <a:rPr lang="en-US" b="0" dirty="0">
-                <a:latin typeface="Arial" pitchFamily="-109" charset="0"/>
-                <a:ea typeface="ＭＳ Ｐゴシック" pitchFamily="-109" charset="-128"/>
-                <a:cs typeface="ＭＳ Ｐゴシック" pitchFamily="-109" charset="-128"/>
-              </a:rPr>
-              <a:t>devising specific inference detection techniques.</a:t>
-            </a:r>
-            <a:endParaRPr lang="en-US" b="0" dirty="0">
-              <a:latin typeface="Times New Roman" pitchFamily="-109" charset="0"/>
-              <a:ea typeface="ＭＳ Ｐゴシック" pitchFamily="-109" charset="-128"/>
-              <a:cs typeface="ＭＳ Ｐゴシック" pitchFamily="-109" charset="-128"/>
-            </a:endParaRPr>
+            <a:pPr marL="0" marR="0" lvl="0" indent="0" algn="l" defTabSz="914400" rtl="0" eaLnBrk="1" fontAlgn="base" latinLnBrk="0" hangingPunct="1">
+              <a:lnSpc>
+                <a:spcPct val="100000"/>
+              </a:lnSpc>
+              <a:spcBef>
+                <a:spcPct val="30000"/>
+              </a:spcBef>
+              <a:spcAft>
+                <a:spcPct val="0"/>
+              </a:spcAft>
+              <a:buClrTx/>
+              <a:buSzTx/>
+              <a:buFontTx/>
+              <a:buNone/>
+              <a:tabLst/>
+              <a:defRPr/>
+            </a:pPr>
+            <a:r>
+              <a:rPr lang="en-US" altLang="zh-CN" sz="1200" dirty="0"/>
+              <a:t>Need human understanding of application semantics</a:t>
+            </a:r>
+            <a:endParaRPr lang="zh-CN" altLang="en-US" sz="1800" dirty="0"/>
           </a:p>
           <a:p>
             <a:endParaRPr lang="en-SE" dirty="0"/>
@@ -6161,7 +5882,7 @@
             <a:fld id="{F8560DBF-F109-8946-ADF0-EE66B221E988}" type="slidenum">
               <a:rPr lang="en-AU" smtClean="0"/>
               <a:pPr/>
-              <a:t>31</a:t>
+              <a:t>30</a:t>
             </a:fld>
             <a:endParaRPr lang="en-AU" dirty="0"/>
           </a:p>
@@ -6170,7 +5891,7 @@
     </p:spTree>
     <p:extLst>
       <p:ext uri="{BB962C8B-B14F-4D97-AF65-F5344CB8AC3E}">
-        <p14:creationId xmlns:p14="http://schemas.microsoft.com/office/powerpoint/2010/main" val="2301072810"/>
+        <p14:creationId xmlns:p14="http://schemas.microsoft.com/office/powerpoint/2010/main" val="2998931668"/>
       </p:ext>
     </p:extLst>
   </p:cSld>
@@ -6224,106 +5945,307 @@
           <a:bodyPr/>
           <a:lstStyle/>
           <a:p>
-            <a:pPr lvl="1"/>
-            <a:r>
-              <a:rPr lang="en-US" dirty="0"/>
-              <a:t>Cloud computing</a:t>
-            </a:r>
-          </a:p>
-          <a:p>
-            <a:pPr lvl="1"/>
-            <a:r>
-              <a:rPr lang="en-US" dirty="0"/>
-              <a:t>Cloud computing elements</a:t>
-            </a:r>
-          </a:p>
-          <a:p>
-            <a:pPr lvl="1"/>
-            <a:r>
-              <a:rPr lang="en-US" dirty="0"/>
-              <a:t>Cloud service models</a:t>
-            </a:r>
-          </a:p>
-          <a:p>
-            <a:pPr lvl="1"/>
-            <a:r>
-              <a:rPr lang="en-US" dirty="0"/>
-              <a:t>Cloud deployment models</a:t>
-            </a:r>
-          </a:p>
-          <a:p>
-            <a:pPr lvl="1"/>
-            <a:r>
-              <a:rPr lang="en-US" dirty="0"/>
-              <a:t>Cloud computing reference architecture</a:t>
-            </a:r>
-          </a:p>
-          <a:p>
-            <a:pPr lvl="1"/>
-            <a:r>
-              <a:rPr lang="en-US" dirty="0"/>
-              <a:t>Cloud security approaches</a:t>
-            </a:r>
-          </a:p>
-          <a:p>
-            <a:pPr lvl="1"/>
-            <a:r>
-              <a:rPr lang="en-US" dirty="0"/>
-              <a:t>Risks and countermeasures</a:t>
-            </a:r>
-          </a:p>
-          <a:p>
-            <a:pPr lvl="1"/>
-            <a:r>
-              <a:rPr lang="en-US" dirty="0"/>
-              <a:t>Data protection in the cloud</a:t>
-            </a:r>
-          </a:p>
-          <a:p>
-            <a:pPr lvl="1"/>
-            <a:r>
-              <a:rPr lang="en-US" dirty="0"/>
-              <a:t>Security approaches for cloud computing assets</a:t>
-            </a:r>
-          </a:p>
-          <a:p>
-            <a:pPr lvl="1"/>
-            <a:r>
-              <a:rPr lang="en-US" dirty="0"/>
-              <a:t>Cloud security as a service</a:t>
-            </a:r>
-          </a:p>
-          <a:p>
-            <a:pPr lvl="1"/>
-            <a:r>
-              <a:rPr lang="en-US" dirty="0"/>
-              <a:t>Open-source cloud security module</a:t>
-            </a:r>
-          </a:p>
-          <a:p>
-            <a:pPr lvl="1"/>
-            <a:r>
-              <a:rPr lang="en-US" dirty="0"/>
-              <a:t>Cloud security concepts</a:t>
-            </a:r>
-          </a:p>
-          <a:p>
-            <a:pPr lvl="1"/>
-            <a:r>
-              <a:rPr lang="en-US" dirty="0"/>
-              <a:t>Security issues for cloud computing</a:t>
-            </a:r>
-          </a:p>
-          <a:p>
-            <a:pPr lvl="1"/>
-            <a:r>
-              <a:rPr lang="en-US" dirty="0"/>
-              <a:t>Addressing cloud computing security concerns</a:t>
-            </a:r>
-          </a:p>
-          <a:p>
-            <a:pPr lvl="1"/>
-            <a:endParaRPr lang="en-US" dirty="0"/>
+            <a:r>
+              <a:rPr lang="en-US" b="0" dirty="0">
+                <a:latin typeface="Arial" pitchFamily="-109" charset="0"/>
+                <a:ea typeface="ＭＳ Ｐゴシック" pitchFamily="-109" charset="-128"/>
+                <a:cs typeface="ＭＳ Ｐゴシック" pitchFamily="-109" charset="-128"/>
+              </a:rPr>
+              <a:t>In general terms, there are two approaches to dealing with the threat of</a:t>
+            </a:r>
+          </a:p>
+          <a:p>
+            <a:r>
+              <a:rPr lang="en-US" b="0" dirty="0">
+                <a:latin typeface="Arial" pitchFamily="-109" charset="0"/>
+                <a:ea typeface="ＭＳ Ｐゴシック" pitchFamily="-109" charset="-128"/>
+                <a:cs typeface="ＭＳ Ｐゴシック" pitchFamily="-109" charset="-128"/>
+              </a:rPr>
+              <a:t>disclosure by inference:</a:t>
+            </a:r>
+          </a:p>
+          <a:p>
+            <a:endParaRPr lang="en-US" b="0" dirty="0">
+              <a:latin typeface="Arial" pitchFamily="-109" charset="0"/>
+              <a:ea typeface="ＭＳ Ｐゴシック" pitchFamily="-109" charset="-128"/>
+              <a:cs typeface="ＭＳ Ｐゴシック" pitchFamily="-109" charset="-128"/>
+            </a:endParaRPr>
+          </a:p>
+          <a:p>
+            <a:r>
+              <a:rPr lang="en-US" b="0" dirty="0">
+                <a:latin typeface="Arial" pitchFamily="-109" charset="0"/>
+                <a:ea typeface="ＭＳ Ｐゴシック" pitchFamily="-109" charset="-128"/>
+                <a:cs typeface="ＭＳ Ｐゴシック" pitchFamily="-109" charset="-128"/>
+              </a:rPr>
+              <a:t>• Inference detection during database design: This approach removes an</a:t>
+            </a:r>
+          </a:p>
+          <a:p>
+            <a:r>
+              <a:rPr lang="en-US" b="0" dirty="0">
+                <a:latin typeface="Arial" pitchFamily="-109" charset="0"/>
+                <a:ea typeface="ＭＳ Ｐゴシック" pitchFamily="-109" charset="-128"/>
+                <a:cs typeface="ＭＳ Ｐゴシック" pitchFamily="-109" charset="-128"/>
+              </a:rPr>
+              <a:t>inference channel by altering the database structure or by changing the</a:t>
+            </a:r>
+          </a:p>
+          <a:p>
+            <a:r>
+              <a:rPr lang="en-US" b="0" dirty="0">
+                <a:latin typeface="Arial" pitchFamily="-109" charset="0"/>
+                <a:ea typeface="ＭＳ Ｐゴシック" pitchFamily="-109" charset="-128"/>
+                <a:cs typeface="ＭＳ Ｐゴシック" pitchFamily="-109" charset="-128"/>
+              </a:rPr>
+              <a:t>access control regime to prevent inference. Examples include removing</a:t>
+            </a:r>
+          </a:p>
+          <a:p>
+            <a:r>
+              <a:rPr lang="en-US" b="0" dirty="0">
+                <a:latin typeface="Arial" pitchFamily="-109" charset="0"/>
+                <a:ea typeface="ＭＳ Ｐゴシック" pitchFamily="-109" charset="-128"/>
+                <a:cs typeface="ＭＳ Ｐゴシック" pitchFamily="-109" charset="-128"/>
+              </a:rPr>
+              <a:t>data dependencies by splitting a table into multiple tables or using more</a:t>
+            </a:r>
+          </a:p>
+          <a:p>
+            <a:r>
+              <a:rPr lang="en-US" b="0" dirty="0">
+                <a:latin typeface="Arial" pitchFamily="-109" charset="0"/>
+                <a:ea typeface="ＭＳ Ｐゴシック" pitchFamily="-109" charset="-128"/>
+                <a:cs typeface="ＭＳ Ｐゴシック" pitchFamily="-109" charset="-128"/>
+              </a:rPr>
+              <a:t>fine-grained access control roles in an RBAC scheme. Techniques in</a:t>
+            </a:r>
+          </a:p>
+          <a:p>
+            <a:r>
+              <a:rPr lang="en-US" b="0" dirty="0">
+                <a:latin typeface="Arial" pitchFamily="-109" charset="0"/>
+                <a:ea typeface="ＭＳ Ｐゴシック" pitchFamily="-109" charset="-128"/>
+                <a:cs typeface="ＭＳ Ｐゴシック" pitchFamily="-109" charset="-128"/>
+              </a:rPr>
+              <a:t>this category often result in unnecessarily stricter access controls that</a:t>
+            </a:r>
+          </a:p>
+          <a:p>
+            <a:r>
+              <a:rPr lang="en-US" b="0" dirty="0">
+                <a:latin typeface="Arial" pitchFamily="-109" charset="0"/>
+                <a:ea typeface="ＭＳ Ｐゴシック" pitchFamily="-109" charset="-128"/>
+                <a:cs typeface="ＭＳ Ｐゴシック" pitchFamily="-109" charset="-128"/>
+              </a:rPr>
+              <a:t>reduce availability.</a:t>
+            </a:r>
+          </a:p>
+          <a:p>
+            <a:endParaRPr lang="en-US" b="0" dirty="0">
+              <a:latin typeface="Arial" pitchFamily="-109" charset="0"/>
+              <a:ea typeface="ＭＳ Ｐゴシック" pitchFamily="-109" charset="-128"/>
+              <a:cs typeface="ＭＳ Ｐゴシック" pitchFamily="-109" charset="-128"/>
+            </a:endParaRPr>
+          </a:p>
+          <a:p>
+            <a:r>
+              <a:rPr lang="en-US" b="0" dirty="0">
+                <a:latin typeface="Arial" pitchFamily="-109" charset="0"/>
+                <a:ea typeface="ＭＳ Ｐゴシック" pitchFamily="-109" charset="-128"/>
+                <a:cs typeface="ＭＳ Ｐゴシック" pitchFamily="-109" charset="-128"/>
+              </a:rPr>
+              <a:t>• Inference detection at query time: This approach seeks to eliminate an</a:t>
+            </a:r>
+          </a:p>
+          <a:p>
+            <a:r>
+              <a:rPr lang="en-US" b="0" dirty="0">
+                <a:latin typeface="Arial" pitchFamily="-109" charset="0"/>
+                <a:ea typeface="ＭＳ Ｐゴシック" pitchFamily="-109" charset="-128"/>
+                <a:cs typeface="ＭＳ Ｐゴシック" pitchFamily="-109" charset="-128"/>
+              </a:rPr>
+              <a:t>inference channel violation during a query or series of queries. If an inference</a:t>
+            </a:r>
+          </a:p>
+          <a:p>
+            <a:r>
+              <a:rPr lang="en-US" b="0" dirty="0">
+                <a:latin typeface="Arial" pitchFamily="-109" charset="0"/>
+                <a:ea typeface="ＭＳ Ｐゴシック" pitchFamily="-109" charset="-128"/>
+                <a:cs typeface="ＭＳ Ｐゴシック" pitchFamily="-109" charset="-128"/>
+              </a:rPr>
+              <a:t>channel is detected, the query is denied or altered.</a:t>
+            </a:r>
+          </a:p>
+          <a:p>
+            <a:endParaRPr lang="en-US" b="0" dirty="0">
+              <a:latin typeface="Arial" pitchFamily="-109" charset="0"/>
+              <a:ea typeface="ＭＳ Ｐゴシック" pitchFamily="-109" charset="-128"/>
+              <a:cs typeface="ＭＳ Ｐゴシック" pitchFamily="-109" charset="-128"/>
+            </a:endParaRPr>
+          </a:p>
+          <a:p>
+            <a:r>
+              <a:rPr lang="en-US" b="0" dirty="0">
+                <a:latin typeface="Arial" pitchFamily="-109" charset="0"/>
+                <a:ea typeface="ＭＳ Ｐゴシック" pitchFamily="-109" charset="-128"/>
+                <a:cs typeface="ＭＳ Ｐゴシック" pitchFamily="-109" charset="-128"/>
+              </a:rPr>
+              <a:t>For either of the preceding approaches, some inference detection</a:t>
+            </a:r>
+          </a:p>
+          <a:p>
+            <a:r>
+              <a:rPr lang="en-US" b="0" dirty="0">
+                <a:latin typeface="Arial" pitchFamily="-109" charset="0"/>
+                <a:ea typeface="ＭＳ Ｐゴシック" pitchFamily="-109" charset="-128"/>
+                <a:cs typeface="ＭＳ Ｐゴシック" pitchFamily="-109" charset="-128"/>
+              </a:rPr>
+              <a:t>algorithm is needed. This is a difficult problem and the subject of ongoing</a:t>
+            </a:r>
+          </a:p>
+          <a:p>
+            <a:r>
+              <a:rPr lang="en-US" b="0" dirty="0">
+                <a:latin typeface="Arial" pitchFamily="-109" charset="0"/>
+                <a:ea typeface="ＭＳ Ｐゴシック" pitchFamily="-109" charset="-128"/>
+                <a:cs typeface="ＭＳ Ｐゴシック" pitchFamily="-109" charset="-128"/>
+              </a:rPr>
+              <a:t>research. To give some appreciation of the difficulty, we present an example</a:t>
+            </a:r>
+          </a:p>
+          <a:p>
+            <a:r>
+              <a:rPr lang="en-US" b="0" dirty="0">
+                <a:latin typeface="Arial" pitchFamily="-109" charset="0"/>
+                <a:ea typeface="ＭＳ Ｐゴシック" pitchFamily="-109" charset="-128"/>
+                <a:cs typeface="ＭＳ Ｐゴシック" pitchFamily="-109" charset="-128"/>
+              </a:rPr>
+              <a:t>taken from [LUNT89].</a:t>
+            </a:r>
+          </a:p>
+          <a:p>
+            <a:r>
+              <a:rPr lang="en-US" b="0" dirty="0">
+                <a:latin typeface="Arial" pitchFamily="-109" charset="0"/>
+                <a:ea typeface="ＭＳ Ｐゴシック" pitchFamily="-109" charset="-128"/>
+                <a:cs typeface="ＭＳ Ｐゴシック" pitchFamily="-109" charset="-128"/>
+              </a:rPr>
+              <a:t>The first security problem indicated in this sample, that it was possible to infer</a:t>
+            </a:r>
+          </a:p>
+          <a:p>
+            <a:r>
+              <a:rPr lang="en-US" b="0" dirty="0">
+                <a:latin typeface="Arial" pitchFamily="-109" charset="0"/>
+                <a:ea typeface="ＭＳ Ｐゴシック" pitchFamily="-109" charset="-128"/>
+                <a:cs typeface="ＭＳ Ｐゴシック" pitchFamily="-109" charset="-128"/>
+              </a:rPr>
+              <a:t>the relationship between employee and salary, can be detected through analysis</a:t>
+            </a:r>
+          </a:p>
+          <a:p>
+            <a:r>
+              <a:rPr lang="en-US" b="0" dirty="0">
+                <a:latin typeface="Arial" pitchFamily="-109" charset="0"/>
+                <a:ea typeface="ＭＳ Ｐゴシック" pitchFamily="-109" charset="-128"/>
+                <a:cs typeface="ＭＳ Ｐゴシック" pitchFamily="-109" charset="-128"/>
+              </a:rPr>
+              <a:t>of the data structures and security constraints that are available to the DBMS.</a:t>
+            </a:r>
+          </a:p>
+          <a:p>
+            <a:r>
+              <a:rPr lang="en-US" b="0" dirty="0">
+                <a:latin typeface="Arial" pitchFamily="-109" charset="0"/>
+                <a:ea typeface="ＭＳ Ｐゴシック" pitchFamily="-109" charset="-128"/>
+                <a:cs typeface="ＭＳ Ｐゴシック" pitchFamily="-109" charset="-128"/>
+              </a:rPr>
+              <a:t>However, the second security problem, in which the start-date column was added</a:t>
+            </a:r>
+          </a:p>
+          <a:p>
+            <a:r>
+              <a:rPr lang="en-US" b="0" dirty="0">
+                <a:latin typeface="Arial" pitchFamily="-109" charset="0"/>
+                <a:ea typeface="ＭＳ Ｐゴシック" pitchFamily="-109" charset="-128"/>
+                <a:cs typeface="ＭＳ Ｐゴシック" pitchFamily="-109" charset="-128"/>
+              </a:rPr>
+              <a:t>to the Salaries table, cannot be detected using only the information stored in the</a:t>
+            </a:r>
+          </a:p>
+          <a:p>
+            <a:r>
+              <a:rPr lang="en-US" b="0" dirty="0">
+                <a:latin typeface="Arial" pitchFamily="-109" charset="0"/>
+                <a:ea typeface="ＭＳ Ｐゴシック" pitchFamily="-109" charset="-128"/>
+                <a:cs typeface="ＭＳ Ｐゴシック" pitchFamily="-109" charset="-128"/>
+              </a:rPr>
+              <a:t>database. In particular, the database does not indicate that the employee name can</a:t>
+            </a:r>
+          </a:p>
+          <a:p>
+            <a:r>
+              <a:rPr lang="en-US" b="0" dirty="0">
+                <a:latin typeface="Arial" pitchFamily="-109" charset="0"/>
+                <a:ea typeface="ＭＳ Ｐゴシック" pitchFamily="-109" charset="-128"/>
+                <a:cs typeface="ＭＳ Ｐゴシック" pitchFamily="-109" charset="-128"/>
+              </a:rPr>
+              <a:t>be inferred from the start date.</a:t>
+            </a:r>
+          </a:p>
+          <a:p>
+            <a:endParaRPr lang="en-US" b="0" dirty="0">
+              <a:latin typeface="Arial" pitchFamily="-109" charset="0"/>
+              <a:ea typeface="ＭＳ Ｐゴシック" pitchFamily="-109" charset="-128"/>
+              <a:cs typeface="ＭＳ Ｐゴシック" pitchFamily="-109" charset="-128"/>
+            </a:endParaRPr>
+          </a:p>
+          <a:p>
+            <a:r>
+              <a:rPr lang="en-US" b="0" dirty="0">
+                <a:latin typeface="Arial" pitchFamily="-109" charset="0"/>
+                <a:ea typeface="ＭＳ Ｐゴシック" pitchFamily="-109" charset="-128"/>
+                <a:cs typeface="ＭＳ Ｐゴシック" pitchFamily="-109" charset="-128"/>
+              </a:rPr>
+              <a:t>In the general case of a relational database, inference detection is a complex</a:t>
+            </a:r>
+          </a:p>
+          <a:p>
+            <a:r>
+              <a:rPr lang="en-US" b="0" dirty="0">
+                <a:latin typeface="Arial" pitchFamily="-109" charset="0"/>
+                <a:ea typeface="ＭＳ Ｐゴシック" pitchFamily="-109" charset="-128"/>
+                <a:cs typeface="ＭＳ Ｐゴシック" pitchFamily="-109" charset="-128"/>
+              </a:rPr>
+              <a:t>and difficult problem. For multilevel secure databases, discussed in Chapter 13 ,</a:t>
+            </a:r>
+          </a:p>
+          <a:p>
+            <a:r>
+              <a:rPr lang="en-US" b="0" dirty="0">
+                <a:latin typeface="Arial" pitchFamily="-109" charset="0"/>
+                <a:ea typeface="ＭＳ Ｐゴシック" pitchFamily="-109" charset="-128"/>
+                <a:cs typeface="ＭＳ Ｐゴシック" pitchFamily="-109" charset="-128"/>
+              </a:rPr>
+              <a:t>and statistical databases, discussed in the next section, progress has been made in</a:t>
+            </a:r>
+          </a:p>
+          <a:p>
+            <a:r>
+              <a:rPr lang="en-US" b="0" dirty="0">
+                <a:latin typeface="Arial" pitchFamily="-109" charset="0"/>
+                <a:ea typeface="ＭＳ Ｐゴシック" pitchFamily="-109" charset="-128"/>
+                <a:cs typeface="ＭＳ Ｐゴシック" pitchFamily="-109" charset="-128"/>
+              </a:rPr>
+              <a:t>devising specific inference detection techniques.</a:t>
+            </a:r>
+            <a:endParaRPr lang="en-US" b="0" dirty="0">
+              <a:latin typeface="Times New Roman" pitchFamily="-109" charset="0"/>
+              <a:ea typeface="ＭＳ Ｐゴシック" pitchFamily="-109" charset="-128"/>
+              <a:cs typeface="ＭＳ Ｐゴシック" pitchFamily="-109" charset="-128"/>
+            </a:endParaRPr>
           </a:p>
           <a:p>
             <a:endParaRPr lang="en-SE" dirty="0"/>
@@ -6348,7 +6270,7 @@
             <a:fld id="{F8560DBF-F109-8946-ADF0-EE66B221E988}" type="slidenum">
               <a:rPr lang="en-AU" smtClean="0"/>
               <a:pPr/>
-              <a:t>32</a:t>
+              <a:t>31</a:t>
             </a:fld>
             <a:endParaRPr lang="en-AU" dirty="0"/>
           </a:p>
@@ -6357,7 +6279,7 @@
     </p:spTree>
     <p:extLst>
       <p:ext uri="{BB962C8B-B14F-4D97-AF65-F5344CB8AC3E}">
-        <p14:creationId xmlns:p14="http://schemas.microsoft.com/office/powerpoint/2010/main" val="2934759244"/>
+        <p14:creationId xmlns:p14="http://schemas.microsoft.com/office/powerpoint/2010/main" val="2301072810"/>
       </p:ext>
     </p:extLst>
   </p:cSld>
@@ -6411,407 +6333,106 @@
           <a:bodyPr/>
           <a:lstStyle/>
           <a:p>
-            <a:r>
-              <a:rPr lang="en-US" sz="1200" b="0" kern="1200" baseline="0" dirty="0">
-                <a:solidFill>
-                  <a:schemeClr val="tx1"/>
-                </a:solidFill>
-                <a:latin typeface="Arial" pitchFamily="-110" charset="0"/>
-                <a:ea typeface="ＭＳ Ｐゴシック" pitchFamily="-110" charset="-128"/>
-                <a:cs typeface="ＭＳ Ｐゴシック" pitchFamily="-110" charset="-128"/>
-              </a:rPr>
-              <a:t>The database is typically the most valuable information resource for any organization</a:t>
-            </a:r>
-          </a:p>
-          <a:p>
-            <a:r>
-              <a:rPr lang="en-US" sz="1200" b="0" kern="1200" baseline="0" dirty="0">
-                <a:solidFill>
-                  <a:schemeClr val="tx1"/>
-                </a:solidFill>
-                <a:latin typeface="Arial" pitchFamily="-110" charset="0"/>
-                <a:ea typeface="ＭＳ Ｐゴシック" pitchFamily="-110" charset="-128"/>
-                <a:cs typeface="ＭＳ Ｐゴシック" pitchFamily="-110" charset="-128"/>
-              </a:rPr>
-              <a:t>and is therefore protected by multiple layers of security, including firewalls,</a:t>
-            </a:r>
-          </a:p>
-          <a:p>
-            <a:r>
-              <a:rPr lang="en-US" sz="1200" b="0" kern="1200" baseline="0" dirty="0">
-                <a:solidFill>
-                  <a:schemeClr val="tx1"/>
-                </a:solidFill>
-                <a:latin typeface="Arial" pitchFamily="-110" charset="0"/>
-                <a:ea typeface="ＭＳ Ｐゴシック" pitchFamily="-110" charset="-128"/>
-                <a:cs typeface="ＭＳ Ｐゴシック" pitchFamily="-110" charset="-128"/>
-              </a:rPr>
-              <a:t>authentication mechanisms, general access control systems, and database access</a:t>
-            </a:r>
-          </a:p>
-          <a:p>
-            <a:r>
-              <a:rPr lang="en-US" sz="1200" b="0" kern="1200" baseline="0" dirty="0">
-                <a:solidFill>
-                  <a:schemeClr val="tx1"/>
-                </a:solidFill>
-                <a:latin typeface="Arial" pitchFamily="-110" charset="0"/>
-                <a:ea typeface="ＭＳ Ｐゴシック" pitchFamily="-110" charset="-128"/>
-                <a:cs typeface="ＭＳ Ｐゴシック" pitchFamily="-110" charset="-128"/>
-              </a:rPr>
-              <a:t>control systems. In addition, for particularly sensitive data, database encryption is</a:t>
-            </a:r>
-          </a:p>
-          <a:p>
-            <a:r>
-              <a:rPr lang="en-US" sz="1200" b="0" kern="1200" baseline="0" dirty="0">
-                <a:solidFill>
-                  <a:schemeClr val="tx1"/>
-                </a:solidFill>
-                <a:latin typeface="Arial" pitchFamily="-110" charset="0"/>
-                <a:ea typeface="ＭＳ Ｐゴシック" pitchFamily="-110" charset="-128"/>
-                <a:cs typeface="ＭＳ Ｐゴシック" pitchFamily="-110" charset="-128"/>
-              </a:rPr>
-              <a:t>warranted and often implemented. Encryption becomes the last line of defense in</a:t>
-            </a:r>
-          </a:p>
-          <a:p>
-            <a:r>
-              <a:rPr lang="en-US" sz="1200" b="0" kern="1200" baseline="0" dirty="0">
-                <a:solidFill>
-                  <a:schemeClr val="tx1"/>
-                </a:solidFill>
-                <a:latin typeface="Arial" pitchFamily="-110" charset="0"/>
-                <a:ea typeface="ＭＳ Ｐゴシック" pitchFamily="-110" charset="-128"/>
-                <a:cs typeface="ＭＳ Ｐゴシック" pitchFamily="-110" charset="-128"/>
-              </a:rPr>
-              <a:t>database security.</a:t>
-            </a:r>
-          </a:p>
-          <a:p>
-            <a:endParaRPr lang="en-US" sz="1200" b="0" kern="1200" baseline="0" dirty="0">
-              <a:solidFill>
-                <a:schemeClr val="tx1"/>
-              </a:solidFill>
-              <a:latin typeface="Arial" pitchFamily="-110" charset="0"/>
-              <a:ea typeface="ＭＳ Ｐゴシック" pitchFamily="-110" charset="-128"/>
-              <a:cs typeface="ＭＳ Ｐゴシック" pitchFamily="-110" charset="-128"/>
-            </a:endParaRPr>
-          </a:p>
-          <a:p>
-            <a:r>
-              <a:rPr lang="en-US" sz="1200" b="0" kern="1200" baseline="0" dirty="0">
-                <a:solidFill>
-                  <a:schemeClr val="tx1"/>
-                </a:solidFill>
-                <a:latin typeface="Arial" pitchFamily="-110" charset="0"/>
-                <a:ea typeface="ＭＳ Ｐゴシック" pitchFamily="-110" charset="-128"/>
-                <a:cs typeface="ＭＳ Ｐゴシック" pitchFamily="-110" charset="-128"/>
-              </a:rPr>
-              <a:t>There are two disadvantages to database encryption:</a:t>
-            </a:r>
-          </a:p>
-          <a:p>
-            <a:endParaRPr lang="en-US" sz="1200" b="0" kern="1200" baseline="0" dirty="0">
-              <a:solidFill>
-                <a:schemeClr val="tx1"/>
-              </a:solidFill>
-              <a:latin typeface="Arial" pitchFamily="-110" charset="0"/>
-              <a:ea typeface="ＭＳ Ｐゴシック" pitchFamily="-110" charset="-128"/>
-              <a:cs typeface="ＭＳ Ｐゴシック" pitchFamily="-110" charset="-128"/>
-            </a:endParaRPr>
-          </a:p>
-          <a:p>
-            <a:r>
-              <a:rPr lang="en-US" sz="1200" b="0" kern="1200" baseline="0" dirty="0">
-                <a:solidFill>
-                  <a:schemeClr val="tx1"/>
-                </a:solidFill>
-                <a:latin typeface="Arial" pitchFamily="-110" charset="0"/>
-                <a:ea typeface="ＭＳ Ｐゴシック" pitchFamily="-110" charset="-128"/>
-                <a:cs typeface="ＭＳ Ｐゴシック" pitchFamily="-110" charset="-128"/>
-              </a:rPr>
-              <a:t>• Key management: Authorized users must have access to the decryption key for</a:t>
-            </a:r>
-          </a:p>
-          <a:p>
-            <a:r>
-              <a:rPr lang="en-US" sz="1200" b="0" kern="1200" baseline="0" dirty="0">
-                <a:solidFill>
-                  <a:schemeClr val="tx1"/>
-                </a:solidFill>
-                <a:latin typeface="Arial" pitchFamily="-110" charset="0"/>
-                <a:ea typeface="ＭＳ Ｐゴシック" pitchFamily="-110" charset="-128"/>
-                <a:cs typeface="ＭＳ Ｐゴシック" pitchFamily="-110" charset="-128"/>
-              </a:rPr>
-              <a:t>the data for which they have access. Because a database is typically accessible</a:t>
-            </a:r>
-          </a:p>
-          <a:p>
-            <a:r>
-              <a:rPr lang="en-US" sz="1200" b="0" kern="1200" baseline="0" dirty="0">
-                <a:solidFill>
-                  <a:schemeClr val="tx1"/>
-                </a:solidFill>
-                <a:latin typeface="Arial" pitchFamily="-110" charset="0"/>
-                <a:ea typeface="ＭＳ Ｐゴシック" pitchFamily="-110" charset="-128"/>
-                <a:cs typeface="ＭＳ Ｐゴシック" pitchFamily="-110" charset="-128"/>
-              </a:rPr>
-              <a:t>to a wide range of users and a number of applications, providing secure keys</a:t>
-            </a:r>
-          </a:p>
-          <a:p>
-            <a:r>
-              <a:rPr lang="en-US" sz="1200" b="0" kern="1200" baseline="0" dirty="0">
-                <a:solidFill>
-                  <a:schemeClr val="tx1"/>
-                </a:solidFill>
-                <a:latin typeface="Arial" pitchFamily="-110" charset="0"/>
-                <a:ea typeface="ＭＳ Ｐゴシック" pitchFamily="-110" charset="-128"/>
-                <a:cs typeface="ＭＳ Ｐゴシック" pitchFamily="-110" charset="-128"/>
-              </a:rPr>
-              <a:t>to selected parts of the database to authorized users and applications is a</a:t>
-            </a:r>
-          </a:p>
-          <a:p>
-            <a:r>
-              <a:rPr lang="en-US" sz="1200" b="0" kern="1200" baseline="0" dirty="0">
-                <a:solidFill>
-                  <a:schemeClr val="tx1"/>
-                </a:solidFill>
-                <a:latin typeface="Arial" pitchFamily="-110" charset="0"/>
-                <a:ea typeface="ＭＳ Ｐゴシック" pitchFamily="-110" charset="-128"/>
-                <a:cs typeface="ＭＳ Ｐゴシック" pitchFamily="-110" charset="-128"/>
-              </a:rPr>
-              <a:t>complex task.</a:t>
-            </a:r>
-          </a:p>
-          <a:p>
-            <a:endParaRPr lang="en-US" sz="1200" b="0" kern="1200" baseline="0" dirty="0">
-              <a:solidFill>
-                <a:schemeClr val="tx1"/>
-              </a:solidFill>
-              <a:latin typeface="Arial" pitchFamily="-110" charset="0"/>
-              <a:ea typeface="ＭＳ Ｐゴシック" pitchFamily="-110" charset="-128"/>
-              <a:cs typeface="ＭＳ Ｐゴシック" pitchFamily="-110" charset="-128"/>
-            </a:endParaRPr>
-          </a:p>
-          <a:p>
-            <a:r>
-              <a:rPr lang="en-US" sz="1200" b="0" kern="1200" baseline="0" dirty="0">
-                <a:solidFill>
-                  <a:schemeClr val="tx1"/>
-                </a:solidFill>
-                <a:latin typeface="Arial" pitchFamily="-110" charset="0"/>
-                <a:ea typeface="ＭＳ Ｐゴシック" pitchFamily="-110" charset="-128"/>
-                <a:cs typeface="ＭＳ Ｐゴシック" pitchFamily="-110" charset="-128"/>
-              </a:rPr>
-              <a:t>• Inflexibility: When part or all of the database is encrypted, it becomes more</a:t>
-            </a:r>
-          </a:p>
-          <a:p>
-            <a:r>
-              <a:rPr lang="en-US" sz="1200" b="0" kern="1200" baseline="0" dirty="0">
-                <a:solidFill>
-                  <a:schemeClr val="tx1"/>
-                </a:solidFill>
-                <a:latin typeface="Arial" pitchFamily="-110" charset="0"/>
-                <a:ea typeface="ＭＳ Ｐゴシック" pitchFamily="-110" charset="-128"/>
-                <a:cs typeface="ＭＳ Ｐゴシック" pitchFamily="-110" charset="-128"/>
-              </a:rPr>
-              <a:t>difficult to perform record searching.</a:t>
-            </a:r>
-          </a:p>
-          <a:p>
-            <a:endParaRPr lang="en-US" sz="1200" b="0" kern="1200" baseline="0" dirty="0">
-              <a:solidFill>
-                <a:schemeClr val="tx1"/>
-              </a:solidFill>
-              <a:latin typeface="Arial" pitchFamily="-110" charset="0"/>
-              <a:ea typeface="ＭＳ Ｐゴシック" pitchFamily="-110" charset="-128"/>
-              <a:cs typeface="ＭＳ Ｐゴシック" pitchFamily="-110" charset="-128"/>
-            </a:endParaRPr>
-          </a:p>
-          <a:p>
-            <a:r>
-              <a:rPr lang="en-US" sz="1200" b="0" kern="1200" baseline="0" dirty="0">
-                <a:solidFill>
-                  <a:schemeClr val="tx1"/>
-                </a:solidFill>
-                <a:latin typeface="Arial" pitchFamily="-110" charset="0"/>
-                <a:ea typeface="ＭＳ Ｐゴシック" pitchFamily="-110" charset="-128"/>
-                <a:cs typeface="ＭＳ Ｐゴシック" pitchFamily="-110" charset="-128"/>
-              </a:rPr>
-              <a:t>Encryption can be applied to the entire database, at the record level (encrypt</a:t>
-            </a:r>
-          </a:p>
-          <a:p>
-            <a:r>
-              <a:rPr lang="en-US" sz="1200" b="0" kern="1200" baseline="0" dirty="0">
-                <a:solidFill>
-                  <a:schemeClr val="tx1"/>
-                </a:solidFill>
-                <a:latin typeface="Arial" pitchFamily="-110" charset="0"/>
-                <a:ea typeface="ＭＳ Ｐゴシック" pitchFamily="-110" charset="-128"/>
-                <a:cs typeface="ＭＳ Ｐゴシック" pitchFamily="-110" charset="-128"/>
-              </a:rPr>
-              <a:t>selected records), at the attribute level (encrypt selected columns), or at the level of</a:t>
-            </a:r>
-          </a:p>
-          <a:p>
-            <a:r>
-              <a:rPr lang="en-US" sz="1200" b="0" kern="1200" baseline="0" dirty="0">
-                <a:solidFill>
-                  <a:schemeClr val="tx1"/>
-                </a:solidFill>
-                <a:latin typeface="Arial" pitchFamily="-110" charset="0"/>
-                <a:ea typeface="ＭＳ Ｐゴシック" pitchFamily="-110" charset="-128"/>
-                <a:cs typeface="ＭＳ Ｐゴシック" pitchFamily="-110" charset="-128"/>
-              </a:rPr>
-              <a:t>the individual field.</a:t>
-            </a:r>
-          </a:p>
-          <a:p>
-            <a:endParaRPr lang="en-US" sz="1200" b="0" kern="1200" baseline="0" dirty="0">
-              <a:solidFill>
-                <a:schemeClr val="tx1"/>
-              </a:solidFill>
-              <a:latin typeface="Arial" pitchFamily="-110" charset="0"/>
-              <a:ea typeface="ＭＳ Ｐゴシック" pitchFamily="-110" charset="-128"/>
-              <a:cs typeface="ＭＳ Ｐゴシック" pitchFamily="-110" charset="-128"/>
-            </a:endParaRPr>
-          </a:p>
-          <a:p>
-            <a:r>
-              <a:rPr lang="en-US" sz="1200" b="0" kern="1200" baseline="0" dirty="0">
-                <a:solidFill>
-                  <a:schemeClr val="tx1"/>
-                </a:solidFill>
-                <a:latin typeface="Arial" pitchFamily="-110" charset="0"/>
-                <a:ea typeface="ＭＳ Ｐゴシック" pitchFamily="-110" charset="-128"/>
-                <a:cs typeface="ＭＳ Ｐゴシック" pitchFamily="-110" charset="-128"/>
-              </a:rPr>
-              <a:t>A number of approaches have been taken to database encryption. In this</a:t>
-            </a:r>
-          </a:p>
-          <a:p>
-            <a:r>
-              <a:rPr lang="en-US" sz="1200" b="0" kern="1200" baseline="0" dirty="0">
-                <a:solidFill>
-                  <a:schemeClr val="tx1"/>
-                </a:solidFill>
-                <a:latin typeface="Arial" pitchFamily="-110" charset="0"/>
-                <a:ea typeface="ＭＳ Ｐゴシック" pitchFamily="-110" charset="-128"/>
-                <a:cs typeface="ＭＳ Ｐゴシック" pitchFamily="-110" charset="-128"/>
-              </a:rPr>
-              <a:t>section, we look at a representative approach for a multiuser database.</a:t>
-            </a:r>
-          </a:p>
-          <a:p>
-            <a:endParaRPr lang="en-US" sz="1200" b="0" kern="1200" baseline="0" dirty="0">
-              <a:solidFill>
-                <a:schemeClr val="tx1"/>
-              </a:solidFill>
-              <a:latin typeface="Arial" pitchFamily="-110" charset="0"/>
-              <a:ea typeface="ＭＳ Ｐゴシック" pitchFamily="-110" charset="-128"/>
-              <a:cs typeface="ＭＳ Ｐゴシック" pitchFamily="-110" charset="-128"/>
-            </a:endParaRPr>
-          </a:p>
-          <a:p>
-            <a:r>
-              <a:rPr lang="en-US" sz="1200" b="0" kern="1200" baseline="0" dirty="0">
-                <a:solidFill>
-                  <a:schemeClr val="tx1"/>
-                </a:solidFill>
-                <a:latin typeface="Arial" pitchFamily="-110" charset="0"/>
-                <a:ea typeface="ＭＳ Ｐゴシック" pitchFamily="-110" charset="-128"/>
-                <a:cs typeface="ＭＳ Ｐゴシック" pitchFamily="-110" charset="-128"/>
-              </a:rPr>
-              <a:t>A DBMS is a complex collection of hardware and software. It requires a large</a:t>
-            </a:r>
-          </a:p>
-          <a:p>
-            <a:r>
-              <a:rPr lang="en-US" sz="1200" b="0" kern="1200" baseline="0" dirty="0">
-                <a:solidFill>
-                  <a:schemeClr val="tx1"/>
-                </a:solidFill>
-                <a:latin typeface="Arial" pitchFamily="-110" charset="0"/>
-                <a:ea typeface="ＭＳ Ｐゴシック" pitchFamily="-110" charset="-128"/>
-                <a:cs typeface="ＭＳ Ｐゴシック" pitchFamily="-110" charset="-128"/>
-              </a:rPr>
-              <a:t>storage capacity and requires skilled personnel to perform maintenance, disaster</a:t>
-            </a:r>
-          </a:p>
-          <a:p>
-            <a:r>
-              <a:rPr lang="en-US" sz="1200" b="0" kern="1200" baseline="0" dirty="0">
-                <a:solidFill>
-                  <a:schemeClr val="tx1"/>
-                </a:solidFill>
-                <a:latin typeface="Arial" pitchFamily="-110" charset="0"/>
-                <a:ea typeface="ＭＳ Ｐゴシック" pitchFamily="-110" charset="-128"/>
-                <a:cs typeface="ＭＳ Ｐゴシック" pitchFamily="-110" charset="-128"/>
-              </a:rPr>
-              <a:t>protection, update, and security. For many small and medium-sized organizations,</a:t>
-            </a:r>
-          </a:p>
-          <a:p>
-            <a:r>
-              <a:rPr lang="en-US" sz="1200" b="0" kern="1200" baseline="0" dirty="0">
-                <a:solidFill>
-                  <a:schemeClr val="tx1"/>
-                </a:solidFill>
-                <a:latin typeface="Arial" pitchFamily="-110" charset="0"/>
-                <a:ea typeface="ＭＳ Ｐゴシック" pitchFamily="-110" charset="-128"/>
-                <a:cs typeface="ＭＳ Ｐゴシック" pitchFamily="-110" charset="-128"/>
-              </a:rPr>
-              <a:t>an attractive solution is to outsource the DBMS and the database to a service</a:t>
-            </a:r>
-          </a:p>
-          <a:p>
-            <a:r>
-              <a:rPr lang="en-US" sz="1200" b="0" kern="1200" baseline="0" dirty="0">
-                <a:solidFill>
-                  <a:schemeClr val="tx1"/>
-                </a:solidFill>
-                <a:latin typeface="Arial" pitchFamily="-110" charset="0"/>
-                <a:ea typeface="ＭＳ Ｐゴシック" pitchFamily="-110" charset="-128"/>
-                <a:cs typeface="ＭＳ Ｐゴシック" pitchFamily="-110" charset="-128"/>
-              </a:rPr>
-              <a:t>provider. The service provider maintains the database off site and can provide high</a:t>
-            </a:r>
-          </a:p>
-          <a:p>
-            <a:r>
-              <a:rPr lang="en-US" sz="1200" b="0" kern="1200" baseline="0" dirty="0">
-                <a:solidFill>
-                  <a:schemeClr val="tx1"/>
-                </a:solidFill>
-                <a:latin typeface="Arial" pitchFamily="-110" charset="0"/>
-                <a:ea typeface="ＭＳ Ｐゴシック" pitchFamily="-110" charset="-128"/>
-                <a:cs typeface="ＭＳ Ｐゴシック" pitchFamily="-110" charset="-128"/>
-              </a:rPr>
-              <a:t>availability, disaster prevention, and efficient access and update. The main concern</a:t>
-            </a:r>
-          </a:p>
-          <a:p>
-            <a:r>
-              <a:rPr lang="en-US" sz="1200" b="0" kern="1200" baseline="0" dirty="0">
-                <a:solidFill>
-                  <a:schemeClr val="tx1"/>
-                </a:solidFill>
-                <a:latin typeface="Arial" pitchFamily="-110" charset="0"/>
-                <a:ea typeface="ＭＳ Ｐゴシック" pitchFamily="-110" charset="-128"/>
-                <a:cs typeface="ＭＳ Ｐゴシック" pitchFamily="-110" charset="-128"/>
-              </a:rPr>
-              <a:t>with such a solution is the confidentiality of the data.</a:t>
-            </a:r>
-            <a:endParaRPr lang="en-US" b="0" dirty="0">
-              <a:latin typeface="Times New Roman" pitchFamily="-109" charset="0"/>
-              <a:ea typeface="ＭＳ Ｐゴシック" pitchFamily="-109" charset="-128"/>
-              <a:cs typeface="ＭＳ Ｐゴシック" pitchFamily="-109" charset="-128"/>
-            </a:endParaRPr>
+            <a:pPr lvl="1"/>
+            <a:r>
+              <a:rPr lang="en-US" dirty="0"/>
+              <a:t>Cloud computing</a:t>
+            </a:r>
+          </a:p>
+          <a:p>
+            <a:pPr lvl="1"/>
+            <a:r>
+              <a:rPr lang="en-US" dirty="0"/>
+              <a:t>Cloud computing elements</a:t>
+            </a:r>
+          </a:p>
+          <a:p>
+            <a:pPr lvl="1"/>
+            <a:r>
+              <a:rPr lang="en-US" dirty="0"/>
+              <a:t>Cloud service models</a:t>
+            </a:r>
+          </a:p>
+          <a:p>
+            <a:pPr lvl="1"/>
+            <a:r>
+              <a:rPr lang="en-US" dirty="0"/>
+              <a:t>Cloud deployment models</a:t>
+            </a:r>
+          </a:p>
+          <a:p>
+            <a:pPr lvl="1"/>
+            <a:r>
+              <a:rPr lang="en-US" dirty="0"/>
+              <a:t>Cloud computing reference architecture</a:t>
+            </a:r>
+          </a:p>
+          <a:p>
+            <a:pPr lvl="1"/>
+            <a:r>
+              <a:rPr lang="en-US" dirty="0"/>
+              <a:t>Cloud security approaches</a:t>
+            </a:r>
+          </a:p>
+          <a:p>
+            <a:pPr lvl="1"/>
+            <a:r>
+              <a:rPr lang="en-US" dirty="0"/>
+              <a:t>Risks and countermeasures</a:t>
+            </a:r>
+          </a:p>
+          <a:p>
+            <a:pPr lvl="1"/>
+            <a:r>
+              <a:rPr lang="en-US" dirty="0"/>
+              <a:t>Data protection in the cloud</a:t>
+            </a:r>
+          </a:p>
+          <a:p>
+            <a:pPr lvl="1"/>
+            <a:r>
+              <a:rPr lang="en-US" dirty="0"/>
+              <a:t>Security approaches for cloud computing assets</a:t>
+            </a:r>
+          </a:p>
+          <a:p>
+            <a:pPr lvl="1"/>
+            <a:r>
+              <a:rPr lang="en-US" dirty="0"/>
+              <a:t>Cloud security as a service</a:t>
+            </a:r>
+          </a:p>
+          <a:p>
+            <a:pPr lvl="1"/>
+            <a:r>
+              <a:rPr lang="en-US" dirty="0"/>
+              <a:t>Open-source cloud security module</a:t>
+            </a:r>
+          </a:p>
+          <a:p>
+            <a:pPr lvl="1"/>
+            <a:r>
+              <a:rPr lang="en-US" dirty="0"/>
+              <a:t>Cloud security concepts</a:t>
+            </a:r>
+          </a:p>
+          <a:p>
+            <a:pPr lvl="1"/>
+            <a:r>
+              <a:rPr lang="en-US" dirty="0"/>
+              <a:t>Security issues for cloud computing</a:t>
+            </a:r>
+          </a:p>
+          <a:p>
+            <a:pPr lvl="1"/>
+            <a:r>
+              <a:rPr lang="en-US" dirty="0"/>
+              <a:t>Addressing cloud computing security concerns</a:t>
+            </a:r>
+          </a:p>
+          <a:p>
+            <a:pPr lvl="1"/>
+            <a:endParaRPr lang="en-US" dirty="0"/>
           </a:p>
           <a:p>
             <a:endParaRPr lang="en-SE" dirty="0"/>
@@ -6836,7 +6457,7 @@
             <a:fld id="{F8560DBF-F109-8946-ADF0-EE66B221E988}" type="slidenum">
               <a:rPr lang="en-AU" smtClean="0"/>
               <a:pPr/>
-              <a:t>33</a:t>
+              <a:t>32</a:t>
             </a:fld>
             <a:endParaRPr lang="en-AU" dirty="0"/>
           </a:p>
@@ -6845,7 +6466,7 @@
     </p:spTree>
     <p:extLst>
       <p:ext uri="{BB962C8B-B14F-4D97-AF65-F5344CB8AC3E}">
-        <p14:creationId xmlns:p14="http://schemas.microsoft.com/office/powerpoint/2010/main" val="378672972"/>
+        <p14:creationId xmlns:p14="http://schemas.microsoft.com/office/powerpoint/2010/main" val="2934759244"/>
       </p:ext>
     </p:extLst>
   </p:cSld>
@@ -6856,473 +6477,6 @@
 </file>
 
 <file path=ppt/notesSlides/notesSlide23.xml><?xml version="1.0" encoding="utf-8"?>
-<p:notes xmlns:a="http://schemas.openxmlformats.org/drawingml/2006/main" xmlns:r="http://schemas.openxmlformats.org/officeDocument/2006/relationships" xmlns:p="http://schemas.openxmlformats.org/presentationml/2006/main">
-  <p:cSld>
-    <p:spTree>
-      <p:nvGrpSpPr>
-        <p:cNvPr id="1" name=""/>
-        <p:cNvGrpSpPr/>
-        <p:nvPr/>
-      </p:nvGrpSpPr>
-      <p:grpSpPr>
-        <a:xfrm>
-          <a:off x="0" y="0"/>
-          <a:ext cx="0" cy="0"/>
-          <a:chOff x="0" y="0"/>
-          <a:chExt cx="0" cy="0"/>
-        </a:xfrm>
-      </p:grpSpPr>
-      <p:sp>
-        <p:nvSpPr>
-          <p:cNvPr id="73730" name="Rectangle 7"/>
-          <p:cNvSpPr>
-            <a:spLocks noGrp="1" noChangeArrowheads="1"/>
-          </p:cNvSpPr>
-          <p:nvPr>
-            <p:ph type="sldNum" sz="quarter" idx="5"/>
-          </p:nvPr>
-        </p:nvSpPr>
-        <p:spPr>
-          <a:noFill/>
-        </p:spPr>
-        <p:txBody>
-          <a:bodyPr/>
-          <a:lstStyle/>
-          <a:p>
-            <a:fld id="{84393787-4D88-6946-A8EA-F4EDF3C3DB04}" type="slidenum">
-              <a:rPr lang="en-AU">
-                <a:latin typeface="Arial" pitchFamily="-109" charset="0"/>
-              </a:rPr>
-              <a:pPr/>
-              <a:t>34</a:t>
-            </a:fld>
-            <a:endParaRPr lang="en-AU">
-              <a:latin typeface="Arial" pitchFamily="-109" charset="0"/>
-            </a:endParaRPr>
-          </a:p>
-        </p:txBody>
-      </p:sp>
-      <p:sp>
-        <p:nvSpPr>
-          <p:cNvPr id="73731" name="Rectangle 1026"/>
-          <p:cNvSpPr>
-            <a:spLocks noGrp="1" noRot="1" noChangeAspect="1" noChangeArrowheads="1" noTextEdit="1"/>
-          </p:cNvSpPr>
-          <p:nvPr>
-            <p:ph type="sldImg"/>
-          </p:nvPr>
-        </p:nvSpPr>
-        <p:spPr>
-          <a:ln/>
-        </p:spPr>
-      </p:sp>
-      <p:sp>
-        <p:nvSpPr>
-          <p:cNvPr id="73732" name="Rectangle 1027"/>
-          <p:cNvSpPr>
-            <a:spLocks noGrp="1" noChangeArrowheads="1"/>
-          </p:cNvSpPr>
-          <p:nvPr>
-            <p:ph type="body" idx="1"/>
-          </p:nvPr>
-        </p:nvSpPr>
-        <p:spPr>
-          <a:noFill/>
-          <a:ln/>
-        </p:spPr>
-        <p:txBody>
-          <a:bodyPr/>
-          <a:lstStyle/>
-          <a:p>
-            <a:r>
-              <a:rPr lang="en-US" sz="1200" kern="1200" baseline="0" dirty="0">
-                <a:solidFill>
-                  <a:schemeClr val="tx1"/>
-                </a:solidFill>
-                <a:latin typeface="Arial" pitchFamily="-110" charset="0"/>
-                <a:ea typeface="ＭＳ Ｐゴシック" pitchFamily="-110" charset="-128"/>
-                <a:cs typeface="ＭＳ Ｐゴシック" pitchFamily="-110" charset="-128"/>
-              </a:rPr>
-              <a:t>A straightforward solution to the security problem in this context is to encrypt</a:t>
-            </a:r>
-          </a:p>
-          <a:p>
-            <a:r>
-              <a:rPr lang="en-US" sz="1200" kern="1200" baseline="0" dirty="0">
-                <a:solidFill>
-                  <a:schemeClr val="tx1"/>
-                </a:solidFill>
-                <a:latin typeface="Arial" pitchFamily="-110" charset="0"/>
-                <a:ea typeface="ＭＳ Ｐゴシック" pitchFamily="-110" charset="-128"/>
-                <a:cs typeface="ＭＳ Ｐゴシック" pitchFamily="-110" charset="-128"/>
-              </a:rPr>
-              <a:t>the entire database and not provide the encryption/decryption keys to the service</a:t>
-            </a:r>
-          </a:p>
-          <a:p>
-            <a:r>
-              <a:rPr lang="en-US" sz="1200" kern="1200" baseline="0" dirty="0">
-                <a:solidFill>
-                  <a:schemeClr val="tx1"/>
-                </a:solidFill>
-                <a:latin typeface="Arial" pitchFamily="-110" charset="0"/>
-                <a:ea typeface="ＭＳ Ｐゴシック" pitchFamily="-110" charset="-128"/>
-                <a:cs typeface="ＭＳ Ｐゴシック" pitchFamily="-110" charset="-128"/>
-              </a:rPr>
-              <a:t>provider. This solution by itself is inflexible. The user has little ability to access</a:t>
-            </a:r>
-          </a:p>
-          <a:p>
-            <a:r>
-              <a:rPr lang="en-US" sz="1200" kern="1200" baseline="0" dirty="0">
-                <a:solidFill>
-                  <a:schemeClr val="tx1"/>
-                </a:solidFill>
-                <a:latin typeface="Arial" pitchFamily="-110" charset="0"/>
-                <a:ea typeface="ＭＳ Ｐゴシック" pitchFamily="-110" charset="-128"/>
-                <a:cs typeface="ＭＳ Ｐゴシック" pitchFamily="-110" charset="-128"/>
-              </a:rPr>
-              <a:t>individual data items based on searches or indexing on key parameters, but rather</a:t>
-            </a:r>
-          </a:p>
-          <a:p>
-            <a:r>
-              <a:rPr lang="en-US" sz="1200" kern="1200" baseline="0" dirty="0">
-                <a:solidFill>
-                  <a:schemeClr val="tx1"/>
-                </a:solidFill>
-                <a:latin typeface="Arial" pitchFamily="-110" charset="0"/>
-                <a:ea typeface="ＭＳ Ｐゴシック" pitchFamily="-110" charset="-128"/>
-                <a:cs typeface="ＭＳ Ｐゴシック" pitchFamily="-110" charset="-128"/>
-              </a:rPr>
-              <a:t>would have to download entire tables from the database, decrypt the tables, and</a:t>
-            </a:r>
-          </a:p>
-          <a:p>
-            <a:r>
-              <a:rPr lang="en-US" sz="1200" kern="1200" baseline="0" dirty="0">
-                <a:solidFill>
-                  <a:schemeClr val="tx1"/>
-                </a:solidFill>
-                <a:latin typeface="Arial" pitchFamily="-110" charset="0"/>
-                <a:ea typeface="ＭＳ Ｐゴシック" pitchFamily="-110" charset="-128"/>
-                <a:cs typeface="ＭＳ Ｐゴシック" pitchFamily="-110" charset="-128"/>
-              </a:rPr>
-              <a:t>work with the results. To provide more flexibility, it must be possible to work with</a:t>
-            </a:r>
-          </a:p>
-          <a:p>
-            <a:r>
-              <a:rPr lang="en-US" sz="1200" kern="1200" baseline="0" dirty="0">
-                <a:solidFill>
-                  <a:schemeClr val="tx1"/>
-                </a:solidFill>
-                <a:latin typeface="Arial" pitchFamily="-110" charset="0"/>
-                <a:ea typeface="ＭＳ Ｐゴシック" pitchFamily="-110" charset="-128"/>
-                <a:cs typeface="ＭＳ Ｐゴシック" pitchFamily="-110" charset="-128"/>
-              </a:rPr>
-              <a:t>the database in its encrypted form.</a:t>
-            </a:r>
-          </a:p>
-          <a:p>
-            <a:endParaRPr lang="en-US" sz="1200" kern="1200" baseline="0" dirty="0">
-              <a:solidFill>
-                <a:schemeClr val="tx1"/>
-              </a:solidFill>
-              <a:latin typeface="Arial" pitchFamily="-110" charset="0"/>
-              <a:ea typeface="ＭＳ Ｐゴシック" pitchFamily="-110" charset="-128"/>
-              <a:cs typeface="ＭＳ Ｐゴシック" pitchFamily="-110" charset="-128"/>
-            </a:endParaRPr>
-          </a:p>
-          <a:p>
-            <a:r>
-              <a:rPr lang="en-US" sz="1200" kern="1200" baseline="0" dirty="0">
-                <a:solidFill>
-                  <a:schemeClr val="tx1"/>
-                </a:solidFill>
-                <a:latin typeface="Arial" pitchFamily="-110" charset="0"/>
-                <a:ea typeface="ＭＳ Ｐゴシック" pitchFamily="-110" charset="-128"/>
-                <a:cs typeface="ＭＳ Ｐゴシック" pitchFamily="-110" charset="-128"/>
-              </a:rPr>
-              <a:t>An example of such an approach, depicted in Figure 5.9 , is reported in</a:t>
-            </a:r>
-          </a:p>
-          <a:p>
-            <a:r>
-              <a:rPr lang="en-US" sz="1200" kern="1200" baseline="0" dirty="0">
-                <a:solidFill>
-                  <a:schemeClr val="tx1"/>
-                </a:solidFill>
-                <a:latin typeface="Arial" pitchFamily="-110" charset="0"/>
-                <a:ea typeface="ＭＳ Ｐゴシック" pitchFamily="-110" charset="-128"/>
-                <a:cs typeface="ＭＳ Ｐゴシック" pitchFamily="-110" charset="-128"/>
-              </a:rPr>
-              <a:t>[DAMI05] and [DAMI03]. A similar approach is described in [HACI02]. Four</a:t>
-            </a:r>
-          </a:p>
-          <a:p>
-            <a:r>
-              <a:rPr lang="en-US" sz="1200" kern="1200" baseline="0" dirty="0">
-                <a:solidFill>
-                  <a:schemeClr val="tx1"/>
-                </a:solidFill>
-                <a:latin typeface="Arial" pitchFamily="-110" charset="0"/>
-                <a:ea typeface="ＭＳ Ｐゴシック" pitchFamily="-110" charset="-128"/>
-                <a:cs typeface="ＭＳ Ｐゴシック" pitchFamily="-110" charset="-128"/>
-              </a:rPr>
-              <a:t>entities are involved:</a:t>
-            </a:r>
-          </a:p>
-          <a:p>
-            <a:endParaRPr lang="en-US" sz="1200" kern="1200" baseline="0" dirty="0">
-              <a:solidFill>
-                <a:schemeClr val="tx1"/>
-              </a:solidFill>
-              <a:latin typeface="Arial" pitchFamily="-110" charset="0"/>
-              <a:ea typeface="ＭＳ Ｐゴシック" pitchFamily="-110" charset="-128"/>
-              <a:cs typeface="ＭＳ Ｐゴシック" pitchFamily="-110" charset="-128"/>
-            </a:endParaRPr>
-          </a:p>
-          <a:p>
-            <a:r>
-              <a:rPr lang="en-US" sz="1200" kern="1200" baseline="0" dirty="0">
-                <a:solidFill>
-                  <a:schemeClr val="tx1"/>
-                </a:solidFill>
-                <a:latin typeface="Arial" pitchFamily="-110" charset="0"/>
-                <a:ea typeface="ＭＳ Ｐゴシック" pitchFamily="-110" charset="-128"/>
-                <a:cs typeface="ＭＳ Ｐゴシック" pitchFamily="-110" charset="-128"/>
-              </a:rPr>
-              <a:t>• </a:t>
-            </a:r>
-            <a:r>
-              <a:rPr lang="en-US" sz="1200" b="1" kern="1200" baseline="0" dirty="0">
-                <a:solidFill>
-                  <a:schemeClr val="tx1"/>
-                </a:solidFill>
-                <a:latin typeface="Arial" pitchFamily="-110" charset="0"/>
-                <a:ea typeface="ＭＳ Ｐゴシック" pitchFamily="-110" charset="-128"/>
-                <a:cs typeface="ＭＳ Ｐゴシック" pitchFamily="-110" charset="-128"/>
-              </a:rPr>
-              <a:t>Data owner: An organization that produces data to be made available for</a:t>
-            </a:r>
-          </a:p>
-          <a:p>
-            <a:r>
-              <a:rPr lang="en-US" sz="1200" kern="1200" baseline="0" dirty="0">
-                <a:solidFill>
-                  <a:schemeClr val="tx1"/>
-                </a:solidFill>
-                <a:latin typeface="Arial" pitchFamily="-110" charset="0"/>
-                <a:ea typeface="ＭＳ Ｐゴシック" pitchFamily="-110" charset="-128"/>
-                <a:cs typeface="ＭＳ Ｐゴシック" pitchFamily="-110" charset="-128"/>
-              </a:rPr>
-              <a:t>controlled release, either within the organization or to external users.</a:t>
-            </a:r>
-          </a:p>
-          <a:p>
-            <a:endParaRPr lang="en-US" sz="1200" kern="1200" baseline="0" dirty="0">
-              <a:solidFill>
-                <a:schemeClr val="tx1"/>
-              </a:solidFill>
-              <a:latin typeface="Arial" pitchFamily="-110" charset="0"/>
-              <a:ea typeface="ＭＳ Ｐゴシック" pitchFamily="-110" charset="-128"/>
-              <a:cs typeface="ＭＳ Ｐゴシック" pitchFamily="-110" charset="-128"/>
-            </a:endParaRPr>
-          </a:p>
-          <a:p>
-            <a:r>
-              <a:rPr lang="en-US" sz="1200" kern="1200" baseline="0" dirty="0">
-                <a:solidFill>
-                  <a:schemeClr val="tx1"/>
-                </a:solidFill>
-                <a:latin typeface="Arial" pitchFamily="-110" charset="0"/>
-                <a:ea typeface="ＭＳ Ｐゴシック" pitchFamily="-110" charset="-128"/>
-                <a:cs typeface="ＭＳ Ｐゴシック" pitchFamily="-110" charset="-128"/>
-              </a:rPr>
-              <a:t>• </a:t>
-            </a:r>
-            <a:r>
-              <a:rPr lang="en-US" sz="1200" b="1" kern="1200" baseline="0" dirty="0">
-                <a:solidFill>
-                  <a:schemeClr val="tx1"/>
-                </a:solidFill>
-                <a:latin typeface="Arial" pitchFamily="-110" charset="0"/>
-                <a:ea typeface="ＭＳ Ｐゴシック" pitchFamily="-110" charset="-128"/>
-                <a:cs typeface="ＭＳ Ｐゴシック" pitchFamily="-110" charset="-128"/>
-              </a:rPr>
-              <a:t>User: Human entity that presents requests (queries) to the system. The user</a:t>
-            </a:r>
-          </a:p>
-          <a:p>
-            <a:r>
-              <a:rPr lang="en-US" sz="1200" kern="1200" baseline="0" dirty="0">
-                <a:solidFill>
-                  <a:schemeClr val="tx1"/>
-                </a:solidFill>
-                <a:latin typeface="Arial" pitchFamily="-110" charset="0"/>
-                <a:ea typeface="ＭＳ Ｐゴシック" pitchFamily="-110" charset="-128"/>
-                <a:cs typeface="ＭＳ Ｐゴシック" pitchFamily="-110" charset="-128"/>
-              </a:rPr>
-              <a:t>could be an employee of the organization who is granted access to the database</a:t>
-            </a:r>
-          </a:p>
-          <a:p>
-            <a:r>
-              <a:rPr lang="en-US" sz="1200" kern="1200" baseline="0" dirty="0">
-                <a:solidFill>
-                  <a:schemeClr val="tx1"/>
-                </a:solidFill>
-                <a:latin typeface="Arial" pitchFamily="-110" charset="0"/>
-                <a:ea typeface="ＭＳ Ｐゴシック" pitchFamily="-110" charset="-128"/>
-                <a:cs typeface="ＭＳ Ｐゴシック" pitchFamily="-110" charset="-128"/>
-              </a:rPr>
-              <a:t>via the server, or a user external to the organization who, after authentication,</a:t>
-            </a:r>
-          </a:p>
-          <a:p>
-            <a:r>
-              <a:rPr lang="en-US" sz="1200" kern="1200" baseline="0" dirty="0">
-                <a:solidFill>
-                  <a:schemeClr val="tx1"/>
-                </a:solidFill>
-                <a:latin typeface="Arial" pitchFamily="-110" charset="0"/>
-                <a:ea typeface="ＭＳ Ｐゴシック" pitchFamily="-110" charset="-128"/>
-                <a:cs typeface="ＭＳ Ｐゴシック" pitchFamily="-110" charset="-128"/>
-              </a:rPr>
-              <a:t>is granted access.</a:t>
-            </a:r>
-          </a:p>
-          <a:p>
-            <a:endParaRPr lang="en-US" sz="1200" kern="1200" baseline="0" dirty="0">
-              <a:solidFill>
-                <a:schemeClr val="tx1"/>
-              </a:solidFill>
-              <a:latin typeface="Arial" pitchFamily="-110" charset="0"/>
-              <a:ea typeface="ＭＳ Ｐゴシック" pitchFamily="-110" charset="-128"/>
-              <a:cs typeface="ＭＳ Ｐゴシック" pitchFamily="-110" charset="-128"/>
-            </a:endParaRPr>
-          </a:p>
-          <a:p>
-            <a:r>
-              <a:rPr lang="en-US" sz="1200" b="1" kern="1200" baseline="0" dirty="0">
-                <a:solidFill>
-                  <a:schemeClr val="tx1"/>
-                </a:solidFill>
-                <a:latin typeface="Arial" pitchFamily="-110" charset="0"/>
-                <a:ea typeface="ＭＳ Ｐゴシック" pitchFamily="-110" charset="-128"/>
-                <a:cs typeface="ＭＳ Ｐゴシック" pitchFamily="-110" charset="-128"/>
-              </a:rPr>
-              <a:t>Client: Frontend that transforms user queries into queries on the encrypted</a:t>
-            </a:r>
-          </a:p>
-          <a:p>
-            <a:r>
-              <a:rPr lang="en-US" sz="1200" kern="1200" baseline="0" dirty="0">
-                <a:solidFill>
-                  <a:schemeClr val="tx1"/>
-                </a:solidFill>
-                <a:latin typeface="Arial" pitchFamily="-110" charset="0"/>
-                <a:ea typeface="ＭＳ Ｐゴシック" pitchFamily="-110" charset="-128"/>
-                <a:cs typeface="ＭＳ Ｐゴシック" pitchFamily="-110" charset="-128"/>
-              </a:rPr>
-              <a:t>data stored on the server.</a:t>
-            </a:r>
-          </a:p>
-          <a:p>
-            <a:endParaRPr lang="en-US" sz="1200" kern="1200" baseline="0" dirty="0">
-              <a:solidFill>
-                <a:schemeClr val="tx1"/>
-              </a:solidFill>
-              <a:latin typeface="Arial" pitchFamily="-110" charset="0"/>
-              <a:ea typeface="ＭＳ Ｐゴシック" pitchFamily="-110" charset="-128"/>
-              <a:cs typeface="ＭＳ Ｐゴシック" pitchFamily="-110" charset="-128"/>
-            </a:endParaRPr>
-          </a:p>
-          <a:p>
-            <a:r>
-              <a:rPr lang="en-US" sz="1200" kern="1200" baseline="0" dirty="0">
-                <a:solidFill>
-                  <a:schemeClr val="tx1"/>
-                </a:solidFill>
-                <a:latin typeface="Arial" pitchFamily="-110" charset="0"/>
-                <a:ea typeface="ＭＳ Ｐゴシック" pitchFamily="-110" charset="-128"/>
-                <a:cs typeface="ＭＳ Ｐゴシック" pitchFamily="-110" charset="-128"/>
-              </a:rPr>
-              <a:t>• </a:t>
-            </a:r>
-            <a:r>
-              <a:rPr lang="en-US" sz="1200" b="1" kern="1200" baseline="0" dirty="0">
-                <a:solidFill>
-                  <a:schemeClr val="tx1"/>
-                </a:solidFill>
-                <a:latin typeface="Arial" pitchFamily="-110" charset="0"/>
-                <a:ea typeface="ＭＳ Ｐゴシック" pitchFamily="-110" charset="-128"/>
-                <a:cs typeface="ＭＳ Ｐゴシック" pitchFamily="-110" charset="-128"/>
-              </a:rPr>
-              <a:t>Server: An organization that receives the encrypted data from a data owner</a:t>
-            </a:r>
-          </a:p>
-          <a:p>
-            <a:r>
-              <a:rPr lang="en-US" sz="1200" kern="1200" baseline="0" dirty="0">
-                <a:solidFill>
-                  <a:schemeClr val="tx1"/>
-                </a:solidFill>
-                <a:latin typeface="Arial" pitchFamily="-110" charset="0"/>
-                <a:ea typeface="ＭＳ Ｐゴシック" pitchFamily="-110" charset="-128"/>
-                <a:cs typeface="ＭＳ Ｐゴシック" pitchFamily="-110" charset="-128"/>
-              </a:rPr>
-              <a:t>and makes them available for distribution to clients. The server could in</a:t>
-            </a:r>
-          </a:p>
-          <a:p>
-            <a:r>
-              <a:rPr lang="en-US" sz="1200" kern="1200" baseline="0" dirty="0">
-                <a:solidFill>
-                  <a:schemeClr val="tx1"/>
-                </a:solidFill>
-                <a:latin typeface="Arial" pitchFamily="-110" charset="0"/>
-                <a:ea typeface="ＭＳ Ｐゴシック" pitchFamily="-110" charset="-128"/>
-                <a:cs typeface="ＭＳ Ｐゴシック" pitchFamily="-110" charset="-128"/>
-              </a:rPr>
-              <a:t>fact be owned by the data owner but, more typically, is a facility owned and</a:t>
-            </a:r>
-          </a:p>
-          <a:p>
-            <a:r>
-              <a:rPr lang="en-US" sz="1200" kern="1200" baseline="0" dirty="0">
-                <a:solidFill>
-                  <a:schemeClr val="tx1"/>
-                </a:solidFill>
-                <a:latin typeface="Arial" pitchFamily="-110" charset="0"/>
-                <a:ea typeface="ＭＳ Ｐゴシック" pitchFamily="-110" charset="-128"/>
-                <a:cs typeface="ＭＳ Ｐゴシック" pitchFamily="-110" charset="-128"/>
-              </a:rPr>
-              <a:t>maintained by an external provider.</a:t>
-            </a:r>
-            <a:endParaRPr lang="en-US" dirty="0">
-              <a:latin typeface="Times New Roman" pitchFamily="-109" charset="0"/>
-              <a:ea typeface="ＭＳ Ｐゴシック" pitchFamily="-109" charset="-128"/>
-              <a:cs typeface="ＭＳ Ｐゴシック" pitchFamily="-109" charset="-128"/>
-            </a:endParaRPr>
-          </a:p>
-        </p:txBody>
-      </p:sp>
-    </p:spTree>
-    <p:extLst>
-      <p:ext uri="{BB962C8B-B14F-4D97-AF65-F5344CB8AC3E}">
-        <p14:creationId xmlns:p14="http://schemas.microsoft.com/office/powerpoint/2010/main" val="3914349312"/>
-      </p:ext>
-    </p:extLst>
-  </p:cSld>
-  <p:clrMapOvr>
-    <a:masterClrMapping/>
-  </p:clrMapOvr>
-</p:notes>
-</file>
-
-<file path=ppt/notesSlides/notesSlide24.xml><?xml version="1.0" encoding="utf-8"?>
 <p:notes xmlns:a="http://schemas.openxmlformats.org/drawingml/2006/main" xmlns:r="http://schemas.openxmlformats.org/officeDocument/2006/relationships" xmlns:p="http://schemas.openxmlformats.org/presentationml/2006/main">
   <p:cSld>
     <p:spTree>
@@ -7367,522 +6521,87 @@
           <a:lstStyle/>
           <a:p>
             <a:r>
-              <a:rPr lang="en-US" sz="1200" b="0" kern="1200" dirty="0">
-                <a:solidFill>
-                  <a:schemeClr val="tx1"/>
-                </a:solidFill>
-                <a:effectLst/>
-                <a:latin typeface="Arial" pitchFamily="-110" charset="0"/>
-                <a:ea typeface="ＭＳ Ｐゴシック" pitchFamily="-110" charset="-128"/>
-                <a:cs typeface="ＭＳ Ｐゴシック" pitchFamily="-110" charset="-128"/>
-              </a:rPr>
-              <a:t> Each record (row)</a:t>
-            </a:r>
-          </a:p>
-          <a:p>
-            <a:r>
-              <a:rPr lang="en-US" sz="1200" b="0" kern="1200" dirty="0">
-                <a:solidFill>
-                  <a:schemeClr val="tx1"/>
-                </a:solidFill>
-                <a:effectLst/>
-                <a:latin typeface="Arial" pitchFamily="-110" charset="0"/>
-                <a:ea typeface="ＭＳ Ｐゴシック" pitchFamily="-110" charset="-128"/>
-                <a:cs typeface="ＭＳ Ｐゴシック" pitchFamily="-110" charset="-128"/>
-              </a:rPr>
-              <a:t>of a table in the database is encrypted as a block. Referring to the abstract model</a:t>
-            </a:r>
-          </a:p>
-          <a:p>
-            <a:r>
-              <a:rPr lang="en-US" sz="1200" b="0" kern="1200" dirty="0">
-                <a:solidFill>
-                  <a:schemeClr val="tx1"/>
-                </a:solidFill>
-                <a:effectLst/>
-                <a:latin typeface="Arial" pitchFamily="-110" charset="0"/>
-                <a:ea typeface="ＭＳ Ｐゴシック" pitchFamily="-110" charset="-128"/>
-                <a:cs typeface="ＭＳ Ｐゴシック" pitchFamily="-110" charset="-128"/>
-              </a:rPr>
-              <a:t>of a relational database in Figure 5.3, each row R</a:t>
-            </a:r>
-            <a:r>
-              <a:rPr lang="en-US" sz="1200" b="0" kern="1200" baseline="-25000" dirty="0">
-                <a:solidFill>
-                  <a:schemeClr val="tx1"/>
-                </a:solidFill>
-                <a:effectLst/>
-                <a:latin typeface="Arial" pitchFamily="-110" charset="0"/>
-                <a:ea typeface="ＭＳ Ｐゴシック" pitchFamily="-110" charset="-128"/>
-                <a:cs typeface="ＭＳ Ｐゴシック" pitchFamily="-110" charset="-128"/>
-              </a:rPr>
-              <a:t>i</a:t>
-            </a:r>
-            <a:r>
-              <a:rPr lang="en-US" sz="1200" b="0" kern="1200" dirty="0">
-                <a:solidFill>
-                  <a:schemeClr val="tx1"/>
-                </a:solidFill>
-                <a:effectLst/>
-                <a:latin typeface="Arial" pitchFamily="-110" charset="0"/>
-                <a:ea typeface="ＭＳ Ｐゴシック" pitchFamily="-110" charset="-128"/>
-                <a:cs typeface="ＭＳ Ｐゴシック" pitchFamily="-110" charset="-128"/>
-              </a:rPr>
-              <a:t>  is treated as a contiguous block</a:t>
-            </a:r>
-          </a:p>
-          <a:p>
-            <a:r>
-              <a:rPr lang="en-US" sz="1200" b="0" kern="1200" dirty="0">
-                <a:solidFill>
-                  <a:schemeClr val="tx1"/>
-                </a:solidFill>
-                <a:effectLst/>
-                <a:latin typeface="Arial" pitchFamily="-110" charset="0"/>
-                <a:ea typeface="ＭＳ Ｐゴシック" pitchFamily="-110" charset="-128"/>
-                <a:cs typeface="ＭＳ Ｐゴシック" pitchFamily="-110" charset="-128"/>
-              </a:rPr>
-              <a:t>B</a:t>
-            </a:r>
-            <a:r>
-              <a:rPr lang="en-US" sz="1200" b="0" kern="1200" baseline="-25000" dirty="0">
-                <a:solidFill>
-                  <a:schemeClr val="tx1"/>
-                </a:solidFill>
-                <a:effectLst/>
-                <a:latin typeface="Arial" pitchFamily="-110" charset="0"/>
-                <a:ea typeface="ＭＳ Ｐゴシック" pitchFamily="-110" charset="-128"/>
-                <a:cs typeface="ＭＳ Ｐゴシック" pitchFamily="-110" charset="-128"/>
-              </a:rPr>
-              <a:t>i </a:t>
-            </a:r>
-            <a:r>
-              <a:rPr lang="en-US" sz="1200" b="0" kern="1200" dirty="0">
-                <a:solidFill>
-                  <a:schemeClr val="tx1"/>
-                </a:solidFill>
-                <a:effectLst/>
-                <a:latin typeface="Arial" pitchFamily="-110" charset="0"/>
-                <a:ea typeface="ＭＳ Ｐゴシック" pitchFamily="-110" charset="-128"/>
-                <a:cs typeface="ＭＳ Ｐゴシック" pitchFamily="-110" charset="-128"/>
-              </a:rPr>
-              <a:t>=  (x</a:t>
-            </a:r>
-            <a:r>
-              <a:rPr lang="en-US" sz="1200" b="0" i="1" kern="1200" baseline="-25000" dirty="0">
-                <a:solidFill>
-                  <a:schemeClr val="tx1"/>
-                </a:solidFill>
-                <a:effectLst/>
-                <a:latin typeface="Arial" pitchFamily="-110" charset="0"/>
-                <a:ea typeface="ＭＳ Ｐゴシック" pitchFamily="-110" charset="-128"/>
-                <a:cs typeface="ＭＳ Ｐゴシック" pitchFamily="-110" charset="-128"/>
-              </a:rPr>
-              <a:t>i</a:t>
-            </a:r>
-            <a:r>
-              <a:rPr lang="en-US" sz="1200" b="0" kern="1200" baseline="-25000" dirty="0">
-                <a:solidFill>
-                  <a:schemeClr val="tx1"/>
-                </a:solidFill>
-                <a:effectLst/>
-                <a:latin typeface="Arial" pitchFamily="-110" charset="0"/>
-                <a:ea typeface="ＭＳ Ｐゴシック" pitchFamily="-110" charset="-128"/>
-                <a:cs typeface="ＭＳ Ｐゴシック" pitchFamily="-110" charset="-128"/>
-              </a:rPr>
-              <a:t>1</a:t>
-            </a:r>
-            <a:r>
-              <a:rPr lang="en-US" sz="1200" b="0" kern="1200" dirty="0">
-                <a:solidFill>
-                  <a:schemeClr val="tx1"/>
-                </a:solidFill>
-                <a:effectLst/>
-                <a:latin typeface="Arial" pitchFamily="-110" charset="0"/>
-                <a:ea typeface="ＭＳ Ｐゴシック" pitchFamily="-110" charset="-128"/>
-                <a:cs typeface="ＭＳ Ｐゴシック" pitchFamily="-110" charset="-128"/>
-              </a:rPr>
-              <a:t> || x</a:t>
-            </a:r>
-            <a:r>
-              <a:rPr lang="en-US" sz="1200" b="0" i="1" kern="1200" baseline="-25000" dirty="0">
-                <a:solidFill>
-                  <a:schemeClr val="tx1"/>
-                </a:solidFill>
-                <a:effectLst/>
-                <a:latin typeface="Arial" pitchFamily="-110" charset="0"/>
-                <a:ea typeface="ＭＳ Ｐゴシック" pitchFamily="-110" charset="-128"/>
-                <a:cs typeface="ＭＳ Ｐゴシック" pitchFamily="-110" charset="-128"/>
-              </a:rPr>
-              <a:t>i</a:t>
-            </a:r>
-            <a:r>
-              <a:rPr lang="en-US" sz="1200" b="0" kern="1200" baseline="-25000" dirty="0">
-                <a:solidFill>
-                  <a:schemeClr val="tx1"/>
-                </a:solidFill>
-                <a:effectLst/>
-                <a:latin typeface="Arial" pitchFamily="-110" charset="0"/>
-                <a:ea typeface="ＭＳ Ｐゴシック" pitchFamily="-110" charset="-128"/>
-                <a:cs typeface="ＭＳ Ｐゴシック" pitchFamily="-110" charset="-128"/>
-              </a:rPr>
-              <a:t>2</a:t>
-            </a:r>
-            <a:r>
-              <a:rPr lang="en-US" sz="1200" b="0" kern="1200" dirty="0">
-                <a:solidFill>
-                  <a:schemeClr val="tx1"/>
-                </a:solidFill>
-                <a:effectLst/>
-                <a:latin typeface="Arial" pitchFamily="-110" charset="0"/>
-                <a:ea typeface="ＭＳ Ｐゴシック" pitchFamily="-110" charset="-128"/>
-                <a:cs typeface="ＭＳ Ｐゴシック" pitchFamily="-110" charset="-128"/>
-              </a:rPr>
-              <a:t> ||</a:t>
-            </a:r>
-            <a:r>
-              <a:rPr lang="mr-IN" sz="1200" b="0" kern="1200" dirty="0">
-                <a:solidFill>
-                  <a:schemeClr val="tx1"/>
-                </a:solidFill>
-                <a:effectLst/>
-                <a:latin typeface="Arial" pitchFamily="-110" charset="0"/>
-                <a:ea typeface="ＭＳ Ｐゴシック" pitchFamily="-110" charset="-128"/>
-                <a:cs typeface="ＭＳ Ｐゴシック" pitchFamily="-110" charset="-128"/>
-              </a:rPr>
-              <a:t>…</a:t>
-            </a:r>
-            <a:r>
-              <a:rPr lang="en-US" sz="1200" b="0" kern="1200" dirty="0">
-                <a:solidFill>
-                  <a:schemeClr val="tx1"/>
-                </a:solidFill>
-                <a:effectLst/>
-                <a:latin typeface="Arial" pitchFamily="-110" charset="0"/>
-                <a:ea typeface="ＭＳ Ｐゴシック" pitchFamily="-110" charset="-128"/>
-                <a:cs typeface="ＭＳ Ｐゴシック" pitchFamily="-110" charset="-128"/>
-              </a:rPr>
-              <a:t>|| </a:t>
-            </a:r>
-            <a:r>
-              <a:rPr lang="en-US" sz="1200" b="0" kern="1200" baseline="0" dirty="0" err="1">
-                <a:solidFill>
-                  <a:schemeClr val="tx1"/>
-                </a:solidFill>
-                <a:effectLst/>
-                <a:latin typeface="Arial" pitchFamily="-110" charset="0"/>
-                <a:ea typeface="ＭＳ Ｐゴシック" pitchFamily="-110" charset="-128"/>
-                <a:cs typeface="ＭＳ Ｐゴシック" pitchFamily="-110" charset="-128"/>
-              </a:rPr>
-              <a:t>x</a:t>
-            </a:r>
-            <a:r>
-              <a:rPr lang="en-US" sz="1200" b="0" i="1" kern="1200" baseline="-25000" dirty="0" err="1">
-                <a:solidFill>
-                  <a:schemeClr val="tx1"/>
-                </a:solidFill>
-                <a:effectLst/>
-                <a:latin typeface="Arial" pitchFamily="-110" charset="0"/>
-                <a:ea typeface="ＭＳ Ｐゴシック" pitchFamily="-110" charset="-128"/>
-                <a:cs typeface="ＭＳ Ｐゴシック" pitchFamily="-110" charset="-128"/>
-              </a:rPr>
-              <a:t>iM</a:t>
-            </a:r>
-            <a:r>
-              <a:rPr lang="en-US" sz="1200" b="0" kern="1200" dirty="0">
-                <a:solidFill>
-                  <a:schemeClr val="tx1"/>
-                </a:solidFill>
-                <a:effectLst/>
-                <a:latin typeface="Arial" pitchFamily="-110" charset="0"/>
-                <a:ea typeface="ＭＳ Ｐゴシック" pitchFamily="-110" charset="-128"/>
-                <a:cs typeface="ＭＳ Ｐゴシック" pitchFamily="-110" charset="-128"/>
-              </a:rPr>
-              <a:t> ). Thus, each attribute value in R</a:t>
-            </a:r>
-            <a:r>
-              <a:rPr lang="en-US" sz="1200" b="0" kern="1200" baseline="-25000" dirty="0">
-                <a:solidFill>
-                  <a:schemeClr val="tx1"/>
-                </a:solidFill>
-                <a:effectLst/>
-                <a:latin typeface="Arial" pitchFamily="-110" charset="0"/>
-                <a:ea typeface="ＭＳ Ｐゴシック" pitchFamily="-110" charset="-128"/>
-                <a:cs typeface="ＭＳ Ｐゴシック" pitchFamily="-110" charset="-128"/>
-              </a:rPr>
-              <a:t>i</a:t>
-            </a:r>
-            <a:r>
-              <a:rPr lang="en-US" sz="1200" b="0" kern="1200" dirty="0">
-                <a:solidFill>
-                  <a:schemeClr val="tx1"/>
-                </a:solidFill>
-                <a:effectLst/>
-                <a:latin typeface="Arial" pitchFamily="-110" charset="0"/>
-                <a:ea typeface="ＭＳ Ｐゴシック" pitchFamily="-110" charset="-128"/>
-                <a:cs typeface="ＭＳ Ｐゴシック" pitchFamily="-110" charset="-128"/>
-              </a:rPr>
-              <a:t> , regardless of whether it</a:t>
-            </a:r>
-          </a:p>
-          <a:p>
-            <a:r>
-              <a:rPr lang="en-US" sz="1200" b="0" kern="1200" dirty="0">
-                <a:solidFill>
-                  <a:schemeClr val="tx1"/>
-                </a:solidFill>
-                <a:effectLst/>
-                <a:latin typeface="Arial" pitchFamily="-110" charset="0"/>
-                <a:ea typeface="ＭＳ Ｐゴシック" pitchFamily="-110" charset="-128"/>
-                <a:cs typeface="ＭＳ Ｐゴシック" pitchFamily="-110" charset="-128"/>
-              </a:rPr>
-              <a:t>is text or numeric, is treated as a sequence of bits, and all of the attribute values</a:t>
-            </a:r>
-          </a:p>
-          <a:p>
-            <a:r>
-              <a:rPr lang="en-US" sz="1200" b="0" kern="1200" dirty="0">
-                <a:solidFill>
-                  <a:schemeClr val="tx1"/>
-                </a:solidFill>
-                <a:effectLst/>
-                <a:latin typeface="Arial" pitchFamily="-110" charset="0"/>
-                <a:ea typeface="ＭＳ Ｐゴシック" pitchFamily="-110" charset="-128"/>
-                <a:cs typeface="ＭＳ Ｐゴシック" pitchFamily="-110" charset="-128"/>
-              </a:rPr>
-              <a:t>for that row are concatenated together to form a single binary block. The entire</a:t>
-            </a:r>
-          </a:p>
-          <a:p>
-            <a:r>
-              <a:rPr lang="en-US" sz="1200" b="0" kern="1200" dirty="0">
-                <a:solidFill>
-                  <a:schemeClr val="tx1"/>
-                </a:solidFill>
-                <a:effectLst/>
-                <a:latin typeface="Arial" pitchFamily="-110" charset="0"/>
-                <a:ea typeface="ＭＳ Ｐゴシック" pitchFamily="-110" charset="-128"/>
-                <a:cs typeface="ＭＳ Ｐゴシック" pitchFamily="-110" charset="-128"/>
-              </a:rPr>
-              <a:t>row is encrypted, expressed as E (k, B</a:t>
-            </a:r>
-            <a:r>
-              <a:rPr lang="en-US" sz="1200" b="0" kern="1200" baseline="-25000" dirty="0">
-                <a:solidFill>
-                  <a:schemeClr val="tx1"/>
-                </a:solidFill>
-                <a:effectLst/>
-                <a:latin typeface="Arial" pitchFamily="-110" charset="0"/>
-                <a:ea typeface="ＭＳ Ｐゴシック" pitchFamily="-110" charset="-128"/>
-                <a:cs typeface="ＭＳ Ｐゴシック" pitchFamily="-110" charset="-128"/>
-              </a:rPr>
-              <a:t>i </a:t>
-            </a:r>
-            <a:r>
-              <a:rPr lang="en-US" sz="1200" b="0" kern="1200" dirty="0">
-                <a:solidFill>
-                  <a:schemeClr val="tx1"/>
-                </a:solidFill>
-                <a:effectLst/>
-                <a:latin typeface="Arial" pitchFamily="-110" charset="0"/>
-                <a:ea typeface="ＭＳ Ｐゴシック" pitchFamily="-110" charset="-128"/>
-                <a:cs typeface="ＭＳ Ｐゴシック" pitchFamily="-110" charset="-128"/>
-              </a:rPr>
-              <a:t>) = E (k, (x</a:t>
-            </a:r>
-            <a:r>
-              <a:rPr lang="en-US" sz="1200" b="0" i="1" kern="1200" baseline="-25000" dirty="0">
-                <a:solidFill>
-                  <a:schemeClr val="tx1"/>
-                </a:solidFill>
-                <a:effectLst/>
-                <a:latin typeface="Arial" pitchFamily="-110" charset="0"/>
-                <a:ea typeface="ＭＳ Ｐゴシック" pitchFamily="-110" charset="-128"/>
-                <a:cs typeface="ＭＳ Ｐゴシック" pitchFamily="-110" charset="-128"/>
-              </a:rPr>
-              <a:t>i1 </a:t>
-            </a:r>
-            <a:r>
-              <a:rPr lang="en-US" sz="1200" b="0" i="0" kern="1200" baseline="0" dirty="0">
-                <a:solidFill>
-                  <a:schemeClr val="tx1"/>
-                </a:solidFill>
-                <a:effectLst/>
-                <a:latin typeface="Arial" pitchFamily="-110" charset="0"/>
-                <a:ea typeface="ＭＳ Ｐゴシック" pitchFamily="-110" charset="-128"/>
-                <a:cs typeface="ＭＳ Ｐゴシック" pitchFamily="-110" charset="-128"/>
-              </a:rPr>
-              <a:t>||</a:t>
-            </a:r>
-            <a:r>
-              <a:rPr lang="en-US" sz="1200" b="0" kern="1200" dirty="0">
-                <a:solidFill>
-                  <a:schemeClr val="tx1"/>
-                </a:solidFill>
-                <a:effectLst/>
-                <a:latin typeface="Arial" pitchFamily="-110" charset="0"/>
-                <a:ea typeface="ＭＳ Ｐゴシック" pitchFamily="-110" charset="-128"/>
-                <a:cs typeface="ＭＳ Ｐゴシック" pitchFamily="-110" charset="-128"/>
-              </a:rPr>
-              <a:t> x</a:t>
-            </a:r>
-            <a:r>
-              <a:rPr lang="en-US" sz="1200" b="0" i="1" kern="1200" baseline="-25000" dirty="0">
-                <a:solidFill>
-                  <a:schemeClr val="tx1"/>
-                </a:solidFill>
-                <a:effectLst/>
-                <a:latin typeface="Arial" pitchFamily="-110" charset="0"/>
-                <a:ea typeface="ＭＳ Ｐゴシック" pitchFamily="-110" charset="-128"/>
-                <a:cs typeface="ＭＳ Ｐゴシック" pitchFamily="-110" charset="-128"/>
-              </a:rPr>
-              <a:t>i2</a:t>
-            </a:r>
-            <a:r>
-              <a:rPr lang="en-US" sz="1200" b="0" kern="1200" dirty="0">
-                <a:solidFill>
-                  <a:schemeClr val="tx1"/>
-                </a:solidFill>
-                <a:effectLst/>
-                <a:latin typeface="Arial" pitchFamily="-110" charset="0"/>
-                <a:ea typeface="ＭＳ Ｐゴシック" pitchFamily="-110" charset="-128"/>
-                <a:cs typeface="ＭＳ Ｐゴシック" pitchFamily="-110" charset="-128"/>
-              </a:rPr>
-              <a:t> ||</a:t>
-            </a:r>
-            <a:r>
-              <a:rPr lang="mr-IN" sz="1200" b="0" kern="1200" dirty="0">
-                <a:solidFill>
-                  <a:schemeClr val="tx1"/>
-                </a:solidFill>
-                <a:effectLst/>
-                <a:latin typeface="Arial" pitchFamily="-110" charset="0"/>
-                <a:ea typeface="ＭＳ Ｐゴシック" pitchFamily="-110" charset="-128"/>
-                <a:cs typeface="ＭＳ Ｐゴシック" pitchFamily="-110" charset="-128"/>
-              </a:rPr>
-              <a:t>…</a:t>
-            </a:r>
-            <a:r>
-              <a:rPr lang="en-US" sz="1200" b="0" kern="1200" dirty="0">
-                <a:solidFill>
-                  <a:schemeClr val="tx1"/>
-                </a:solidFill>
-                <a:effectLst/>
-                <a:latin typeface="Arial" pitchFamily="-110" charset="0"/>
-                <a:ea typeface="ＭＳ Ｐゴシック" pitchFamily="-110" charset="-128"/>
-                <a:cs typeface="ＭＳ Ｐゴシック" pitchFamily="-110" charset="-128"/>
-              </a:rPr>
-              <a:t>|| </a:t>
-            </a:r>
-            <a:r>
-              <a:rPr lang="en-US" sz="1200" b="0" kern="1200" dirty="0" err="1">
-                <a:solidFill>
-                  <a:schemeClr val="tx1"/>
-                </a:solidFill>
-                <a:effectLst/>
-                <a:latin typeface="Arial" pitchFamily="-110" charset="0"/>
-                <a:ea typeface="ＭＳ Ｐゴシック" pitchFamily="-110" charset="-128"/>
-                <a:cs typeface="ＭＳ Ｐゴシック" pitchFamily="-110" charset="-128"/>
-              </a:rPr>
-              <a:t>x</a:t>
-            </a:r>
-            <a:r>
-              <a:rPr lang="en-US" sz="1200" b="0" i="1" kern="1200" baseline="-25000" dirty="0" err="1">
-                <a:solidFill>
-                  <a:schemeClr val="tx1"/>
-                </a:solidFill>
-                <a:effectLst/>
-                <a:latin typeface="Arial" pitchFamily="-110" charset="0"/>
-                <a:ea typeface="ＭＳ Ｐゴシック" pitchFamily="-110" charset="-128"/>
-                <a:cs typeface="ＭＳ Ｐゴシック" pitchFamily="-110" charset="-128"/>
-              </a:rPr>
-              <a:t>iM</a:t>
-            </a:r>
-            <a:r>
-              <a:rPr lang="en-US" sz="1200" b="0" kern="1200" dirty="0">
-                <a:solidFill>
-                  <a:schemeClr val="tx1"/>
-                </a:solidFill>
-                <a:effectLst/>
-                <a:latin typeface="Arial" pitchFamily="-110" charset="0"/>
-                <a:ea typeface="ＭＳ Ｐゴシック" pitchFamily="-110" charset="-128"/>
-                <a:cs typeface="ＭＳ Ｐゴシック" pitchFamily="-110" charset="-128"/>
-              </a:rPr>
-              <a:t> )). To assist in data</a:t>
-            </a:r>
-          </a:p>
-          <a:p>
-            <a:r>
-              <a:rPr lang="en-US" sz="1200" b="0" kern="1200" dirty="0">
-                <a:solidFill>
-                  <a:schemeClr val="tx1"/>
-                </a:solidFill>
-                <a:effectLst/>
-                <a:latin typeface="Arial" pitchFamily="-110" charset="0"/>
-                <a:ea typeface="ＭＳ Ｐゴシック" pitchFamily="-110" charset="-128"/>
-                <a:cs typeface="ＭＳ Ｐゴシック" pitchFamily="-110" charset="-128"/>
-              </a:rPr>
-              <a:t>retrieval, attribute indexes are associated with each table. For some or all of the</a:t>
-            </a:r>
-          </a:p>
-          <a:p>
-            <a:r>
-              <a:rPr lang="en-US" sz="1200" b="0" kern="1200" dirty="0">
-                <a:solidFill>
-                  <a:schemeClr val="tx1"/>
-                </a:solidFill>
-                <a:effectLst/>
-                <a:latin typeface="Arial" pitchFamily="-110" charset="0"/>
-                <a:ea typeface="ＭＳ Ｐゴシック" pitchFamily="-110" charset="-128"/>
-                <a:cs typeface="ＭＳ Ｐゴシック" pitchFamily="-110" charset="-128"/>
-              </a:rPr>
-              <a:t>attributes an index value is created. For each row R</a:t>
-            </a:r>
-            <a:r>
-              <a:rPr lang="en-US" sz="1200" b="0" kern="1200" baseline="-25000" dirty="0">
-                <a:solidFill>
-                  <a:schemeClr val="tx1"/>
-                </a:solidFill>
-                <a:effectLst/>
-                <a:latin typeface="Arial" pitchFamily="-110" charset="0"/>
-                <a:ea typeface="ＭＳ Ｐゴシック" pitchFamily="-110" charset="-128"/>
-                <a:cs typeface="ＭＳ Ｐゴシック" pitchFamily="-110" charset="-128"/>
-              </a:rPr>
-              <a:t>i </a:t>
-            </a:r>
-            <a:r>
-              <a:rPr lang="en-US" sz="1200" b="0" kern="1200" dirty="0">
-                <a:solidFill>
-                  <a:schemeClr val="tx1"/>
-                </a:solidFill>
-                <a:effectLst/>
-                <a:latin typeface="Arial" pitchFamily="-110" charset="0"/>
-                <a:ea typeface="ＭＳ Ｐゴシック" pitchFamily="-110" charset="-128"/>
-                <a:cs typeface="ＭＳ Ｐゴシック" pitchFamily="-110" charset="-128"/>
-              </a:rPr>
-              <a:t> of the unencrypted database, the</a:t>
-            </a:r>
-          </a:p>
-          <a:p>
-            <a:r>
-              <a:rPr lang="en-US" sz="1200" b="0" kern="1200" dirty="0">
-                <a:solidFill>
-                  <a:schemeClr val="tx1"/>
-                </a:solidFill>
-                <a:effectLst/>
-                <a:latin typeface="Arial" pitchFamily="-110" charset="0"/>
-                <a:ea typeface="ＭＳ Ｐゴシック" pitchFamily="-110" charset="-128"/>
-                <a:cs typeface="ＭＳ Ｐゴシック" pitchFamily="-110" charset="-128"/>
-              </a:rPr>
-              <a:t>mapping is as follows (see Figure 5.10):</a:t>
-            </a:r>
-          </a:p>
-          <a:p>
-            <a:endParaRPr lang="en-US" sz="1200" b="0" kern="1200" dirty="0">
+              <a:rPr lang="en-US" sz="1200" b="0" kern="1200" baseline="0" dirty="0">
+                <a:solidFill>
+                  <a:schemeClr val="tx1"/>
+                </a:solidFill>
+                <a:latin typeface="Arial" pitchFamily="-110" charset="0"/>
+                <a:ea typeface="ＭＳ Ｐゴシック" pitchFamily="-110" charset="-128"/>
+                <a:cs typeface="ＭＳ Ｐゴシック" pitchFamily="-110" charset="-128"/>
+              </a:rPr>
+              <a:t>The database is typically the most valuable information resource for any organization</a:t>
+            </a:r>
+          </a:p>
+          <a:p>
+            <a:r>
+              <a:rPr lang="en-US" sz="1200" b="0" kern="1200" baseline="0" dirty="0">
+                <a:solidFill>
+                  <a:schemeClr val="tx1"/>
+                </a:solidFill>
+                <a:latin typeface="Arial" pitchFamily="-110" charset="0"/>
+                <a:ea typeface="ＭＳ Ｐゴシック" pitchFamily="-110" charset="-128"/>
+                <a:cs typeface="ＭＳ Ｐゴシック" pitchFamily="-110" charset="-128"/>
+              </a:rPr>
+              <a:t>and is therefore protected by multiple layers of security, including firewalls,</a:t>
+            </a:r>
+          </a:p>
+          <a:p>
+            <a:r>
+              <a:rPr lang="en-US" sz="1200" b="0" kern="1200" baseline="0" dirty="0">
+                <a:solidFill>
+                  <a:schemeClr val="tx1"/>
+                </a:solidFill>
+                <a:latin typeface="Arial" pitchFamily="-110" charset="0"/>
+                <a:ea typeface="ＭＳ Ｐゴシック" pitchFamily="-110" charset="-128"/>
+                <a:cs typeface="ＭＳ Ｐゴシック" pitchFamily="-110" charset="-128"/>
+              </a:rPr>
+              <a:t>authentication mechanisms, general access control systems, and database access</a:t>
+            </a:r>
+          </a:p>
+          <a:p>
+            <a:r>
+              <a:rPr lang="en-US" sz="1200" b="0" kern="1200" baseline="0" dirty="0">
+                <a:solidFill>
+                  <a:schemeClr val="tx1"/>
+                </a:solidFill>
+                <a:latin typeface="Arial" pitchFamily="-110" charset="0"/>
+                <a:ea typeface="ＭＳ Ｐゴシック" pitchFamily="-110" charset="-128"/>
+                <a:cs typeface="ＭＳ Ｐゴシック" pitchFamily="-110" charset="-128"/>
+              </a:rPr>
+              <a:t>control systems. In addition, for particularly sensitive data, database encryption is</a:t>
+            </a:r>
+          </a:p>
+          <a:p>
+            <a:r>
+              <a:rPr lang="en-US" sz="1200" b="0" kern="1200" baseline="0" dirty="0">
+                <a:solidFill>
+                  <a:schemeClr val="tx1"/>
+                </a:solidFill>
+                <a:latin typeface="Arial" pitchFamily="-110" charset="0"/>
+                <a:ea typeface="ＭＳ Ｐゴシック" pitchFamily="-110" charset="-128"/>
+                <a:cs typeface="ＭＳ Ｐゴシック" pitchFamily="-110" charset="-128"/>
+              </a:rPr>
+              <a:t>warranted and often implemented. Encryption becomes the last line of defense in</a:t>
+            </a:r>
+          </a:p>
+          <a:p>
+            <a:r>
+              <a:rPr lang="en-US" sz="1200" b="0" kern="1200" baseline="0" dirty="0">
+                <a:solidFill>
+                  <a:schemeClr val="tx1"/>
+                </a:solidFill>
+                <a:latin typeface="Arial" pitchFamily="-110" charset="0"/>
+                <a:ea typeface="ＭＳ Ｐゴシック" pitchFamily="-110" charset="-128"/>
+                <a:cs typeface="ＭＳ Ｐゴシック" pitchFamily="-110" charset="-128"/>
+              </a:rPr>
+              <a:t>database security.</a:t>
+            </a:r>
+          </a:p>
+          <a:p>
+            <a:endParaRPr lang="en-US" sz="1200" b="0" kern="1200" baseline="0" dirty="0">
               <a:solidFill>
                 <a:schemeClr val="tx1"/>
               </a:solidFill>
-              <a:effectLst/>
               <a:latin typeface="Arial" pitchFamily="-110" charset="0"/>
               <a:ea typeface="ＭＳ Ｐゴシック" pitchFamily="-110" charset="-128"/>
               <a:cs typeface="ＭＳ Ｐゴシック" pitchFamily="-110" charset="-128"/>
@@ -7890,264 +6609,22 @@
           </a:p>
           <a:p>
             <a:r>
-              <a:rPr lang="en-US" sz="1200" b="0" kern="1200" dirty="0">
-                <a:solidFill>
-                  <a:schemeClr val="tx1"/>
-                </a:solidFill>
-                <a:effectLst/>
-                <a:latin typeface="Arial" pitchFamily="-110" charset="0"/>
-                <a:ea typeface="ＭＳ Ｐゴシック" pitchFamily="-110" charset="-128"/>
-                <a:cs typeface="ＭＳ Ｐゴシック" pitchFamily="-110" charset="-128"/>
-              </a:rPr>
-              <a:t>(x</a:t>
-            </a:r>
-            <a:r>
-              <a:rPr lang="en-US" sz="1200" b="0" i="1" kern="1200" baseline="-25000" dirty="0">
-                <a:solidFill>
-                  <a:schemeClr val="tx1"/>
-                </a:solidFill>
-                <a:effectLst/>
-                <a:latin typeface="Arial" pitchFamily="-110" charset="0"/>
-                <a:ea typeface="ＭＳ Ｐゴシック" pitchFamily="-110" charset="-128"/>
-                <a:cs typeface="ＭＳ Ｐゴシック" pitchFamily="-110" charset="-128"/>
-              </a:rPr>
-              <a:t>i1</a:t>
-            </a:r>
-            <a:r>
-              <a:rPr lang="en-US" sz="1200" b="0" kern="1200" dirty="0">
-                <a:solidFill>
-                  <a:schemeClr val="tx1"/>
-                </a:solidFill>
-                <a:effectLst/>
-                <a:latin typeface="Arial" pitchFamily="-110" charset="0"/>
-                <a:ea typeface="ＭＳ Ｐゴシック" pitchFamily="-110" charset="-128"/>
-                <a:cs typeface="ＭＳ Ｐゴシック" pitchFamily="-110" charset="-128"/>
-              </a:rPr>
-              <a:t>, x</a:t>
-            </a:r>
-            <a:r>
-              <a:rPr lang="en-US" sz="1200" b="0" i="1" kern="1200" baseline="-25000" dirty="0">
-                <a:solidFill>
-                  <a:schemeClr val="tx1"/>
-                </a:solidFill>
-                <a:effectLst/>
-                <a:latin typeface="Arial" pitchFamily="-110" charset="0"/>
-                <a:ea typeface="ＭＳ Ｐゴシック" pitchFamily="-110" charset="-128"/>
-                <a:cs typeface="ＭＳ Ｐゴシック" pitchFamily="-110" charset="-128"/>
-              </a:rPr>
-              <a:t>i2</a:t>
-            </a:r>
-            <a:r>
-              <a:rPr lang="en-US" sz="1200" b="0" kern="1200" dirty="0">
-                <a:solidFill>
-                  <a:schemeClr val="tx1"/>
-                </a:solidFill>
-                <a:effectLst/>
-                <a:latin typeface="Arial" pitchFamily="-110" charset="0"/>
-                <a:ea typeface="ＭＳ Ｐゴシック" pitchFamily="-110" charset="-128"/>
-                <a:cs typeface="ＭＳ Ｐゴシック" pitchFamily="-110" charset="-128"/>
-              </a:rPr>
-              <a:t>, </a:t>
-            </a:r>
-            <a:r>
-              <a:rPr lang="mr-IN" sz="1200" b="0" kern="1200" dirty="0">
-                <a:solidFill>
-                  <a:schemeClr val="tx1"/>
-                </a:solidFill>
-                <a:effectLst/>
-                <a:latin typeface="Arial" pitchFamily="-110" charset="0"/>
-                <a:ea typeface="ＭＳ Ｐゴシック" pitchFamily="-110" charset="-128"/>
-                <a:cs typeface="ＭＳ Ｐゴシック" pitchFamily="-110" charset="-128"/>
-              </a:rPr>
-              <a:t>…</a:t>
-            </a:r>
-            <a:r>
-              <a:rPr lang="en-US" sz="1200" b="0" kern="1200" dirty="0">
-                <a:solidFill>
-                  <a:schemeClr val="tx1"/>
-                </a:solidFill>
-                <a:effectLst/>
-                <a:latin typeface="Arial" pitchFamily="-110" charset="0"/>
-                <a:ea typeface="ＭＳ Ｐゴシック" pitchFamily="-110" charset="-128"/>
-                <a:cs typeface="ＭＳ Ｐゴシック" pitchFamily="-110" charset="-128"/>
-              </a:rPr>
-              <a:t> , </a:t>
-            </a:r>
-            <a:r>
-              <a:rPr lang="en-US" sz="1200" b="0" kern="1200" dirty="0" err="1">
-                <a:solidFill>
-                  <a:schemeClr val="tx1"/>
-                </a:solidFill>
-                <a:effectLst/>
-                <a:latin typeface="Arial" pitchFamily="-110" charset="0"/>
-                <a:ea typeface="ＭＳ Ｐゴシック" pitchFamily="-110" charset="-128"/>
-                <a:cs typeface="ＭＳ Ｐゴシック" pitchFamily="-110" charset="-128"/>
-              </a:rPr>
-              <a:t>x</a:t>
-            </a:r>
-            <a:r>
-              <a:rPr lang="en-US" sz="1200" b="0" i="1" kern="1200" baseline="-25000" dirty="0" err="1">
-                <a:solidFill>
-                  <a:schemeClr val="tx1"/>
-                </a:solidFill>
-                <a:effectLst/>
-                <a:latin typeface="Arial" pitchFamily="-110" charset="0"/>
-                <a:ea typeface="ＭＳ Ｐゴシック" pitchFamily="-110" charset="-128"/>
-                <a:cs typeface="ＭＳ Ｐゴシック" pitchFamily="-110" charset="-128"/>
-              </a:rPr>
-              <a:t>iM</a:t>
-            </a:r>
-            <a:r>
-              <a:rPr lang="en-US" sz="1200" b="0" kern="1200" dirty="0">
-                <a:solidFill>
-                  <a:schemeClr val="tx1"/>
-                </a:solidFill>
-                <a:effectLst/>
-                <a:latin typeface="Arial" pitchFamily="-110" charset="0"/>
-                <a:ea typeface="ＭＳ Ｐゴシック" pitchFamily="-110" charset="-128"/>
-                <a:cs typeface="ＭＳ Ｐゴシック" pitchFamily="-110" charset="-128"/>
-              </a:rPr>
-              <a:t> ) →[E (k, B</a:t>
-            </a:r>
-            <a:r>
-              <a:rPr lang="en-US" sz="1200" b="0" kern="1200" baseline="-25000" dirty="0">
-                <a:solidFill>
-                  <a:schemeClr val="tx1"/>
-                </a:solidFill>
-                <a:effectLst/>
-                <a:latin typeface="Arial" pitchFamily="-110" charset="0"/>
-                <a:ea typeface="ＭＳ Ｐゴシック" pitchFamily="-110" charset="-128"/>
-                <a:cs typeface="ＭＳ Ｐゴシック" pitchFamily="-110" charset="-128"/>
-              </a:rPr>
-              <a:t>i</a:t>
-            </a:r>
-            <a:r>
-              <a:rPr lang="en-US" sz="1200" b="0" kern="1200" dirty="0">
-                <a:solidFill>
-                  <a:schemeClr val="tx1"/>
-                </a:solidFill>
-                <a:effectLst/>
-                <a:latin typeface="Arial" pitchFamily="-110" charset="0"/>
-                <a:ea typeface="ＭＳ Ｐゴシック" pitchFamily="-110" charset="-128"/>
-                <a:cs typeface="ＭＳ Ｐゴシック" pitchFamily="-110" charset="-128"/>
-              </a:rPr>
-              <a:t>), I</a:t>
-            </a:r>
-            <a:r>
-              <a:rPr lang="en-US" sz="1200" b="0" i="1" kern="1200" baseline="-25000" dirty="0">
-                <a:solidFill>
-                  <a:schemeClr val="tx1"/>
-                </a:solidFill>
-                <a:effectLst/>
-                <a:latin typeface="Arial" pitchFamily="-110" charset="0"/>
-                <a:ea typeface="ＭＳ Ｐゴシック" pitchFamily="-110" charset="-128"/>
-                <a:cs typeface="ＭＳ Ｐゴシック" pitchFamily="-110" charset="-128"/>
-              </a:rPr>
-              <a:t>i1</a:t>
-            </a:r>
-            <a:r>
-              <a:rPr lang="en-US" sz="1200" b="0" kern="1200" dirty="0">
-                <a:solidFill>
-                  <a:schemeClr val="tx1"/>
-                </a:solidFill>
-                <a:effectLst/>
-                <a:latin typeface="Arial" pitchFamily="-110" charset="0"/>
-                <a:ea typeface="ＭＳ Ｐゴシック" pitchFamily="-110" charset="-128"/>
-                <a:cs typeface="ＭＳ Ｐゴシック" pitchFamily="-110" charset="-128"/>
-              </a:rPr>
-              <a:t>, I</a:t>
-            </a:r>
-            <a:r>
-              <a:rPr lang="en-US" sz="1200" b="0" i="1" kern="1200" baseline="-25000" dirty="0">
-                <a:solidFill>
-                  <a:schemeClr val="tx1"/>
-                </a:solidFill>
-                <a:effectLst/>
-                <a:latin typeface="Arial" pitchFamily="-110" charset="0"/>
-                <a:ea typeface="ＭＳ Ｐゴシック" pitchFamily="-110" charset="-128"/>
-                <a:cs typeface="ＭＳ Ｐゴシック" pitchFamily="-110" charset="-128"/>
-              </a:rPr>
-              <a:t>i2</a:t>
-            </a:r>
-            <a:r>
-              <a:rPr lang="en-US" sz="1200" b="0" kern="1200" dirty="0">
-                <a:solidFill>
-                  <a:schemeClr val="tx1"/>
-                </a:solidFill>
-                <a:effectLst/>
-                <a:latin typeface="Arial" pitchFamily="-110" charset="0"/>
-                <a:ea typeface="ＭＳ Ｐゴシック" pitchFamily="-110" charset="-128"/>
-                <a:cs typeface="ＭＳ Ｐゴシック" pitchFamily="-110" charset="-128"/>
-              </a:rPr>
-              <a:t> , </a:t>
-            </a:r>
-            <a:r>
-              <a:rPr lang="mr-IN" sz="1200" b="0" kern="1200" dirty="0">
-                <a:solidFill>
-                  <a:schemeClr val="tx1"/>
-                </a:solidFill>
-                <a:effectLst/>
-                <a:latin typeface="Arial" pitchFamily="-110" charset="0"/>
-                <a:ea typeface="ＭＳ Ｐゴシック" pitchFamily="-110" charset="-128"/>
-                <a:cs typeface="ＭＳ Ｐゴシック" pitchFamily="-110" charset="-128"/>
-              </a:rPr>
-              <a:t>…</a:t>
-            </a:r>
-            <a:r>
-              <a:rPr lang="en-US" sz="1200" b="0" kern="1200" dirty="0">
-                <a:solidFill>
-                  <a:schemeClr val="tx1"/>
-                </a:solidFill>
-                <a:effectLst/>
-                <a:latin typeface="Arial" pitchFamily="-110" charset="0"/>
-                <a:ea typeface="ＭＳ Ｐゴシック" pitchFamily="-110" charset="-128"/>
-                <a:cs typeface="ＭＳ Ｐゴシック" pitchFamily="-110" charset="-128"/>
-              </a:rPr>
-              <a:t> , </a:t>
-            </a:r>
-            <a:r>
-              <a:rPr lang="en-US" sz="1200" b="0" kern="1200" dirty="0" err="1">
-                <a:solidFill>
-                  <a:schemeClr val="tx1"/>
-                </a:solidFill>
-                <a:effectLst/>
-                <a:latin typeface="Arial" pitchFamily="-110" charset="0"/>
-                <a:ea typeface="ＭＳ Ｐゴシック" pitchFamily="-110" charset="-128"/>
-                <a:cs typeface="ＭＳ Ｐゴシック" pitchFamily="-110" charset="-128"/>
-              </a:rPr>
-              <a:t>I</a:t>
-            </a:r>
-            <a:r>
-              <a:rPr lang="en-US" sz="1200" b="0" i="1" kern="1200" baseline="-25000" dirty="0" err="1">
-                <a:solidFill>
-                  <a:schemeClr val="tx1"/>
-                </a:solidFill>
-                <a:effectLst/>
-                <a:latin typeface="Arial" pitchFamily="-110" charset="0"/>
-                <a:ea typeface="ＭＳ Ｐゴシック" pitchFamily="-110" charset="-128"/>
-                <a:cs typeface="ＭＳ Ｐゴシック" pitchFamily="-110" charset="-128"/>
-              </a:rPr>
-              <a:t>iM</a:t>
-            </a:r>
-            <a:r>
-              <a:rPr lang="en-US" sz="1200" b="0" kern="1200" dirty="0">
-                <a:solidFill>
-                  <a:schemeClr val="tx1"/>
-                </a:solidFill>
-                <a:effectLst/>
-                <a:latin typeface="Arial" pitchFamily="-110" charset="0"/>
-                <a:ea typeface="ＭＳ Ｐゴシック" pitchFamily="-110" charset="-128"/>
-                <a:cs typeface="ＭＳ Ｐゴシック" pitchFamily="-110" charset="-128"/>
-              </a:rPr>
-              <a:t> ]</a:t>
-            </a:r>
-          </a:p>
-          <a:p>
-            <a:endParaRPr lang="en-US" sz="1200" b="0" kern="1200" dirty="0">
+              <a:rPr lang="en-US" sz="1200" b="0" kern="1200" baseline="0" dirty="0">
+                <a:solidFill>
+                  <a:schemeClr val="tx1"/>
+                </a:solidFill>
+                <a:latin typeface="Arial" pitchFamily="-110" charset="0"/>
+                <a:ea typeface="ＭＳ Ｐゴシック" pitchFamily="-110" charset="-128"/>
+                <a:cs typeface="ＭＳ Ｐゴシック" pitchFamily="-110" charset="-128"/>
+              </a:rPr>
+              <a:t>There are two disadvantages to database encryption:</a:t>
+            </a:r>
+          </a:p>
+          <a:p>
+            <a:endParaRPr lang="en-US" sz="1200" b="0" kern="1200" baseline="0" dirty="0">
               <a:solidFill>
                 <a:schemeClr val="tx1"/>
               </a:solidFill>
-              <a:effectLst/>
               <a:latin typeface="Arial" pitchFamily="-110" charset="0"/>
               <a:ea typeface="ＭＳ Ｐゴシック" pitchFamily="-110" charset="-128"/>
               <a:cs typeface="ＭＳ Ｐゴシック" pitchFamily="-110" charset="-128"/>
@@ -8155,76 +6632,295 @@
           </a:p>
           <a:p>
             <a:r>
-              <a:rPr lang="en-US" sz="1200" b="0" kern="1200" dirty="0">
-                <a:solidFill>
-                  <a:schemeClr val="tx1"/>
-                </a:solidFill>
-                <a:effectLst/>
-                <a:latin typeface="Arial" pitchFamily="-110" charset="0"/>
-                <a:ea typeface="ＭＳ Ｐゴシック" pitchFamily="-110" charset="-128"/>
-                <a:cs typeface="ＭＳ Ｐゴシック" pitchFamily="-110" charset="-128"/>
-              </a:rPr>
-              <a:t>For each row in the original database, there is one row in the encrypted database.</a:t>
-            </a:r>
-          </a:p>
-          <a:p>
-            <a:r>
-              <a:rPr lang="en-US" sz="1200" b="0" kern="1200" dirty="0">
-                <a:solidFill>
-                  <a:schemeClr val="tx1"/>
-                </a:solidFill>
-                <a:effectLst/>
-                <a:latin typeface="Arial" pitchFamily="-110" charset="0"/>
-                <a:ea typeface="ＭＳ Ｐゴシック" pitchFamily="-110" charset="-128"/>
-                <a:cs typeface="ＭＳ Ｐゴシック" pitchFamily="-110" charset="-128"/>
-              </a:rPr>
-              <a:t>The index values are provided to assist in data retrieval. We can proceed as</a:t>
-            </a:r>
-          </a:p>
-          <a:p>
-            <a:r>
-              <a:rPr lang="en-US" sz="1200" b="0" kern="1200" dirty="0">
-                <a:solidFill>
-                  <a:schemeClr val="tx1"/>
-                </a:solidFill>
-                <a:effectLst/>
-                <a:latin typeface="Arial" pitchFamily="-110" charset="0"/>
-                <a:ea typeface="ＭＳ Ｐゴシック" pitchFamily="-110" charset="-128"/>
-                <a:cs typeface="ＭＳ Ｐゴシック" pitchFamily="-110" charset="-128"/>
-              </a:rPr>
-              <a:t>follows. For any attribute, the range of attribute values is divided into a set of non-overlapping</a:t>
-            </a:r>
-          </a:p>
-          <a:p>
-            <a:r>
-              <a:rPr lang="en-US" sz="1200" b="0" kern="1200" dirty="0">
-                <a:solidFill>
-                  <a:schemeClr val="tx1"/>
-                </a:solidFill>
-                <a:effectLst/>
-                <a:latin typeface="Arial" pitchFamily="-110" charset="0"/>
-                <a:ea typeface="ＭＳ Ｐゴシック" pitchFamily="-110" charset="-128"/>
-                <a:cs typeface="ＭＳ Ｐゴシック" pitchFamily="-110" charset="-128"/>
-              </a:rPr>
-              <a:t>partitions that encompass all possible values, and an index value is</a:t>
-            </a:r>
-          </a:p>
-          <a:p>
-            <a:r>
-              <a:rPr lang="en-US" sz="1200" b="0" kern="1200" dirty="0">
-                <a:solidFill>
-                  <a:schemeClr val="tx1"/>
-                </a:solidFill>
-                <a:effectLst/>
-                <a:latin typeface="Arial" pitchFamily="-110" charset="0"/>
-                <a:ea typeface="ＭＳ Ｐゴシック" pitchFamily="-110" charset="-128"/>
-                <a:cs typeface="ＭＳ Ｐゴシック" pitchFamily="-110" charset="-128"/>
-              </a:rPr>
-              <a:t>assigned to each partition.</a:t>
-            </a:r>
-          </a:p>
-          <a:p>
-            <a:endParaRPr lang="en-US" b="0" dirty="0"/>
+              <a:rPr lang="en-US" sz="1200" b="0" kern="1200" baseline="0" dirty="0">
+                <a:solidFill>
+                  <a:schemeClr val="tx1"/>
+                </a:solidFill>
+                <a:latin typeface="Arial" pitchFamily="-110" charset="0"/>
+                <a:ea typeface="ＭＳ Ｐゴシック" pitchFamily="-110" charset="-128"/>
+                <a:cs typeface="ＭＳ Ｐゴシック" pitchFamily="-110" charset="-128"/>
+              </a:rPr>
+              <a:t>• Key management: Authorized users must have access to the decryption key for</a:t>
+            </a:r>
+          </a:p>
+          <a:p>
+            <a:r>
+              <a:rPr lang="en-US" sz="1200" b="0" kern="1200" baseline="0" dirty="0">
+                <a:solidFill>
+                  <a:schemeClr val="tx1"/>
+                </a:solidFill>
+                <a:latin typeface="Arial" pitchFamily="-110" charset="0"/>
+                <a:ea typeface="ＭＳ Ｐゴシック" pitchFamily="-110" charset="-128"/>
+                <a:cs typeface="ＭＳ Ｐゴシック" pitchFamily="-110" charset="-128"/>
+              </a:rPr>
+              <a:t>the data for which they have access. Because a database is typically accessible</a:t>
+            </a:r>
+          </a:p>
+          <a:p>
+            <a:r>
+              <a:rPr lang="en-US" sz="1200" b="0" kern="1200" baseline="0" dirty="0">
+                <a:solidFill>
+                  <a:schemeClr val="tx1"/>
+                </a:solidFill>
+                <a:latin typeface="Arial" pitchFamily="-110" charset="0"/>
+                <a:ea typeface="ＭＳ Ｐゴシック" pitchFamily="-110" charset="-128"/>
+                <a:cs typeface="ＭＳ Ｐゴシック" pitchFamily="-110" charset="-128"/>
+              </a:rPr>
+              <a:t>to a wide range of users and a number of applications, providing secure keys</a:t>
+            </a:r>
+          </a:p>
+          <a:p>
+            <a:r>
+              <a:rPr lang="en-US" sz="1200" b="0" kern="1200" baseline="0" dirty="0">
+                <a:solidFill>
+                  <a:schemeClr val="tx1"/>
+                </a:solidFill>
+                <a:latin typeface="Arial" pitchFamily="-110" charset="0"/>
+                <a:ea typeface="ＭＳ Ｐゴシック" pitchFamily="-110" charset="-128"/>
+                <a:cs typeface="ＭＳ Ｐゴシック" pitchFamily="-110" charset="-128"/>
+              </a:rPr>
+              <a:t>to selected parts of the database to authorized users and applications is a</a:t>
+            </a:r>
+          </a:p>
+          <a:p>
+            <a:r>
+              <a:rPr lang="en-US" sz="1200" b="0" kern="1200" baseline="0" dirty="0">
+                <a:solidFill>
+                  <a:schemeClr val="tx1"/>
+                </a:solidFill>
+                <a:latin typeface="Arial" pitchFamily="-110" charset="0"/>
+                <a:ea typeface="ＭＳ Ｐゴシック" pitchFamily="-110" charset="-128"/>
+                <a:cs typeface="ＭＳ Ｐゴシック" pitchFamily="-110" charset="-128"/>
+              </a:rPr>
+              <a:t>complex task.</a:t>
+            </a:r>
+          </a:p>
+          <a:p>
+            <a:endParaRPr lang="en-US" sz="1200" b="0" kern="1200" baseline="0" dirty="0">
+              <a:solidFill>
+                <a:schemeClr val="tx1"/>
+              </a:solidFill>
+              <a:latin typeface="Arial" pitchFamily="-110" charset="0"/>
+              <a:ea typeface="ＭＳ Ｐゴシック" pitchFamily="-110" charset="-128"/>
+              <a:cs typeface="ＭＳ Ｐゴシック" pitchFamily="-110" charset="-128"/>
+            </a:endParaRPr>
+          </a:p>
+          <a:p>
+            <a:r>
+              <a:rPr lang="en-US" sz="1200" b="0" kern="1200" baseline="0" dirty="0">
+                <a:solidFill>
+                  <a:schemeClr val="tx1"/>
+                </a:solidFill>
+                <a:latin typeface="Arial" pitchFamily="-110" charset="0"/>
+                <a:ea typeface="ＭＳ Ｐゴシック" pitchFamily="-110" charset="-128"/>
+                <a:cs typeface="ＭＳ Ｐゴシック" pitchFamily="-110" charset="-128"/>
+              </a:rPr>
+              <a:t>• Inflexibility: When part or all of the database is encrypted, it becomes more</a:t>
+            </a:r>
+          </a:p>
+          <a:p>
+            <a:r>
+              <a:rPr lang="en-US" sz="1200" b="0" kern="1200" baseline="0" dirty="0">
+                <a:solidFill>
+                  <a:schemeClr val="tx1"/>
+                </a:solidFill>
+                <a:latin typeface="Arial" pitchFamily="-110" charset="0"/>
+                <a:ea typeface="ＭＳ Ｐゴシック" pitchFamily="-110" charset="-128"/>
+                <a:cs typeface="ＭＳ Ｐゴシック" pitchFamily="-110" charset="-128"/>
+              </a:rPr>
+              <a:t>difficult to perform record searching.</a:t>
+            </a:r>
+          </a:p>
+          <a:p>
+            <a:endParaRPr lang="en-US" sz="1200" b="0" kern="1200" baseline="0" dirty="0">
+              <a:solidFill>
+                <a:schemeClr val="tx1"/>
+              </a:solidFill>
+              <a:latin typeface="Arial" pitchFamily="-110" charset="0"/>
+              <a:ea typeface="ＭＳ Ｐゴシック" pitchFamily="-110" charset="-128"/>
+              <a:cs typeface="ＭＳ Ｐゴシック" pitchFamily="-110" charset="-128"/>
+            </a:endParaRPr>
+          </a:p>
+          <a:p>
+            <a:r>
+              <a:rPr lang="en-US" sz="1200" b="0" kern="1200" baseline="0" dirty="0">
+                <a:solidFill>
+                  <a:schemeClr val="tx1"/>
+                </a:solidFill>
+                <a:latin typeface="Arial" pitchFamily="-110" charset="0"/>
+                <a:ea typeface="ＭＳ Ｐゴシック" pitchFamily="-110" charset="-128"/>
+                <a:cs typeface="ＭＳ Ｐゴシック" pitchFamily="-110" charset="-128"/>
+              </a:rPr>
+              <a:t>Encryption can be applied to the entire database, at the record level (encrypt</a:t>
+            </a:r>
+          </a:p>
+          <a:p>
+            <a:r>
+              <a:rPr lang="en-US" sz="1200" b="0" kern="1200" baseline="0" dirty="0">
+                <a:solidFill>
+                  <a:schemeClr val="tx1"/>
+                </a:solidFill>
+                <a:latin typeface="Arial" pitchFamily="-110" charset="0"/>
+                <a:ea typeface="ＭＳ Ｐゴシック" pitchFamily="-110" charset="-128"/>
+                <a:cs typeface="ＭＳ Ｐゴシック" pitchFamily="-110" charset="-128"/>
+              </a:rPr>
+              <a:t>selected records), at the attribute level (encrypt selected columns), or at the level of</a:t>
+            </a:r>
+          </a:p>
+          <a:p>
+            <a:r>
+              <a:rPr lang="en-US" sz="1200" b="0" kern="1200" baseline="0" dirty="0">
+                <a:solidFill>
+                  <a:schemeClr val="tx1"/>
+                </a:solidFill>
+                <a:latin typeface="Arial" pitchFamily="-110" charset="0"/>
+                <a:ea typeface="ＭＳ Ｐゴシック" pitchFamily="-110" charset="-128"/>
+                <a:cs typeface="ＭＳ Ｐゴシック" pitchFamily="-110" charset="-128"/>
+              </a:rPr>
+              <a:t>the individual field.</a:t>
+            </a:r>
+          </a:p>
+          <a:p>
+            <a:endParaRPr lang="en-US" sz="1200" b="0" kern="1200" baseline="0" dirty="0">
+              <a:solidFill>
+                <a:schemeClr val="tx1"/>
+              </a:solidFill>
+              <a:latin typeface="Arial" pitchFamily="-110" charset="0"/>
+              <a:ea typeface="ＭＳ Ｐゴシック" pitchFamily="-110" charset="-128"/>
+              <a:cs typeface="ＭＳ Ｐゴシック" pitchFamily="-110" charset="-128"/>
+            </a:endParaRPr>
+          </a:p>
+          <a:p>
+            <a:r>
+              <a:rPr lang="en-US" sz="1200" b="0" kern="1200" baseline="0" dirty="0">
+                <a:solidFill>
+                  <a:schemeClr val="tx1"/>
+                </a:solidFill>
+                <a:latin typeface="Arial" pitchFamily="-110" charset="0"/>
+                <a:ea typeface="ＭＳ Ｐゴシック" pitchFamily="-110" charset="-128"/>
+                <a:cs typeface="ＭＳ Ｐゴシック" pitchFamily="-110" charset="-128"/>
+              </a:rPr>
+              <a:t>A number of approaches have been taken to database encryption. In this</a:t>
+            </a:r>
+          </a:p>
+          <a:p>
+            <a:r>
+              <a:rPr lang="en-US" sz="1200" b="0" kern="1200" baseline="0" dirty="0">
+                <a:solidFill>
+                  <a:schemeClr val="tx1"/>
+                </a:solidFill>
+                <a:latin typeface="Arial" pitchFamily="-110" charset="0"/>
+                <a:ea typeface="ＭＳ Ｐゴシック" pitchFamily="-110" charset="-128"/>
+                <a:cs typeface="ＭＳ Ｐゴシック" pitchFamily="-110" charset="-128"/>
+              </a:rPr>
+              <a:t>section, we look at a representative approach for a multiuser database.</a:t>
+            </a:r>
+          </a:p>
+          <a:p>
+            <a:endParaRPr lang="en-US" sz="1200" b="0" kern="1200" baseline="0" dirty="0">
+              <a:solidFill>
+                <a:schemeClr val="tx1"/>
+              </a:solidFill>
+              <a:latin typeface="Arial" pitchFamily="-110" charset="0"/>
+              <a:ea typeface="ＭＳ Ｐゴシック" pitchFamily="-110" charset="-128"/>
+              <a:cs typeface="ＭＳ Ｐゴシック" pitchFamily="-110" charset="-128"/>
+            </a:endParaRPr>
+          </a:p>
+          <a:p>
+            <a:r>
+              <a:rPr lang="en-US" sz="1200" b="0" kern="1200" baseline="0" dirty="0">
+                <a:solidFill>
+                  <a:schemeClr val="tx1"/>
+                </a:solidFill>
+                <a:latin typeface="Arial" pitchFamily="-110" charset="0"/>
+                <a:ea typeface="ＭＳ Ｐゴシック" pitchFamily="-110" charset="-128"/>
+                <a:cs typeface="ＭＳ Ｐゴシック" pitchFamily="-110" charset="-128"/>
+              </a:rPr>
+              <a:t>A DBMS is a complex collection of hardware and software. It requires a large</a:t>
+            </a:r>
+          </a:p>
+          <a:p>
+            <a:r>
+              <a:rPr lang="en-US" sz="1200" b="0" kern="1200" baseline="0" dirty="0">
+                <a:solidFill>
+                  <a:schemeClr val="tx1"/>
+                </a:solidFill>
+                <a:latin typeface="Arial" pitchFamily="-110" charset="0"/>
+                <a:ea typeface="ＭＳ Ｐゴシック" pitchFamily="-110" charset="-128"/>
+                <a:cs typeface="ＭＳ Ｐゴシック" pitchFamily="-110" charset="-128"/>
+              </a:rPr>
+              <a:t>storage capacity and requires skilled personnel to perform maintenance, disaster</a:t>
+            </a:r>
+          </a:p>
+          <a:p>
+            <a:r>
+              <a:rPr lang="en-US" sz="1200" b="0" kern="1200" baseline="0" dirty="0">
+                <a:solidFill>
+                  <a:schemeClr val="tx1"/>
+                </a:solidFill>
+                <a:latin typeface="Arial" pitchFamily="-110" charset="0"/>
+                <a:ea typeface="ＭＳ Ｐゴシック" pitchFamily="-110" charset="-128"/>
+                <a:cs typeface="ＭＳ Ｐゴシック" pitchFamily="-110" charset="-128"/>
+              </a:rPr>
+              <a:t>protection, update, and security. For many small and medium-sized organizations,</a:t>
+            </a:r>
+          </a:p>
+          <a:p>
+            <a:r>
+              <a:rPr lang="en-US" sz="1200" b="0" kern="1200" baseline="0" dirty="0">
+                <a:solidFill>
+                  <a:schemeClr val="tx1"/>
+                </a:solidFill>
+                <a:latin typeface="Arial" pitchFamily="-110" charset="0"/>
+                <a:ea typeface="ＭＳ Ｐゴシック" pitchFamily="-110" charset="-128"/>
+                <a:cs typeface="ＭＳ Ｐゴシック" pitchFamily="-110" charset="-128"/>
+              </a:rPr>
+              <a:t>an attractive solution is to outsource the DBMS and the database to a service</a:t>
+            </a:r>
+          </a:p>
+          <a:p>
+            <a:r>
+              <a:rPr lang="en-US" sz="1200" b="0" kern="1200" baseline="0" dirty="0">
+                <a:solidFill>
+                  <a:schemeClr val="tx1"/>
+                </a:solidFill>
+                <a:latin typeface="Arial" pitchFamily="-110" charset="0"/>
+                <a:ea typeface="ＭＳ Ｐゴシック" pitchFamily="-110" charset="-128"/>
+                <a:cs typeface="ＭＳ Ｐゴシック" pitchFamily="-110" charset="-128"/>
+              </a:rPr>
+              <a:t>provider. The service provider maintains the database off site and can provide high</a:t>
+            </a:r>
+          </a:p>
+          <a:p>
+            <a:r>
+              <a:rPr lang="en-US" sz="1200" b="0" kern="1200" baseline="0" dirty="0">
+                <a:solidFill>
+                  <a:schemeClr val="tx1"/>
+                </a:solidFill>
+                <a:latin typeface="Arial" pitchFamily="-110" charset="0"/>
+                <a:ea typeface="ＭＳ Ｐゴシック" pitchFamily="-110" charset="-128"/>
+                <a:cs typeface="ＭＳ Ｐゴシック" pitchFamily="-110" charset="-128"/>
+              </a:rPr>
+              <a:t>availability, disaster prevention, and efficient access and update. The main concern</a:t>
+            </a:r>
+          </a:p>
+          <a:p>
+            <a:r>
+              <a:rPr lang="en-US" sz="1200" b="0" kern="1200" baseline="0" dirty="0">
+                <a:solidFill>
+                  <a:schemeClr val="tx1"/>
+                </a:solidFill>
+                <a:latin typeface="Arial" pitchFamily="-110" charset="0"/>
+                <a:ea typeface="ＭＳ Ｐゴシック" pitchFamily="-110" charset="-128"/>
+                <a:cs typeface="ＭＳ Ｐゴシック" pitchFamily="-110" charset="-128"/>
+              </a:rPr>
+              <a:t>with such a solution is the confidentiality of the data.</a:t>
+            </a:r>
+            <a:endParaRPr lang="en-US" b="0" dirty="0">
+              <a:latin typeface="Times New Roman" pitchFamily="-109" charset="0"/>
+              <a:ea typeface="ＭＳ Ｐゴシック" pitchFamily="-109" charset="-128"/>
+              <a:cs typeface="ＭＳ Ｐゴシック" pitchFamily="-109" charset="-128"/>
+            </a:endParaRPr>
           </a:p>
           <a:p>
             <a:endParaRPr lang="en-SE" dirty="0"/>
@@ -8249,7 +6945,7 @@
             <a:fld id="{F8560DBF-F109-8946-ADF0-EE66B221E988}" type="slidenum">
               <a:rPr lang="en-AU" smtClean="0"/>
               <a:pPr/>
-              <a:t>35</a:t>
+              <a:t>33</a:t>
             </a:fld>
             <a:endParaRPr lang="en-AU" dirty="0"/>
           </a:p>
@@ -8258,7 +6954,474 @@
     </p:spTree>
     <p:extLst>
       <p:ext uri="{BB962C8B-B14F-4D97-AF65-F5344CB8AC3E}">
-        <p14:creationId xmlns:p14="http://schemas.microsoft.com/office/powerpoint/2010/main" val="3757418354"/>
+        <p14:creationId xmlns:p14="http://schemas.microsoft.com/office/powerpoint/2010/main" val="378672972"/>
+      </p:ext>
+    </p:extLst>
+  </p:cSld>
+  <p:clrMapOvr>
+    <a:masterClrMapping/>
+  </p:clrMapOvr>
+</p:notes>
+</file>
+
+<file path=ppt/notesSlides/notesSlide24.xml><?xml version="1.0" encoding="utf-8"?>
+<p:notes xmlns:a="http://schemas.openxmlformats.org/drawingml/2006/main" xmlns:r="http://schemas.openxmlformats.org/officeDocument/2006/relationships" xmlns:p="http://schemas.openxmlformats.org/presentationml/2006/main">
+  <p:cSld>
+    <p:spTree>
+      <p:nvGrpSpPr>
+        <p:cNvPr id="1" name=""/>
+        <p:cNvGrpSpPr/>
+        <p:nvPr/>
+      </p:nvGrpSpPr>
+      <p:grpSpPr>
+        <a:xfrm>
+          <a:off x="0" y="0"/>
+          <a:ext cx="0" cy="0"/>
+          <a:chOff x="0" y="0"/>
+          <a:chExt cx="0" cy="0"/>
+        </a:xfrm>
+      </p:grpSpPr>
+      <p:sp>
+        <p:nvSpPr>
+          <p:cNvPr id="73730" name="Rectangle 7"/>
+          <p:cNvSpPr>
+            <a:spLocks noGrp="1" noChangeArrowheads="1"/>
+          </p:cNvSpPr>
+          <p:nvPr>
+            <p:ph type="sldNum" sz="quarter" idx="5"/>
+          </p:nvPr>
+        </p:nvSpPr>
+        <p:spPr>
+          <a:noFill/>
+        </p:spPr>
+        <p:txBody>
+          <a:bodyPr/>
+          <a:lstStyle/>
+          <a:p>
+            <a:fld id="{84393787-4D88-6946-A8EA-F4EDF3C3DB04}" type="slidenum">
+              <a:rPr lang="en-AU">
+                <a:latin typeface="Arial" pitchFamily="-109" charset="0"/>
+              </a:rPr>
+              <a:pPr/>
+              <a:t>34</a:t>
+            </a:fld>
+            <a:endParaRPr lang="en-AU">
+              <a:latin typeface="Arial" pitchFamily="-109" charset="0"/>
+            </a:endParaRPr>
+          </a:p>
+        </p:txBody>
+      </p:sp>
+      <p:sp>
+        <p:nvSpPr>
+          <p:cNvPr id="73731" name="Rectangle 1026"/>
+          <p:cNvSpPr>
+            <a:spLocks noGrp="1" noRot="1" noChangeAspect="1" noChangeArrowheads="1" noTextEdit="1"/>
+          </p:cNvSpPr>
+          <p:nvPr>
+            <p:ph type="sldImg"/>
+          </p:nvPr>
+        </p:nvSpPr>
+        <p:spPr>
+          <a:ln/>
+        </p:spPr>
+      </p:sp>
+      <p:sp>
+        <p:nvSpPr>
+          <p:cNvPr id="73732" name="Rectangle 1027"/>
+          <p:cNvSpPr>
+            <a:spLocks noGrp="1" noChangeArrowheads="1"/>
+          </p:cNvSpPr>
+          <p:nvPr>
+            <p:ph type="body" idx="1"/>
+          </p:nvPr>
+        </p:nvSpPr>
+        <p:spPr>
+          <a:noFill/>
+          <a:ln/>
+        </p:spPr>
+        <p:txBody>
+          <a:bodyPr/>
+          <a:lstStyle/>
+          <a:p>
+            <a:r>
+              <a:rPr lang="en-US" sz="1200" kern="1200" baseline="0" dirty="0">
+                <a:solidFill>
+                  <a:schemeClr val="tx1"/>
+                </a:solidFill>
+                <a:latin typeface="Arial" pitchFamily="-110" charset="0"/>
+                <a:ea typeface="ＭＳ Ｐゴシック" pitchFamily="-110" charset="-128"/>
+                <a:cs typeface="ＭＳ Ｐゴシック" pitchFamily="-110" charset="-128"/>
+              </a:rPr>
+              <a:t>A straightforward solution to the security problem in this context is to encrypt</a:t>
+            </a:r>
+          </a:p>
+          <a:p>
+            <a:r>
+              <a:rPr lang="en-US" sz="1200" kern="1200" baseline="0" dirty="0">
+                <a:solidFill>
+                  <a:schemeClr val="tx1"/>
+                </a:solidFill>
+                <a:latin typeface="Arial" pitchFamily="-110" charset="0"/>
+                <a:ea typeface="ＭＳ Ｐゴシック" pitchFamily="-110" charset="-128"/>
+                <a:cs typeface="ＭＳ Ｐゴシック" pitchFamily="-110" charset="-128"/>
+              </a:rPr>
+              <a:t>the entire database and not provide the encryption/decryption keys to the service</a:t>
+            </a:r>
+          </a:p>
+          <a:p>
+            <a:r>
+              <a:rPr lang="en-US" sz="1200" kern="1200" baseline="0" dirty="0">
+                <a:solidFill>
+                  <a:schemeClr val="tx1"/>
+                </a:solidFill>
+                <a:latin typeface="Arial" pitchFamily="-110" charset="0"/>
+                <a:ea typeface="ＭＳ Ｐゴシック" pitchFamily="-110" charset="-128"/>
+                <a:cs typeface="ＭＳ Ｐゴシック" pitchFamily="-110" charset="-128"/>
+              </a:rPr>
+              <a:t>provider. This solution by itself is inflexible. The user has little ability to access</a:t>
+            </a:r>
+          </a:p>
+          <a:p>
+            <a:r>
+              <a:rPr lang="en-US" sz="1200" kern="1200" baseline="0" dirty="0">
+                <a:solidFill>
+                  <a:schemeClr val="tx1"/>
+                </a:solidFill>
+                <a:latin typeface="Arial" pitchFamily="-110" charset="0"/>
+                <a:ea typeface="ＭＳ Ｐゴシック" pitchFamily="-110" charset="-128"/>
+                <a:cs typeface="ＭＳ Ｐゴシック" pitchFamily="-110" charset="-128"/>
+              </a:rPr>
+              <a:t>individual data items based on searches or indexing on key parameters, but rather</a:t>
+            </a:r>
+          </a:p>
+          <a:p>
+            <a:r>
+              <a:rPr lang="en-US" sz="1200" kern="1200" baseline="0" dirty="0">
+                <a:solidFill>
+                  <a:schemeClr val="tx1"/>
+                </a:solidFill>
+                <a:latin typeface="Arial" pitchFamily="-110" charset="0"/>
+                <a:ea typeface="ＭＳ Ｐゴシック" pitchFamily="-110" charset="-128"/>
+                <a:cs typeface="ＭＳ Ｐゴシック" pitchFamily="-110" charset="-128"/>
+              </a:rPr>
+              <a:t>would have to download entire tables from the database, decrypt the tables, and</a:t>
+            </a:r>
+          </a:p>
+          <a:p>
+            <a:r>
+              <a:rPr lang="en-US" sz="1200" kern="1200" baseline="0" dirty="0">
+                <a:solidFill>
+                  <a:schemeClr val="tx1"/>
+                </a:solidFill>
+                <a:latin typeface="Arial" pitchFamily="-110" charset="0"/>
+                <a:ea typeface="ＭＳ Ｐゴシック" pitchFamily="-110" charset="-128"/>
+                <a:cs typeface="ＭＳ Ｐゴシック" pitchFamily="-110" charset="-128"/>
+              </a:rPr>
+              <a:t>work with the results. To provide more flexibility, it must be possible to work with</a:t>
+            </a:r>
+          </a:p>
+          <a:p>
+            <a:r>
+              <a:rPr lang="en-US" sz="1200" kern="1200" baseline="0" dirty="0">
+                <a:solidFill>
+                  <a:schemeClr val="tx1"/>
+                </a:solidFill>
+                <a:latin typeface="Arial" pitchFamily="-110" charset="0"/>
+                <a:ea typeface="ＭＳ Ｐゴシック" pitchFamily="-110" charset="-128"/>
+                <a:cs typeface="ＭＳ Ｐゴシック" pitchFamily="-110" charset="-128"/>
+              </a:rPr>
+              <a:t>the database in its encrypted form.</a:t>
+            </a:r>
+          </a:p>
+          <a:p>
+            <a:endParaRPr lang="en-US" sz="1200" kern="1200" baseline="0" dirty="0">
+              <a:solidFill>
+                <a:schemeClr val="tx1"/>
+              </a:solidFill>
+              <a:latin typeface="Arial" pitchFamily="-110" charset="0"/>
+              <a:ea typeface="ＭＳ Ｐゴシック" pitchFamily="-110" charset="-128"/>
+              <a:cs typeface="ＭＳ Ｐゴシック" pitchFamily="-110" charset="-128"/>
+            </a:endParaRPr>
+          </a:p>
+          <a:p>
+            <a:r>
+              <a:rPr lang="en-US" sz="1200" kern="1200" baseline="0" dirty="0">
+                <a:solidFill>
+                  <a:schemeClr val="tx1"/>
+                </a:solidFill>
+                <a:latin typeface="Arial" pitchFamily="-110" charset="0"/>
+                <a:ea typeface="ＭＳ Ｐゴシック" pitchFamily="-110" charset="-128"/>
+                <a:cs typeface="ＭＳ Ｐゴシック" pitchFamily="-110" charset="-128"/>
+              </a:rPr>
+              <a:t>An example of such an approach, depicted in Figure 5.9 , is reported in</a:t>
+            </a:r>
+          </a:p>
+          <a:p>
+            <a:r>
+              <a:rPr lang="en-US" sz="1200" kern="1200" baseline="0" dirty="0">
+                <a:solidFill>
+                  <a:schemeClr val="tx1"/>
+                </a:solidFill>
+                <a:latin typeface="Arial" pitchFamily="-110" charset="0"/>
+                <a:ea typeface="ＭＳ Ｐゴシック" pitchFamily="-110" charset="-128"/>
+                <a:cs typeface="ＭＳ Ｐゴシック" pitchFamily="-110" charset="-128"/>
+              </a:rPr>
+              <a:t>[DAMI05] and [DAMI03]. A similar approach is described in [HACI02]. Four</a:t>
+            </a:r>
+          </a:p>
+          <a:p>
+            <a:r>
+              <a:rPr lang="en-US" sz="1200" kern="1200" baseline="0" dirty="0">
+                <a:solidFill>
+                  <a:schemeClr val="tx1"/>
+                </a:solidFill>
+                <a:latin typeface="Arial" pitchFamily="-110" charset="0"/>
+                <a:ea typeface="ＭＳ Ｐゴシック" pitchFamily="-110" charset="-128"/>
+                <a:cs typeface="ＭＳ Ｐゴシック" pitchFamily="-110" charset="-128"/>
+              </a:rPr>
+              <a:t>entities are involved:</a:t>
+            </a:r>
+          </a:p>
+          <a:p>
+            <a:endParaRPr lang="en-US" sz="1200" kern="1200" baseline="0" dirty="0">
+              <a:solidFill>
+                <a:schemeClr val="tx1"/>
+              </a:solidFill>
+              <a:latin typeface="Arial" pitchFamily="-110" charset="0"/>
+              <a:ea typeface="ＭＳ Ｐゴシック" pitchFamily="-110" charset="-128"/>
+              <a:cs typeface="ＭＳ Ｐゴシック" pitchFamily="-110" charset="-128"/>
+            </a:endParaRPr>
+          </a:p>
+          <a:p>
+            <a:r>
+              <a:rPr lang="en-US" sz="1200" kern="1200" baseline="0" dirty="0">
+                <a:solidFill>
+                  <a:schemeClr val="tx1"/>
+                </a:solidFill>
+                <a:latin typeface="Arial" pitchFamily="-110" charset="0"/>
+                <a:ea typeface="ＭＳ Ｐゴシック" pitchFamily="-110" charset="-128"/>
+                <a:cs typeface="ＭＳ Ｐゴシック" pitchFamily="-110" charset="-128"/>
+              </a:rPr>
+              <a:t>• </a:t>
+            </a:r>
+            <a:r>
+              <a:rPr lang="en-US" sz="1200" b="1" kern="1200" baseline="0" dirty="0">
+                <a:solidFill>
+                  <a:schemeClr val="tx1"/>
+                </a:solidFill>
+                <a:latin typeface="Arial" pitchFamily="-110" charset="0"/>
+                <a:ea typeface="ＭＳ Ｐゴシック" pitchFamily="-110" charset="-128"/>
+                <a:cs typeface="ＭＳ Ｐゴシック" pitchFamily="-110" charset="-128"/>
+              </a:rPr>
+              <a:t>Data owner: An organization that produces data to be made available for</a:t>
+            </a:r>
+          </a:p>
+          <a:p>
+            <a:r>
+              <a:rPr lang="en-US" sz="1200" kern="1200" baseline="0" dirty="0">
+                <a:solidFill>
+                  <a:schemeClr val="tx1"/>
+                </a:solidFill>
+                <a:latin typeface="Arial" pitchFamily="-110" charset="0"/>
+                <a:ea typeface="ＭＳ Ｐゴシック" pitchFamily="-110" charset="-128"/>
+                <a:cs typeface="ＭＳ Ｐゴシック" pitchFamily="-110" charset="-128"/>
+              </a:rPr>
+              <a:t>controlled release, either within the organization or to external users.</a:t>
+            </a:r>
+          </a:p>
+          <a:p>
+            <a:endParaRPr lang="en-US" sz="1200" kern="1200" baseline="0" dirty="0">
+              <a:solidFill>
+                <a:schemeClr val="tx1"/>
+              </a:solidFill>
+              <a:latin typeface="Arial" pitchFamily="-110" charset="0"/>
+              <a:ea typeface="ＭＳ Ｐゴシック" pitchFamily="-110" charset="-128"/>
+              <a:cs typeface="ＭＳ Ｐゴシック" pitchFamily="-110" charset="-128"/>
+            </a:endParaRPr>
+          </a:p>
+          <a:p>
+            <a:r>
+              <a:rPr lang="en-US" sz="1200" kern="1200" baseline="0" dirty="0">
+                <a:solidFill>
+                  <a:schemeClr val="tx1"/>
+                </a:solidFill>
+                <a:latin typeface="Arial" pitchFamily="-110" charset="0"/>
+                <a:ea typeface="ＭＳ Ｐゴシック" pitchFamily="-110" charset="-128"/>
+                <a:cs typeface="ＭＳ Ｐゴシック" pitchFamily="-110" charset="-128"/>
+              </a:rPr>
+              <a:t>• </a:t>
+            </a:r>
+            <a:r>
+              <a:rPr lang="en-US" sz="1200" b="1" kern="1200" baseline="0" dirty="0">
+                <a:solidFill>
+                  <a:schemeClr val="tx1"/>
+                </a:solidFill>
+                <a:latin typeface="Arial" pitchFamily="-110" charset="0"/>
+                <a:ea typeface="ＭＳ Ｐゴシック" pitchFamily="-110" charset="-128"/>
+                <a:cs typeface="ＭＳ Ｐゴシック" pitchFamily="-110" charset="-128"/>
+              </a:rPr>
+              <a:t>User: Human entity that presents requests (queries) to the system. The user</a:t>
+            </a:r>
+          </a:p>
+          <a:p>
+            <a:r>
+              <a:rPr lang="en-US" sz="1200" kern="1200" baseline="0" dirty="0">
+                <a:solidFill>
+                  <a:schemeClr val="tx1"/>
+                </a:solidFill>
+                <a:latin typeface="Arial" pitchFamily="-110" charset="0"/>
+                <a:ea typeface="ＭＳ Ｐゴシック" pitchFamily="-110" charset="-128"/>
+                <a:cs typeface="ＭＳ Ｐゴシック" pitchFamily="-110" charset="-128"/>
+              </a:rPr>
+              <a:t>could be an employee of the organization who is granted access to the database</a:t>
+            </a:r>
+          </a:p>
+          <a:p>
+            <a:r>
+              <a:rPr lang="en-US" sz="1200" kern="1200" baseline="0" dirty="0">
+                <a:solidFill>
+                  <a:schemeClr val="tx1"/>
+                </a:solidFill>
+                <a:latin typeface="Arial" pitchFamily="-110" charset="0"/>
+                <a:ea typeface="ＭＳ Ｐゴシック" pitchFamily="-110" charset="-128"/>
+                <a:cs typeface="ＭＳ Ｐゴシック" pitchFamily="-110" charset="-128"/>
+              </a:rPr>
+              <a:t>via the server, or a user external to the organization who, after authentication,</a:t>
+            </a:r>
+          </a:p>
+          <a:p>
+            <a:r>
+              <a:rPr lang="en-US" sz="1200" kern="1200" baseline="0" dirty="0">
+                <a:solidFill>
+                  <a:schemeClr val="tx1"/>
+                </a:solidFill>
+                <a:latin typeface="Arial" pitchFamily="-110" charset="0"/>
+                <a:ea typeface="ＭＳ Ｐゴシック" pitchFamily="-110" charset="-128"/>
+                <a:cs typeface="ＭＳ Ｐゴシック" pitchFamily="-110" charset="-128"/>
+              </a:rPr>
+              <a:t>is granted access.</a:t>
+            </a:r>
+          </a:p>
+          <a:p>
+            <a:endParaRPr lang="en-US" sz="1200" kern="1200" baseline="0" dirty="0">
+              <a:solidFill>
+                <a:schemeClr val="tx1"/>
+              </a:solidFill>
+              <a:latin typeface="Arial" pitchFamily="-110" charset="0"/>
+              <a:ea typeface="ＭＳ Ｐゴシック" pitchFamily="-110" charset="-128"/>
+              <a:cs typeface="ＭＳ Ｐゴシック" pitchFamily="-110" charset="-128"/>
+            </a:endParaRPr>
+          </a:p>
+          <a:p>
+            <a:r>
+              <a:rPr lang="en-US" sz="1200" b="1" kern="1200" baseline="0" dirty="0">
+                <a:solidFill>
+                  <a:schemeClr val="tx1"/>
+                </a:solidFill>
+                <a:latin typeface="Arial" pitchFamily="-110" charset="0"/>
+                <a:ea typeface="ＭＳ Ｐゴシック" pitchFamily="-110" charset="-128"/>
+                <a:cs typeface="ＭＳ Ｐゴシック" pitchFamily="-110" charset="-128"/>
+              </a:rPr>
+              <a:t>Client: Frontend that transforms user queries into queries on the encrypted</a:t>
+            </a:r>
+          </a:p>
+          <a:p>
+            <a:r>
+              <a:rPr lang="en-US" sz="1200" kern="1200" baseline="0" dirty="0">
+                <a:solidFill>
+                  <a:schemeClr val="tx1"/>
+                </a:solidFill>
+                <a:latin typeface="Arial" pitchFamily="-110" charset="0"/>
+                <a:ea typeface="ＭＳ Ｐゴシック" pitchFamily="-110" charset="-128"/>
+                <a:cs typeface="ＭＳ Ｐゴシック" pitchFamily="-110" charset="-128"/>
+              </a:rPr>
+              <a:t>data stored on the server.</a:t>
+            </a:r>
+          </a:p>
+          <a:p>
+            <a:endParaRPr lang="en-US" sz="1200" kern="1200" baseline="0" dirty="0">
+              <a:solidFill>
+                <a:schemeClr val="tx1"/>
+              </a:solidFill>
+              <a:latin typeface="Arial" pitchFamily="-110" charset="0"/>
+              <a:ea typeface="ＭＳ Ｐゴシック" pitchFamily="-110" charset="-128"/>
+              <a:cs typeface="ＭＳ Ｐゴシック" pitchFamily="-110" charset="-128"/>
+            </a:endParaRPr>
+          </a:p>
+          <a:p>
+            <a:r>
+              <a:rPr lang="en-US" sz="1200" kern="1200" baseline="0" dirty="0">
+                <a:solidFill>
+                  <a:schemeClr val="tx1"/>
+                </a:solidFill>
+                <a:latin typeface="Arial" pitchFamily="-110" charset="0"/>
+                <a:ea typeface="ＭＳ Ｐゴシック" pitchFamily="-110" charset="-128"/>
+                <a:cs typeface="ＭＳ Ｐゴシック" pitchFamily="-110" charset="-128"/>
+              </a:rPr>
+              <a:t>• </a:t>
+            </a:r>
+            <a:r>
+              <a:rPr lang="en-US" sz="1200" b="1" kern="1200" baseline="0" dirty="0">
+                <a:solidFill>
+                  <a:schemeClr val="tx1"/>
+                </a:solidFill>
+                <a:latin typeface="Arial" pitchFamily="-110" charset="0"/>
+                <a:ea typeface="ＭＳ Ｐゴシック" pitchFamily="-110" charset="-128"/>
+                <a:cs typeface="ＭＳ Ｐゴシック" pitchFamily="-110" charset="-128"/>
+              </a:rPr>
+              <a:t>Server: An organization that receives the encrypted data from a data owner</a:t>
+            </a:r>
+          </a:p>
+          <a:p>
+            <a:r>
+              <a:rPr lang="en-US" sz="1200" kern="1200" baseline="0" dirty="0">
+                <a:solidFill>
+                  <a:schemeClr val="tx1"/>
+                </a:solidFill>
+                <a:latin typeface="Arial" pitchFamily="-110" charset="0"/>
+                <a:ea typeface="ＭＳ Ｐゴシック" pitchFamily="-110" charset="-128"/>
+                <a:cs typeface="ＭＳ Ｐゴシック" pitchFamily="-110" charset="-128"/>
+              </a:rPr>
+              <a:t>and makes them available for distribution to clients. The server could in</a:t>
+            </a:r>
+          </a:p>
+          <a:p>
+            <a:r>
+              <a:rPr lang="en-US" sz="1200" kern="1200" baseline="0" dirty="0">
+                <a:solidFill>
+                  <a:schemeClr val="tx1"/>
+                </a:solidFill>
+                <a:latin typeface="Arial" pitchFamily="-110" charset="0"/>
+                <a:ea typeface="ＭＳ Ｐゴシック" pitchFamily="-110" charset="-128"/>
+                <a:cs typeface="ＭＳ Ｐゴシック" pitchFamily="-110" charset="-128"/>
+              </a:rPr>
+              <a:t>fact be owned by the data owner but, more typically, is a facility owned and</a:t>
+            </a:r>
+          </a:p>
+          <a:p>
+            <a:r>
+              <a:rPr lang="en-US" sz="1200" kern="1200" baseline="0" dirty="0">
+                <a:solidFill>
+                  <a:schemeClr val="tx1"/>
+                </a:solidFill>
+                <a:latin typeface="Arial" pitchFamily="-110" charset="0"/>
+                <a:ea typeface="ＭＳ Ｐゴシック" pitchFamily="-110" charset="-128"/>
+                <a:cs typeface="ＭＳ Ｐゴシック" pitchFamily="-110" charset="-128"/>
+              </a:rPr>
+              <a:t>maintained by an external provider.</a:t>
+            </a:r>
+            <a:endParaRPr lang="en-US" dirty="0">
+              <a:latin typeface="Times New Roman" pitchFamily="-109" charset="0"/>
+              <a:ea typeface="ＭＳ Ｐゴシック" pitchFamily="-109" charset="-128"/>
+              <a:cs typeface="ＭＳ Ｐゴシック" pitchFamily="-109" charset="-128"/>
+            </a:endParaRPr>
+          </a:p>
+        </p:txBody>
+      </p:sp>
+    </p:spTree>
+    <p:extLst>
+      <p:ext uri="{BB962C8B-B14F-4D97-AF65-F5344CB8AC3E}">
+        <p14:creationId xmlns:p14="http://schemas.microsoft.com/office/powerpoint/2010/main" val="3914349312"/>
       </p:ext>
     </p:extLst>
   </p:cSld>
@@ -8313,7 +7476,7 @@
           <a:lstStyle/>
           <a:p>
             <a:r>
-              <a:rPr lang="en-US" sz="1200" kern="1200" dirty="0">
+              <a:rPr lang="en-US" sz="1200" b="0" kern="1200" dirty="0">
                 <a:solidFill>
                   <a:schemeClr val="tx1"/>
                 </a:solidFill>
@@ -8322,10 +7485,12 @@
                 <a:ea typeface="ＭＳ Ｐゴシック" pitchFamily="-110" charset="-128"/>
                 <a:cs typeface="ＭＳ Ｐゴシック" pitchFamily="-110" charset="-128"/>
               </a:rPr>
-              <a:t> Table 5.3 provides an example of this mapping. Suppose employee ID (</a:t>
-            </a:r>
-            <a:r>
-              <a:rPr lang="en-US" sz="1200" kern="1200" dirty="0" err="1">
+              <a:t> Each record (row)</a:t>
+            </a:r>
+          </a:p>
+          <a:p>
+            <a:r>
+              <a:rPr lang="en-US" sz="1200" b="0" kern="1200" dirty="0">
                 <a:solidFill>
                   <a:schemeClr val="tx1"/>
                 </a:solidFill>
@@ -8334,10 +7499,12 @@
                 <a:ea typeface="ＭＳ Ｐゴシック" pitchFamily="-110" charset="-128"/>
                 <a:cs typeface="ＭＳ Ｐゴシック" pitchFamily="-110" charset="-128"/>
               </a:rPr>
-              <a:t>eid</a:t>
-            </a:r>
-            <a:r>
-              <a:rPr lang="en-US" sz="1200" kern="1200" dirty="0">
+              <a:t>of a table in the database is encrypted as a block. Referring to the abstract model</a:t>
+            </a:r>
+          </a:p>
+          <a:p>
+            <a:r>
+              <a:rPr lang="en-US" sz="1200" b="0" kern="1200" dirty="0">
                 <a:solidFill>
                   <a:schemeClr val="tx1"/>
                 </a:solidFill>
@@ -8346,12 +7513,10 @@
                 <a:ea typeface="ＭＳ Ｐゴシック" pitchFamily="-110" charset="-128"/>
                 <a:cs typeface="ＭＳ Ｐゴシック" pitchFamily="-110" charset="-128"/>
               </a:rPr>
-              <a:t> )</a:t>
-            </a:r>
-          </a:p>
-          <a:p>
-            <a:r>
-              <a:rPr lang="en-US" sz="1200" kern="1200" dirty="0">
+              <a:t>of a relational database in Figure 5.3, each row R</a:t>
+            </a:r>
+            <a:r>
+              <a:rPr lang="en-US" sz="1200" b="0" kern="1200" baseline="-25000" dirty="0">
                 <a:solidFill>
                   <a:schemeClr val="tx1"/>
                 </a:solidFill>
@@ -8360,12 +7525,10 @@
                 <a:ea typeface="ＭＳ Ｐゴシック" pitchFamily="-110" charset="-128"/>
                 <a:cs typeface="ＭＳ Ｐゴシック" pitchFamily="-110" charset="-128"/>
               </a:rPr>
-              <a:t>values lie in the range [1, 1000]. We can divide these values into five partitions:</a:t>
-            </a:r>
-          </a:p>
-          <a:p>
-            <a:r>
-              <a:rPr lang="en-US" sz="1200" kern="1200" dirty="0">
+              <a:t>i</a:t>
+            </a:r>
+            <a:r>
+              <a:rPr lang="en-US" sz="1200" b="0" kern="1200" dirty="0">
                 <a:solidFill>
                   <a:schemeClr val="tx1"/>
                 </a:solidFill>
@@ -8374,12 +7537,12 @@
                 <a:ea typeface="ＭＳ Ｐゴシック" pitchFamily="-110" charset="-128"/>
                 <a:cs typeface="ＭＳ Ｐゴシック" pitchFamily="-110" charset="-128"/>
               </a:rPr>
-              <a:t>[1, 200], [201, 400], [401, 600], [601, 800], and [801, 1000]; then assign index values 1,</a:t>
-            </a:r>
-          </a:p>
-          <a:p>
-            <a:r>
-              <a:rPr lang="en-US" sz="1200" kern="1200" dirty="0">
+              <a:t>  is treated as a contiguous block</a:t>
+            </a:r>
+          </a:p>
+          <a:p>
+            <a:r>
+              <a:rPr lang="en-US" sz="1200" b="0" kern="1200" dirty="0">
                 <a:solidFill>
                   <a:schemeClr val="tx1"/>
                 </a:solidFill>
@@ -8388,12 +7551,10 @@
                 <a:ea typeface="ＭＳ Ｐゴシック" pitchFamily="-110" charset="-128"/>
                 <a:cs typeface="ＭＳ Ｐゴシック" pitchFamily="-110" charset="-128"/>
               </a:rPr>
-              <a:t>2, 3, 4, and 5, respectively. For a text field, we can derive an index from the first letter</a:t>
-            </a:r>
-          </a:p>
-          <a:p>
-            <a:r>
-              <a:rPr lang="en-US" sz="1200" kern="1200" dirty="0">
+              <a:t>B</a:t>
+            </a:r>
+            <a:r>
+              <a:rPr lang="en-US" sz="1200" b="0" kern="1200" baseline="-25000" dirty="0">
                 <a:solidFill>
                   <a:schemeClr val="tx1"/>
                 </a:solidFill>
@@ -8402,10 +7563,10 @@
                 <a:ea typeface="ＭＳ Ｐゴシック" pitchFamily="-110" charset="-128"/>
                 <a:cs typeface="ＭＳ Ｐゴシック" pitchFamily="-110" charset="-128"/>
               </a:rPr>
-              <a:t>of the attribute value. For the attribute </a:t>
-            </a:r>
-            <a:r>
-              <a:rPr lang="en-US" sz="1200" kern="1200" dirty="0" err="1">
+              <a:t>i </a:t>
+            </a:r>
+            <a:r>
+              <a:rPr lang="en-US" sz="1200" b="0" kern="1200" dirty="0">
                 <a:solidFill>
                   <a:schemeClr val="tx1"/>
                 </a:solidFill>
@@ -8414,10 +7575,10 @@
                 <a:ea typeface="ＭＳ Ｐゴシック" pitchFamily="-110" charset="-128"/>
                 <a:cs typeface="ＭＳ Ｐゴシック" pitchFamily="-110" charset="-128"/>
               </a:rPr>
-              <a:t>ename</a:t>
-            </a:r>
-            <a:r>
-              <a:rPr lang="en-US" sz="1200" kern="1200" dirty="0">
+              <a:t>=  (x</a:t>
+            </a:r>
+            <a:r>
+              <a:rPr lang="en-US" sz="1200" b="0" i="1" kern="1200" baseline="-25000" dirty="0">
                 <a:solidFill>
                   <a:schemeClr val="tx1"/>
                 </a:solidFill>
@@ -8426,12 +7587,10 @@
                 <a:ea typeface="ＭＳ Ｐゴシック" pitchFamily="-110" charset="-128"/>
                 <a:cs typeface="ＭＳ Ｐゴシック" pitchFamily="-110" charset="-128"/>
               </a:rPr>
-              <a:t> , let us assign index 1 to values starting</a:t>
-            </a:r>
-          </a:p>
-          <a:p>
-            <a:r>
-              <a:rPr lang="en-US" sz="1200" kern="1200" dirty="0">
+              <a:t>i</a:t>
+            </a:r>
+            <a:r>
+              <a:rPr lang="en-US" sz="1200" b="0" kern="1200" baseline="-25000" dirty="0">
                 <a:solidFill>
                   <a:schemeClr val="tx1"/>
                 </a:solidFill>
@@ -8440,12 +7599,10 @@
                 <a:ea typeface="ＭＳ Ｐゴシック" pitchFamily="-110" charset="-128"/>
                 <a:cs typeface="ＭＳ Ｐゴシック" pitchFamily="-110" charset="-128"/>
               </a:rPr>
-              <a:t>with A or B, index 2 to values starting with C or D, and so on. Similar partitioning</a:t>
-            </a:r>
-          </a:p>
-          <a:p>
-            <a:r>
-              <a:rPr lang="en-US" sz="1200" kern="1200" dirty="0">
+              <a:t>1</a:t>
+            </a:r>
+            <a:r>
+              <a:rPr lang="en-US" sz="1200" b="0" kern="1200" dirty="0">
                 <a:solidFill>
                   <a:schemeClr val="tx1"/>
                 </a:solidFill>
@@ -8454,12 +7611,10 @@
                 <a:ea typeface="ＭＳ Ｐゴシック" pitchFamily="-110" charset="-128"/>
                 <a:cs typeface="ＭＳ Ｐゴシック" pitchFamily="-110" charset="-128"/>
               </a:rPr>
-              <a:t>schemes can be used for each of the attributes. Table 5.3b shows the resulting table.</a:t>
-            </a:r>
-          </a:p>
-          <a:p>
-            <a:r>
-              <a:rPr lang="en-US" sz="1200" kern="1200" dirty="0">
+              <a:t> || x</a:t>
+            </a:r>
+            <a:r>
+              <a:rPr lang="en-US" sz="1200" b="0" i="1" kern="1200" baseline="-25000" dirty="0">
                 <a:solidFill>
                   <a:schemeClr val="tx1"/>
                 </a:solidFill>
@@ -8468,12 +7623,10 @@
                 <a:ea typeface="ＭＳ Ｐゴシック" pitchFamily="-110" charset="-128"/>
                 <a:cs typeface="ＭＳ Ｐゴシック" pitchFamily="-110" charset="-128"/>
               </a:rPr>
-              <a:t>The values in the first column represent the encrypted values for each row. The actual</a:t>
-            </a:r>
-          </a:p>
-          <a:p>
-            <a:r>
-              <a:rPr lang="en-US" sz="1200" kern="1200" dirty="0">
+              <a:t>i</a:t>
+            </a:r>
+            <a:r>
+              <a:rPr lang="en-US" sz="1200" b="0" kern="1200" baseline="-25000" dirty="0">
                 <a:solidFill>
                   <a:schemeClr val="tx1"/>
                 </a:solidFill>
@@ -8482,12 +7635,10 @@
                 <a:ea typeface="ＭＳ Ｐゴシック" pitchFamily="-110" charset="-128"/>
                 <a:cs typeface="ＭＳ Ｐゴシック" pitchFamily="-110" charset="-128"/>
               </a:rPr>
-              <a:t>values depend on the encryption algorithm and the encryption key. The remaining</a:t>
-            </a:r>
-          </a:p>
-          <a:p>
-            <a:r>
-              <a:rPr lang="en-US" sz="1200" kern="1200" dirty="0">
+              <a:t>2</a:t>
+            </a:r>
+            <a:r>
+              <a:rPr lang="en-US" sz="1200" b="0" kern="1200" dirty="0">
                 <a:solidFill>
                   <a:schemeClr val="tx1"/>
                 </a:solidFill>
@@ -8496,12 +7647,10 @@
                 <a:ea typeface="ＭＳ Ｐゴシック" pitchFamily="-110" charset="-128"/>
                 <a:cs typeface="ＭＳ Ｐゴシック" pitchFamily="-110" charset="-128"/>
               </a:rPr>
-              <a:t> columns show index values for the corresponding attribute values. The mapping functions</a:t>
-            </a:r>
-          </a:p>
-          <a:p>
-            <a:r>
-              <a:rPr lang="en-US" sz="1200" kern="1200" dirty="0">
+              <a:t> ||</a:t>
+            </a:r>
+            <a:r>
+              <a:rPr lang="mr-IN" sz="1200" b="0" kern="1200" dirty="0">
                 <a:solidFill>
                   <a:schemeClr val="tx1"/>
                 </a:solidFill>
@@ -8510,12 +7659,10 @@
                 <a:ea typeface="ＭＳ Ｐゴシック" pitchFamily="-110" charset="-128"/>
                 <a:cs typeface="ＭＳ Ｐゴシック" pitchFamily="-110" charset="-128"/>
               </a:rPr>
-              <a:t>between attribute values and index values constitute metadata that are stored</a:t>
-            </a:r>
-          </a:p>
-          <a:p>
-            <a:r>
-              <a:rPr lang="en-US" sz="1200" kern="1200" dirty="0">
+              <a:t>…</a:t>
+            </a:r>
+            <a:r>
+              <a:rPr lang="en-US" sz="1200" b="0" kern="1200" dirty="0">
                 <a:solidFill>
                   <a:schemeClr val="tx1"/>
                 </a:solidFill>
@@ -8524,12 +7671,10 @@
                 <a:ea typeface="ＭＳ Ｐゴシック" pitchFamily="-110" charset="-128"/>
                 <a:cs typeface="ＭＳ Ｐゴシック" pitchFamily="-110" charset="-128"/>
               </a:rPr>
-              <a:t>at the client and data owner locations but not at the server.</a:t>
-            </a:r>
-          </a:p>
-          <a:p>
-            <a:r>
-              <a:rPr lang="en-US" sz="1200" kern="1200" dirty="0">
+              <a:t>|| </a:t>
+            </a:r>
+            <a:r>
+              <a:rPr lang="en-US" sz="1200" b="0" kern="1200" baseline="0" dirty="0" err="1">
                 <a:solidFill>
                   <a:schemeClr val="tx1"/>
                 </a:solidFill>
@@ -8538,12 +7683,10 @@
                 <a:ea typeface="ＭＳ Ｐゴシック" pitchFamily="-110" charset="-128"/>
                 <a:cs typeface="ＭＳ Ｐゴシック" pitchFamily="-110" charset="-128"/>
               </a:rPr>
-              <a:t>This arrangement provides for more efficient data retrieval. Suppose, for</a:t>
-            </a:r>
-          </a:p>
-          <a:p>
-            <a:r>
-              <a:rPr lang="en-US" sz="1200" kern="1200" dirty="0">
+              <a:t>x</a:t>
+            </a:r>
+            <a:r>
+              <a:rPr lang="en-US" sz="1200" b="0" i="1" kern="1200" baseline="-25000" dirty="0" err="1">
                 <a:solidFill>
                   <a:schemeClr val="tx1"/>
                 </a:solidFill>
@@ -8552,10 +7695,10 @@
                 <a:ea typeface="ＭＳ Ｐゴシック" pitchFamily="-110" charset="-128"/>
                 <a:cs typeface="ＭＳ Ｐゴシック" pitchFamily="-110" charset="-128"/>
               </a:rPr>
-              <a:t>example,</a:t>
-            </a:r>
-            <a:r>
-              <a:rPr lang="en-US" sz="1200" kern="1200" baseline="0" dirty="0">
+              <a:t>iM</a:t>
+            </a:r>
+            <a:r>
+              <a:rPr lang="en-US" sz="1200" b="0" kern="1200" dirty="0">
                 <a:solidFill>
                   <a:schemeClr val="tx1"/>
                 </a:solidFill>
@@ -8564,10 +7707,10 @@
                 <a:ea typeface="ＭＳ Ｐゴシック" pitchFamily="-110" charset="-128"/>
                 <a:cs typeface="ＭＳ Ｐゴシック" pitchFamily="-110" charset="-128"/>
               </a:rPr>
-              <a:t> </a:t>
-            </a:r>
-            <a:r>
-              <a:rPr lang="en-US" sz="1200" kern="1200" dirty="0">
+              <a:t> ). Thus, each attribute value in R</a:t>
+            </a:r>
+            <a:r>
+              <a:rPr lang="en-US" sz="1200" b="0" kern="1200" baseline="-25000" dirty="0">
                 <a:solidFill>
                   <a:schemeClr val="tx1"/>
                 </a:solidFill>
@@ -8576,10 +7719,10 @@
                 <a:ea typeface="ＭＳ Ｐゴシック" pitchFamily="-110" charset="-128"/>
                 <a:cs typeface="ＭＳ Ｐゴシック" pitchFamily="-110" charset="-128"/>
               </a:rPr>
-              <a:t>a user requests records for all employees with </a:t>
-            </a:r>
-            <a:r>
-              <a:rPr lang="en-US" sz="1200" kern="1200" dirty="0" err="1">
+              <a:t>i</a:t>
+            </a:r>
+            <a:r>
+              <a:rPr lang="en-US" sz="1200" b="0" kern="1200" dirty="0">
                 <a:solidFill>
                   <a:schemeClr val="tx1"/>
                 </a:solidFill>
@@ -8588,10 +7731,12 @@
                 <a:ea typeface="ＭＳ Ｐゴシック" pitchFamily="-110" charset="-128"/>
                 <a:cs typeface="ＭＳ Ｐゴシック" pitchFamily="-110" charset="-128"/>
               </a:rPr>
-              <a:t>eid</a:t>
-            </a:r>
-            <a:r>
-              <a:rPr lang="en-US" sz="1200" kern="1200" dirty="0">
+              <a:t> , regardless of whether it</a:t>
+            </a:r>
+          </a:p>
+          <a:p>
+            <a:r>
+              <a:rPr lang="en-US" sz="1200" b="0" kern="1200" dirty="0">
                 <a:solidFill>
                   <a:schemeClr val="tx1"/>
                 </a:solidFill>
@@ -8600,12 +7745,12 @@
                 <a:ea typeface="ＭＳ Ｐゴシック" pitchFamily="-110" charset="-128"/>
                 <a:cs typeface="ＭＳ Ｐゴシック" pitchFamily="-110" charset="-128"/>
               </a:rPr>
-              <a:t> 6 &lt; 300. The query processor</a:t>
-            </a:r>
-          </a:p>
-          <a:p>
-            <a:r>
-              <a:rPr lang="en-US" sz="1200" kern="1200" dirty="0">
+              <a:t>is text or numeric, is treated as a sequence of bits, and all of the attribute values</a:t>
+            </a:r>
+          </a:p>
+          <a:p>
+            <a:r>
+              <a:rPr lang="en-US" sz="1200" b="0" kern="1200" dirty="0">
                 <a:solidFill>
                   <a:schemeClr val="tx1"/>
                 </a:solidFill>
@@ -8614,10 +7759,12 @@
                 <a:ea typeface="ＭＳ Ｐゴシック" pitchFamily="-110" charset="-128"/>
                 <a:cs typeface="ＭＳ Ｐゴシック" pitchFamily="-110" charset="-128"/>
               </a:rPr>
-              <a:t>requests all records with I (</a:t>
-            </a:r>
-            <a:r>
-              <a:rPr lang="en-US" sz="1200" kern="1200" dirty="0" err="1">
+              <a:t>for that row are concatenated together to form a single binary block. The entire</a:t>
+            </a:r>
+          </a:p>
+          <a:p>
+            <a:r>
+              <a:rPr lang="en-US" sz="1200" b="0" kern="1200" dirty="0">
                 <a:solidFill>
                   <a:schemeClr val="tx1"/>
                 </a:solidFill>
@@ -8626,10 +7773,10 @@
                 <a:ea typeface="ＭＳ Ｐゴシック" pitchFamily="-110" charset="-128"/>
                 <a:cs typeface="ＭＳ Ｐゴシック" pitchFamily="-110" charset="-128"/>
               </a:rPr>
-              <a:t>eid</a:t>
-            </a:r>
-            <a:r>
-              <a:rPr lang="en-US" sz="1200" kern="1200" dirty="0">
+              <a:t>row is encrypted, expressed as E (k, B</a:t>
+            </a:r>
+            <a:r>
+              <a:rPr lang="en-US" sz="1200" b="0" kern="1200" baseline="-25000" dirty="0">
                 <a:solidFill>
                   <a:schemeClr val="tx1"/>
                 </a:solidFill>
@@ -8638,12 +7785,10 @@
                 <a:ea typeface="ＭＳ Ｐゴシック" pitchFamily="-110" charset="-128"/>
                 <a:cs typeface="ＭＳ Ｐゴシック" pitchFamily="-110" charset="-128"/>
               </a:rPr>
-              <a:t> ) =  2. These are returned by the server. The query</a:t>
-            </a:r>
-          </a:p>
-          <a:p>
-            <a:r>
-              <a:rPr lang="en-US" sz="1200" kern="1200" dirty="0">
+              <a:t>i </a:t>
+            </a:r>
+            <a:r>
+              <a:rPr lang="en-US" sz="1200" b="0" kern="1200" dirty="0">
                 <a:solidFill>
                   <a:schemeClr val="tx1"/>
                 </a:solidFill>
@@ -8652,12 +7797,10 @@
                 <a:ea typeface="ＭＳ Ｐゴシック" pitchFamily="-110" charset="-128"/>
                 <a:cs typeface="ＭＳ Ｐゴシック" pitchFamily="-110" charset="-128"/>
               </a:rPr>
-              <a:t>processor decrypts all rows returned, discards those that do not match the original</a:t>
-            </a:r>
-          </a:p>
-          <a:p>
-            <a:r>
-              <a:rPr lang="en-US" sz="1200" kern="1200" dirty="0">
+              <a:t>) = E (k, (x</a:t>
+            </a:r>
+            <a:r>
+              <a:rPr lang="en-US" sz="1200" b="0" i="1" kern="1200" baseline="-25000" dirty="0">
                 <a:solidFill>
                   <a:schemeClr val="tx1"/>
                 </a:solidFill>
@@ -8666,11 +7809,185 @@
                 <a:ea typeface="ＭＳ Ｐゴシック" pitchFamily="-110" charset="-128"/>
                 <a:cs typeface="ＭＳ Ｐゴシック" pitchFamily="-110" charset="-128"/>
               </a:rPr>
-              <a:t>query, and returns the requested unencrypted data to the user.</a:t>
-            </a:r>
-          </a:p>
-          <a:p>
-            <a:endParaRPr lang="en-US" sz="1200" kern="1200" dirty="0">
+              <a:t>i1 </a:t>
+            </a:r>
+            <a:r>
+              <a:rPr lang="en-US" sz="1200" b="0" i="0" kern="1200" baseline="0" dirty="0">
+                <a:solidFill>
+                  <a:schemeClr val="tx1"/>
+                </a:solidFill>
+                <a:effectLst/>
+                <a:latin typeface="Arial" pitchFamily="-110" charset="0"/>
+                <a:ea typeface="ＭＳ Ｐゴシック" pitchFamily="-110" charset="-128"/>
+                <a:cs typeface="ＭＳ Ｐゴシック" pitchFamily="-110" charset="-128"/>
+              </a:rPr>
+              <a:t>||</a:t>
+            </a:r>
+            <a:r>
+              <a:rPr lang="en-US" sz="1200" b="0" kern="1200" dirty="0">
+                <a:solidFill>
+                  <a:schemeClr val="tx1"/>
+                </a:solidFill>
+                <a:effectLst/>
+                <a:latin typeface="Arial" pitchFamily="-110" charset="0"/>
+                <a:ea typeface="ＭＳ Ｐゴシック" pitchFamily="-110" charset="-128"/>
+                <a:cs typeface="ＭＳ Ｐゴシック" pitchFamily="-110" charset="-128"/>
+              </a:rPr>
+              <a:t> x</a:t>
+            </a:r>
+            <a:r>
+              <a:rPr lang="en-US" sz="1200" b="0" i="1" kern="1200" baseline="-25000" dirty="0">
+                <a:solidFill>
+                  <a:schemeClr val="tx1"/>
+                </a:solidFill>
+                <a:effectLst/>
+                <a:latin typeface="Arial" pitchFamily="-110" charset="0"/>
+                <a:ea typeface="ＭＳ Ｐゴシック" pitchFamily="-110" charset="-128"/>
+                <a:cs typeface="ＭＳ Ｐゴシック" pitchFamily="-110" charset="-128"/>
+              </a:rPr>
+              <a:t>i2</a:t>
+            </a:r>
+            <a:r>
+              <a:rPr lang="en-US" sz="1200" b="0" kern="1200" dirty="0">
+                <a:solidFill>
+                  <a:schemeClr val="tx1"/>
+                </a:solidFill>
+                <a:effectLst/>
+                <a:latin typeface="Arial" pitchFamily="-110" charset="0"/>
+                <a:ea typeface="ＭＳ Ｐゴシック" pitchFamily="-110" charset="-128"/>
+                <a:cs typeface="ＭＳ Ｐゴシック" pitchFamily="-110" charset="-128"/>
+              </a:rPr>
+              <a:t> ||</a:t>
+            </a:r>
+            <a:r>
+              <a:rPr lang="mr-IN" sz="1200" b="0" kern="1200" dirty="0">
+                <a:solidFill>
+                  <a:schemeClr val="tx1"/>
+                </a:solidFill>
+                <a:effectLst/>
+                <a:latin typeface="Arial" pitchFamily="-110" charset="0"/>
+                <a:ea typeface="ＭＳ Ｐゴシック" pitchFamily="-110" charset="-128"/>
+                <a:cs typeface="ＭＳ Ｐゴシック" pitchFamily="-110" charset="-128"/>
+              </a:rPr>
+              <a:t>…</a:t>
+            </a:r>
+            <a:r>
+              <a:rPr lang="en-US" sz="1200" b="0" kern="1200" dirty="0">
+                <a:solidFill>
+                  <a:schemeClr val="tx1"/>
+                </a:solidFill>
+                <a:effectLst/>
+                <a:latin typeface="Arial" pitchFamily="-110" charset="0"/>
+                <a:ea typeface="ＭＳ Ｐゴシック" pitchFamily="-110" charset="-128"/>
+                <a:cs typeface="ＭＳ Ｐゴシック" pitchFamily="-110" charset="-128"/>
+              </a:rPr>
+              <a:t>|| </a:t>
+            </a:r>
+            <a:r>
+              <a:rPr lang="en-US" sz="1200" b="0" kern="1200" dirty="0" err="1">
+                <a:solidFill>
+                  <a:schemeClr val="tx1"/>
+                </a:solidFill>
+                <a:effectLst/>
+                <a:latin typeface="Arial" pitchFamily="-110" charset="0"/>
+                <a:ea typeface="ＭＳ Ｐゴシック" pitchFamily="-110" charset="-128"/>
+                <a:cs typeface="ＭＳ Ｐゴシック" pitchFamily="-110" charset="-128"/>
+              </a:rPr>
+              <a:t>x</a:t>
+            </a:r>
+            <a:r>
+              <a:rPr lang="en-US" sz="1200" b="0" i="1" kern="1200" baseline="-25000" dirty="0" err="1">
+                <a:solidFill>
+                  <a:schemeClr val="tx1"/>
+                </a:solidFill>
+                <a:effectLst/>
+                <a:latin typeface="Arial" pitchFamily="-110" charset="0"/>
+                <a:ea typeface="ＭＳ Ｐゴシック" pitchFamily="-110" charset="-128"/>
+                <a:cs typeface="ＭＳ Ｐゴシック" pitchFamily="-110" charset="-128"/>
+              </a:rPr>
+              <a:t>iM</a:t>
+            </a:r>
+            <a:r>
+              <a:rPr lang="en-US" sz="1200" b="0" kern="1200" dirty="0">
+                <a:solidFill>
+                  <a:schemeClr val="tx1"/>
+                </a:solidFill>
+                <a:effectLst/>
+                <a:latin typeface="Arial" pitchFamily="-110" charset="0"/>
+                <a:ea typeface="ＭＳ Ｐゴシック" pitchFamily="-110" charset="-128"/>
+                <a:cs typeface="ＭＳ Ｐゴシック" pitchFamily="-110" charset="-128"/>
+              </a:rPr>
+              <a:t> )). To assist in data</a:t>
+            </a:r>
+          </a:p>
+          <a:p>
+            <a:r>
+              <a:rPr lang="en-US" sz="1200" b="0" kern="1200" dirty="0">
+                <a:solidFill>
+                  <a:schemeClr val="tx1"/>
+                </a:solidFill>
+                <a:effectLst/>
+                <a:latin typeface="Arial" pitchFamily="-110" charset="0"/>
+                <a:ea typeface="ＭＳ Ｐゴシック" pitchFamily="-110" charset="-128"/>
+                <a:cs typeface="ＭＳ Ｐゴシック" pitchFamily="-110" charset="-128"/>
+              </a:rPr>
+              <a:t>retrieval, attribute indexes are associated with each table. For some or all of the</a:t>
+            </a:r>
+          </a:p>
+          <a:p>
+            <a:r>
+              <a:rPr lang="en-US" sz="1200" b="0" kern="1200" dirty="0">
+                <a:solidFill>
+                  <a:schemeClr val="tx1"/>
+                </a:solidFill>
+                <a:effectLst/>
+                <a:latin typeface="Arial" pitchFamily="-110" charset="0"/>
+                <a:ea typeface="ＭＳ Ｐゴシック" pitchFamily="-110" charset="-128"/>
+                <a:cs typeface="ＭＳ Ｐゴシック" pitchFamily="-110" charset="-128"/>
+              </a:rPr>
+              <a:t>attributes an index value is created. For each row R</a:t>
+            </a:r>
+            <a:r>
+              <a:rPr lang="en-US" sz="1200" b="0" kern="1200" baseline="-25000" dirty="0">
+                <a:solidFill>
+                  <a:schemeClr val="tx1"/>
+                </a:solidFill>
+                <a:effectLst/>
+                <a:latin typeface="Arial" pitchFamily="-110" charset="0"/>
+                <a:ea typeface="ＭＳ Ｐゴシック" pitchFamily="-110" charset="-128"/>
+                <a:cs typeface="ＭＳ Ｐゴシック" pitchFamily="-110" charset="-128"/>
+              </a:rPr>
+              <a:t>i </a:t>
+            </a:r>
+            <a:r>
+              <a:rPr lang="en-US" sz="1200" b="0" kern="1200" dirty="0">
+                <a:solidFill>
+                  <a:schemeClr val="tx1"/>
+                </a:solidFill>
+                <a:effectLst/>
+                <a:latin typeface="Arial" pitchFamily="-110" charset="0"/>
+                <a:ea typeface="ＭＳ Ｐゴシック" pitchFamily="-110" charset="-128"/>
+                <a:cs typeface="ＭＳ Ｐゴシック" pitchFamily="-110" charset="-128"/>
+              </a:rPr>
+              <a:t> of the unencrypted database, the</a:t>
+            </a:r>
+          </a:p>
+          <a:p>
+            <a:r>
+              <a:rPr lang="en-US" sz="1200" b="0" kern="1200" dirty="0">
+                <a:solidFill>
+                  <a:schemeClr val="tx1"/>
+                </a:solidFill>
+                <a:effectLst/>
+                <a:latin typeface="Arial" pitchFamily="-110" charset="0"/>
+                <a:ea typeface="ＭＳ Ｐゴシック" pitchFamily="-110" charset="-128"/>
+                <a:cs typeface="ＭＳ Ｐゴシック" pitchFamily="-110" charset="-128"/>
+              </a:rPr>
+              <a:t>mapping is as follows (see Figure 5.10):</a:t>
+            </a:r>
+          </a:p>
+          <a:p>
+            <a:endParaRPr lang="en-US" sz="1200" b="0" kern="1200" dirty="0">
               <a:solidFill>
                 <a:schemeClr val="tx1"/>
               </a:solidFill>
@@ -8682,7 +7999,7 @@
           </a:p>
           <a:p>
             <a:r>
-              <a:rPr lang="en-US" sz="1200" kern="1200" dirty="0">
+              <a:rPr lang="en-US" sz="1200" b="0" kern="1200" dirty="0">
                 <a:solidFill>
                   <a:schemeClr val="tx1"/>
                 </a:solidFill>
@@ -8691,12 +8008,10 @@
                 <a:ea typeface="ＭＳ Ｐゴシック" pitchFamily="-110" charset="-128"/>
                 <a:cs typeface="ＭＳ Ｐゴシック" pitchFamily="-110" charset="-128"/>
               </a:rPr>
-              <a:t>The indexing scheme just described does provide a certain amount of information</a:t>
-            </a:r>
-          </a:p>
-          <a:p>
-            <a:r>
-              <a:rPr lang="en-US" sz="1200" kern="1200" dirty="0">
+              <a:t>(x</a:t>
+            </a:r>
+            <a:r>
+              <a:rPr lang="en-US" sz="1200" b="0" i="1" kern="1200" baseline="-25000" dirty="0">
                 <a:solidFill>
                   <a:schemeClr val="tx1"/>
                 </a:solidFill>
@@ -8705,12 +8020,10 @@
                 <a:ea typeface="ＭＳ Ｐゴシック" pitchFamily="-110" charset="-128"/>
                 <a:cs typeface="ＭＳ Ｐゴシック" pitchFamily="-110" charset="-128"/>
               </a:rPr>
-              <a:t>to an attacker, namely a rough relative ordering of rows by a given attribute. To</a:t>
-            </a:r>
-          </a:p>
-          <a:p>
-            <a:r>
-              <a:rPr lang="en-US" sz="1200" kern="1200" dirty="0">
+              <a:t>i1</a:t>
+            </a:r>
+            <a:r>
+              <a:rPr lang="en-US" sz="1200" b="0" kern="1200" dirty="0">
                 <a:solidFill>
                   <a:schemeClr val="tx1"/>
                 </a:solidFill>
@@ -8719,12 +8032,10 @@
                 <a:ea typeface="ＭＳ Ｐゴシック" pitchFamily="-110" charset="-128"/>
                 <a:cs typeface="ＭＳ Ｐゴシック" pitchFamily="-110" charset="-128"/>
               </a:rPr>
-              <a:t>obscure such information, the ordering of indexes can be randomized. For example,</a:t>
-            </a:r>
-          </a:p>
-          <a:p>
-            <a:r>
-              <a:rPr lang="en-US" sz="1200" kern="1200" dirty="0">
+              <a:t>, x</a:t>
+            </a:r>
+            <a:r>
+              <a:rPr lang="en-US" sz="1200" b="0" i="1" kern="1200" baseline="-25000" dirty="0">
                 <a:solidFill>
                   <a:schemeClr val="tx1"/>
                 </a:solidFill>
@@ -8733,10 +8044,10 @@
                 <a:ea typeface="ＭＳ Ｐゴシック" pitchFamily="-110" charset="-128"/>
                 <a:cs typeface="ＭＳ Ｐゴシック" pitchFamily="-110" charset="-128"/>
               </a:rPr>
-              <a:t>the </a:t>
-            </a:r>
-            <a:r>
-              <a:rPr lang="en-US" sz="1200" kern="1200" dirty="0" err="1">
+              <a:t>i2</a:t>
+            </a:r>
+            <a:r>
+              <a:rPr lang="en-US" sz="1200" b="0" kern="1200" dirty="0">
                 <a:solidFill>
                   <a:schemeClr val="tx1"/>
                 </a:solidFill>
@@ -8745,10 +8056,10 @@
                 <a:ea typeface="ＭＳ Ｐゴシック" pitchFamily="-110" charset="-128"/>
                 <a:cs typeface="ＭＳ Ｐゴシック" pitchFamily="-110" charset="-128"/>
               </a:rPr>
-              <a:t>eid</a:t>
-            </a:r>
-            <a:r>
-              <a:rPr lang="en-US" sz="1200" kern="1200" dirty="0">
+              <a:t>, </a:t>
+            </a:r>
+            <a:r>
+              <a:rPr lang="mr-IN" sz="1200" b="0" kern="1200" dirty="0">
                 <a:solidFill>
                   <a:schemeClr val="tx1"/>
                 </a:solidFill>
@@ -8757,12 +8068,10 @@
                 <a:ea typeface="ＭＳ Ｐゴシック" pitchFamily="-110" charset="-128"/>
                 <a:cs typeface="ＭＳ Ｐゴシック" pitchFamily="-110" charset="-128"/>
               </a:rPr>
-              <a:t>  values could be partitioned by mapping [1, 200], [201, 400], [401, 600],</a:t>
-            </a:r>
-          </a:p>
-          <a:p>
-            <a:r>
-              <a:rPr lang="en-US" sz="1200" kern="1200" dirty="0">
+              <a:t>…</a:t>
+            </a:r>
+            <a:r>
+              <a:rPr lang="en-US" sz="1200" b="0" kern="1200" dirty="0">
                 <a:solidFill>
                   <a:schemeClr val="tx1"/>
                 </a:solidFill>
@@ -8771,12 +8080,10 @@
                 <a:ea typeface="ＭＳ Ｐゴシック" pitchFamily="-110" charset="-128"/>
                 <a:cs typeface="ＭＳ Ｐゴシック" pitchFamily="-110" charset="-128"/>
               </a:rPr>
-              <a:t>[601, 800], and [801, 1000] into 2, 3, 5, 1, and 4, respectively. Because the metadata are</a:t>
-            </a:r>
-          </a:p>
-          <a:p>
-            <a:r>
-              <a:rPr lang="en-US" sz="1200" kern="1200" dirty="0">
+              <a:t> , </a:t>
+            </a:r>
+            <a:r>
+              <a:rPr lang="en-US" sz="1200" b="0" kern="1200" dirty="0" err="1">
                 <a:solidFill>
                   <a:schemeClr val="tx1"/>
                 </a:solidFill>
@@ -8785,11 +8092,167 @@
                 <a:ea typeface="ＭＳ Ｐゴシック" pitchFamily="-110" charset="-128"/>
                 <a:cs typeface="ＭＳ Ｐゴシック" pitchFamily="-110" charset="-128"/>
               </a:rPr>
-              <a:t>not stored at the server, an attacker could not gain this information from the server.</a:t>
-            </a:r>
-          </a:p>
-          <a:p>
-            <a:endParaRPr lang="en-US" sz="1200" kern="1200" dirty="0">
+              <a:t>x</a:t>
+            </a:r>
+            <a:r>
+              <a:rPr lang="en-US" sz="1200" b="0" i="1" kern="1200" baseline="-25000" dirty="0" err="1">
+                <a:solidFill>
+                  <a:schemeClr val="tx1"/>
+                </a:solidFill>
+                <a:effectLst/>
+                <a:latin typeface="Arial" pitchFamily="-110" charset="0"/>
+                <a:ea typeface="ＭＳ Ｐゴシック" pitchFamily="-110" charset="-128"/>
+                <a:cs typeface="ＭＳ Ｐゴシック" pitchFamily="-110" charset="-128"/>
+              </a:rPr>
+              <a:t>iM</a:t>
+            </a:r>
+            <a:r>
+              <a:rPr lang="en-US" sz="1200" b="0" kern="1200" dirty="0">
+                <a:solidFill>
+                  <a:schemeClr val="tx1"/>
+                </a:solidFill>
+                <a:effectLst/>
+                <a:latin typeface="Arial" pitchFamily="-110" charset="0"/>
+                <a:ea typeface="ＭＳ Ｐゴシック" pitchFamily="-110" charset="-128"/>
+                <a:cs typeface="ＭＳ Ｐゴシック" pitchFamily="-110" charset="-128"/>
+              </a:rPr>
+              <a:t> ) →[E (k, B</a:t>
+            </a:r>
+            <a:r>
+              <a:rPr lang="en-US" sz="1200" b="0" kern="1200" baseline="-25000" dirty="0">
+                <a:solidFill>
+                  <a:schemeClr val="tx1"/>
+                </a:solidFill>
+                <a:effectLst/>
+                <a:latin typeface="Arial" pitchFamily="-110" charset="0"/>
+                <a:ea typeface="ＭＳ Ｐゴシック" pitchFamily="-110" charset="-128"/>
+                <a:cs typeface="ＭＳ Ｐゴシック" pitchFamily="-110" charset="-128"/>
+              </a:rPr>
+              <a:t>i</a:t>
+            </a:r>
+            <a:r>
+              <a:rPr lang="en-US" sz="1200" b="0" kern="1200" dirty="0">
+                <a:solidFill>
+                  <a:schemeClr val="tx1"/>
+                </a:solidFill>
+                <a:effectLst/>
+                <a:latin typeface="Arial" pitchFamily="-110" charset="0"/>
+                <a:ea typeface="ＭＳ Ｐゴシック" pitchFamily="-110" charset="-128"/>
+                <a:cs typeface="ＭＳ Ｐゴシック" pitchFamily="-110" charset="-128"/>
+              </a:rPr>
+              <a:t>), I</a:t>
+            </a:r>
+            <a:r>
+              <a:rPr lang="en-US" sz="1200" b="0" i="1" kern="1200" baseline="-25000" dirty="0">
+                <a:solidFill>
+                  <a:schemeClr val="tx1"/>
+                </a:solidFill>
+                <a:effectLst/>
+                <a:latin typeface="Arial" pitchFamily="-110" charset="0"/>
+                <a:ea typeface="ＭＳ Ｐゴシック" pitchFamily="-110" charset="-128"/>
+                <a:cs typeface="ＭＳ Ｐゴシック" pitchFamily="-110" charset="-128"/>
+              </a:rPr>
+              <a:t>i1</a:t>
+            </a:r>
+            <a:r>
+              <a:rPr lang="en-US" sz="1200" b="0" kern="1200" dirty="0">
+                <a:solidFill>
+                  <a:schemeClr val="tx1"/>
+                </a:solidFill>
+                <a:effectLst/>
+                <a:latin typeface="Arial" pitchFamily="-110" charset="0"/>
+                <a:ea typeface="ＭＳ Ｐゴシック" pitchFamily="-110" charset="-128"/>
+                <a:cs typeface="ＭＳ Ｐゴシック" pitchFamily="-110" charset="-128"/>
+              </a:rPr>
+              <a:t>, I</a:t>
+            </a:r>
+            <a:r>
+              <a:rPr lang="en-US" sz="1200" b="0" i="1" kern="1200" baseline="-25000" dirty="0">
+                <a:solidFill>
+                  <a:schemeClr val="tx1"/>
+                </a:solidFill>
+                <a:effectLst/>
+                <a:latin typeface="Arial" pitchFamily="-110" charset="0"/>
+                <a:ea typeface="ＭＳ Ｐゴシック" pitchFamily="-110" charset="-128"/>
+                <a:cs typeface="ＭＳ Ｐゴシック" pitchFamily="-110" charset="-128"/>
+              </a:rPr>
+              <a:t>i2</a:t>
+            </a:r>
+            <a:r>
+              <a:rPr lang="en-US" sz="1200" b="0" kern="1200" dirty="0">
+                <a:solidFill>
+                  <a:schemeClr val="tx1"/>
+                </a:solidFill>
+                <a:effectLst/>
+                <a:latin typeface="Arial" pitchFamily="-110" charset="0"/>
+                <a:ea typeface="ＭＳ Ｐゴシック" pitchFamily="-110" charset="-128"/>
+                <a:cs typeface="ＭＳ Ｐゴシック" pitchFamily="-110" charset="-128"/>
+              </a:rPr>
+              <a:t> , </a:t>
+            </a:r>
+            <a:r>
+              <a:rPr lang="mr-IN" sz="1200" b="0" kern="1200" dirty="0">
+                <a:solidFill>
+                  <a:schemeClr val="tx1"/>
+                </a:solidFill>
+                <a:effectLst/>
+                <a:latin typeface="Arial" pitchFamily="-110" charset="0"/>
+                <a:ea typeface="ＭＳ Ｐゴシック" pitchFamily="-110" charset="-128"/>
+                <a:cs typeface="ＭＳ Ｐゴシック" pitchFamily="-110" charset="-128"/>
+              </a:rPr>
+              <a:t>…</a:t>
+            </a:r>
+            <a:r>
+              <a:rPr lang="en-US" sz="1200" b="0" kern="1200" dirty="0">
+                <a:solidFill>
+                  <a:schemeClr val="tx1"/>
+                </a:solidFill>
+                <a:effectLst/>
+                <a:latin typeface="Arial" pitchFamily="-110" charset="0"/>
+                <a:ea typeface="ＭＳ Ｐゴシック" pitchFamily="-110" charset="-128"/>
+                <a:cs typeface="ＭＳ Ｐゴシック" pitchFamily="-110" charset="-128"/>
+              </a:rPr>
+              <a:t> , </a:t>
+            </a:r>
+            <a:r>
+              <a:rPr lang="en-US" sz="1200" b="0" kern="1200" dirty="0" err="1">
+                <a:solidFill>
+                  <a:schemeClr val="tx1"/>
+                </a:solidFill>
+                <a:effectLst/>
+                <a:latin typeface="Arial" pitchFamily="-110" charset="0"/>
+                <a:ea typeface="ＭＳ Ｐゴシック" pitchFamily="-110" charset="-128"/>
+                <a:cs typeface="ＭＳ Ｐゴシック" pitchFamily="-110" charset="-128"/>
+              </a:rPr>
+              <a:t>I</a:t>
+            </a:r>
+            <a:r>
+              <a:rPr lang="en-US" sz="1200" b="0" i="1" kern="1200" baseline="-25000" dirty="0" err="1">
+                <a:solidFill>
+                  <a:schemeClr val="tx1"/>
+                </a:solidFill>
+                <a:effectLst/>
+                <a:latin typeface="Arial" pitchFamily="-110" charset="0"/>
+                <a:ea typeface="ＭＳ Ｐゴシック" pitchFamily="-110" charset="-128"/>
+                <a:cs typeface="ＭＳ Ｐゴシック" pitchFamily="-110" charset="-128"/>
+              </a:rPr>
+              <a:t>iM</a:t>
+            </a:r>
+            <a:r>
+              <a:rPr lang="en-US" sz="1200" b="0" kern="1200" dirty="0">
+                <a:solidFill>
+                  <a:schemeClr val="tx1"/>
+                </a:solidFill>
+                <a:effectLst/>
+                <a:latin typeface="Arial" pitchFamily="-110" charset="0"/>
+                <a:ea typeface="ＭＳ Ｐゴシック" pitchFamily="-110" charset="-128"/>
+                <a:cs typeface="ＭＳ Ｐゴシック" pitchFamily="-110" charset="-128"/>
+              </a:rPr>
+              <a:t> ]</a:t>
+            </a:r>
+          </a:p>
+          <a:p>
+            <a:endParaRPr lang="en-US" sz="1200" b="0" kern="1200" dirty="0">
               <a:solidFill>
                 <a:schemeClr val="tx1"/>
               </a:solidFill>
@@ -8801,7 +8264,7 @@
           </a:p>
           <a:p>
             <a:r>
-              <a:rPr lang="en-US" sz="1200" kern="1200" dirty="0">
+              <a:rPr lang="en-US" sz="1200" b="0" kern="1200" dirty="0">
                 <a:solidFill>
                   <a:schemeClr val="tx1"/>
                 </a:solidFill>
@@ -8810,12 +8273,12 @@
                 <a:ea typeface="ＭＳ Ｐゴシック" pitchFamily="-110" charset="-128"/>
                 <a:cs typeface="ＭＳ Ｐゴシック" pitchFamily="-110" charset="-128"/>
               </a:rPr>
-              <a:t>Other features may be added to this scheme. To increase the efficiency of accessing</a:t>
-            </a:r>
-          </a:p>
-          <a:p>
-            <a:r>
-              <a:rPr lang="en-US" sz="1200" kern="1200" dirty="0">
+              <a:t>For each row in the original database, there is one row in the encrypted database.</a:t>
+            </a:r>
+          </a:p>
+          <a:p>
+            <a:r>
+              <a:rPr lang="en-US" sz="1200" b="0" kern="1200" dirty="0">
                 <a:solidFill>
                   <a:schemeClr val="tx1"/>
                 </a:solidFill>
@@ -8824,12 +8287,12 @@
                 <a:ea typeface="ＭＳ Ｐゴシック" pitchFamily="-110" charset="-128"/>
                 <a:cs typeface="ＭＳ Ｐゴシック" pitchFamily="-110" charset="-128"/>
               </a:rPr>
-              <a:t>records by means of the primary key, the system could use the encrypted value of</a:t>
-            </a:r>
-          </a:p>
-          <a:p>
-            <a:r>
-              <a:rPr lang="en-US" sz="1200" kern="1200" dirty="0">
+              <a:t>The index values are provided to assist in data retrieval. We can proceed as</a:t>
+            </a:r>
+          </a:p>
+          <a:p>
+            <a:r>
+              <a:rPr lang="en-US" sz="1200" b="0" kern="1200" dirty="0">
                 <a:solidFill>
                   <a:schemeClr val="tx1"/>
                 </a:solidFill>
@@ -8838,12 +8301,12 @@
                 <a:ea typeface="ＭＳ Ｐゴシック" pitchFamily="-110" charset="-128"/>
                 <a:cs typeface="ＭＳ Ｐゴシック" pitchFamily="-110" charset="-128"/>
               </a:rPr>
-              <a:t>the primary key attribute values, or a hash value. In either case, the row corresponding</a:t>
-            </a:r>
-          </a:p>
-          <a:p>
-            <a:r>
-              <a:rPr lang="en-US" sz="1200" kern="1200" dirty="0">
+              <a:t>follows. For any attribute, the range of attribute values is divided into a set of non-overlapping</a:t>
+            </a:r>
+          </a:p>
+          <a:p>
+            <a:r>
+              <a:rPr lang="en-US" sz="1200" b="0" kern="1200" dirty="0">
                 <a:solidFill>
                   <a:schemeClr val="tx1"/>
                 </a:solidFill>
@@ -8852,12 +8315,12 @@
                 <a:ea typeface="ＭＳ Ｐゴシック" pitchFamily="-110" charset="-128"/>
                 <a:cs typeface="ＭＳ Ｐゴシック" pitchFamily="-110" charset="-128"/>
               </a:rPr>
-              <a:t>to the primary key value could be retrieved individually. Different portions of the</a:t>
-            </a:r>
-          </a:p>
-          <a:p>
-            <a:r>
-              <a:rPr lang="en-US" sz="1200" kern="1200" dirty="0">
+              <a:t>partitions that encompass all possible values, and an index value is</a:t>
+            </a:r>
+          </a:p>
+          <a:p>
+            <a:r>
+              <a:rPr lang="en-US" sz="1200" b="0" kern="1200" dirty="0">
                 <a:solidFill>
                   <a:schemeClr val="tx1"/>
                 </a:solidFill>
@@ -8866,47 +8329,11 @@
                 <a:ea typeface="ＭＳ Ｐゴシック" pitchFamily="-110" charset="-128"/>
                 <a:cs typeface="ＭＳ Ｐゴシック" pitchFamily="-110" charset="-128"/>
               </a:rPr>
-              <a:t>database could be encrypted with different keys, so users would only have access to</a:t>
-            </a:r>
-          </a:p>
-          <a:p>
-            <a:r>
-              <a:rPr lang="en-US" sz="1200" kern="1200" dirty="0">
-                <a:solidFill>
-                  <a:schemeClr val="tx1"/>
-                </a:solidFill>
-                <a:effectLst/>
-                <a:latin typeface="Arial" pitchFamily="-110" charset="0"/>
-                <a:ea typeface="ＭＳ Ｐゴシック" pitchFamily="-110" charset="-128"/>
-                <a:cs typeface="ＭＳ Ｐゴシック" pitchFamily="-110" charset="-128"/>
-              </a:rPr>
-              <a:t>that portion of the database for which they had the decryption key. This latter scheme</a:t>
-            </a:r>
-          </a:p>
-          <a:p>
-            <a:r>
-              <a:rPr lang="en-US" sz="1200" kern="1200" dirty="0">
-                <a:solidFill>
-                  <a:schemeClr val="tx1"/>
-                </a:solidFill>
-                <a:effectLst/>
-                <a:latin typeface="Arial" pitchFamily="-110" charset="0"/>
-                <a:ea typeface="ＭＳ Ｐゴシック" pitchFamily="-110" charset="-128"/>
-                <a:cs typeface="ＭＳ Ｐゴシック" pitchFamily="-110" charset="-128"/>
-              </a:rPr>
-              <a:t>could be incorporated into a role-based access control system.</a:t>
-            </a:r>
-          </a:p>
-          <a:p>
-            <a:endParaRPr lang="en-US" sz="1200" kern="1200" dirty="0">
-              <a:solidFill>
-                <a:schemeClr val="tx1"/>
-              </a:solidFill>
-              <a:effectLst/>
-              <a:latin typeface="Arial" pitchFamily="-110" charset="0"/>
-              <a:ea typeface="ＭＳ Ｐゴシック" pitchFamily="-110" charset="-128"/>
-              <a:cs typeface="ＭＳ Ｐゴシック" pitchFamily="-110" charset="-128"/>
-            </a:endParaRPr>
+              <a:t>assigned to each partition.</a:t>
+            </a:r>
+          </a:p>
+          <a:p>
+            <a:endParaRPr lang="en-US" b="0" dirty="0"/>
           </a:p>
           <a:p>
             <a:endParaRPr lang="en-SE" dirty="0"/>
@@ -8931,6 +8358,688 @@
             <a:fld id="{F8560DBF-F109-8946-ADF0-EE66B221E988}" type="slidenum">
               <a:rPr lang="en-AU" smtClean="0"/>
               <a:pPr/>
+              <a:t>35</a:t>
+            </a:fld>
+            <a:endParaRPr lang="en-AU" dirty="0"/>
+          </a:p>
+        </p:txBody>
+      </p:sp>
+    </p:spTree>
+    <p:extLst>
+      <p:ext uri="{BB962C8B-B14F-4D97-AF65-F5344CB8AC3E}">
+        <p14:creationId xmlns:p14="http://schemas.microsoft.com/office/powerpoint/2010/main" val="3757418354"/>
+      </p:ext>
+    </p:extLst>
+  </p:cSld>
+  <p:clrMapOvr>
+    <a:masterClrMapping/>
+  </p:clrMapOvr>
+</p:notes>
+</file>
+
+<file path=ppt/notesSlides/notesSlide26.xml><?xml version="1.0" encoding="utf-8"?>
+<p:notes xmlns:a="http://schemas.openxmlformats.org/drawingml/2006/main" xmlns:r="http://schemas.openxmlformats.org/officeDocument/2006/relationships" xmlns:p="http://schemas.openxmlformats.org/presentationml/2006/main">
+  <p:cSld>
+    <p:spTree>
+      <p:nvGrpSpPr>
+        <p:cNvPr id="1" name=""/>
+        <p:cNvGrpSpPr/>
+        <p:nvPr/>
+      </p:nvGrpSpPr>
+      <p:grpSpPr>
+        <a:xfrm>
+          <a:off x="0" y="0"/>
+          <a:ext cx="0" cy="0"/>
+          <a:chOff x="0" y="0"/>
+          <a:chExt cx="0" cy="0"/>
+        </a:xfrm>
+      </p:grpSpPr>
+      <p:sp>
+        <p:nvSpPr>
+          <p:cNvPr id="2" name="Slide Image Placeholder 1"/>
+          <p:cNvSpPr>
+            <a:spLocks noGrp="1" noRot="1" noChangeAspect="1"/>
+          </p:cNvSpPr>
+          <p:nvPr>
+            <p:ph type="sldImg"/>
+          </p:nvPr>
+        </p:nvSpPr>
+        <p:spPr/>
+      </p:sp>
+      <p:sp>
+        <p:nvSpPr>
+          <p:cNvPr id="3" name="Notes Placeholder 2"/>
+          <p:cNvSpPr>
+            <a:spLocks noGrp="1"/>
+          </p:cNvSpPr>
+          <p:nvPr>
+            <p:ph type="body" idx="1"/>
+          </p:nvPr>
+        </p:nvSpPr>
+        <p:spPr/>
+        <p:txBody>
+          <a:bodyPr/>
+          <a:lstStyle/>
+          <a:p>
+            <a:r>
+              <a:rPr lang="en-US" sz="1200" kern="1200" dirty="0">
+                <a:solidFill>
+                  <a:schemeClr val="tx1"/>
+                </a:solidFill>
+                <a:effectLst/>
+                <a:latin typeface="Arial" pitchFamily="-110" charset="0"/>
+                <a:ea typeface="ＭＳ Ｐゴシック" pitchFamily="-110" charset="-128"/>
+                <a:cs typeface="ＭＳ Ｐゴシック" pitchFamily="-110" charset="-128"/>
+              </a:rPr>
+              <a:t> Table 5.3 provides an example of this mapping. Suppose employee ID (</a:t>
+            </a:r>
+            <a:r>
+              <a:rPr lang="en-US" sz="1200" kern="1200" dirty="0" err="1">
+                <a:solidFill>
+                  <a:schemeClr val="tx1"/>
+                </a:solidFill>
+                <a:effectLst/>
+                <a:latin typeface="Arial" pitchFamily="-110" charset="0"/>
+                <a:ea typeface="ＭＳ Ｐゴシック" pitchFamily="-110" charset="-128"/>
+                <a:cs typeface="ＭＳ Ｐゴシック" pitchFamily="-110" charset="-128"/>
+              </a:rPr>
+              <a:t>eid</a:t>
+            </a:r>
+            <a:r>
+              <a:rPr lang="en-US" sz="1200" kern="1200" dirty="0">
+                <a:solidFill>
+                  <a:schemeClr val="tx1"/>
+                </a:solidFill>
+                <a:effectLst/>
+                <a:latin typeface="Arial" pitchFamily="-110" charset="0"/>
+                <a:ea typeface="ＭＳ Ｐゴシック" pitchFamily="-110" charset="-128"/>
+                <a:cs typeface="ＭＳ Ｐゴシック" pitchFamily="-110" charset="-128"/>
+              </a:rPr>
+              <a:t> )</a:t>
+            </a:r>
+          </a:p>
+          <a:p>
+            <a:r>
+              <a:rPr lang="en-US" sz="1200" kern="1200" dirty="0">
+                <a:solidFill>
+                  <a:schemeClr val="tx1"/>
+                </a:solidFill>
+                <a:effectLst/>
+                <a:latin typeface="Arial" pitchFamily="-110" charset="0"/>
+                <a:ea typeface="ＭＳ Ｐゴシック" pitchFamily="-110" charset="-128"/>
+                <a:cs typeface="ＭＳ Ｐゴシック" pitchFamily="-110" charset="-128"/>
+              </a:rPr>
+              <a:t>values lie in the range [1, 1000]. We can divide these values into five partitions:</a:t>
+            </a:r>
+          </a:p>
+          <a:p>
+            <a:r>
+              <a:rPr lang="en-US" sz="1200" kern="1200" dirty="0">
+                <a:solidFill>
+                  <a:schemeClr val="tx1"/>
+                </a:solidFill>
+                <a:effectLst/>
+                <a:latin typeface="Arial" pitchFamily="-110" charset="0"/>
+                <a:ea typeface="ＭＳ Ｐゴシック" pitchFamily="-110" charset="-128"/>
+                <a:cs typeface="ＭＳ Ｐゴシック" pitchFamily="-110" charset="-128"/>
+              </a:rPr>
+              <a:t>[1, 200], [201, 400], [401, 600], [601, 800], and [801, 1000]; then assign index values 1,</a:t>
+            </a:r>
+          </a:p>
+          <a:p>
+            <a:r>
+              <a:rPr lang="en-US" sz="1200" kern="1200" dirty="0">
+                <a:solidFill>
+                  <a:schemeClr val="tx1"/>
+                </a:solidFill>
+                <a:effectLst/>
+                <a:latin typeface="Arial" pitchFamily="-110" charset="0"/>
+                <a:ea typeface="ＭＳ Ｐゴシック" pitchFamily="-110" charset="-128"/>
+                <a:cs typeface="ＭＳ Ｐゴシック" pitchFamily="-110" charset="-128"/>
+              </a:rPr>
+              <a:t>2, 3, 4, and 5, respectively. For a text field, we can derive an index from the first letter</a:t>
+            </a:r>
+          </a:p>
+          <a:p>
+            <a:r>
+              <a:rPr lang="en-US" sz="1200" kern="1200" dirty="0">
+                <a:solidFill>
+                  <a:schemeClr val="tx1"/>
+                </a:solidFill>
+                <a:effectLst/>
+                <a:latin typeface="Arial" pitchFamily="-110" charset="0"/>
+                <a:ea typeface="ＭＳ Ｐゴシック" pitchFamily="-110" charset="-128"/>
+                <a:cs typeface="ＭＳ Ｐゴシック" pitchFamily="-110" charset="-128"/>
+              </a:rPr>
+              <a:t>of the attribute value. For the attribute </a:t>
+            </a:r>
+            <a:r>
+              <a:rPr lang="en-US" sz="1200" kern="1200" dirty="0" err="1">
+                <a:solidFill>
+                  <a:schemeClr val="tx1"/>
+                </a:solidFill>
+                <a:effectLst/>
+                <a:latin typeface="Arial" pitchFamily="-110" charset="0"/>
+                <a:ea typeface="ＭＳ Ｐゴシック" pitchFamily="-110" charset="-128"/>
+                <a:cs typeface="ＭＳ Ｐゴシック" pitchFamily="-110" charset="-128"/>
+              </a:rPr>
+              <a:t>ename</a:t>
+            </a:r>
+            <a:r>
+              <a:rPr lang="en-US" sz="1200" kern="1200" dirty="0">
+                <a:solidFill>
+                  <a:schemeClr val="tx1"/>
+                </a:solidFill>
+                <a:effectLst/>
+                <a:latin typeface="Arial" pitchFamily="-110" charset="0"/>
+                <a:ea typeface="ＭＳ Ｐゴシック" pitchFamily="-110" charset="-128"/>
+                <a:cs typeface="ＭＳ Ｐゴシック" pitchFamily="-110" charset="-128"/>
+              </a:rPr>
+              <a:t> , let us assign index 1 to values starting</a:t>
+            </a:r>
+          </a:p>
+          <a:p>
+            <a:r>
+              <a:rPr lang="en-US" sz="1200" kern="1200" dirty="0">
+                <a:solidFill>
+                  <a:schemeClr val="tx1"/>
+                </a:solidFill>
+                <a:effectLst/>
+                <a:latin typeface="Arial" pitchFamily="-110" charset="0"/>
+                <a:ea typeface="ＭＳ Ｐゴシック" pitchFamily="-110" charset="-128"/>
+                <a:cs typeface="ＭＳ Ｐゴシック" pitchFamily="-110" charset="-128"/>
+              </a:rPr>
+              <a:t>with A or B, index 2 to values starting with C or D, and so on. Similar partitioning</a:t>
+            </a:r>
+          </a:p>
+          <a:p>
+            <a:r>
+              <a:rPr lang="en-US" sz="1200" kern="1200" dirty="0">
+                <a:solidFill>
+                  <a:schemeClr val="tx1"/>
+                </a:solidFill>
+                <a:effectLst/>
+                <a:latin typeface="Arial" pitchFamily="-110" charset="0"/>
+                <a:ea typeface="ＭＳ Ｐゴシック" pitchFamily="-110" charset="-128"/>
+                <a:cs typeface="ＭＳ Ｐゴシック" pitchFamily="-110" charset="-128"/>
+              </a:rPr>
+              <a:t>schemes can be used for each of the attributes. Table 5.3b shows the resulting table.</a:t>
+            </a:r>
+          </a:p>
+          <a:p>
+            <a:r>
+              <a:rPr lang="en-US" sz="1200" kern="1200" dirty="0">
+                <a:solidFill>
+                  <a:schemeClr val="tx1"/>
+                </a:solidFill>
+                <a:effectLst/>
+                <a:latin typeface="Arial" pitchFamily="-110" charset="0"/>
+                <a:ea typeface="ＭＳ Ｐゴシック" pitchFamily="-110" charset="-128"/>
+                <a:cs typeface="ＭＳ Ｐゴシック" pitchFamily="-110" charset="-128"/>
+              </a:rPr>
+              <a:t>The values in the first column represent the encrypted values for each row. The actual</a:t>
+            </a:r>
+          </a:p>
+          <a:p>
+            <a:r>
+              <a:rPr lang="en-US" sz="1200" kern="1200" dirty="0">
+                <a:solidFill>
+                  <a:schemeClr val="tx1"/>
+                </a:solidFill>
+                <a:effectLst/>
+                <a:latin typeface="Arial" pitchFamily="-110" charset="0"/>
+                <a:ea typeface="ＭＳ Ｐゴシック" pitchFamily="-110" charset="-128"/>
+                <a:cs typeface="ＭＳ Ｐゴシック" pitchFamily="-110" charset="-128"/>
+              </a:rPr>
+              <a:t>values depend on the encryption algorithm and the encryption key. The remaining</a:t>
+            </a:r>
+          </a:p>
+          <a:p>
+            <a:r>
+              <a:rPr lang="en-US" sz="1200" kern="1200" dirty="0">
+                <a:solidFill>
+                  <a:schemeClr val="tx1"/>
+                </a:solidFill>
+                <a:effectLst/>
+                <a:latin typeface="Arial" pitchFamily="-110" charset="0"/>
+                <a:ea typeface="ＭＳ Ｐゴシック" pitchFamily="-110" charset="-128"/>
+                <a:cs typeface="ＭＳ Ｐゴシック" pitchFamily="-110" charset="-128"/>
+              </a:rPr>
+              <a:t> columns show index values for the corresponding attribute values. The mapping functions</a:t>
+            </a:r>
+          </a:p>
+          <a:p>
+            <a:r>
+              <a:rPr lang="en-US" sz="1200" kern="1200" dirty="0">
+                <a:solidFill>
+                  <a:schemeClr val="tx1"/>
+                </a:solidFill>
+                <a:effectLst/>
+                <a:latin typeface="Arial" pitchFamily="-110" charset="0"/>
+                <a:ea typeface="ＭＳ Ｐゴシック" pitchFamily="-110" charset="-128"/>
+                <a:cs typeface="ＭＳ Ｐゴシック" pitchFamily="-110" charset="-128"/>
+              </a:rPr>
+              <a:t>between attribute values and index values constitute metadata that are stored</a:t>
+            </a:r>
+          </a:p>
+          <a:p>
+            <a:r>
+              <a:rPr lang="en-US" sz="1200" kern="1200" dirty="0">
+                <a:solidFill>
+                  <a:schemeClr val="tx1"/>
+                </a:solidFill>
+                <a:effectLst/>
+                <a:latin typeface="Arial" pitchFamily="-110" charset="0"/>
+                <a:ea typeface="ＭＳ Ｐゴシック" pitchFamily="-110" charset="-128"/>
+                <a:cs typeface="ＭＳ Ｐゴシック" pitchFamily="-110" charset="-128"/>
+              </a:rPr>
+              <a:t>at the client and data owner locations but not at the server.</a:t>
+            </a:r>
+          </a:p>
+          <a:p>
+            <a:r>
+              <a:rPr lang="en-US" sz="1200" kern="1200" dirty="0">
+                <a:solidFill>
+                  <a:schemeClr val="tx1"/>
+                </a:solidFill>
+                <a:effectLst/>
+                <a:latin typeface="Arial" pitchFamily="-110" charset="0"/>
+                <a:ea typeface="ＭＳ Ｐゴシック" pitchFamily="-110" charset="-128"/>
+                <a:cs typeface="ＭＳ Ｐゴシック" pitchFamily="-110" charset="-128"/>
+              </a:rPr>
+              <a:t>This arrangement provides for more efficient data retrieval. Suppose, for</a:t>
+            </a:r>
+          </a:p>
+          <a:p>
+            <a:r>
+              <a:rPr lang="en-US" sz="1200" kern="1200" dirty="0">
+                <a:solidFill>
+                  <a:schemeClr val="tx1"/>
+                </a:solidFill>
+                <a:effectLst/>
+                <a:latin typeface="Arial" pitchFamily="-110" charset="0"/>
+                <a:ea typeface="ＭＳ Ｐゴシック" pitchFamily="-110" charset="-128"/>
+                <a:cs typeface="ＭＳ Ｐゴシック" pitchFamily="-110" charset="-128"/>
+              </a:rPr>
+              <a:t>example,</a:t>
+            </a:r>
+            <a:r>
+              <a:rPr lang="en-US" sz="1200" kern="1200" baseline="0" dirty="0">
+                <a:solidFill>
+                  <a:schemeClr val="tx1"/>
+                </a:solidFill>
+                <a:effectLst/>
+                <a:latin typeface="Arial" pitchFamily="-110" charset="0"/>
+                <a:ea typeface="ＭＳ Ｐゴシック" pitchFamily="-110" charset="-128"/>
+                <a:cs typeface="ＭＳ Ｐゴシック" pitchFamily="-110" charset="-128"/>
+              </a:rPr>
+              <a:t> </a:t>
+            </a:r>
+            <a:r>
+              <a:rPr lang="en-US" sz="1200" kern="1200" dirty="0">
+                <a:solidFill>
+                  <a:schemeClr val="tx1"/>
+                </a:solidFill>
+                <a:effectLst/>
+                <a:latin typeface="Arial" pitchFamily="-110" charset="0"/>
+                <a:ea typeface="ＭＳ Ｐゴシック" pitchFamily="-110" charset="-128"/>
+                <a:cs typeface="ＭＳ Ｐゴシック" pitchFamily="-110" charset="-128"/>
+              </a:rPr>
+              <a:t>a user requests records for all employees with </a:t>
+            </a:r>
+            <a:r>
+              <a:rPr lang="en-US" sz="1200" kern="1200" dirty="0" err="1">
+                <a:solidFill>
+                  <a:schemeClr val="tx1"/>
+                </a:solidFill>
+                <a:effectLst/>
+                <a:latin typeface="Arial" pitchFamily="-110" charset="0"/>
+                <a:ea typeface="ＭＳ Ｐゴシック" pitchFamily="-110" charset="-128"/>
+                <a:cs typeface="ＭＳ Ｐゴシック" pitchFamily="-110" charset="-128"/>
+              </a:rPr>
+              <a:t>eid</a:t>
+            </a:r>
+            <a:r>
+              <a:rPr lang="en-US" sz="1200" kern="1200" dirty="0">
+                <a:solidFill>
+                  <a:schemeClr val="tx1"/>
+                </a:solidFill>
+                <a:effectLst/>
+                <a:latin typeface="Arial" pitchFamily="-110" charset="0"/>
+                <a:ea typeface="ＭＳ Ｐゴシック" pitchFamily="-110" charset="-128"/>
+                <a:cs typeface="ＭＳ Ｐゴシック" pitchFamily="-110" charset="-128"/>
+              </a:rPr>
+              <a:t> 6 &lt; 300. The query processor</a:t>
+            </a:r>
+          </a:p>
+          <a:p>
+            <a:r>
+              <a:rPr lang="en-US" sz="1200" kern="1200" dirty="0">
+                <a:solidFill>
+                  <a:schemeClr val="tx1"/>
+                </a:solidFill>
+                <a:effectLst/>
+                <a:latin typeface="Arial" pitchFamily="-110" charset="0"/>
+                <a:ea typeface="ＭＳ Ｐゴシック" pitchFamily="-110" charset="-128"/>
+                <a:cs typeface="ＭＳ Ｐゴシック" pitchFamily="-110" charset="-128"/>
+              </a:rPr>
+              <a:t>requests all records with I (</a:t>
+            </a:r>
+            <a:r>
+              <a:rPr lang="en-US" sz="1200" kern="1200" dirty="0" err="1">
+                <a:solidFill>
+                  <a:schemeClr val="tx1"/>
+                </a:solidFill>
+                <a:effectLst/>
+                <a:latin typeface="Arial" pitchFamily="-110" charset="0"/>
+                <a:ea typeface="ＭＳ Ｐゴシック" pitchFamily="-110" charset="-128"/>
+                <a:cs typeface="ＭＳ Ｐゴシック" pitchFamily="-110" charset="-128"/>
+              </a:rPr>
+              <a:t>eid</a:t>
+            </a:r>
+            <a:r>
+              <a:rPr lang="en-US" sz="1200" kern="1200" dirty="0">
+                <a:solidFill>
+                  <a:schemeClr val="tx1"/>
+                </a:solidFill>
+                <a:effectLst/>
+                <a:latin typeface="Arial" pitchFamily="-110" charset="0"/>
+                <a:ea typeface="ＭＳ Ｐゴシック" pitchFamily="-110" charset="-128"/>
+                <a:cs typeface="ＭＳ Ｐゴシック" pitchFamily="-110" charset="-128"/>
+              </a:rPr>
+              <a:t> ) =  2. These are returned by the server. The query</a:t>
+            </a:r>
+          </a:p>
+          <a:p>
+            <a:r>
+              <a:rPr lang="en-US" sz="1200" kern="1200" dirty="0">
+                <a:solidFill>
+                  <a:schemeClr val="tx1"/>
+                </a:solidFill>
+                <a:effectLst/>
+                <a:latin typeface="Arial" pitchFamily="-110" charset="0"/>
+                <a:ea typeface="ＭＳ Ｐゴシック" pitchFamily="-110" charset="-128"/>
+                <a:cs typeface="ＭＳ Ｐゴシック" pitchFamily="-110" charset="-128"/>
+              </a:rPr>
+              <a:t>processor decrypts all rows returned, discards those that do not match the original</a:t>
+            </a:r>
+          </a:p>
+          <a:p>
+            <a:r>
+              <a:rPr lang="en-US" sz="1200" kern="1200" dirty="0">
+                <a:solidFill>
+                  <a:schemeClr val="tx1"/>
+                </a:solidFill>
+                <a:effectLst/>
+                <a:latin typeface="Arial" pitchFamily="-110" charset="0"/>
+                <a:ea typeface="ＭＳ Ｐゴシック" pitchFamily="-110" charset="-128"/>
+                <a:cs typeface="ＭＳ Ｐゴシック" pitchFamily="-110" charset="-128"/>
+              </a:rPr>
+              <a:t>query, and returns the requested unencrypted data to the user.</a:t>
+            </a:r>
+          </a:p>
+          <a:p>
+            <a:endParaRPr lang="en-US" sz="1200" kern="1200" dirty="0">
+              <a:solidFill>
+                <a:schemeClr val="tx1"/>
+              </a:solidFill>
+              <a:effectLst/>
+              <a:latin typeface="Arial" pitchFamily="-110" charset="0"/>
+              <a:ea typeface="ＭＳ Ｐゴシック" pitchFamily="-110" charset="-128"/>
+              <a:cs typeface="ＭＳ Ｐゴシック" pitchFamily="-110" charset="-128"/>
+            </a:endParaRPr>
+          </a:p>
+          <a:p>
+            <a:r>
+              <a:rPr lang="en-US" sz="1200" kern="1200" dirty="0">
+                <a:solidFill>
+                  <a:schemeClr val="tx1"/>
+                </a:solidFill>
+                <a:effectLst/>
+                <a:latin typeface="Arial" pitchFamily="-110" charset="0"/>
+                <a:ea typeface="ＭＳ Ｐゴシック" pitchFamily="-110" charset="-128"/>
+                <a:cs typeface="ＭＳ Ｐゴシック" pitchFamily="-110" charset="-128"/>
+              </a:rPr>
+              <a:t>The indexing scheme just described does provide a certain amount of information</a:t>
+            </a:r>
+          </a:p>
+          <a:p>
+            <a:r>
+              <a:rPr lang="en-US" sz="1200" kern="1200" dirty="0">
+                <a:solidFill>
+                  <a:schemeClr val="tx1"/>
+                </a:solidFill>
+                <a:effectLst/>
+                <a:latin typeface="Arial" pitchFamily="-110" charset="0"/>
+                <a:ea typeface="ＭＳ Ｐゴシック" pitchFamily="-110" charset="-128"/>
+                <a:cs typeface="ＭＳ Ｐゴシック" pitchFamily="-110" charset="-128"/>
+              </a:rPr>
+              <a:t>to an attacker, namely a rough relative ordering of rows by a given attribute. To</a:t>
+            </a:r>
+          </a:p>
+          <a:p>
+            <a:r>
+              <a:rPr lang="en-US" sz="1200" kern="1200" dirty="0">
+                <a:solidFill>
+                  <a:schemeClr val="tx1"/>
+                </a:solidFill>
+                <a:effectLst/>
+                <a:latin typeface="Arial" pitchFamily="-110" charset="0"/>
+                <a:ea typeface="ＭＳ Ｐゴシック" pitchFamily="-110" charset="-128"/>
+                <a:cs typeface="ＭＳ Ｐゴシック" pitchFamily="-110" charset="-128"/>
+              </a:rPr>
+              <a:t>obscure such information, the ordering of indexes can be randomized. For example,</a:t>
+            </a:r>
+          </a:p>
+          <a:p>
+            <a:r>
+              <a:rPr lang="en-US" sz="1200" kern="1200" dirty="0">
+                <a:solidFill>
+                  <a:schemeClr val="tx1"/>
+                </a:solidFill>
+                <a:effectLst/>
+                <a:latin typeface="Arial" pitchFamily="-110" charset="0"/>
+                <a:ea typeface="ＭＳ Ｐゴシック" pitchFamily="-110" charset="-128"/>
+                <a:cs typeface="ＭＳ Ｐゴシック" pitchFamily="-110" charset="-128"/>
+              </a:rPr>
+              <a:t>the </a:t>
+            </a:r>
+            <a:r>
+              <a:rPr lang="en-US" sz="1200" kern="1200" dirty="0" err="1">
+                <a:solidFill>
+                  <a:schemeClr val="tx1"/>
+                </a:solidFill>
+                <a:effectLst/>
+                <a:latin typeface="Arial" pitchFamily="-110" charset="0"/>
+                <a:ea typeface="ＭＳ Ｐゴシック" pitchFamily="-110" charset="-128"/>
+                <a:cs typeface="ＭＳ Ｐゴシック" pitchFamily="-110" charset="-128"/>
+              </a:rPr>
+              <a:t>eid</a:t>
+            </a:r>
+            <a:r>
+              <a:rPr lang="en-US" sz="1200" kern="1200" dirty="0">
+                <a:solidFill>
+                  <a:schemeClr val="tx1"/>
+                </a:solidFill>
+                <a:effectLst/>
+                <a:latin typeface="Arial" pitchFamily="-110" charset="0"/>
+                <a:ea typeface="ＭＳ Ｐゴシック" pitchFamily="-110" charset="-128"/>
+                <a:cs typeface="ＭＳ Ｐゴシック" pitchFamily="-110" charset="-128"/>
+              </a:rPr>
+              <a:t>  values could be partitioned by mapping [1, 200], [201, 400], [401, 600],</a:t>
+            </a:r>
+          </a:p>
+          <a:p>
+            <a:r>
+              <a:rPr lang="en-US" sz="1200" kern="1200" dirty="0">
+                <a:solidFill>
+                  <a:schemeClr val="tx1"/>
+                </a:solidFill>
+                <a:effectLst/>
+                <a:latin typeface="Arial" pitchFamily="-110" charset="0"/>
+                <a:ea typeface="ＭＳ Ｐゴシック" pitchFamily="-110" charset="-128"/>
+                <a:cs typeface="ＭＳ Ｐゴシック" pitchFamily="-110" charset="-128"/>
+              </a:rPr>
+              <a:t>[601, 800], and [801, 1000] into 2, 3, 5, 1, and 4, respectively. Because the metadata are</a:t>
+            </a:r>
+          </a:p>
+          <a:p>
+            <a:r>
+              <a:rPr lang="en-US" sz="1200" kern="1200" dirty="0">
+                <a:solidFill>
+                  <a:schemeClr val="tx1"/>
+                </a:solidFill>
+                <a:effectLst/>
+                <a:latin typeface="Arial" pitchFamily="-110" charset="0"/>
+                <a:ea typeface="ＭＳ Ｐゴシック" pitchFamily="-110" charset="-128"/>
+                <a:cs typeface="ＭＳ Ｐゴシック" pitchFamily="-110" charset="-128"/>
+              </a:rPr>
+              <a:t>not stored at the server, an attacker could not gain this information from the server.</a:t>
+            </a:r>
+          </a:p>
+          <a:p>
+            <a:endParaRPr lang="en-US" sz="1200" kern="1200" dirty="0">
+              <a:solidFill>
+                <a:schemeClr val="tx1"/>
+              </a:solidFill>
+              <a:effectLst/>
+              <a:latin typeface="Arial" pitchFamily="-110" charset="0"/>
+              <a:ea typeface="ＭＳ Ｐゴシック" pitchFamily="-110" charset="-128"/>
+              <a:cs typeface="ＭＳ Ｐゴシック" pitchFamily="-110" charset="-128"/>
+            </a:endParaRPr>
+          </a:p>
+          <a:p>
+            <a:r>
+              <a:rPr lang="en-US" sz="1200" kern="1200" dirty="0">
+                <a:solidFill>
+                  <a:schemeClr val="tx1"/>
+                </a:solidFill>
+                <a:effectLst/>
+                <a:latin typeface="Arial" pitchFamily="-110" charset="0"/>
+                <a:ea typeface="ＭＳ Ｐゴシック" pitchFamily="-110" charset="-128"/>
+                <a:cs typeface="ＭＳ Ｐゴシック" pitchFamily="-110" charset="-128"/>
+              </a:rPr>
+              <a:t>Other features may be added to this scheme. To increase the efficiency of accessing</a:t>
+            </a:r>
+          </a:p>
+          <a:p>
+            <a:r>
+              <a:rPr lang="en-US" sz="1200" kern="1200" dirty="0">
+                <a:solidFill>
+                  <a:schemeClr val="tx1"/>
+                </a:solidFill>
+                <a:effectLst/>
+                <a:latin typeface="Arial" pitchFamily="-110" charset="0"/>
+                <a:ea typeface="ＭＳ Ｐゴシック" pitchFamily="-110" charset="-128"/>
+                <a:cs typeface="ＭＳ Ｐゴシック" pitchFamily="-110" charset="-128"/>
+              </a:rPr>
+              <a:t>records by means of the primary key, the system could use the encrypted value of</a:t>
+            </a:r>
+          </a:p>
+          <a:p>
+            <a:r>
+              <a:rPr lang="en-US" sz="1200" kern="1200" dirty="0">
+                <a:solidFill>
+                  <a:schemeClr val="tx1"/>
+                </a:solidFill>
+                <a:effectLst/>
+                <a:latin typeface="Arial" pitchFamily="-110" charset="0"/>
+                <a:ea typeface="ＭＳ Ｐゴシック" pitchFamily="-110" charset="-128"/>
+                <a:cs typeface="ＭＳ Ｐゴシック" pitchFamily="-110" charset="-128"/>
+              </a:rPr>
+              <a:t>the primary key attribute values, or a hash value. In either case, the row corresponding</a:t>
+            </a:r>
+          </a:p>
+          <a:p>
+            <a:r>
+              <a:rPr lang="en-US" sz="1200" kern="1200" dirty="0">
+                <a:solidFill>
+                  <a:schemeClr val="tx1"/>
+                </a:solidFill>
+                <a:effectLst/>
+                <a:latin typeface="Arial" pitchFamily="-110" charset="0"/>
+                <a:ea typeface="ＭＳ Ｐゴシック" pitchFamily="-110" charset="-128"/>
+                <a:cs typeface="ＭＳ Ｐゴシック" pitchFamily="-110" charset="-128"/>
+              </a:rPr>
+              <a:t>to the primary key value could be retrieved individually. Different portions of the</a:t>
+            </a:r>
+          </a:p>
+          <a:p>
+            <a:r>
+              <a:rPr lang="en-US" sz="1200" kern="1200" dirty="0">
+                <a:solidFill>
+                  <a:schemeClr val="tx1"/>
+                </a:solidFill>
+                <a:effectLst/>
+                <a:latin typeface="Arial" pitchFamily="-110" charset="0"/>
+                <a:ea typeface="ＭＳ Ｐゴシック" pitchFamily="-110" charset="-128"/>
+                <a:cs typeface="ＭＳ Ｐゴシック" pitchFamily="-110" charset="-128"/>
+              </a:rPr>
+              <a:t>database could be encrypted with different keys, so users would only have access to</a:t>
+            </a:r>
+          </a:p>
+          <a:p>
+            <a:r>
+              <a:rPr lang="en-US" sz="1200" kern="1200" dirty="0">
+                <a:solidFill>
+                  <a:schemeClr val="tx1"/>
+                </a:solidFill>
+                <a:effectLst/>
+                <a:latin typeface="Arial" pitchFamily="-110" charset="0"/>
+                <a:ea typeface="ＭＳ Ｐゴシック" pitchFamily="-110" charset="-128"/>
+                <a:cs typeface="ＭＳ Ｐゴシック" pitchFamily="-110" charset="-128"/>
+              </a:rPr>
+              <a:t>that portion of the database for which they had the decryption key. This latter scheme</a:t>
+            </a:r>
+          </a:p>
+          <a:p>
+            <a:r>
+              <a:rPr lang="en-US" sz="1200" kern="1200" dirty="0">
+                <a:solidFill>
+                  <a:schemeClr val="tx1"/>
+                </a:solidFill>
+                <a:effectLst/>
+                <a:latin typeface="Arial" pitchFamily="-110" charset="0"/>
+                <a:ea typeface="ＭＳ Ｐゴシック" pitchFamily="-110" charset="-128"/>
+                <a:cs typeface="ＭＳ Ｐゴシック" pitchFamily="-110" charset="-128"/>
+              </a:rPr>
+              <a:t>could be incorporated into a role-based access control system.</a:t>
+            </a:r>
+          </a:p>
+          <a:p>
+            <a:endParaRPr lang="en-US" sz="1200" kern="1200" dirty="0">
+              <a:solidFill>
+                <a:schemeClr val="tx1"/>
+              </a:solidFill>
+              <a:effectLst/>
+              <a:latin typeface="Arial" pitchFamily="-110" charset="0"/>
+              <a:ea typeface="ＭＳ Ｐゴシック" pitchFamily="-110" charset="-128"/>
+              <a:cs typeface="ＭＳ Ｐゴシック" pitchFamily="-110" charset="-128"/>
+            </a:endParaRPr>
+          </a:p>
+          <a:p>
+            <a:endParaRPr lang="en-SE" dirty="0"/>
+          </a:p>
+        </p:txBody>
+      </p:sp>
+      <p:sp>
+        <p:nvSpPr>
+          <p:cNvPr id="4" name="Slide Number Placeholder 3"/>
+          <p:cNvSpPr>
+            <a:spLocks noGrp="1"/>
+          </p:cNvSpPr>
+          <p:nvPr>
+            <p:ph type="sldNum" sz="quarter" idx="5"/>
+          </p:nvPr>
+        </p:nvSpPr>
+        <p:spPr/>
+        <p:txBody>
+          <a:bodyPr/>
+          <a:lstStyle/>
+          <a:p>
+            <a:fld id="{F8560DBF-F109-8946-ADF0-EE66B221E988}" type="slidenum">
+              <a:rPr lang="en-AU" smtClean="0"/>
+              <a:pPr/>
               <a:t>36</a:t>
             </a:fld>
             <a:endParaRPr lang="en-AU" dirty="0"/>
@@ -8950,7 +9059,7 @@
 </p:notes>
 </file>
 
-<file path=ppt/notesSlides/notesSlide26.xml><?xml version="1.0" encoding="utf-8"?>
+<file path=ppt/notesSlides/notesSlide27.xml><?xml version="1.0" encoding="utf-8"?>
 <p:notes xmlns:a="http://schemas.openxmlformats.org/drawingml/2006/main" xmlns:r="http://schemas.openxmlformats.org/officeDocument/2006/relationships" xmlns:p="http://schemas.openxmlformats.org/presentationml/2006/main">
   <p:cSld>
     <p:spTree>
@@ -10215,62 +10324,27 @@
       </p:grpSpPr>
       <p:sp>
         <p:nvSpPr>
-          <p:cNvPr id="32770" name="Rectangle 7"/>
+          <p:cNvPr id="2" name="Slide Image Placeholder 1"/>
           <p:cNvSpPr>
-            <a:spLocks noGrp="1" noChangeArrowheads="1"/>
-          </p:cNvSpPr>
-          <p:nvPr>
-            <p:ph type="sldNum" sz="quarter" idx="5"/>
-          </p:nvPr>
-        </p:nvSpPr>
-        <p:spPr>
-          <a:noFill/>
-        </p:spPr>
-        <p:txBody>
-          <a:bodyPr/>
-          <a:lstStyle/>
-          <a:p>
-            <a:fld id="{59E3DD2A-7E87-A440-850D-3601378074C8}" type="slidenum">
-              <a:rPr lang="en-AU">
-                <a:latin typeface="Arial" pitchFamily="-109" charset="0"/>
-              </a:rPr>
-              <a:pPr/>
-              <a:t>7</a:t>
-            </a:fld>
-            <a:endParaRPr lang="en-AU">
-              <a:latin typeface="Arial" pitchFamily="-109" charset="0"/>
-            </a:endParaRPr>
-          </a:p>
-        </p:txBody>
-      </p:sp>
-      <p:sp>
-        <p:nvSpPr>
-          <p:cNvPr id="32771" name="Rectangle 2"/>
-          <p:cNvSpPr>
-            <a:spLocks noGrp="1" noRot="1" noChangeAspect="1" noChangeArrowheads="1" noTextEdit="1"/>
+            <a:spLocks noGrp="1" noRot="1" noChangeAspect="1"/>
           </p:cNvSpPr>
           <p:nvPr>
             <p:ph type="sldImg"/>
           </p:nvPr>
         </p:nvSpPr>
-        <p:spPr>
-          <a:ln/>
-        </p:spPr>
+        <p:spPr/>
       </p:sp>
       <p:sp>
         <p:nvSpPr>
-          <p:cNvPr id="32772" name="Rectangle 3"/>
+          <p:cNvPr id="3" name="Notes Placeholder 2"/>
           <p:cNvSpPr>
-            <a:spLocks noGrp="1" noChangeArrowheads="1"/>
+            <a:spLocks noGrp="1"/>
           </p:cNvSpPr>
           <p:nvPr>
             <p:ph type="body" idx="1"/>
           </p:nvPr>
         </p:nvSpPr>
-        <p:spPr>
-          <a:noFill/>
-          <a:ln/>
-        </p:spPr>
+        <p:spPr/>
         <p:txBody>
           <a:bodyPr/>
           <a:lstStyle/>
@@ -10405,12 +10479,39 @@
               <a:cs typeface="ＭＳ Ｐゴシック" pitchFamily="-109" charset="-128"/>
             </a:endParaRPr>
           </a:p>
+          <a:p>
+            <a:endParaRPr lang="en-SE" dirty="0"/>
+          </a:p>
+        </p:txBody>
+      </p:sp>
+      <p:sp>
+        <p:nvSpPr>
+          <p:cNvPr id="4" name="Slide Number Placeholder 3"/>
+          <p:cNvSpPr>
+            <a:spLocks noGrp="1"/>
+          </p:cNvSpPr>
+          <p:nvPr>
+            <p:ph type="sldNum" sz="quarter" idx="5"/>
+          </p:nvPr>
+        </p:nvSpPr>
+        <p:spPr/>
+        <p:txBody>
+          <a:bodyPr/>
+          <a:lstStyle/>
+          <a:p>
+            <a:fld id="{F8560DBF-F109-8946-ADF0-EE66B221E988}" type="slidenum">
+              <a:rPr lang="en-AU" smtClean="0"/>
+              <a:pPr/>
+              <a:t>7</a:t>
+            </a:fld>
+            <a:endParaRPr lang="en-AU" dirty="0"/>
+          </a:p>
         </p:txBody>
       </p:sp>
     </p:spTree>
     <p:extLst>
       <p:ext uri="{BB962C8B-B14F-4D97-AF65-F5344CB8AC3E}">
-        <p14:creationId xmlns:p14="http://schemas.microsoft.com/office/powerpoint/2010/main" val="896543122"/>
+        <p14:creationId xmlns:p14="http://schemas.microsoft.com/office/powerpoint/2010/main" val="3837114663"/>
       </p:ext>
     </p:extLst>
   </p:cSld>
@@ -14594,13 +14695,24 @@
         </p:spPr>
         <p:txBody>
           <a:bodyPr>
-            <a:normAutofit/>
+            <a:normAutofit lnSpcReduction="10000"/>
           </a:bodyPr>
           <a:lstStyle/>
           <a:p>
             <a:r>
               <a:rPr lang="en-US" dirty="0"/>
-              <a:t>User inputs a random string in the password entry and types “EID5002’#” in the </a:t>
+              <a:t>User inputs a random string in the password entry, and </a:t>
+            </a:r>
+            <a:r>
+              <a:rPr lang="en-US" dirty="0">
+                <a:latin typeface="Calibri Light" panose="020F0302020204030204" pitchFamily="34" charset="0"/>
+                <a:cs typeface="Calibri Light" panose="020F0302020204030204" pitchFamily="34" charset="0"/>
+              </a:rPr>
+              <a:t>EID5002’# </a:t>
+            </a:r>
+            <a:r>
+              <a:rPr lang="en-US" dirty="0"/>
+              <a:t>in the </a:t>
             </a:r>
             <a:r>
               <a:rPr lang="en-US" dirty="0" err="1"/>
@@ -14608,7 +14720,13 @@
             </a:r>
             <a:r>
               <a:rPr lang="en-US" dirty="0"/>
-              <a:t> entry. Since everything from the # sign to the end of line is considered as comment, the SQL statement will be equivalent to the right statement, with no password checking </a:t>
+              <a:t> entry. </a:t>
+            </a:r>
+          </a:p>
+          <a:p>
+            <a:r>
+              <a:rPr lang="en-US" dirty="0"/>
+              <a:t>Since everything from the # sign to the end of line is considered as comment, the SQL statement will be equivalent to the right statement, with no password checking </a:t>
             </a:r>
           </a:p>
           <a:p>
@@ -14740,13 +14858,13 @@
         </p:nvSpPr>
         <p:spPr>
           <a:xfrm>
-            <a:off x="323528" y="1196753"/>
-            <a:ext cx="8568952" cy="4313612"/>
+            <a:off x="323528" y="1196752"/>
+            <a:ext cx="8568952" cy="4464496"/>
           </a:xfrm>
         </p:spPr>
         <p:txBody>
           <a:bodyPr>
-            <a:normAutofit fontScale="70000" lnSpcReduction="20000"/>
+            <a:normAutofit fontScale="62500" lnSpcReduction="20000"/>
           </a:bodyPr>
           <a:lstStyle/>
           <a:p>
@@ -14760,7 +14878,26 @@
             </a:pPr>
             <a:r>
               <a:rPr lang="en-US" dirty="0"/>
-              <a:t>Left: user creates a predicate for WHERE clause so that it is true for all records, so it returns all the records from the database, even if she does not know all the EID’s in the database.</a:t>
+              <a:t>Left: user enters </a:t>
+            </a:r>
+            <a:r>
+              <a:rPr lang="en-US" dirty="0">
+                <a:latin typeface="Calibri Light" panose="020F0302020204030204" pitchFamily="34" charset="0"/>
+                <a:cs typeface="Calibri Light" panose="020F0302020204030204" pitchFamily="34" charset="0"/>
+              </a:rPr>
+              <a:t>a’ OR 1=1 </a:t>
+            </a:r>
+            <a:r>
+              <a:rPr lang="en-US" dirty="0"/>
+              <a:t>to create a predicate for WHERE clause, which is always true, so it returns all the records from the database, even if he does not know all the </a:t>
+            </a:r>
+            <a:r>
+              <a:rPr lang="en-US" dirty="0" err="1"/>
+              <a:t>eid’s</a:t>
+            </a:r>
+            <a:r>
+              <a:rPr lang="en-US" dirty="0"/>
+              <a:t> in the database.</a:t>
             </a:r>
           </a:p>
           <a:p>
@@ -14774,7 +14911,14 @@
             </a:pPr>
             <a:r>
               <a:rPr lang="en-US" dirty="0"/>
-              <a:t>Right: </a:t>
+              <a:t>Right: user enters </a:t>
+            </a:r>
+            <a:r>
+              <a:rPr lang="en-US" dirty="0">
+                <a:latin typeface="Calibri Light" panose="020F0302020204030204" pitchFamily="34" charset="0"/>
+                <a:cs typeface="Calibri Light" panose="020F0302020204030204" pitchFamily="34" charset="0"/>
+              </a:rPr>
+              <a:t>a’; DROP table employee. </a:t>
             </a:r>
             <a:r>
               <a:rPr lang="en-US" altLang="zh-CN" dirty="0">
@@ -14782,7 +14926,25 @@
                 <a:ea typeface="ＭＳ Ｐゴシック" pitchFamily="-110" charset="-128"/>
                 <a:cs typeface="ＭＳ Ｐゴシック" pitchFamily="-110" charset="-128"/>
               </a:rPr>
-              <a:t>the database views this SQL statement as 2 separate statements: first select all entries with </a:t>
+              <a:t>The database views this SQL statement as 2 separate statements separated by ; </a:t>
+            </a:r>
+          </a:p>
+          <a:p>
+            <a:pPr lvl="1">
+              <a:spcBef>
+                <a:spcPts val="0"/>
+              </a:spcBef>
+              <a:spcAft>
+                <a:spcPts val="450"/>
+              </a:spcAft>
+            </a:pPr>
+            <a:r>
+              <a:rPr lang="en-US" altLang="zh-CN" dirty="0">
+                <a:latin typeface="Arial" pitchFamily="-110" charset="0"/>
+                <a:ea typeface="ＭＳ Ｐゴシック" pitchFamily="-110" charset="-128"/>
+                <a:cs typeface="ＭＳ Ｐゴシック" pitchFamily="-110" charset="-128"/>
+              </a:rPr>
+              <a:t>First select all entries with </a:t>
             </a:r>
             <a:r>
               <a:rPr lang="en-US" altLang="zh-CN" dirty="0" err="1">
@@ -14822,23 +14984,13 @@
                 <a:latin typeface="Arial" pitchFamily="-110" charset="0"/>
                 <a:ea typeface="ＭＳ Ｐゴシック" pitchFamily="-110" charset="-128"/>
               </a:rPr>
-              <a:t>() to prepend backslashes to some special characters, including \n, \r, \, ‘, “. </a:t>
-            </a:r>
-          </a:p>
-          <a:p>
-            <a:pPr lvl="1"/>
+              <a:t>() to prepend backslashes to some special characters, including \n, \r, \, ‘, “. Now we have: WHERE name = ‘a\‘\; drop table suppliers’. The database looks for a tuple with name matching the long string </a:t>
+            </a:r>
             <a:r>
               <a:rPr lang="en-US" altLang="zh-CN" dirty="0">
-                <a:latin typeface="Arial" pitchFamily="-110" charset="0"/>
-                <a:ea typeface="ＭＳ Ｐゴシック" pitchFamily="-110" charset="-128"/>
-              </a:rPr>
-              <a:t>Now we have: WHERE name = ‘a\‘\; drop table suppliers’. The database looks for a tuple with name matching the long string </a:t>
-            </a:r>
-            <a:r>
-              <a:rPr lang="en-US" altLang="zh-CN" sz="2900" dirty="0">
-                <a:latin typeface="Courier New" panose="02070309020205020404" pitchFamily="49" charset="0"/>
-                <a:ea typeface="ＭＳ Ｐゴシック" pitchFamily="-110" charset="-128"/>
-                <a:cs typeface="Courier New" panose="02070309020205020404" pitchFamily="49" charset="0"/>
+                <a:latin typeface="Calibri Light" panose="020F0302020204030204" pitchFamily="34" charset="0"/>
+                <a:ea typeface="ＭＳ Ｐゴシック" pitchFamily="-110" charset="-128"/>
+                <a:cs typeface="Calibri Light" panose="020F0302020204030204" pitchFamily="34" charset="0"/>
               </a:rPr>
               <a:t>a’; drop table employee</a:t>
             </a:r>
@@ -14923,8 +15075,8 @@
         </p:nvSpPr>
         <p:spPr>
           <a:xfrm>
-            <a:off x="899592" y="5445224"/>
-            <a:ext cx="2796215" cy="830997"/>
+            <a:off x="508248" y="5301208"/>
+            <a:ext cx="3455177" cy="1015663"/>
           </a:xfrm>
           <a:prstGeom prst="rect">
             <a:avLst/>
@@ -14954,30 +15106,30 @@
           <a:lstStyle/>
           <a:p>
             <a:r>
-              <a:rPr lang="en-US" sz="1600" dirty="0"/>
+              <a:rPr lang="en-US" sz="2000" dirty="0"/>
               <a:t>SELECT Name, Salary, SSN</a:t>
             </a:r>
           </a:p>
           <a:p>
             <a:r>
-              <a:rPr lang="en-US" sz="1600" dirty="0"/>
+              <a:rPr lang="en-US" sz="2000" dirty="0"/>
               <a:t>FROM employee</a:t>
             </a:r>
           </a:p>
           <a:p>
             <a:r>
-              <a:rPr lang="en-US" sz="1600" dirty="0"/>
+              <a:rPr lang="en-US" sz="2000" dirty="0"/>
               <a:t>WHERE </a:t>
             </a:r>
             <a:r>
-              <a:rPr lang="en-US" sz="1600" dirty="0" err="1"/>
+              <a:rPr lang="en-US" sz="2000" dirty="0" err="1"/>
               <a:t>eid</a:t>
             </a:r>
             <a:r>
-              <a:rPr lang="en-US" sz="1600" dirty="0"/>
+              <a:rPr lang="en-US" sz="2000" dirty="0"/>
               <a:t>=‘a’ OR 1=1</a:t>
             </a:r>
-            <a:endParaRPr lang="en-SE" sz="1600" dirty="0"/>
+            <a:endParaRPr lang="en-SE" sz="2000" dirty="0"/>
           </a:p>
         </p:txBody>
       </p:sp>
@@ -14995,8 +15147,8 @@
         </p:nvSpPr>
         <p:spPr>
           <a:xfrm>
-            <a:off x="5058782" y="5445224"/>
-            <a:ext cx="3750835" cy="830997"/>
+            <a:off x="4241655" y="5303913"/>
+            <a:ext cx="4650825" cy="1015663"/>
           </a:xfrm>
           <a:prstGeom prst="rect">
             <a:avLst/>
@@ -15026,30 +15178,30 @@
           <a:lstStyle/>
           <a:p>
             <a:r>
-              <a:rPr lang="en-US" sz="1600" dirty="0"/>
+              <a:rPr lang="en-US" sz="2000" dirty="0"/>
               <a:t>SELECT Name, Salary, SSN</a:t>
             </a:r>
           </a:p>
           <a:p>
             <a:r>
-              <a:rPr lang="en-US" sz="1600" dirty="0"/>
+              <a:rPr lang="en-US" sz="2000" dirty="0"/>
               <a:t>FROM employee</a:t>
             </a:r>
           </a:p>
           <a:p>
             <a:r>
-              <a:rPr lang="en-US" sz="1600" dirty="0"/>
+              <a:rPr lang="en-US" sz="2000" dirty="0"/>
               <a:t>WHERE </a:t>
             </a:r>
             <a:r>
-              <a:rPr lang="en-US" sz="1600" dirty="0" err="1"/>
+              <a:rPr lang="en-US" sz="2000" dirty="0" err="1"/>
               <a:t>eid</a:t>
             </a:r>
             <a:r>
-              <a:rPr lang="en-US" sz="1600" dirty="0"/>
+              <a:rPr lang="en-US" sz="2000" dirty="0"/>
               <a:t>=‘a’; DROP table employee</a:t>
             </a:r>
-            <a:endParaRPr lang="en-SE" sz="1600" dirty="0"/>
+            <a:endParaRPr lang="en-SE" sz="2000" dirty="0"/>
           </a:p>
         </p:txBody>
       </p:sp>
@@ -16081,7 +16233,7 @@
                 <a:ea typeface="ＭＳ Ｐゴシック" pitchFamily="-109" charset="-128"/>
                 <a:cs typeface="ＭＳ Ｐゴシック" pitchFamily="-109" charset="-128"/>
               </a:rPr>
-              <a:t>It enables user Alice to query any table in the database; but Alice cannot further propagate the access to other users, due to lack of “WITH GRANT OPTION” (similar to * in Access Control Matrix in CH05)</a:t>
+              <a:t>It enables user Alice to query any table in the database; but Alice cannot further propagate the access to other users, due to lack of “WITH GRANT OPTION” (similar to * in Access Control Matrix in CH04)</a:t>
             </a:r>
           </a:p>
           <a:p>
@@ -16699,7 +16851,7 @@
                 <a:ea typeface="ＭＳ Ｐゴシック" pitchFamily="-109" charset="-128"/>
                 <a:cs typeface="ＭＳ Ｐゴシック" pitchFamily="-109" charset="-128"/>
               </a:rPr>
-              <a:t>when user A revokes an access right, any cascaded access right is also revoked, unless that access right would exist even if the original grant from A had never occurred. 	</a:t>
+              <a:t>when user A revokes an access right, any cascaded access right is also revoked, unless that access right would exist even if the original grant from A had never occurred, i.e., it does not depend on the original grant from A.</a:t>
             </a:r>
           </a:p>
           <a:p>
@@ -16890,54 +17042,54 @@
         <p:spPr>
           <a:xfrm>
             <a:off x="457200" y="1196752"/>
-            <a:ext cx="8229600" cy="2808312"/>
+            <a:ext cx="8229600" cy="3638952"/>
           </a:xfrm>
         </p:spPr>
         <p:txBody>
           <a:bodyPr>
-            <a:normAutofit fontScale="47500" lnSpcReduction="20000"/>
+            <a:normAutofit fontScale="55000" lnSpcReduction="20000"/>
           </a:bodyPr>
           <a:lstStyle/>
           <a:p>
             <a:pPr algn="just"/>
             <a:r>
               <a:rPr lang="en-US" altLang="zh-CN" dirty="0"/>
-              <a:t>Q: If the grant from Chris to David at t=30 is revoked at time 65, what happens to downstream grants?</a:t>
+              <a:t>Q: If the grant from Chris to David at t=50 is revoked, what happens to downstream grants?</a:t>
             </a:r>
           </a:p>
           <a:p>
             <a:pPr algn="just"/>
             <a:r>
               <a:rPr lang="en-US" altLang="zh-CN" dirty="0"/>
-              <a:t>ANS: None of the downstream grants will be revoked, since they now depend on the grant from Bob to David at t=10, not the grant from Chris to David at t=30 </a:t>
+              <a:t>ANS: None of the downstream grants will be revoked, since they depend on the grant from Bob to David at t=30, not the grant from Chris to David at t=50 </a:t>
             </a:r>
           </a:p>
           <a:p>
             <a:pPr algn="just"/>
             <a:r>
               <a:rPr lang="en-US" altLang="zh-CN" dirty="0"/>
-              <a:t>Q: If the grant from Ann to Chris at t=20 is revoked at time 65, what happens to downstream grants?</a:t>
+              <a:t>Q: If the grant from Ann to Chris at t=20 is revoked, what happens to downstream grants?</a:t>
             </a:r>
           </a:p>
           <a:p>
             <a:pPr algn="just"/>
             <a:r>
               <a:rPr lang="en-US" altLang="zh-CN" dirty="0"/>
-              <a:t>A: The grant from Chris to David at t=30 will be revoked; all other grants remain</a:t>
+              <a:t>ANS: The grant from Chris to David at t=50 will be revoked; all other grants remain</a:t>
             </a:r>
           </a:p>
           <a:p>
             <a:pPr algn="just"/>
             <a:r>
               <a:rPr lang="en-US" altLang="zh-CN" dirty="0"/>
-              <a:t>Q: If the grant from Ann to Bob at t=10 is revoked at time 65, what happens to downstream grants?</a:t>
+              <a:t>Q: If the grant from Ann to Bob at t=10 is revoked, what happens to downstream grants?</a:t>
             </a:r>
           </a:p>
           <a:p>
             <a:pPr algn="just"/>
             <a:r>
               <a:rPr lang="en-US" altLang="zh-CN" dirty="0"/>
-              <a:t>A: The grant from Bob to David, from David to Ellen, and from Ellen to Jim will be revoked; all other grants remain</a:t>
+              <a:t>ANS: The grant from Bob to David, from David to Ellen, and from Ellen to Jim will be revoked; all other grants remain</a:t>
             </a:r>
             <a:endParaRPr lang="zh-CN" altLang="en-US" dirty="0"/>
           </a:p>
@@ -16993,10 +17145,10 @@
       </p:sp>
       <p:pic>
         <p:nvPicPr>
-          <p:cNvPr id="5" name="Picture 4">
+          <p:cNvPr id="6" name="Picture 5">
             <a:extLst>
               <a:ext uri="{FF2B5EF4-FFF2-40B4-BE49-F238E27FC236}">
-                <a16:creationId xmlns:a16="http://schemas.microsoft.com/office/drawing/2014/main" id="{3F5F5D74-BDB5-4A82-8AB4-BE739D08FBDD}"/>
+                <a16:creationId xmlns:a16="http://schemas.microsoft.com/office/drawing/2014/main" id="{76928728-F9AD-4F9D-9A0D-C420331B5B24}"/>
               </a:ext>
             </a:extLst>
           </p:cNvPr>
@@ -17013,8 +17165,8 @@
         </p:blipFill>
         <p:spPr>
           <a:xfrm>
-            <a:off x="2121190" y="3809569"/>
-            <a:ext cx="4901620" cy="2996952"/>
+            <a:off x="791580" y="4835704"/>
+            <a:ext cx="7632848" cy="1829979"/>
           </a:xfrm>
           <a:prstGeom prst="rect">
             <a:avLst/>
@@ -18075,8 +18227,8 @@
         </p:nvSpPr>
         <p:spPr>
           <a:xfrm>
-            <a:off x="457200" y="1600200"/>
-            <a:ext cx="8229600" cy="4925144"/>
+            <a:off x="457200" y="1268760"/>
+            <a:ext cx="8229600" cy="5256584"/>
           </a:xfrm>
         </p:spPr>
         <p:txBody>
@@ -18135,7 +18287,7 @@
             <a:pPr lvl="1"/>
             <a:r>
               <a:rPr lang="en-US" altLang="zh-CN" dirty="0"/>
-              <a:t>Attacker queries for the average score of all students with junior standing. This query discloses core of Bob</a:t>
+              <a:t>Attacker queries for the average score of all students with junior standing, which is equal to Bob’s score.</a:t>
             </a:r>
             <a:endParaRPr lang="zh-CN" altLang="en-US" dirty="0"/>
           </a:p>
@@ -18267,7 +18419,7 @@
         <p:spPr>
           <a:xfrm>
             <a:off x="-121600" y="986725"/>
-            <a:ext cx="3935651" cy="5708600"/>
+            <a:ext cx="3935651" cy="5801196"/>
           </a:xfrm>
         </p:spPr>
         <p:txBody>
@@ -18298,24 +18450,16 @@
                 <a:ea typeface="ＭＳ Ｐゴシック" pitchFamily="-110" charset="-128"/>
                 <a:cs typeface="ＭＳ Ｐゴシック" pitchFamily="-110" charset="-128"/>
               </a:rPr>
-              <a:t>RBAC constraint: Name and Salary cannot be accessed together in the same query. </a:t>
-            </a:r>
-          </a:p>
-          <a:p>
+              <a:t>RBAC constraint: Name and Salary cannot be accessed together in the same query by the </a:t>
+            </a:r>
             <a:r>
               <a:rPr lang="en-US" altLang="zh-CN" dirty="0">
-                <a:solidFill>
-                  <a:schemeClr val="tx1"/>
-                </a:solidFill>
-                <a:latin typeface="Arial" pitchFamily="-110" charset="0"/>
-                <a:ea typeface="ＭＳ Ｐゴシック" pitchFamily="-110" charset="-128"/>
-                <a:cs typeface="ＭＳ Ｐゴシック" pitchFamily="-110" charset="-128"/>
-              </a:rPr>
-              <a:t>But a user who knows </a:t>
-            </a:r>
-          </a:p>
-          <a:p>
-            <a:pPr lvl="1"/>
+                <a:latin typeface="Arial" pitchFamily="-109" charset="0"/>
+                <a:ea typeface="ＭＳ Ｐゴシック" pitchFamily="-109" charset="-128"/>
+                <a:cs typeface="ＭＳ Ｐゴシック" pitchFamily="-109" charset="-128"/>
+              </a:rPr>
+              <a:t>Clerk role</a:t>
+            </a:r>
             <a:r>
               <a:rPr lang="en-US" altLang="zh-CN" dirty="0">
                 <a:solidFill>
@@ -18325,11 +18469,10 @@
                 <a:ea typeface="ＭＳ Ｐゴシック" pitchFamily="-110" charset="-128"/>
                 <a:cs typeface="ＭＳ Ｐゴシック" pitchFamily="-110" charset="-128"/>
               </a:rPr>
-              <a:t>1. the structure of the Employee table and </a:t>
-            </a:r>
-          </a:p>
-          <a:p>
-            <a:pPr lvl="1"/>
+              <a:t>. </a:t>
+            </a:r>
+          </a:p>
+          <a:p>
             <a:r>
               <a:rPr lang="en-US" altLang="zh-CN" dirty="0">
                 <a:solidFill>
@@ -18339,10 +18482,27 @@
                 <a:ea typeface="ＭＳ Ｐゴシック" pitchFamily="-110" charset="-128"/>
                 <a:cs typeface="ＭＳ Ｐゴシック" pitchFamily="-110" charset="-128"/>
               </a:rPr>
-              <a:t>2. the view tables maintain the same row order as the Employee table </a:t>
-            </a:r>
-          </a:p>
-          <a:p>
+              <a:t>But a user who knows  (1) the structure of the Employee table and </a:t>
+            </a:r>
+            <a:r>
+              <a:rPr lang="en-US" altLang="zh-CN" dirty="0">
+                <a:latin typeface="Arial" pitchFamily="-110" charset="0"/>
+                <a:ea typeface="ＭＳ Ｐゴシック" pitchFamily="-110" charset="-128"/>
+                <a:cs typeface="ＭＳ Ｐゴシック" pitchFamily="-110" charset="-128"/>
+              </a:rPr>
+              <a:t>(2) </a:t>
+            </a:r>
+            <a:r>
+              <a:rPr lang="en-US" altLang="zh-CN" dirty="0">
+                <a:solidFill>
+                  <a:schemeClr val="tx1"/>
+                </a:solidFill>
+                <a:latin typeface="Arial" pitchFamily="-110" charset="0"/>
+                <a:ea typeface="ＭＳ Ｐゴシック" pitchFamily="-110" charset="-128"/>
+                <a:cs typeface="ＭＳ Ｐゴシック" pitchFamily="-110" charset="-128"/>
+              </a:rPr>
+              <a:t>the views maintain the same row order as the Employee table </a:t>
+            </a:r>
             <a:r>
               <a:rPr lang="en-US" altLang="zh-CN" dirty="0">
                 <a:latin typeface="Arial" pitchFamily="-110" charset="0"/>
@@ -18520,6 +18680,107 @@
                 <a:ea typeface="ＭＳ Ｐゴシック" pitchFamily="-109" charset="-128"/>
                 <a:cs typeface="ＭＳ Ｐゴシック" pitchFamily="-109" charset="-128"/>
               </a:rPr>
+              <a:t>Employee (Emp#, Name, Address)</a:t>
+            </a:r>
+          </a:p>
+          <a:p>
+            <a:pPr lvl="1"/>
+            <a:r>
+              <a:rPr lang="en-US" altLang="zh-CN" sz="2500" dirty="0">
+                <a:latin typeface="Arial" pitchFamily="-109" charset="0"/>
+                <a:ea typeface="ＭＳ Ｐゴシック" pitchFamily="-109" charset="-128"/>
+                <a:cs typeface="ＭＳ Ｐゴシック" pitchFamily="-109" charset="-128"/>
+              </a:rPr>
+              <a:t>Salary (S#, Salary)</a:t>
+            </a:r>
+          </a:p>
+          <a:p>
+            <a:pPr lvl="1"/>
+            <a:r>
+              <a:rPr lang="en-US" altLang="zh-CN" sz="2500" dirty="0" err="1">
+                <a:latin typeface="Arial" pitchFamily="-109" charset="0"/>
+                <a:ea typeface="ＭＳ Ｐゴシック" pitchFamily="-109" charset="-128"/>
+                <a:cs typeface="ＭＳ Ｐゴシック" pitchFamily="-109" charset="-128"/>
+              </a:rPr>
+              <a:t>Emp</a:t>
+            </a:r>
+            <a:r>
+              <a:rPr lang="en-US" altLang="zh-CN" sz="2500" dirty="0">
+                <a:latin typeface="Arial" pitchFamily="-109" charset="0"/>
+                <a:ea typeface="ＭＳ Ｐゴシック" pitchFamily="-109" charset="-128"/>
+                <a:cs typeface="ＭＳ Ｐゴシック" pitchFamily="-109" charset="-128"/>
+              </a:rPr>
+              <a:t>-Salary (</a:t>
+            </a:r>
+            <a:r>
+              <a:rPr lang="en-US" altLang="zh-CN" sz="2500" dirty="0" err="1">
+                <a:latin typeface="Arial" pitchFamily="-109" charset="0"/>
+                <a:ea typeface="ＭＳ Ｐゴシック" pitchFamily="-109" charset="-128"/>
+                <a:cs typeface="ＭＳ Ｐゴシック" pitchFamily="-109" charset="-128"/>
+              </a:rPr>
+              <a:t>Emp</a:t>
+            </a:r>
+            <a:r>
+              <a:rPr lang="en-US" altLang="zh-CN" sz="2500" dirty="0">
+                <a:latin typeface="Arial" pitchFamily="-109" charset="0"/>
+                <a:ea typeface="ＭＳ Ｐゴシック" pitchFamily="-109" charset="-128"/>
+                <a:cs typeface="ＭＳ Ｐゴシック" pitchFamily="-109" charset="-128"/>
+              </a:rPr>
+              <a:t>#, S#)</a:t>
+            </a:r>
+          </a:p>
+          <a:p>
+            <a:r>
+              <a:rPr lang="en-US" altLang="zh-CN" dirty="0">
+                <a:latin typeface="Arial" pitchFamily="-109" charset="0"/>
+                <a:ea typeface="ＭＳ Ｐゴシック" pitchFamily="-109" charset="-128"/>
+                <a:cs typeface="ＭＳ Ｐゴシック" pitchFamily="-109" charset="-128"/>
+              </a:rPr>
+              <a:t>Each line consists of the table name followed by a list of column names for that table. In this case, each employee is assigned a unique employee number (</a:t>
+            </a:r>
+            <a:r>
+              <a:rPr lang="en-US" altLang="zh-CN" dirty="0" err="1">
+                <a:latin typeface="Arial" pitchFamily="-109" charset="0"/>
+                <a:ea typeface="ＭＳ Ｐゴシック" pitchFamily="-109" charset="-128"/>
+                <a:cs typeface="ＭＳ Ｐゴシック" pitchFamily="-109" charset="-128"/>
+              </a:rPr>
+              <a:t>Emp</a:t>
+            </a:r>
+            <a:r>
+              <a:rPr lang="en-US" altLang="zh-CN" dirty="0">
+                <a:latin typeface="Arial" pitchFamily="-109" charset="0"/>
+                <a:ea typeface="ＭＳ Ｐゴシック" pitchFamily="-109" charset="-128"/>
+                <a:cs typeface="ＭＳ Ｐゴシック" pitchFamily="-109" charset="-128"/>
+              </a:rPr>
+              <a:t>#) and a unique salary number (S#). The Employee and Salary tables are accessible to the Clerk role, but the Emp-Salary table is only available to the Administrator role. In this structure, the sensitive relationship between employees and salaries is protected from users assigned the Clerk role.</a:t>
+            </a:r>
+          </a:p>
+          <a:p>
+            <a:r>
+              <a:rPr lang="en-US" altLang="zh-CN" b="1" dirty="0">
+                <a:latin typeface="Arial" pitchFamily="-109" charset="0"/>
+                <a:ea typeface="ＭＳ Ｐゴシック" pitchFamily="-109" charset="-128"/>
+                <a:cs typeface="ＭＳ Ｐゴシック" pitchFamily="-109" charset="-128"/>
+              </a:rPr>
+              <a:t>Another inference channel</a:t>
+            </a:r>
+            <a:r>
+              <a:rPr lang="en-US" altLang="zh-CN" dirty="0">
+                <a:latin typeface="Arial" pitchFamily="-109" charset="0"/>
+                <a:ea typeface="ＭＳ Ｐゴシック" pitchFamily="-109" charset="-128"/>
+                <a:cs typeface="ＭＳ Ｐゴシック" pitchFamily="-109" charset="-128"/>
+              </a:rPr>
+              <a:t>: suppose that we want to add a new attribute, employee start date, which is not sensitive. This could be added to the Salaries table as follows:</a:t>
+            </a:r>
+          </a:p>
+          <a:p>
+            <a:pPr lvl="1"/>
+            <a:r>
+              <a:rPr lang="en-US" altLang="zh-CN" sz="2500" dirty="0">
+                <a:latin typeface="Arial" pitchFamily="-109" charset="0"/>
+                <a:ea typeface="ＭＳ Ｐゴシック" pitchFamily="-109" charset="-128"/>
+                <a:cs typeface="ＭＳ Ｐゴシック" pitchFamily="-109" charset="-128"/>
+              </a:rPr>
               <a:t>Employees (</a:t>
             </a:r>
             <a:r>
@@ -18547,7 +18808,7 @@
                 <a:ea typeface="ＭＳ Ｐゴシック" pitchFamily="-109" charset="-128"/>
                 <a:cs typeface="ＭＳ Ｐゴシック" pitchFamily="-109" charset="-128"/>
               </a:rPr>
-              <a:t>Salaries (S#, Salary)</a:t>
+              <a:t>Salaries (S#, Salary, Start-Date)</a:t>
             </a:r>
           </a:p>
           <a:p>
@@ -18592,140 +18853,7 @@
                 <a:ea typeface="ＭＳ Ｐゴシック" pitchFamily="-109" charset="-128"/>
                 <a:cs typeface="ＭＳ Ｐゴシック" pitchFamily="-109" charset="-128"/>
               </a:rPr>
-              <a:t>Each line consists of the table name followed by a list of column names for that table. In this case, each employee is assigned a unique employee number (</a:t>
-            </a:r>
-            <a:r>
-              <a:rPr lang="en-US" altLang="zh-CN" dirty="0" err="1">
-                <a:latin typeface="Arial" pitchFamily="-109" charset="0"/>
-                <a:ea typeface="ＭＳ Ｐゴシック" pitchFamily="-109" charset="-128"/>
-                <a:cs typeface="ＭＳ Ｐゴシック" pitchFamily="-109" charset="-128"/>
-              </a:rPr>
-              <a:t>Emp</a:t>
-            </a:r>
-            <a:r>
-              <a:rPr lang="en-US" altLang="zh-CN" dirty="0">
-                <a:latin typeface="Arial" pitchFamily="-109" charset="0"/>
-                <a:ea typeface="ＭＳ Ｐゴシック" pitchFamily="-109" charset="-128"/>
-                <a:cs typeface="ＭＳ Ｐゴシック" pitchFamily="-109" charset="-128"/>
-              </a:rPr>
-              <a:t>#) and a unique salary number (S#). The Employees table and the Salaries table are accessible to the Clerk role, but the </a:t>
-            </a:r>
-            <a:r>
-              <a:rPr lang="en-US" altLang="zh-CN" dirty="0" err="1">
-                <a:latin typeface="Arial" pitchFamily="-109" charset="0"/>
-                <a:ea typeface="ＭＳ Ｐゴシック" pitchFamily="-109" charset="-128"/>
-                <a:cs typeface="ＭＳ Ｐゴシック" pitchFamily="-109" charset="-128"/>
-              </a:rPr>
-              <a:t>Emp</a:t>
-            </a:r>
-            <a:r>
-              <a:rPr lang="en-US" altLang="zh-CN" dirty="0">
-                <a:latin typeface="Arial" pitchFamily="-109" charset="0"/>
-                <a:ea typeface="ＭＳ Ｐゴシック" pitchFamily="-109" charset="-128"/>
-                <a:cs typeface="ＭＳ Ｐゴシック" pitchFamily="-109" charset="-128"/>
-              </a:rPr>
-              <a:t>-Salary table is only available to the Administrator role. In this structure, the sensitive relationship between employees and salaries is protected from users assigned the Clerk role.</a:t>
-            </a:r>
-          </a:p>
-          <a:p>
-            <a:r>
-              <a:rPr lang="en-US" altLang="zh-CN" b="1" dirty="0">
-                <a:latin typeface="Arial" pitchFamily="-109" charset="0"/>
-                <a:ea typeface="ＭＳ Ｐゴシック" pitchFamily="-109" charset="-128"/>
-                <a:cs typeface="ＭＳ Ｐゴシック" pitchFamily="-109" charset="-128"/>
-              </a:rPr>
-              <a:t>Another inference channel</a:t>
-            </a:r>
-            <a:r>
-              <a:rPr lang="en-US" altLang="zh-CN" dirty="0">
-                <a:latin typeface="Arial" pitchFamily="-109" charset="0"/>
-                <a:ea typeface="ＭＳ Ｐゴシック" pitchFamily="-109" charset="-128"/>
-                <a:cs typeface="ＭＳ Ｐゴシック" pitchFamily="-109" charset="-128"/>
-              </a:rPr>
-              <a:t>: suppose that we want to add a new attribute, employee start date, which is not sensitive. This could be added to the Salaries table as follows:</a:t>
-            </a:r>
-          </a:p>
-          <a:p>
-            <a:pPr lvl="1"/>
-            <a:r>
-              <a:rPr lang="en-US" altLang="zh-CN" sz="2500" dirty="0">
-                <a:latin typeface="Arial" pitchFamily="-109" charset="0"/>
-                <a:ea typeface="ＭＳ Ｐゴシック" pitchFamily="-109" charset="-128"/>
-                <a:cs typeface="ＭＳ Ｐゴシック" pitchFamily="-109" charset="-128"/>
-              </a:rPr>
-              <a:t>Employees (</a:t>
-            </a:r>
-            <a:r>
-              <a:rPr lang="en-US" altLang="zh-CN" sz="2500" dirty="0" err="1">
-                <a:latin typeface="Arial" pitchFamily="-109" charset="0"/>
-                <a:ea typeface="ＭＳ Ｐゴシック" pitchFamily="-109" charset="-128"/>
-                <a:cs typeface="ＭＳ Ｐゴシック" pitchFamily="-109" charset="-128"/>
-              </a:rPr>
-              <a:t>Emp</a:t>
-            </a:r>
-            <a:r>
-              <a:rPr lang="en-US" altLang="zh-CN" sz="2500" dirty="0">
-                <a:latin typeface="Arial" pitchFamily="-109" charset="0"/>
-                <a:ea typeface="ＭＳ Ｐゴシック" pitchFamily="-109" charset="-128"/>
-                <a:cs typeface="ＭＳ Ｐゴシック" pitchFamily="-109" charset="-128"/>
-              </a:rPr>
-              <a:t>#, Name, Address)</a:t>
-            </a:r>
-          </a:p>
-          <a:p>
-            <a:pPr lvl="1"/>
-            <a:r>
-              <a:rPr lang="en-US" altLang="zh-CN" sz="2500" dirty="0">
-                <a:latin typeface="Arial" pitchFamily="-109" charset="0"/>
-                <a:ea typeface="ＭＳ Ｐゴシック" pitchFamily="-109" charset="-128"/>
-                <a:cs typeface="ＭＳ Ｐゴシック" pitchFamily="-109" charset="-128"/>
-              </a:rPr>
-              <a:t>Salaries (S#, Salary, Start-Date)</a:t>
-            </a:r>
-          </a:p>
-          <a:p>
-            <a:pPr lvl="1"/>
-            <a:r>
-              <a:rPr lang="en-US" altLang="zh-CN" sz="2500" dirty="0" err="1">
-                <a:latin typeface="Arial" pitchFamily="-109" charset="0"/>
-                <a:ea typeface="ＭＳ Ｐゴシック" pitchFamily="-109" charset="-128"/>
-                <a:cs typeface="ＭＳ Ｐゴシック" pitchFamily="-109" charset="-128"/>
-              </a:rPr>
-              <a:t>Emp</a:t>
-            </a:r>
-            <a:r>
-              <a:rPr lang="en-US" altLang="zh-CN" sz="2500" dirty="0">
-                <a:latin typeface="Arial" pitchFamily="-109" charset="0"/>
-                <a:ea typeface="ＭＳ Ｐゴシック" pitchFamily="-109" charset="-128"/>
-                <a:cs typeface="ＭＳ Ｐゴシック" pitchFamily="-109" charset="-128"/>
-              </a:rPr>
-              <a:t>-Salary (</a:t>
-            </a:r>
-            <a:r>
-              <a:rPr lang="en-US" altLang="zh-CN" sz="2500" dirty="0" err="1">
-                <a:latin typeface="Arial" pitchFamily="-109" charset="0"/>
-                <a:ea typeface="ＭＳ Ｐゴシック" pitchFamily="-109" charset="-128"/>
-                <a:cs typeface="ＭＳ Ｐゴシック" pitchFamily="-109" charset="-128"/>
-              </a:rPr>
-              <a:t>Emp</a:t>
-            </a:r>
-            <a:r>
-              <a:rPr lang="en-US" altLang="zh-CN" sz="2500" dirty="0">
-                <a:latin typeface="Arial" pitchFamily="-109" charset="0"/>
-                <a:ea typeface="ＭＳ Ｐゴシック" pitchFamily="-109" charset="-128"/>
-                <a:cs typeface="ＭＳ Ｐゴシック" pitchFamily="-109" charset="-128"/>
-              </a:rPr>
-              <a:t>#, S#)</a:t>
-            </a:r>
-          </a:p>
-          <a:p>
-            <a:r>
-              <a:rPr lang="en-US" altLang="zh-CN" dirty="0">
-                <a:latin typeface="Arial" pitchFamily="-109" charset="0"/>
-                <a:ea typeface="ＭＳ Ｐゴシック" pitchFamily="-109" charset="-128"/>
-                <a:cs typeface="ＭＳ Ｐゴシック" pitchFamily="-109" charset="-128"/>
-              </a:rPr>
-              <a:t>However, an employee’s start date is an easily observable or discoverable attribute of an employee. Thus a user in the Clerk role may be able to infer the employee’s name. This would compromise the relationship between employee and salary. </a:t>
+              <a:t>However, an employee’s start date is an easily observable or discoverable attribute (e.g. through human/personal connections). Thus a user in the Clerk role may be able to infer the employee’s name. This would compromise the relationship between employee and salary. </a:t>
             </a:r>
           </a:p>
           <a:p>
@@ -18982,7 +19110,7 @@
           <a:p>
             <a:r>
               <a:rPr lang="en-US" dirty="0"/>
-              <a:t>Structed Query Language (SQL)</a:t>
+              <a:t>Structured Query Language (SQL)</a:t>
             </a:r>
           </a:p>
           <a:p>
@@ -19059,10 +19187,15 @@
             <p:ph idx="1"/>
           </p:nvPr>
         </p:nvSpPr>
-        <p:spPr/>
+        <p:spPr>
+          <a:xfrm>
+            <a:off x="323528" y="1196752"/>
+            <a:ext cx="8568952" cy="5346694"/>
+          </a:xfrm>
+        </p:spPr>
         <p:txBody>
           <a:bodyPr>
-            <a:normAutofit fontScale="77500" lnSpcReduction="20000"/>
+            <a:normAutofit fontScale="92500" lnSpcReduction="20000"/>
           </a:bodyPr>
           <a:lstStyle/>
           <a:p>
@@ -19084,14 +19217,6 @@
               </a:rPr>
               <a:t>However, the second inference problem, in which the start-date column was added to the Salaries table, cannot be detected using only the information stored in the database. In particular, the database does not indicate that the employee name can be inferred from the start date.</a:t>
             </a:r>
-          </a:p>
-          <a:p>
-            <a:pPr lvl="1"/>
-            <a:r>
-              <a:rPr lang="en-US" altLang="zh-CN" sz="3300" dirty="0"/>
-              <a:t>Need human understanding of application semantics</a:t>
-            </a:r>
-            <a:endParaRPr lang="zh-CN" altLang="en-US" sz="4700" dirty="0"/>
           </a:p>
         </p:txBody>
       </p:sp>
@@ -19212,7 +19337,7 @@
         <p:spPr/>
         <p:txBody>
           <a:bodyPr>
-            <a:normAutofit fontScale="92500" lnSpcReduction="20000"/>
+            <a:normAutofit fontScale="77500" lnSpcReduction="20000"/>
           </a:bodyPr>
           <a:lstStyle/>
           <a:p>
@@ -19226,6 +19351,13 @@
             <a:r>
               <a:rPr lang="en-US" dirty="0"/>
               <a:t>Remove an inference channel by altering the database structure or by changing the access control regime to prevent inference</a:t>
+            </a:r>
+          </a:p>
+          <a:p>
+            <a:pPr lvl="2"/>
+            <a:r>
+              <a:rPr lang="en-US" dirty="0"/>
+              <a:t>Examples include removing data dependencies by splitting a table into multiple tables or using more fine-grained access control roles in an RBAC scheme.</a:t>
             </a:r>
           </a:p>
           <a:p>
@@ -19531,14 +19663,14 @@
           <a:p>
             <a:r>
               <a:rPr lang="en-US" dirty="0"/>
-              <a:t>The database is typically the most valuable information resource for any organization, protected by multiple layers of security</a:t>
+              <a:t>The database is typically the most valuable information resource for any organization, protected by multiple layers of security (defense-in-depth)</a:t>
             </a:r>
           </a:p>
           <a:p>
             <a:pPr lvl="1"/>
             <a:r>
               <a:rPr lang="en-US" dirty="0"/>
-              <a:t>Firewalls, authentication, general access control systems, DB access control systems</a:t>
+              <a:t>Firewalls, authentication, general access control, database access control</a:t>
             </a:r>
           </a:p>
           <a:p>
@@ -21045,150 +21177,273 @@
           </a:p>
         </p:txBody>
       </p:sp>
-      <p:sp>
-        <p:nvSpPr>
-          <p:cNvPr id="3" name="Content Placeholder 2">
-            <a:extLst>
-              <a:ext uri="{FF2B5EF4-FFF2-40B4-BE49-F238E27FC236}">
-                <a16:creationId xmlns:a16="http://schemas.microsoft.com/office/drawing/2014/main" id="{40A33FA0-E810-4782-A59E-9F312AACBAF7}"/>
-              </a:ext>
-            </a:extLst>
-          </p:cNvPr>
-          <p:cNvSpPr>
-            <a:spLocks noGrp="1"/>
-          </p:cNvSpPr>
-          <p:nvPr>
-            <p:ph idx="1"/>
-          </p:nvPr>
-        </p:nvSpPr>
-        <p:spPr/>
-        <p:txBody>
-          <a:bodyPr>
-            <a:normAutofit fontScale="47500" lnSpcReduction="20000"/>
-          </a:bodyPr>
-          <a:lstStyle/>
-          <a:p>
-            <a:r>
-              <a:rPr lang="en-US" kern="1200" dirty="0">
-                <a:latin typeface="Arial" pitchFamily="-110" charset="0"/>
-                <a:ea typeface="ＭＳ Ｐゴシック" pitchFamily="-110" charset="-128"/>
-                <a:cs typeface="ＭＳ Ｐゴシック" pitchFamily="-110" charset="-128"/>
-              </a:rPr>
-              <a:t>Suppose employee ID (</a:t>
-            </a:r>
-            <a:r>
-              <a:rPr lang="en-US" kern="1200" dirty="0" err="1">
-                <a:latin typeface="Arial" pitchFamily="-110" charset="0"/>
-                <a:ea typeface="ＭＳ Ｐゴシック" pitchFamily="-110" charset="-128"/>
-                <a:cs typeface="ＭＳ Ｐゴシック" pitchFamily="-110" charset="-128"/>
-              </a:rPr>
-              <a:t>eid</a:t>
-            </a:r>
-            <a:r>
-              <a:rPr lang="en-US" kern="1200" dirty="0">
-                <a:latin typeface="Arial" pitchFamily="-110" charset="0"/>
-                <a:ea typeface="ＭＳ Ｐゴシック" pitchFamily="-110" charset="-128"/>
-                <a:cs typeface="ＭＳ Ｐゴシック" pitchFamily="-110" charset="-128"/>
-              </a:rPr>
-              <a:t>) values lie in the range [1, 1000]. We can divide these values into five partitions: [1, 200], [201, 400], [401, 600], [601, 800], and [801, 1000], assigned index values 1, 2, 3, 4, and 5, respectively. For a text field, we can derive an index from the first letter of the attribute value. For the attribute </a:t>
-            </a:r>
-            <a:r>
-              <a:rPr lang="en-US" kern="1200" dirty="0" err="1">
-                <a:latin typeface="Arial" pitchFamily="-110" charset="0"/>
-                <a:ea typeface="ＭＳ Ｐゴシック" pitchFamily="-110" charset="-128"/>
-                <a:cs typeface="ＭＳ Ｐゴシック" pitchFamily="-110" charset="-128"/>
-              </a:rPr>
-              <a:t>ename</a:t>
-            </a:r>
-            <a:r>
-              <a:rPr lang="en-US" kern="1200" dirty="0">
-                <a:latin typeface="Arial" pitchFamily="-110" charset="0"/>
-                <a:ea typeface="ＭＳ Ｐゴシック" pitchFamily="-110" charset="-128"/>
-                <a:cs typeface="ＭＳ Ｐゴシック" pitchFamily="-110" charset="-128"/>
-              </a:rPr>
-              <a:t> , let us assign index 1 to values starting with A or B, index 2 to values starting with C or D, and so on. Similar partitioning schemes can be used for each of the attributes. </a:t>
-            </a:r>
-          </a:p>
-          <a:p>
-            <a:r>
-              <a:rPr lang="en-US" kern="1200" dirty="0">
-                <a:latin typeface="Arial" pitchFamily="-110" charset="0"/>
-                <a:ea typeface="ＭＳ Ｐゴシック" pitchFamily="-110" charset="-128"/>
-                <a:cs typeface="ＭＳ Ｐゴシック" pitchFamily="-110" charset="-128"/>
-              </a:rPr>
-              <a:t>In Table 5.3b, the values in the first column represent the encrypted values for each row. The remaining columns show index values for the corresponding attribute values. The mapping functions between attribute values and index values constitute metadata that are stored at the client and data owner locations but not at the server.</a:t>
-            </a:r>
-          </a:p>
-          <a:p>
-            <a:r>
-              <a:rPr lang="en-US" kern="1200" dirty="0">
-                <a:latin typeface="Arial" pitchFamily="-110" charset="0"/>
-                <a:ea typeface="ＭＳ Ｐゴシック" pitchFamily="-110" charset="-128"/>
-                <a:cs typeface="ＭＳ Ｐゴシック" pitchFamily="-110" charset="-128"/>
-              </a:rPr>
-              <a:t>This arrangement provides for more efficient data retrieval. Suppose, for example, a user requests records for all employees with </a:t>
-            </a:r>
-            <a:r>
-              <a:rPr lang="en-US" kern="1200" dirty="0" err="1">
-                <a:latin typeface="Arial" pitchFamily="-110" charset="0"/>
-                <a:ea typeface="ＭＳ Ｐゴシック" pitchFamily="-110" charset="-128"/>
-                <a:cs typeface="ＭＳ Ｐゴシック" pitchFamily="-110" charset="-128"/>
-              </a:rPr>
-              <a:t>eid</a:t>
-            </a:r>
-            <a:r>
-              <a:rPr lang="en-US" kern="1200" dirty="0">
-                <a:latin typeface="Arial" pitchFamily="-110" charset="0"/>
-                <a:ea typeface="ＭＳ Ｐゴシック" pitchFamily="-110" charset="-128"/>
-                <a:cs typeface="ＭＳ Ｐゴシック" pitchFamily="-110" charset="-128"/>
-              </a:rPr>
-              <a:t> 6 &lt; 300. The query processor requests all records with I (</a:t>
-            </a:r>
-            <a:r>
-              <a:rPr lang="en-US" kern="1200" dirty="0" err="1">
-                <a:latin typeface="Arial" pitchFamily="-110" charset="0"/>
-                <a:ea typeface="ＭＳ Ｐゴシック" pitchFamily="-110" charset="-128"/>
-                <a:cs typeface="ＭＳ Ｐゴシック" pitchFamily="-110" charset="-128"/>
-              </a:rPr>
-              <a:t>eid</a:t>
-            </a:r>
-            <a:r>
-              <a:rPr lang="en-US" kern="1200" dirty="0">
-                <a:latin typeface="Arial" pitchFamily="-110" charset="0"/>
-                <a:ea typeface="ＭＳ Ｐゴシック" pitchFamily="-110" charset="-128"/>
-                <a:cs typeface="ＭＳ Ｐゴシック" pitchFamily="-110" charset="-128"/>
-              </a:rPr>
-              <a:t> ) =  2. These are returned by the server. The query processor decrypts all rows returned, discards those that do not match the original query, and returns the requested unencrypted data to the user. </a:t>
-            </a:r>
-          </a:p>
-          <a:p>
-            <a:r>
-              <a:rPr lang="en-US" kern="1200" dirty="0">
-                <a:latin typeface="Arial" pitchFamily="-110" charset="0"/>
-                <a:ea typeface="ＭＳ Ｐゴシック" pitchFamily="-110" charset="-128"/>
-                <a:cs typeface="ＭＳ Ｐゴシック" pitchFamily="-110" charset="-128"/>
-              </a:rPr>
-              <a:t>The indexing scheme provides some information to an attacker, namely a rough relative ordering of rows by a given attribute. To obscure such information, the ordering of indexes can be randomized. For example, the </a:t>
-            </a:r>
-            <a:r>
-              <a:rPr lang="en-US" kern="1200" dirty="0" err="1">
-                <a:latin typeface="Arial" pitchFamily="-110" charset="0"/>
-                <a:ea typeface="ＭＳ Ｐゴシック" pitchFamily="-110" charset="-128"/>
-                <a:cs typeface="ＭＳ Ｐゴシック" pitchFamily="-110" charset="-128"/>
-              </a:rPr>
-              <a:t>eid</a:t>
-            </a:r>
-            <a:r>
-              <a:rPr lang="en-US" kern="1200" dirty="0">
-                <a:latin typeface="Arial" pitchFamily="-110" charset="0"/>
-                <a:ea typeface="ＭＳ Ｐゴシック" pitchFamily="-110" charset="-128"/>
-                <a:cs typeface="ＭＳ Ｐゴシック" pitchFamily="-110" charset="-128"/>
-              </a:rPr>
-              <a:t>  values could be partitioned by mapping [1, 200], [201, 400], [401, 600], [601, 800], and [801, 1000] into 2, 3, 5, 1, and 4, respectively. Because the metadata are not stored at the server, an attacker could not gain this information from the server.</a:t>
-            </a:r>
-          </a:p>
-        </p:txBody>
-      </p:sp>
+      <mc:AlternateContent xmlns:mc="http://schemas.openxmlformats.org/markup-compatibility/2006">
+        <mc:Choice xmlns:a14="http://schemas.microsoft.com/office/drawing/2010/main" Requires="a14">
+          <p:sp>
+            <p:nvSpPr>
+              <p:cNvPr id="3" name="Content Placeholder 2">
+                <a:extLst>
+                  <a:ext uri="{FF2B5EF4-FFF2-40B4-BE49-F238E27FC236}">
+                    <a16:creationId xmlns:a16="http://schemas.microsoft.com/office/drawing/2014/main" id="{40A33FA0-E810-4782-A59E-9F312AACBAF7}"/>
+                  </a:ext>
+                </a:extLst>
+              </p:cNvPr>
+              <p:cNvSpPr>
+                <a:spLocks noGrp="1"/>
+              </p:cNvSpPr>
+              <p:nvPr>
+                <p:ph idx="1"/>
+              </p:nvPr>
+            </p:nvSpPr>
+            <p:spPr/>
+            <p:txBody>
+              <a:bodyPr>
+                <a:normAutofit fontScale="47500" lnSpcReduction="20000"/>
+              </a:bodyPr>
+              <a:lstStyle/>
+              <a:p>
+                <a:r>
+                  <a:rPr lang="en-US" kern="1200" dirty="0">
+                    <a:latin typeface="Arial" pitchFamily="-110" charset="0"/>
+                    <a:ea typeface="ＭＳ Ｐゴシック" pitchFamily="-110" charset="-128"/>
+                    <a:cs typeface="ＭＳ Ｐゴシック" pitchFamily="-110" charset="-128"/>
+                  </a:rPr>
+                  <a:t>Suppose employee ID (</a:t>
+                </a:r>
+                <a:r>
+                  <a:rPr lang="en-US" kern="1200" dirty="0" err="1">
+                    <a:latin typeface="Arial" pitchFamily="-110" charset="0"/>
+                    <a:ea typeface="ＭＳ Ｐゴシック" pitchFamily="-110" charset="-128"/>
+                    <a:cs typeface="ＭＳ Ｐゴシック" pitchFamily="-110" charset="-128"/>
+                  </a:rPr>
+                  <a:t>eid</a:t>
+                </a:r>
+                <a:r>
+                  <a:rPr lang="en-US" kern="1200" dirty="0">
+                    <a:latin typeface="Arial" pitchFamily="-110" charset="0"/>
+                    <a:ea typeface="ＭＳ Ｐゴシック" pitchFamily="-110" charset="-128"/>
+                    <a:cs typeface="ＭＳ Ｐゴシック" pitchFamily="-110" charset="-128"/>
+                  </a:rPr>
+                  <a:t>) values lie in the range [1, 1000]. We can divide these values into five partitions: [1, 200], [201, 400], [401, 600], [601, 800], and [801, 1000], assigned index values 1, 2, 3, 4, and 5, respectively. For a text field, we can derive an index from the first letter of the attribute value. For the attribute </a:t>
+                </a:r>
+                <a:r>
+                  <a:rPr lang="en-US" kern="1200" dirty="0" err="1">
+                    <a:latin typeface="Arial" pitchFamily="-110" charset="0"/>
+                    <a:ea typeface="ＭＳ Ｐゴシック" pitchFamily="-110" charset="-128"/>
+                    <a:cs typeface="ＭＳ Ｐゴシック" pitchFamily="-110" charset="-128"/>
+                  </a:rPr>
+                  <a:t>ename</a:t>
+                </a:r>
+                <a:r>
+                  <a:rPr lang="en-US" kern="1200" dirty="0">
+                    <a:latin typeface="Arial" pitchFamily="-110" charset="0"/>
+                    <a:ea typeface="ＭＳ Ｐゴシック" pitchFamily="-110" charset="-128"/>
+                    <a:cs typeface="ＭＳ Ｐゴシック" pitchFamily="-110" charset="-128"/>
+                  </a:rPr>
+                  <a:t> , let us assign index 1 to values starting with A or B, index 2 to values starting with C or D, and so on. Similar partitioning schemes can be used for each of the attributes. </a:t>
+                </a:r>
+              </a:p>
+              <a:p>
+                <a:r>
+                  <a:rPr lang="en-US" kern="1200" dirty="0">
+                    <a:latin typeface="Arial" pitchFamily="-110" charset="0"/>
+                    <a:ea typeface="ＭＳ Ｐゴシック" pitchFamily="-110" charset="-128"/>
+                    <a:cs typeface="ＭＳ Ｐゴシック" pitchFamily="-110" charset="-128"/>
+                  </a:rPr>
+                  <a:t>In Table 5.3b, the values in the first column represent the encrypted values for each row. The remaining columns show index values for the corresponding attribute values. The mapping functions between attribute values and index values constitute metadata that are stored at the client and data owner locations but not at the server.</a:t>
+                </a:r>
+              </a:p>
+              <a:p>
+                <a:r>
+                  <a:rPr lang="en-US" kern="1200" dirty="0">
+                    <a:latin typeface="Arial" pitchFamily="-110" charset="0"/>
+                    <a:ea typeface="ＭＳ Ｐゴシック" pitchFamily="-110" charset="-128"/>
+                    <a:cs typeface="ＭＳ Ｐゴシック" pitchFamily="-110" charset="-128"/>
+                  </a:rPr>
+                  <a:t>This arrangement provides for more efficient data retrieval. Suppose, for example, a user requests records for all employees with </a:t>
+                </a:r>
+                <a:r>
+                  <a:rPr lang="en-US" kern="1200" dirty="0" err="1">
+                    <a:latin typeface="Arial" pitchFamily="-110" charset="0"/>
+                    <a:ea typeface="ＭＳ Ｐゴシック" pitchFamily="-110" charset="-128"/>
+                    <a:cs typeface="ＭＳ Ｐゴシック" pitchFamily="-110" charset="-128"/>
+                  </a:rPr>
+                  <a:t>eid</a:t>
+                </a:r>
+                <a:r>
+                  <a:rPr lang="en-US" kern="1200" dirty="0">
+                    <a:latin typeface="Arial" pitchFamily="-110" charset="0"/>
+                    <a:ea typeface="ＭＳ Ｐゴシック" pitchFamily="-110" charset="-128"/>
+                    <a:cs typeface="ＭＳ Ｐゴシック" pitchFamily="-110" charset="-128"/>
+                  </a:rPr>
+                  <a:t> &lt; 300. The query processor requests all records with I(</a:t>
+                </a:r>
+                <a:r>
+                  <a:rPr lang="en-US" kern="1200" dirty="0" err="1">
+                    <a:latin typeface="Arial" pitchFamily="-110" charset="0"/>
+                    <a:ea typeface="ＭＳ Ｐゴシック" pitchFamily="-110" charset="-128"/>
+                    <a:cs typeface="ＭＳ Ｐゴシック" pitchFamily="-110" charset="-128"/>
+                  </a:rPr>
+                  <a:t>eid</a:t>
+                </a:r>
+                <a:r>
+                  <a:rPr lang="en-US" kern="1200" dirty="0">
+                    <a:latin typeface="Arial" pitchFamily="-110" charset="0"/>
+                    <a:ea typeface="ＭＳ Ｐゴシック" pitchFamily="-110" charset="-128"/>
+                    <a:cs typeface="ＭＳ Ｐゴシック" pitchFamily="-110" charset="-128"/>
+                  </a:rPr>
+                  <a:t>) </a:t>
+                </a:r>
+                <a14:m>
+                  <m:oMath xmlns:m="http://schemas.openxmlformats.org/officeDocument/2006/math">
+                    <m:r>
+                      <a:rPr lang="en-US" b="0" i="1" kern="1200" smtClean="0">
+                        <a:latin typeface="Cambria Math" panose="02040503050406030204" pitchFamily="18" charset="0"/>
+                        <a:ea typeface="ＭＳ Ｐゴシック" pitchFamily="-110" charset="-128"/>
+                        <a:cs typeface="ＭＳ Ｐゴシック" pitchFamily="-110" charset="-128"/>
+                      </a:rPr>
+                      <m:t>≤2</m:t>
+                    </m:r>
+                  </m:oMath>
+                </a14:m>
+                <a:r>
+                  <a:rPr lang="en-US" kern="1200" dirty="0">
+                    <a:latin typeface="Arial" pitchFamily="-110" charset="0"/>
+                    <a:ea typeface="ＭＳ Ｐゴシック" pitchFamily="-110" charset="-128"/>
+                    <a:cs typeface="ＭＳ Ｐゴシック" pitchFamily="-110" charset="-128"/>
+                  </a:rPr>
+                  <a:t>. These are returned by the server. Or, a user requests records for all employees with </a:t>
+                </a:r>
+                <a:r>
+                  <a:rPr lang="en-US" kern="1200" dirty="0" err="1">
+                    <a:latin typeface="Arial" pitchFamily="-110" charset="0"/>
+                    <a:ea typeface="ＭＳ Ｐゴシック" pitchFamily="-110" charset="-128"/>
+                    <a:cs typeface="ＭＳ Ｐゴシック" pitchFamily="-110" charset="-128"/>
+                  </a:rPr>
+                  <a:t>eid</a:t>
+                </a:r>
+                <a:r>
+                  <a:rPr lang="en-US" kern="1200" dirty="0">
+                    <a:latin typeface="Arial" pitchFamily="-110" charset="0"/>
+                    <a:ea typeface="ＭＳ Ｐゴシック" pitchFamily="-110" charset="-128"/>
+                    <a:cs typeface="ＭＳ Ｐゴシック" pitchFamily="-110" charset="-128"/>
+                  </a:rPr>
+                  <a:t>=205. The query processor requests all records with I(</a:t>
+                </a:r>
+                <a:r>
+                  <a:rPr lang="en-US" kern="1200" dirty="0" err="1">
+                    <a:latin typeface="Arial" pitchFamily="-110" charset="0"/>
+                    <a:ea typeface="ＭＳ Ｐゴシック" pitchFamily="-110" charset="-128"/>
+                    <a:cs typeface="ＭＳ Ｐゴシック" pitchFamily="-110" charset="-128"/>
+                  </a:rPr>
+                  <a:t>eid</a:t>
+                </a:r>
+                <a:r>
+                  <a:rPr lang="en-US" kern="1200" dirty="0">
+                    <a:latin typeface="Arial" pitchFamily="-110" charset="0"/>
+                    <a:ea typeface="ＭＳ Ｐゴシック" pitchFamily="-110" charset="-128"/>
+                    <a:cs typeface="ＭＳ Ｐゴシック" pitchFamily="-110" charset="-128"/>
+                  </a:rPr>
+                  <a:t>) </a:t>
+                </a:r>
+                <a14:m>
+                  <m:oMath xmlns:m="http://schemas.openxmlformats.org/officeDocument/2006/math">
+                    <m:r>
+                      <a:rPr lang="en-US" b="0" i="1" kern="1200" smtClean="0">
+                        <a:latin typeface="Cambria Math" panose="02040503050406030204" pitchFamily="18" charset="0"/>
+                        <a:ea typeface="ＭＳ Ｐゴシック" pitchFamily="-110" charset="-128"/>
+                        <a:cs typeface="ＭＳ Ｐゴシック" pitchFamily="-110" charset="-128"/>
+                      </a:rPr>
+                      <m:t>=</m:t>
+                    </m:r>
+                    <m:r>
+                      <a:rPr lang="en-US" i="1" kern="1200">
+                        <a:latin typeface="Cambria Math" panose="02040503050406030204" pitchFamily="18" charset="0"/>
+                        <a:ea typeface="ＭＳ Ｐゴシック" pitchFamily="-110" charset="-128"/>
+                        <a:cs typeface="ＭＳ Ｐゴシック" pitchFamily="-110" charset="-128"/>
+                      </a:rPr>
+                      <m:t>2</m:t>
+                    </m:r>
+                  </m:oMath>
+                </a14:m>
+                <a:r>
+                  <a:rPr lang="en-US" kern="1200" dirty="0">
+                    <a:latin typeface="Arial" pitchFamily="-110" charset="0"/>
+                    <a:ea typeface="ＭＳ Ｐゴシック" pitchFamily="-110" charset="-128"/>
+                    <a:cs typeface="ＭＳ Ｐゴシック" pitchFamily="-110" charset="-128"/>
+                  </a:rPr>
+                  <a:t>. The query processor decrypts all rows returned, discards those that do not match the original query, and returns the requested unencrypted data to the user. </a:t>
+                </a:r>
+              </a:p>
+              <a:p>
+                <a:r>
+                  <a:rPr lang="en-US" kern="1200" dirty="0">
+                    <a:latin typeface="Arial" pitchFamily="-110" charset="0"/>
+                    <a:ea typeface="ＭＳ Ｐゴシック" pitchFamily="-110" charset="-128"/>
+                    <a:cs typeface="ＭＳ Ｐゴシック" pitchFamily="-110" charset="-128"/>
+                  </a:rPr>
+                  <a:t>The indexing scheme provides some information to an attacker, namely a rough relative ordering of rows by a given attribute. To obscure such information, the ordering of indexes can be randomized. For example, the </a:t>
+                </a:r>
+                <a:r>
+                  <a:rPr lang="en-US" kern="1200" dirty="0" err="1">
+                    <a:latin typeface="Arial" pitchFamily="-110" charset="0"/>
+                    <a:ea typeface="ＭＳ Ｐゴシック" pitchFamily="-110" charset="-128"/>
+                    <a:cs typeface="ＭＳ Ｐゴシック" pitchFamily="-110" charset="-128"/>
+                  </a:rPr>
+                  <a:t>eid</a:t>
+                </a:r>
+                <a:r>
+                  <a:rPr lang="en-US" kern="1200" dirty="0">
+                    <a:latin typeface="Arial" pitchFamily="-110" charset="0"/>
+                    <a:ea typeface="ＭＳ Ｐゴシック" pitchFamily="-110" charset="-128"/>
+                    <a:cs typeface="ＭＳ Ｐゴシック" pitchFamily="-110" charset="-128"/>
+                  </a:rPr>
+                  <a:t>  values could be partitioned by mapping [1, 200], [201, 400], [401, 600], [601, 800], and [801, 1000] into 2, 3, 5, 1, and 4, respectively. Because the metadata are not stored at the server, an attacker could not gain this information from the server.</a:t>
+                </a:r>
+              </a:p>
+            </p:txBody>
+          </p:sp>
+        </mc:Choice>
+        <mc:Fallback>
+          <p:sp>
+            <p:nvSpPr>
+              <p:cNvPr id="3" name="Content Placeholder 2">
+                <a:extLst>
+                  <a:ext uri="{FF2B5EF4-FFF2-40B4-BE49-F238E27FC236}">
+                    <a16:creationId xmlns:a16="http://schemas.microsoft.com/office/drawing/2014/main" id="{40A33FA0-E810-4782-A59E-9F312AACBAF7}"/>
+                  </a:ext>
+                </a:extLst>
+              </p:cNvPr>
+              <p:cNvSpPr>
+                <a:spLocks noGrp="1" noRot="1" noChangeAspect="1" noMove="1" noResize="1" noEditPoints="1" noAdjustHandles="1" noChangeArrowheads="1" noChangeShapeType="1" noTextEdit="1"/>
+              </p:cNvSpPr>
+              <p:nvPr>
+                <p:ph idx="1"/>
+              </p:nvPr>
+            </p:nvSpPr>
+            <p:spPr>
+              <a:blipFill>
+                <a:blip r:embed="rId3"/>
+                <a:stretch>
+                  <a:fillRect l="-356" t="-1275" r="-925"/>
+                </a:stretch>
+              </a:blipFill>
+            </p:spPr>
+            <p:txBody>
+              <a:bodyPr/>
+              <a:lstStyle/>
+              <a:p>
+                <a:r>
+                  <a:rPr lang="en-SE">
+                    <a:noFill/>
+                  </a:rPr>
+                  <a:t> </a:t>
+                </a:r>
+              </a:p>
+            </p:txBody>
+          </p:sp>
+        </mc:Fallback>
+      </mc:AlternateContent>
       <p:sp>
         <p:nvSpPr>
           <p:cNvPr id="4" name="Slide Number Placeholder 3">
@@ -21340,7 +21595,7 @@
             <a:pPr lvl="1"/>
             <a:r>
               <a:rPr lang="en-US" dirty="0"/>
-              <a:t>Links one table to attributes in another</a:t>
+              <a:t>Links one table to attributes in another table</a:t>
             </a:r>
           </a:p>
           <a:p>
@@ -21714,209 +21969,122 @@
       </p:grpSpPr>
       <p:sp>
         <p:nvSpPr>
-          <p:cNvPr id="217090" name="Rectangle 2"/>
+          <p:cNvPr id="2" name="Title 1">
+            <a:extLst>
+              <a:ext uri="{FF2B5EF4-FFF2-40B4-BE49-F238E27FC236}">
+                <a16:creationId xmlns:a16="http://schemas.microsoft.com/office/drawing/2014/main" id="{85FB62B5-9E6E-477D-8D51-B21E182B7BFC}"/>
+              </a:ext>
+            </a:extLst>
+          </p:cNvPr>
           <p:cNvSpPr>
-            <a:spLocks noGrp="1" noChangeArrowheads="1"/>
+            <a:spLocks noGrp="1"/>
           </p:cNvSpPr>
           <p:nvPr>
             <p:ph type="title"/>
           </p:nvPr>
         </p:nvSpPr>
-        <p:spPr>
-          <a:xfrm>
-            <a:off x="0" y="260649"/>
-            <a:ext cx="9144000" cy="1152128"/>
-          </a:xfrm>
-        </p:spPr>
+        <p:spPr/>
         <p:txBody>
-          <a:bodyPr wrap="square" numCol="1" anchorCtr="0" compatLnSpc="1">
-            <a:prstTxWarp prst="textNoShape">
-              <a:avLst/>
-            </a:prstTxWarp>
-            <a:noAutofit/>
-          </a:bodyPr>
+          <a:bodyPr/>
           <a:lstStyle/>
           <a:p>
-            <a:pPr eaLnBrk="1" hangingPunct="1"/>
-            <a:r>
-              <a:rPr lang="en-US" sz="4400" dirty="0"/>
-              <a:t>Structured Query Language </a:t>
-            </a:r>
-            <a:br>
-              <a:rPr lang="en-US" sz="4400" dirty="0"/>
-            </a:br>
-            <a:r>
-              <a:rPr lang="en-US" sz="4400" dirty="0"/>
-              <a:t>(SQL)</a:t>
-            </a:r>
+            <a:r>
+              <a:rPr lang="en-US" dirty="0"/>
+              <a:t>Structured Query Language (SQL)</a:t>
+            </a:r>
+            <a:endParaRPr lang="en-SE" dirty="0"/>
           </a:p>
         </p:txBody>
       </p:sp>
       <p:sp>
         <p:nvSpPr>
-          <p:cNvPr id="217091" name="Rectangle 3"/>
+          <p:cNvPr id="3" name="Content Placeholder 2">
+            <a:extLst>
+              <a:ext uri="{FF2B5EF4-FFF2-40B4-BE49-F238E27FC236}">
+                <a16:creationId xmlns:a16="http://schemas.microsoft.com/office/drawing/2014/main" id="{D5703123-AE05-4F77-A635-7122E6FBE59A}"/>
+              </a:ext>
+            </a:extLst>
+          </p:cNvPr>
           <p:cNvSpPr>
-            <a:spLocks noGrp="1" noChangeArrowheads="1"/>
+            <a:spLocks noGrp="1"/>
           </p:cNvSpPr>
           <p:nvPr>
             <p:ph idx="1"/>
           </p:nvPr>
         </p:nvSpPr>
-        <p:spPr>
-          <a:xfrm>
-            <a:off x="381000" y="1447800"/>
-            <a:ext cx="8305800" cy="5410200"/>
-          </a:xfrm>
-        </p:spPr>
+        <p:spPr/>
         <p:txBody>
-          <a:bodyPr wrap="square" numCol="1" anchor="t" anchorCtr="0" compatLnSpc="1">
-            <a:prstTxWarp prst="textNoShape">
-              <a:avLst/>
-            </a:prstTxWarp>
-            <a:normAutofit lnSpcReduction="10000"/>
+          <a:bodyPr>
+            <a:normAutofit fontScale="85000" lnSpcReduction="20000"/>
           </a:bodyPr>
           <a:lstStyle/>
           <a:p>
-            <a:pPr marL="342900" lvl="1" indent="-342900" eaLnBrk="1" hangingPunct="1">
-              <a:spcBef>
-                <a:spcPts val="2000"/>
-              </a:spcBef>
-              <a:buClr>
-                <a:schemeClr val="accent2"/>
-              </a:buClr>
-              <a:buFont typeface="Wingdings" pitchFamily="-110" charset="2"/>
-              <a:buChar char=""/>
-              <a:defRPr/>
-            </a:pPr>
-            <a:r>
-              <a:rPr lang="en-US" sz="2400" dirty="0"/>
+            <a:r>
+              <a:rPr lang="en-US" dirty="0"/>
               <a:t>Standardized language to define schema, manipulate, and query data in a relational database. </a:t>
             </a:r>
           </a:p>
           <a:p>
-            <a:pPr marL="342900" lvl="1" indent="-342900" eaLnBrk="1" hangingPunct="1">
-              <a:spcBef>
-                <a:spcPts val="2000"/>
-              </a:spcBef>
-              <a:buClr>
-                <a:schemeClr val="accent2"/>
-              </a:buClr>
-              <a:buFont typeface="Wingdings" pitchFamily="-110" charset="2"/>
-              <a:buChar char=""/>
-              <a:defRPr/>
-            </a:pPr>
-            <a:r>
-              <a:rPr lang="en-US" sz="2400" dirty="0"/>
+            <a:r>
+              <a:rPr lang="en-US" dirty="0"/>
               <a:t>Operations include: </a:t>
             </a:r>
           </a:p>
           <a:p>
-            <a:pPr marL="742950" lvl="2" indent="-342900">
-              <a:spcBef>
-                <a:spcPts val="2000"/>
-              </a:spcBef>
-              <a:buClr>
-                <a:schemeClr val="accent2"/>
-              </a:buClr>
-              <a:buFont typeface="Wingdings" pitchFamily="-110" charset="2"/>
-              <a:buChar char=""/>
-              <a:defRPr/>
-            </a:pPr>
-            <a:r>
-              <a:rPr lang="en-US" sz="2000" dirty="0"/>
+            <a:pPr lvl="1"/>
+            <a:r>
+              <a:rPr lang="en-US" dirty="0"/>
               <a:t>Create tables </a:t>
             </a:r>
           </a:p>
           <a:p>
-            <a:pPr marL="742950" lvl="2" indent="-342900">
-              <a:spcBef>
-                <a:spcPts val="2000"/>
-              </a:spcBef>
-              <a:buClr>
-                <a:schemeClr val="accent2"/>
-              </a:buClr>
-              <a:buFont typeface="Wingdings" pitchFamily="-110" charset="2"/>
-              <a:buChar char=""/>
-              <a:defRPr/>
-            </a:pPr>
-            <a:r>
-              <a:rPr lang="en-US" sz="2000" dirty="0"/>
+            <a:pPr lvl="1"/>
+            <a:r>
+              <a:rPr lang="en-US" dirty="0"/>
               <a:t>Insert and delete data in tables </a:t>
             </a:r>
           </a:p>
           <a:p>
-            <a:pPr marL="742950" lvl="2" indent="-342900">
-              <a:spcBef>
-                <a:spcPts val="2000"/>
-              </a:spcBef>
-              <a:buClr>
-                <a:schemeClr val="accent2"/>
-              </a:buClr>
-              <a:buFont typeface="Wingdings" pitchFamily="-110" charset="2"/>
-              <a:buChar char=""/>
-              <a:defRPr/>
-            </a:pPr>
-            <a:r>
-              <a:rPr lang="en-US" sz="2000" dirty="0"/>
+            <a:pPr lvl="1"/>
+            <a:r>
+              <a:rPr lang="en-US" dirty="0"/>
               <a:t>Create views </a:t>
             </a:r>
           </a:p>
           <a:p>
-            <a:pPr marL="742950" lvl="2" indent="-342900">
-              <a:spcBef>
-                <a:spcPts val="2000"/>
-              </a:spcBef>
-              <a:buClr>
-                <a:schemeClr val="accent2"/>
-              </a:buClr>
-              <a:buFont typeface="Wingdings" pitchFamily="-110" charset="2"/>
-              <a:buChar char=""/>
-              <a:defRPr/>
-            </a:pPr>
-            <a:r>
-              <a:rPr lang="en-US" sz="2000" dirty="0"/>
+            <a:pPr lvl="1"/>
+            <a:r>
+              <a:rPr lang="en-US" dirty="0"/>
               <a:t>Retrieve data with query statements</a:t>
             </a:r>
           </a:p>
           <a:p>
-            <a:pPr marL="342900" lvl="1" indent="-342900" eaLnBrk="1" hangingPunct="1">
-              <a:spcBef>
-                <a:spcPts val="2000"/>
-              </a:spcBef>
-              <a:buClr>
-                <a:schemeClr val="accent2"/>
-              </a:buClr>
-              <a:buFont typeface="Wingdings" pitchFamily="-110" charset="2"/>
-              <a:buChar char=""/>
-              <a:defRPr/>
-            </a:pPr>
-            <a:r>
-              <a:rPr lang="en-US" sz="2400" dirty="0"/>
+            <a:r>
+              <a:rPr lang="en-US" dirty="0"/>
               <a:t>Example: SELECT * FROM EMLPOYEE WHERE DID=‘15’</a:t>
             </a:r>
           </a:p>
           <a:p>
-            <a:pPr marL="742950" lvl="2" indent="-342900">
-              <a:spcBef>
-                <a:spcPts val="2000"/>
-              </a:spcBef>
-              <a:buClr>
-                <a:schemeClr val="accent2"/>
-              </a:buClr>
-              <a:buFont typeface="Wingdings" pitchFamily="-110" charset="2"/>
-              <a:buChar char=""/>
-              <a:defRPr/>
-            </a:pPr>
-            <a:r>
-              <a:rPr lang="en-US" altLang="zh-CN" sz="2400" dirty="0"/>
+            <a:pPr lvl="1"/>
+            <a:r>
+              <a:rPr lang="en-US" dirty="0"/>
               <a:t>return all tuples in EMPLOYEE table with attribute DID=‘15’</a:t>
             </a:r>
+          </a:p>
+          <a:p>
+            <a:endParaRPr lang="en-SE" dirty="0"/>
           </a:p>
         </p:txBody>
       </p:sp>
       <p:sp>
         <p:nvSpPr>
-          <p:cNvPr id="2" name="灯片编号占位符 1"/>
+          <p:cNvPr id="4" name="Slide Number Placeholder 3">
+            <a:extLst>
+              <a:ext uri="{FF2B5EF4-FFF2-40B4-BE49-F238E27FC236}">
+                <a16:creationId xmlns:a16="http://schemas.microsoft.com/office/drawing/2014/main" id="{D7F7C407-2920-4303-8B0D-2CC76A81E723}"/>
+              </a:ext>
+            </a:extLst>
+          </p:cNvPr>
           <p:cNvSpPr>
             <a:spLocks noGrp="1"/>
           </p:cNvSpPr>
@@ -21929,35 +22097,30 @@
           <a:bodyPr/>
           <a:lstStyle/>
           <a:p>
-            <a:fld id="{5F36C9FC-DA22-1F47-8722-58727A1D436E}" type="slidenum">
-              <a:rPr lang="en-US" smtClean="0">
-                <a:solidFill>
-                  <a:prstClr val="white">
-                    <a:lumMod val="65000"/>
-                    <a:lumOff val="35000"/>
-                  </a:prstClr>
-                </a:solidFill>
-              </a:rPr>
-              <a:pPr/>
+            <a:pPr>
+              <a:defRPr/>
+            </a:pPr>
+            <a:fld id="{F57F456A-00AF-44E6-8D70-638C0D0130FF}" type="slidenum">
+              <a:rPr lang="en-US" altLang="zh-CN" smtClean="0"/>
+              <a:pPr>
+                <a:defRPr/>
+              </a:pPr>
               <a:t>7</a:t>
             </a:fld>
-            <a:endParaRPr lang="en-US" dirty="0">
-              <a:solidFill>
-                <a:prstClr val="white">
-                  <a:lumMod val="65000"/>
-                  <a:lumOff val="35000"/>
-                </a:prstClr>
-              </a:solidFill>
-            </a:endParaRPr>
+            <a:endParaRPr lang="en-US" altLang="zh-CN" dirty="0"/>
           </a:p>
         </p:txBody>
       </p:sp>
     </p:spTree>
+    <p:extLst>
+      <p:ext uri="{BB962C8B-B14F-4D97-AF65-F5344CB8AC3E}">
+        <p14:creationId xmlns:p14="http://schemas.microsoft.com/office/powerpoint/2010/main" val="3821582186"/>
+      </p:ext>
+    </p:extLst>
   </p:cSld>
   <p:clrMapOvr>
     <a:masterClrMapping/>
   </p:clrMapOvr>
-  <p:transition spd="slow"/>
 </p:sld>
 </file>
 

--- a/InfoSec/PPTs/L6-CH05-Database Security.pptx
+++ b/InfoSec/PPTs/L6-CH05-Database Security.pptx
@@ -349,7 +349,7 @@
             <a:fld id="{999DDEF9-8F79-3F4A-8C1A-CB2E900DCD92}" type="datetimeFigureOut">
               <a:rPr lang="en-US" smtClean="0"/>
               <a:pPr/>
-              <a:t>5/7/2020</a:t>
+              <a:t>5/4/2021</a:t>
             </a:fld>
             <a:endParaRPr lang="en-US"/>
           </a:p>
@@ -13945,7 +13945,15 @@
           <a:p>
             <a:r>
               <a:rPr lang="en-US" dirty="0"/>
-              <a:t>ZJU 2020</a:t>
+              <a:t>ZJU </a:t>
+            </a:r>
+            <a:r>
+              <a:rPr lang="en-US" dirty="0" smtClean="0"/>
+              <a:t>202</a:t>
+            </a:r>
+            <a:r>
+              <a:rPr lang="en-SE" smtClean="0"/>
+              <a:t>1</a:t>
             </a:r>
             <a:endParaRPr lang="en-SE" dirty="0"/>
           </a:p>
@@ -21177,8 +21185,8 @@
           </a:p>
         </p:txBody>
       </p:sp>
-      <mc:AlternateContent xmlns:mc="http://schemas.openxmlformats.org/markup-compatibility/2006">
-        <mc:Choice xmlns:a14="http://schemas.microsoft.com/office/drawing/2010/main" Requires="a14">
+      <mc:AlternateContent xmlns:mc="http://schemas.openxmlformats.org/markup-compatibility/2006" xmlns:a14="http://schemas.microsoft.com/office/drawing/2010/main">
+        <mc:Choice Requires="a14">
           <p:sp>
             <p:nvSpPr>
               <p:cNvPr id="3" name="Content Placeholder 2">
@@ -21404,7 +21412,7 @@
             </p:txBody>
           </p:sp>
         </mc:Choice>
-        <mc:Fallback>
+        <mc:Fallback xmlns="">
           <p:sp>
             <p:nvSpPr>
               <p:cNvPr id="3" name="Content Placeholder 2">

--- a/InfoSec/PPTs/L6-CH05-Database Security.pptx
+++ b/InfoSec/PPTs/L6-CH05-Database Security.pptx
@@ -349,7 +349,7 @@
             <a:fld id="{999DDEF9-8F79-3F4A-8C1A-CB2E900DCD92}" type="datetimeFigureOut">
               <a:rPr lang="en-US" smtClean="0"/>
               <a:pPr/>
-              <a:t>5/7/2020</a:t>
+              <a:t>5/4/2021</a:t>
             </a:fld>
             <a:endParaRPr lang="en-US"/>
           </a:p>
@@ -13944,8 +13944,8 @@
           <a:lstStyle/>
           <a:p>
             <a:r>
-              <a:rPr lang="en-US" dirty="0"/>
-              <a:t>ZJU 2020</a:t>
+              <a:rPr lang="en-US"/>
+              <a:t>ZJU 2021</a:t>
             </a:r>
             <a:endParaRPr lang="en-SE" dirty="0"/>
           </a:p>
@@ -21177,8 +21177,8 @@
           </a:p>
         </p:txBody>
       </p:sp>
-      <mc:AlternateContent xmlns:mc="http://schemas.openxmlformats.org/markup-compatibility/2006">
-        <mc:Choice xmlns:a14="http://schemas.microsoft.com/office/drawing/2010/main" Requires="a14">
+      <mc:AlternateContent xmlns:mc="http://schemas.openxmlformats.org/markup-compatibility/2006" xmlns:a14="http://schemas.microsoft.com/office/drawing/2010/main">
+        <mc:Choice Requires="a14">
           <p:sp>
             <p:nvSpPr>
               <p:cNvPr id="3" name="Content Placeholder 2">
@@ -21404,7 +21404,7 @@
             </p:txBody>
           </p:sp>
         </mc:Choice>
-        <mc:Fallback>
+        <mc:Fallback xmlns="">
           <p:sp>
             <p:nvSpPr>
               <p:cNvPr id="3" name="Content Placeholder 2">

--- a/InfoSec/PPTs/L6-CH05-Database Security.pptx
+++ b/InfoSec/PPTs/L6-CH05-Database Security.pptx
@@ -349,7 +349,7 @@
             <a:fld id="{999DDEF9-8F79-3F4A-8C1A-CB2E900DCD92}" type="datetimeFigureOut">
               <a:rPr lang="en-US" smtClean="0"/>
               <a:pPr/>
-              <a:t>5/4/2021</a:t>
+              <a:t>3/24/2022</a:t>
             </a:fld>
             <a:endParaRPr lang="en-US"/>
           </a:p>
@@ -13944,10 +13944,17 @@
           <a:lstStyle/>
           <a:p>
             <a:r>
-              <a:rPr lang="en-US"/>
-              <a:t>ZJU 2021</a:t>
-            </a:r>
-            <a:endParaRPr lang="en-SE" dirty="0"/>
+              <a:rPr lang="en-US" altLang="zh-CN" kern="0" dirty="0"/>
+              <a:t>Zonghua Gu</a:t>
+            </a:r>
+            <a:endParaRPr lang="en-US" kern="0" dirty="0"/>
+          </a:p>
+          <a:p>
+            <a:r>
+              <a:rPr lang="en-US" kern="0"/>
+              <a:t>2018, ZJU</a:t>
+            </a:r>
+            <a:endParaRPr lang="en-SE" kern="0" dirty="0"/>
           </a:p>
         </p:txBody>
       </p:sp>

--- a/InfoSec/PPTs/L6-CH05-Database Security.pptx
+++ b/InfoSec/PPTs/L6-CH05-Database Security.pptx
@@ -349,7 +349,7 @@
             <a:fld id="{999DDEF9-8F79-3F4A-8C1A-CB2E900DCD92}" type="datetimeFigureOut">
               <a:rPr lang="en-US" smtClean="0"/>
               <a:pPr/>
-              <a:t>3/24/2022</a:t>
+              <a:t>3/27/2022</a:t>
             </a:fld>
             <a:endParaRPr lang="en-US"/>
           </a:p>
@@ -13952,7 +13952,11 @@
           <a:p>
             <a:r>
               <a:rPr lang="en-US" kern="0"/>
-              <a:t>2018, ZJU</a:t>
+              <a:t>2017, </a:t>
+            </a:r>
+            <a:r>
+              <a:rPr lang="en-US" kern="0" dirty="0"/>
+              <a:t>ZJU</a:t>
             </a:r>
             <a:endParaRPr lang="en-SE" kern="0" dirty="0"/>
           </a:p>
